--- a/1.1绪论.pptx
+++ b/1.1绪论.pptx
@@ -5,7 +5,7 @@
     <p:sldMasterId id="2147483648" r:id="rId1"/>
   </p:sldMasterIdLst>
   <p:notesMasterIdLst>
-    <p:notesMasterId r:id="rId25"/>
+    <p:notesMasterId r:id="rId20"/>
   </p:notesMasterIdLst>
   <p:sldIdLst>
     <p:sldId id="258" r:id="rId2"/>
@@ -24,13 +24,8 @@
     <p:sldId id="272" r:id="rId15"/>
     <p:sldId id="262" r:id="rId16"/>
     <p:sldId id="276" r:id="rId17"/>
-    <p:sldId id="277" r:id="rId18"/>
-    <p:sldId id="275" r:id="rId19"/>
-    <p:sldId id="273" r:id="rId20"/>
-    <p:sldId id="278" r:id="rId21"/>
-    <p:sldId id="264" r:id="rId22"/>
-    <p:sldId id="279" r:id="rId23"/>
-    <p:sldId id="265" r:id="rId24"/>
+    <p:sldId id="279" r:id="rId18"/>
+    <p:sldId id="265" r:id="rId19"/>
   </p:sldIdLst>
   <p:sldSz cx="12192000" cy="6858000"/>
   <p:notesSz cx="6858000" cy="9144000"/>
@@ -154,11 +149,6 @@
             <p14:sldId id="272"/>
             <p14:sldId id="262"/>
             <p14:sldId id="276"/>
-            <p14:sldId id="277"/>
-            <p14:sldId id="275"/>
-            <p14:sldId id="273"/>
-            <p14:sldId id="278"/>
-            <p14:sldId id="264"/>
             <p14:sldId id="279"/>
             <p14:sldId id="265"/>
           </p14:sldIdLst>
@@ -793,26 +783,7 @@
           <a:bodyPr/>
           <a:lstStyle/>
           <a:p>
-            <a:endParaRPr kumimoji="1" lang="zh-CN" altLang="en-US" dirty="0"/>
-          </a:p>
-        </p:txBody>
-      </p:sp>
-      <p:sp>
-        <p:nvSpPr>
-          <p:cNvPr id="4" name="灯片编号占位符 3"/>
-          <p:cNvSpPr>
-            <a:spLocks noGrp="1"/>
-          </p:cNvSpPr>
-          <p:nvPr>
-            <p:ph type="sldNum" sz="quarter" idx="5"/>
-          </p:nvPr>
-        </p:nvSpPr>
-        <p:spPr/>
-        <p:txBody>
-          <a:bodyPr/>
-          <a:lstStyle/>
-          <a:p>
-            <a:pPr marL="0" marR="0" lvl="0" indent="0" algn="r" defTabSz="914400" rtl="0" eaLnBrk="1" fontAlgn="auto" latinLnBrk="0" hangingPunct="1">
+            <a:pPr marL="0" marR="0" lvl="0" indent="0" algn="l" defTabSz="914400" rtl="0" eaLnBrk="1" fontAlgn="auto" latinLnBrk="0" hangingPunct="1">
               <a:lnSpc>
                 <a:spcPct val="100000"/>
               </a:lnSpc>
@@ -829,61 +800,44 @@
               <a:tabLst/>
               <a:defRPr/>
             </a:pPr>
+            <a:r>
+              <a:rPr kumimoji="1" lang="zh-CN" altLang="en-US" dirty="0"/>
+              <a:t>另一个例子：狗会叫，猫会叫，鸭子也会叫，那他们可以抽象成 一个动物对象，这个动物对象有叫这个动作，但至于具体如何叫，就不是抽象数据模型的职责了，而是具体数据类型的职责</a:t>
+            </a:r>
+            <a:endParaRPr kumimoji="1" lang="en-US" altLang="zh-CN" dirty="0"/>
+          </a:p>
+          <a:p>
+            <a:endParaRPr kumimoji="1" lang="zh-CN" altLang="en-US" dirty="0"/>
+          </a:p>
+        </p:txBody>
+      </p:sp>
+      <p:sp>
+        <p:nvSpPr>
+          <p:cNvPr id="4" name="灯片编号占位符 3"/>
+          <p:cNvSpPr>
+            <a:spLocks noGrp="1"/>
+          </p:cNvSpPr>
+          <p:nvPr>
+            <p:ph type="sldNum" sz="quarter" idx="5"/>
+          </p:nvPr>
+        </p:nvSpPr>
+        <p:spPr/>
+        <p:txBody>
+          <a:bodyPr/>
+          <a:lstStyle/>
+          <a:p>
             <a:fld id="{0F8E57A1-C481-6944-857F-EAC8E932B5ED}" type="slidenum">
-              <a:rPr kumimoji="1" lang="zh-CN" altLang="en-US" sz="1200" b="0" i="0" u="none" strike="noStrike" kern="1200" cap="none" spc="0" normalizeH="0" baseline="0" noProof="0" smtClean="0">
-                <a:ln>
-                  <a:noFill/>
-                </a:ln>
-                <a:solidFill>
-                  <a:prstClr val="black"/>
-                </a:solidFill>
-                <a:effectLst/>
-                <a:uLnTx/>
-                <a:uFillTx/>
-                <a:latin typeface="等线" panose="020F0502020204030204"/>
-                <a:ea typeface="等线" panose="02010600030101010101" pitchFamily="2" charset="-122"/>
-                <a:cs typeface="+mn-cs"/>
-              </a:rPr>
-              <a:pPr marL="0" marR="0" lvl="0" indent="0" algn="r" defTabSz="914400" rtl="0" eaLnBrk="1" fontAlgn="auto" latinLnBrk="0" hangingPunct="1">
-                <a:lnSpc>
-                  <a:spcPct val="100000"/>
-                </a:lnSpc>
-                <a:spcBef>
-                  <a:spcPts val="0"/>
-                </a:spcBef>
-                <a:spcAft>
-                  <a:spcPts val="0"/>
-                </a:spcAft>
-                <a:buClrTx/>
-                <a:buSzTx/>
-                <a:buFontTx/>
-                <a:buNone/>
-                <a:tabLst/>
-                <a:defRPr/>
-              </a:pPr>
+              <a:rPr kumimoji="1" lang="zh-CN" altLang="en-US" smtClean="0"/>
               <a:t>17</a:t>
             </a:fld>
-            <a:endParaRPr kumimoji="1" lang="zh-CN" altLang="en-US" sz="1200" b="0" i="0" u="none" strike="noStrike" kern="1200" cap="none" spc="0" normalizeH="0" baseline="0" noProof="0">
-              <a:ln>
-                <a:noFill/>
-              </a:ln>
-              <a:solidFill>
-                <a:prstClr val="black"/>
-              </a:solidFill>
-              <a:effectLst/>
-              <a:uLnTx/>
-              <a:uFillTx/>
-              <a:latin typeface="等线" panose="020F0502020204030204"/>
-              <a:ea typeface="等线" panose="02010600030101010101" pitchFamily="2" charset="-122"/>
-              <a:cs typeface="+mn-cs"/>
-            </a:endParaRPr>
+            <a:endParaRPr kumimoji="1" lang="zh-CN" altLang="en-US"/>
           </a:p>
         </p:txBody>
       </p:sp>
     </p:spTree>
     <p:extLst>
       <p:ext uri="{BB962C8B-B14F-4D97-AF65-F5344CB8AC3E}">
-        <p14:creationId xmlns:p14="http://schemas.microsoft.com/office/powerpoint/2010/main" val="1271437268"/>
+        <p14:creationId xmlns:p14="http://schemas.microsoft.com/office/powerpoint/2010/main" val="4167110842"/>
       </p:ext>
     </p:extLst>
   </p:cSld>
@@ -959,474 +913,6 @@
             <a:fld id="{0F8E57A1-C481-6944-857F-EAC8E932B5ED}" type="slidenum">
               <a:rPr kumimoji="1" lang="zh-CN" altLang="en-US" smtClean="0"/>
               <a:t>18</a:t>
-            </a:fld>
-            <a:endParaRPr kumimoji="1" lang="zh-CN" altLang="en-US"/>
-          </a:p>
-        </p:txBody>
-      </p:sp>
-    </p:spTree>
-    <p:extLst>
-      <p:ext uri="{BB962C8B-B14F-4D97-AF65-F5344CB8AC3E}">
-        <p14:creationId xmlns:p14="http://schemas.microsoft.com/office/powerpoint/2010/main" val="1598761612"/>
-      </p:ext>
-    </p:extLst>
-  </p:cSld>
-  <p:clrMapOvr>
-    <a:masterClrMapping/>
-  </p:clrMapOvr>
-</p:notes>
-</file>
-
-<file path=ppt/notesSlides/notesSlide13.xml><?xml version="1.0" encoding="utf-8"?>
-<p:notes xmlns:a="http://schemas.openxmlformats.org/drawingml/2006/main" xmlns:r="http://schemas.openxmlformats.org/officeDocument/2006/relationships" xmlns:p="http://schemas.openxmlformats.org/presentationml/2006/main">
-  <p:cSld>
-    <p:spTree>
-      <p:nvGrpSpPr>
-        <p:cNvPr id="1" name=""/>
-        <p:cNvGrpSpPr/>
-        <p:nvPr/>
-      </p:nvGrpSpPr>
-      <p:grpSpPr>
-        <a:xfrm>
-          <a:off x="0" y="0"/>
-          <a:ext cx="0" cy="0"/>
-          <a:chOff x="0" y="0"/>
-          <a:chExt cx="0" cy="0"/>
-        </a:xfrm>
-      </p:grpSpPr>
-      <p:sp>
-        <p:nvSpPr>
-          <p:cNvPr id="2" name="幻灯片图像占位符 1"/>
-          <p:cNvSpPr>
-            <a:spLocks noGrp="1" noRot="1" noChangeAspect="1"/>
-          </p:cNvSpPr>
-          <p:nvPr>
-            <p:ph type="sldImg"/>
-          </p:nvPr>
-        </p:nvSpPr>
-        <p:spPr/>
-      </p:sp>
-      <p:sp>
-        <p:nvSpPr>
-          <p:cNvPr id="3" name="备注占位符 2"/>
-          <p:cNvSpPr>
-            <a:spLocks noGrp="1"/>
-          </p:cNvSpPr>
-          <p:nvPr>
-            <p:ph type="body" idx="1"/>
-          </p:nvPr>
-        </p:nvSpPr>
-        <p:spPr/>
-        <p:txBody>
-          <a:bodyPr/>
-          <a:lstStyle/>
-          <a:p>
-            <a:endParaRPr kumimoji="1" lang="zh-CN" altLang="en-US" dirty="0"/>
-          </a:p>
-        </p:txBody>
-      </p:sp>
-      <p:sp>
-        <p:nvSpPr>
-          <p:cNvPr id="4" name="灯片编号占位符 3"/>
-          <p:cNvSpPr>
-            <a:spLocks noGrp="1"/>
-          </p:cNvSpPr>
-          <p:nvPr>
-            <p:ph type="sldNum" sz="quarter" idx="5"/>
-          </p:nvPr>
-        </p:nvSpPr>
-        <p:spPr/>
-        <p:txBody>
-          <a:bodyPr/>
-          <a:lstStyle/>
-          <a:p>
-            <a:fld id="{0F8E57A1-C481-6944-857F-EAC8E932B5ED}" type="slidenum">
-              <a:rPr kumimoji="1" lang="zh-CN" altLang="en-US" smtClean="0"/>
-              <a:t>19</a:t>
-            </a:fld>
-            <a:endParaRPr kumimoji="1" lang="zh-CN" altLang="en-US"/>
-          </a:p>
-        </p:txBody>
-      </p:sp>
-    </p:spTree>
-    <p:extLst>
-      <p:ext uri="{BB962C8B-B14F-4D97-AF65-F5344CB8AC3E}">
-        <p14:creationId xmlns:p14="http://schemas.microsoft.com/office/powerpoint/2010/main" val="3085926457"/>
-      </p:ext>
-    </p:extLst>
-  </p:cSld>
-  <p:clrMapOvr>
-    <a:masterClrMapping/>
-  </p:clrMapOvr>
-</p:notes>
-</file>
-
-<file path=ppt/notesSlides/notesSlide14.xml><?xml version="1.0" encoding="utf-8"?>
-<p:notes xmlns:a="http://schemas.openxmlformats.org/drawingml/2006/main" xmlns:r="http://schemas.openxmlformats.org/officeDocument/2006/relationships" xmlns:p="http://schemas.openxmlformats.org/presentationml/2006/main">
-  <p:cSld>
-    <p:spTree>
-      <p:nvGrpSpPr>
-        <p:cNvPr id="1" name=""/>
-        <p:cNvGrpSpPr/>
-        <p:nvPr/>
-      </p:nvGrpSpPr>
-      <p:grpSpPr>
-        <a:xfrm>
-          <a:off x="0" y="0"/>
-          <a:ext cx="0" cy="0"/>
-          <a:chOff x="0" y="0"/>
-          <a:chExt cx="0" cy="0"/>
-        </a:xfrm>
-      </p:grpSpPr>
-      <p:sp>
-        <p:nvSpPr>
-          <p:cNvPr id="2" name="幻灯片图像占位符 1"/>
-          <p:cNvSpPr>
-            <a:spLocks noGrp="1" noRot="1" noChangeAspect="1"/>
-          </p:cNvSpPr>
-          <p:nvPr>
-            <p:ph type="sldImg"/>
-          </p:nvPr>
-        </p:nvSpPr>
-        <p:spPr/>
-      </p:sp>
-      <p:sp>
-        <p:nvSpPr>
-          <p:cNvPr id="3" name="备注占位符 2"/>
-          <p:cNvSpPr>
-            <a:spLocks noGrp="1"/>
-          </p:cNvSpPr>
-          <p:nvPr>
-            <p:ph type="body" idx="1"/>
-          </p:nvPr>
-        </p:nvSpPr>
-        <p:spPr/>
-        <p:txBody>
-          <a:bodyPr/>
-          <a:lstStyle/>
-          <a:p>
-            <a:endParaRPr kumimoji="1" lang="zh-CN" altLang="en-US" dirty="0"/>
-          </a:p>
-        </p:txBody>
-      </p:sp>
-      <p:sp>
-        <p:nvSpPr>
-          <p:cNvPr id="4" name="灯片编号占位符 3"/>
-          <p:cNvSpPr>
-            <a:spLocks noGrp="1"/>
-          </p:cNvSpPr>
-          <p:nvPr>
-            <p:ph type="sldNum" sz="quarter" idx="5"/>
-          </p:nvPr>
-        </p:nvSpPr>
-        <p:spPr/>
-        <p:txBody>
-          <a:bodyPr/>
-          <a:lstStyle/>
-          <a:p>
-            <a:fld id="{0F8E57A1-C481-6944-857F-EAC8E932B5ED}" type="slidenum">
-              <a:rPr kumimoji="1" lang="zh-CN" altLang="en-US" smtClean="0"/>
-              <a:t>20</a:t>
-            </a:fld>
-            <a:endParaRPr kumimoji="1" lang="zh-CN" altLang="en-US"/>
-          </a:p>
-        </p:txBody>
-      </p:sp>
-    </p:spTree>
-    <p:extLst>
-      <p:ext uri="{BB962C8B-B14F-4D97-AF65-F5344CB8AC3E}">
-        <p14:creationId xmlns:p14="http://schemas.microsoft.com/office/powerpoint/2010/main" val="127935022"/>
-      </p:ext>
-    </p:extLst>
-  </p:cSld>
-  <p:clrMapOvr>
-    <a:masterClrMapping/>
-  </p:clrMapOvr>
-</p:notes>
-</file>
-
-<file path=ppt/notesSlides/notesSlide15.xml><?xml version="1.0" encoding="utf-8"?>
-<p:notes xmlns:a="http://schemas.openxmlformats.org/drawingml/2006/main" xmlns:r="http://schemas.openxmlformats.org/officeDocument/2006/relationships" xmlns:p="http://schemas.openxmlformats.org/presentationml/2006/main">
-  <p:cSld>
-    <p:spTree>
-      <p:nvGrpSpPr>
-        <p:cNvPr id="1" name=""/>
-        <p:cNvGrpSpPr/>
-        <p:nvPr/>
-      </p:nvGrpSpPr>
-      <p:grpSpPr>
-        <a:xfrm>
-          <a:off x="0" y="0"/>
-          <a:ext cx="0" cy="0"/>
-          <a:chOff x="0" y="0"/>
-          <a:chExt cx="0" cy="0"/>
-        </a:xfrm>
-      </p:grpSpPr>
-      <p:sp>
-        <p:nvSpPr>
-          <p:cNvPr id="2" name="幻灯片图像占位符 1"/>
-          <p:cNvSpPr>
-            <a:spLocks noGrp="1" noRot="1" noChangeAspect="1"/>
-          </p:cNvSpPr>
-          <p:nvPr>
-            <p:ph type="sldImg"/>
-          </p:nvPr>
-        </p:nvSpPr>
-        <p:spPr/>
-      </p:sp>
-      <p:sp>
-        <p:nvSpPr>
-          <p:cNvPr id="3" name="备注占位符 2"/>
-          <p:cNvSpPr>
-            <a:spLocks noGrp="1"/>
-          </p:cNvSpPr>
-          <p:nvPr>
-            <p:ph type="body" idx="1"/>
-          </p:nvPr>
-        </p:nvSpPr>
-        <p:spPr/>
-        <p:txBody>
-          <a:bodyPr/>
-          <a:lstStyle/>
-          <a:p>
-            <a:pPr marL="0" marR="0" lvl="0" indent="0" algn="l" defTabSz="914400" rtl="0" eaLnBrk="1" fontAlgn="auto" latinLnBrk="0" hangingPunct="1">
-              <a:lnSpc>
-                <a:spcPct val="100000"/>
-              </a:lnSpc>
-              <a:spcBef>
-                <a:spcPts val="0"/>
-              </a:spcBef>
-              <a:spcAft>
-                <a:spcPts val="0"/>
-              </a:spcAft>
-              <a:buClrTx/>
-              <a:buSzTx/>
-              <a:buFontTx/>
-              <a:buNone/>
-              <a:tabLst/>
-              <a:defRPr/>
-            </a:pPr>
-            <a:r>
-              <a:rPr kumimoji="1" lang="zh-CN" altLang="en-US" dirty="0"/>
-              <a:t>另一个例子：狗会叫，猫会叫，鸭子也会叫，那他们可以抽象成 一个动物对象，这个动物对象有叫这个动作，但至于具体如何叫，就不是抽象数据模型的职责了，而是具体数据类型的职责</a:t>
-            </a:r>
-            <a:endParaRPr kumimoji="1" lang="en-US" altLang="zh-CN" dirty="0"/>
-          </a:p>
-          <a:p>
-            <a:endParaRPr kumimoji="1" lang="zh-CN" altLang="en-US" dirty="0"/>
-          </a:p>
-        </p:txBody>
-      </p:sp>
-      <p:sp>
-        <p:nvSpPr>
-          <p:cNvPr id="4" name="灯片编号占位符 3"/>
-          <p:cNvSpPr>
-            <a:spLocks noGrp="1"/>
-          </p:cNvSpPr>
-          <p:nvPr>
-            <p:ph type="sldNum" sz="quarter" idx="5"/>
-          </p:nvPr>
-        </p:nvSpPr>
-        <p:spPr/>
-        <p:txBody>
-          <a:bodyPr/>
-          <a:lstStyle/>
-          <a:p>
-            <a:fld id="{0F8E57A1-C481-6944-857F-EAC8E932B5ED}" type="slidenum">
-              <a:rPr kumimoji="1" lang="zh-CN" altLang="en-US" smtClean="0"/>
-              <a:t>21</a:t>
-            </a:fld>
-            <a:endParaRPr kumimoji="1" lang="zh-CN" altLang="en-US"/>
-          </a:p>
-        </p:txBody>
-      </p:sp>
-    </p:spTree>
-    <p:extLst>
-      <p:ext uri="{BB962C8B-B14F-4D97-AF65-F5344CB8AC3E}">
-        <p14:creationId xmlns:p14="http://schemas.microsoft.com/office/powerpoint/2010/main" val="2800683329"/>
-      </p:ext>
-    </p:extLst>
-  </p:cSld>
-  <p:clrMapOvr>
-    <a:masterClrMapping/>
-  </p:clrMapOvr>
-</p:notes>
-</file>
-
-<file path=ppt/notesSlides/notesSlide16.xml><?xml version="1.0" encoding="utf-8"?>
-<p:notes xmlns:a="http://schemas.openxmlformats.org/drawingml/2006/main" xmlns:r="http://schemas.openxmlformats.org/officeDocument/2006/relationships" xmlns:p="http://schemas.openxmlformats.org/presentationml/2006/main">
-  <p:cSld>
-    <p:spTree>
-      <p:nvGrpSpPr>
-        <p:cNvPr id="1" name=""/>
-        <p:cNvGrpSpPr/>
-        <p:nvPr/>
-      </p:nvGrpSpPr>
-      <p:grpSpPr>
-        <a:xfrm>
-          <a:off x="0" y="0"/>
-          <a:ext cx="0" cy="0"/>
-          <a:chOff x="0" y="0"/>
-          <a:chExt cx="0" cy="0"/>
-        </a:xfrm>
-      </p:grpSpPr>
-      <p:sp>
-        <p:nvSpPr>
-          <p:cNvPr id="2" name="幻灯片图像占位符 1"/>
-          <p:cNvSpPr>
-            <a:spLocks noGrp="1" noRot="1" noChangeAspect="1"/>
-          </p:cNvSpPr>
-          <p:nvPr>
-            <p:ph type="sldImg"/>
-          </p:nvPr>
-        </p:nvSpPr>
-        <p:spPr/>
-      </p:sp>
-      <p:sp>
-        <p:nvSpPr>
-          <p:cNvPr id="3" name="备注占位符 2"/>
-          <p:cNvSpPr>
-            <a:spLocks noGrp="1"/>
-          </p:cNvSpPr>
-          <p:nvPr>
-            <p:ph type="body" idx="1"/>
-          </p:nvPr>
-        </p:nvSpPr>
-        <p:spPr/>
-        <p:txBody>
-          <a:bodyPr/>
-          <a:lstStyle/>
-          <a:p>
-            <a:pPr marL="0" marR="0" lvl="0" indent="0" algn="l" defTabSz="914400" rtl="0" eaLnBrk="1" fontAlgn="auto" latinLnBrk="0" hangingPunct="1">
-              <a:lnSpc>
-                <a:spcPct val="100000"/>
-              </a:lnSpc>
-              <a:spcBef>
-                <a:spcPts val="0"/>
-              </a:spcBef>
-              <a:spcAft>
-                <a:spcPts val="0"/>
-              </a:spcAft>
-              <a:buClrTx/>
-              <a:buSzTx/>
-              <a:buFontTx/>
-              <a:buNone/>
-              <a:tabLst/>
-              <a:defRPr/>
-            </a:pPr>
-            <a:r>
-              <a:rPr kumimoji="1" lang="zh-CN" altLang="en-US" dirty="0"/>
-              <a:t>另一个例子：狗会叫，猫会叫，鸭子也会叫，那他们可以抽象成 一个动物对象，这个动物对象有叫这个动作，但至于具体如何叫，就不是抽象数据模型的职责了，而是具体数据类型的职责</a:t>
-            </a:r>
-            <a:endParaRPr kumimoji="1" lang="en-US" altLang="zh-CN" dirty="0"/>
-          </a:p>
-          <a:p>
-            <a:endParaRPr kumimoji="1" lang="zh-CN" altLang="en-US" dirty="0"/>
-          </a:p>
-        </p:txBody>
-      </p:sp>
-      <p:sp>
-        <p:nvSpPr>
-          <p:cNvPr id="4" name="灯片编号占位符 3"/>
-          <p:cNvSpPr>
-            <a:spLocks noGrp="1"/>
-          </p:cNvSpPr>
-          <p:nvPr>
-            <p:ph type="sldNum" sz="quarter" idx="5"/>
-          </p:nvPr>
-        </p:nvSpPr>
-        <p:spPr/>
-        <p:txBody>
-          <a:bodyPr/>
-          <a:lstStyle/>
-          <a:p>
-            <a:fld id="{0F8E57A1-C481-6944-857F-EAC8E932B5ED}" type="slidenum">
-              <a:rPr kumimoji="1" lang="zh-CN" altLang="en-US" smtClean="0"/>
-              <a:t>22</a:t>
-            </a:fld>
-            <a:endParaRPr kumimoji="1" lang="zh-CN" altLang="en-US"/>
-          </a:p>
-        </p:txBody>
-      </p:sp>
-    </p:spTree>
-    <p:extLst>
-      <p:ext uri="{BB962C8B-B14F-4D97-AF65-F5344CB8AC3E}">
-        <p14:creationId xmlns:p14="http://schemas.microsoft.com/office/powerpoint/2010/main" val="4167110842"/>
-      </p:ext>
-    </p:extLst>
-  </p:cSld>
-  <p:clrMapOvr>
-    <a:masterClrMapping/>
-  </p:clrMapOvr>
-</p:notes>
-</file>
-
-<file path=ppt/notesSlides/notesSlide17.xml><?xml version="1.0" encoding="utf-8"?>
-<p:notes xmlns:a="http://schemas.openxmlformats.org/drawingml/2006/main" xmlns:r="http://schemas.openxmlformats.org/officeDocument/2006/relationships" xmlns:p="http://schemas.openxmlformats.org/presentationml/2006/main">
-  <p:cSld>
-    <p:spTree>
-      <p:nvGrpSpPr>
-        <p:cNvPr id="1" name=""/>
-        <p:cNvGrpSpPr/>
-        <p:nvPr/>
-      </p:nvGrpSpPr>
-      <p:grpSpPr>
-        <a:xfrm>
-          <a:off x="0" y="0"/>
-          <a:ext cx="0" cy="0"/>
-          <a:chOff x="0" y="0"/>
-          <a:chExt cx="0" cy="0"/>
-        </a:xfrm>
-      </p:grpSpPr>
-      <p:sp>
-        <p:nvSpPr>
-          <p:cNvPr id="2" name="幻灯片图像占位符 1"/>
-          <p:cNvSpPr>
-            <a:spLocks noGrp="1" noRot="1" noChangeAspect="1"/>
-          </p:cNvSpPr>
-          <p:nvPr>
-            <p:ph type="sldImg"/>
-          </p:nvPr>
-        </p:nvSpPr>
-        <p:spPr/>
-      </p:sp>
-      <p:sp>
-        <p:nvSpPr>
-          <p:cNvPr id="3" name="备注占位符 2"/>
-          <p:cNvSpPr>
-            <a:spLocks noGrp="1"/>
-          </p:cNvSpPr>
-          <p:nvPr>
-            <p:ph type="body" idx="1"/>
-          </p:nvPr>
-        </p:nvSpPr>
-        <p:spPr/>
-        <p:txBody>
-          <a:bodyPr/>
-          <a:lstStyle/>
-          <a:p>
-            <a:endParaRPr kumimoji="1" lang="zh-CN" altLang="en-US" dirty="0"/>
-          </a:p>
-        </p:txBody>
-      </p:sp>
-      <p:sp>
-        <p:nvSpPr>
-          <p:cNvPr id="4" name="灯片编号占位符 3"/>
-          <p:cNvSpPr>
-            <a:spLocks noGrp="1"/>
-          </p:cNvSpPr>
-          <p:nvPr>
-            <p:ph type="sldNum" sz="quarter" idx="5"/>
-          </p:nvPr>
-        </p:nvSpPr>
-        <p:spPr/>
-        <p:txBody>
-          <a:bodyPr/>
-          <a:lstStyle/>
-          <a:p>
-            <a:fld id="{0F8E57A1-C481-6944-857F-EAC8E932B5ED}" type="slidenum">
-              <a:rPr kumimoji="1" lang="zh-CN" altLang="en-US" smtClean="0"/>
-              <a:t>23</a:t>
             </a:fld>
             <a:endParaRPr kumimoji="1" lang="zh-CN" altLang="en-US"/>
           </a:p>
@@ -5890,11 +5376,32 @@
           <a:p>
             <a:pPr algn="ctr"/>
             <a:r>
+              <a:rPr kumimoji="1" lang="en-US" altLang="zh-CN" sz="4800" dirty="0">
+                <a:latin typeface="Microsoft YaHei" panose="020B0503020204020204" pitchFamily="34" charset="-122"/>
+                <a:ea typeface="Microsoft YaHei" panose="020B0503020204020204" pitchFamily="34" charset="-122"/>
+              </a:rPr>
+              <a:t>4.Java</a:t>
+            </a:r>
+            <a:r>
               <a:rPr kumimoji="1" lang="zh-CN" altLang="en-US" sz="4800" dirty="0">
                 <a:latin typeface="Microsoft YaHei" panose="020B0503020204020204" pitchFamily="34" charset="-122"/>
                 <a:ea typeface="Microsoft YaHei" panose="020B0503020204020204" pitchFamily="34" charset="-122"/>
               </a:rPr>
-              <a:t>数据项</a:t>
+              <a:t>基础</a:t>
+            </a:r>
+            <a:r>
+              <a:rPr kumimoji="1" lang="en-US" altLang="zh-CN" sz="4800" dirty="0">
+                <a:latin typeface="Microsoft YaHei" panose="020B0503020204020204" pitchFamily="34" charset="-122"/>
+                <a:ea typeface="Microsoft YaHei" panose="020B0503020204020204" pitchFamily="34" charset="-122"/>
+              </a:rPr>
+              <a:t>---</a:t>
+            </a:r>
+            <a:r>
+              <a:rPr kumimoji="1" lang="zh-CN" altLang="en-US" sz="4800" dirty="0">
+                <a:latin typeface="Microsoft YaHei" panose="020B0503020204020204" pitchFamily="34" charset="-122"/>
+                <a:ea typeface="Microsoft YaHei" panose="020B0503020204020204" pitchFamily="34" charset="-122"/>
+              </a:rPr>
+              <a:t>操作系统</a:t>
             </a:r>
           </a:p>
         </p:txBody>
@@ -6148,11 +5655,18 @@
           <a:p>
             <a:pPr algn="ctr"/>
             <a:r>
+              <a:rPr kumimoji="1" lang="en-US" altLang="zh-CN" sz="4800" dirty="0">
+                <a:latin typeface="Microsoft YaHei" panose="020B0503020204020204" pitchFamily="34" charset="-122"/>
+                <a:ea typeface="Microsoft YaHei" panose="020B0503020204020204" pitchFamily="34" charset="-122"/>
+              </a:rPr>
+              <a:t>5.</a:t>
+            </a:r>
+            <a:r>
               <a:rPr kumimoji="1" lang="zh-CN" altLang="en-US" sz="4800" dirty="0">
                 <a:latin typeface="Microsoft YaHei" panose="020B0503020204020204" pitchFamily="34" charset="-122"/>
                 <a:ea typeface="Microsoft YaHei" panose="020B0503020204020204" pitchFamily="34" charset="-122"/>
               </a:rPr>
-              <a:t>数据结构</a:t>
+              <a:t>高级语言程序执行过程</a:t>
             </a:r>
           </a:p>
         </p:txBody>
@@ -6444,14 +5958,35 @@
                 <a:latin typeface="Microsoft YaHei" panose="020B0503020204020204" pitchFamily="34" charset="-122"/>
                 <a:ea typeface="Microsoft YaHei" panose="020B0503020204020204" pitchFamily="34" charset="-122"/>
               </a:rPr>
-              <a:t>3.</a:t>
+              <a:t>6.</a:t>
             </a:r>
             <a:r>
               <a:rPr lang="zh-CN" altLang="en-US" sz="4800" dirty="0">
                 <a:latin typeface="Microsoft YaHei" panose="020B0503020204020204" pitchFamily="34" charset="-122"/>
                 <a:ea typeface="Microsoft YaHei" panose="020B0503020204020204" pitchFamily="34" charset="-122"/>
               </a:rPr>
-              <a:t> 逻辑结构与物理结构</a:t>
+              <a:t> </a:t>
+            </a:r>
+            <a:r>
+              <a:rPr lang="en-US" altLang="zh-CN" sz="4800" dirty="0">
+                <a:latin typeface="Microsoft YaHei" panose="020B0503020204020204" pitchFamily="34" charset="-122"/>
+                <a:ea typeface="Microsoft YaHei" panose="020B0503020204020204" pitchFamily="34" charset="-122"/>
+              </a:rPr>
+              <a:t>JDK</a:t>
+            </a:r>
+            <a:r>
+              <a:rPr lang="zh-CN" altLang="en-US" sz="4800" dirty="0">
+                <a:latin typeface="Microsoft YaHei" panose="020B0503020204020204" pitchFamily="34" charset="-122"/>
+                <a:ea typeface="Microsoft YaHei" panose="020B0503020204020204" pitchFamily="34" charset="-122"/>
+              </a:rPr>
+              <a:t> 和 </a:t>
+            </a:r>
+            <a:r>
+              <a:rPr lang="en-US" altLang="zh-CN" sz="4800" dirty="0">
+                <a:latin typeface="Microsoft YaHei" panose="020B0503020204020204" pitchFamily="34" charset="-122"/>
+                <a:ea typeface="Microsoft YaHei" panose="020B0503020204020204" pitchFamily="34" charset="-122"/>
+              </a:rPr>
+              <a:t>IDE</a:t>
             </a:r>
             <a:endParaRPr kumimoji="1" lang="zh-CN" altLang="en-US" sz="4800" dirty="0">
               <a:latin typeface="Microsoft YaHei" panose="020B0503020204020204" pitchFamily="34" charset="-122"/>
@@ -6886,11 +6421,32 @@
           <a:p>
             <a:pPr algn="ctr"/>
             <a:r>
+              <a:rPr lang="en-US" altLang="zh-CN" sz="4800" dirty="0">
+                <a:latin typeface="Microsoft YaHei" panose="020B0503020204020204" pitchFamily="34" charset="-122"/>
+                <a:ea typeface="Microsoft YaHei" panose="020B0503020204020204" pitchFamily="34" charset="-122"/>
+              </a:rPr>
+              <a:t>7.</a:t>
+            </a:r>
+            <a:r>
               <a:rPr lang="zh-CN" altLang="en-US" sz="4800" dirty="0">
                 <a:latin typeface="Microsoft YaHei" panose="020B0503020204020204" pitchFamily="34" charset="-122"/>
                 <a:ea typeface="Microsoft YaHei" panose="020B0503020204020204" pitchFamily="34" charset="-122"/>
               </a:rPr>
-              <a:t>逻辑结构之集合</a:t>
+              <a:t>一个简单的</a:t>
+            </a:r>
+            <a:r>
+              <a:rPr lang="en-US" altLang="zh-CN" sz="4800" dirty="0">
+                <a:latin typeface="Microsoft YaHei" panose="020B0503020204020204" pitchFamily="34" charset="-122"/>
+                <a:ea typeface="Microsoft YaHei" panose="020B0503020204020204" pitchFamily="34" charset="-122"/>
+              </a:rPr>
+              <a:t>Java</a:t>
+            </a:r>
+            <a:r>
+              <a:rPr lang="zh-CN" altLang="en-US" sz="4800" dirty="0">
+                <a:latin typeface="Microsoft YaHei" panose="020B0503020204020204" pitchFamily="34" charset="-122"/>
+                <a:ea typeface="Microsoft YaHei" panose="020B0503020204020204" pitchFamily="34" charset="-122"/>
+              </a:rPr>
+              <a:t>程序</a:t>
             </a:r>
             <a:endParaRPr kumimoji="1" lang="zh-CN" altLang="en-US" sz="4800" dirty="0">
               <a:latin typeface="Microsoft YaHei" panose="020B0503020204020204" pitchFamily="34" charset="-122"/>
@@ -7611,6 +7167,23 @@
               <a:defRPr/>
             </a:pPr>
             <a:r>
+              <a:rPr kumimoji="0" lang="en-US" altLang="zh-CN" sz="4800" b="0" i="0" u="none" strike="noStrike" kern="1200" cap="none" spc="0" normalizeH="0" baseline="0" noProof="0" dirty="0">
+                <a:ln>
+                  <a:noFill/>
+                </a:ln>
+                <a:solidFill>
+                  <a:prstClr val="black"/>
+                </a:solidFill>
+                <a:effectLst/>
+                <a:uLnTx/>
+                <a:uFillTx/>
+                <a:latin typeface="Microsoft YaHei" panose="020B0503020204020204" pitchFamily="34" charset="-122"/>
+                <a:ea typeface="Microsoft YaHei" panose="020B0503020204020204" pitchFamily="34" charset="-122"/>
+                <a:cs typeface="+mn-cs"/>
+              </a:rPr>
+              <a:t>8.Java</a:t>
+            </a:r>
+            <a:r>
               <a:rPr kumimoji="0" lang="zh-CN" altLang="en-US" sz="4800" b="0" i="0" u="none" strike="noStrike" kern="1200" cap="none" spc="0" normalizeH="0" baseline="0" noProof="0" dirty="0">
                 <a:ln>
                   <a:noFill/>
@@ -7625,7 +7198,7 @@
                 <a:ea typeface="Microsoft YaHei" panose="020B0503020204020204" pitchFamily="34" charset="-122"/>
                 <a:cs typeface="+mn-cs"/>
               </a:rPr>
-              <a:t>逻辑结构之线性结构</a:t>
+              <a:t>的一些规范</a:t>
             </a:r>
             <a:endParaRPr kumimoji="1" lang="zh-CN" altLang="en-US" sz="4800" b="0" i="0" u="none" strike="noStrike" kern="1200" cap="none" spc="0" normalizeH="0" baseline="0" noProof="0" dirty="0">
               <a:ln>
@@ -9055,8 +8628,8 @@
         </p:nvSpPr>
         <p:spPr>
           <a:xfrm>
-            <a:off x="2520000" y="720000"/>
-            <a:ext cx="7735824" cy="830997"/>
+            <a:off x="2228088" y="2921168"/>
+            <a:ext cx="7735824" cy="1015663"/>
           </a:xfrm>
           <a:prstGeom prst="rect">
             <a:avLst/>
@@ -9069,1287 +8642,13 @@
           </a:bodyPr>
           <a:lstStyle/>
           <a:p>
-            <a:pPr marL="0" marR="0" lvl="0" indent="0" algn="ctr" defTabSz="914400" rtl="0" eaLnBrk="1" fontAlgn="auto" latinLnBrk="0" hangingPunct="1">
-              <a:lnSpc>
-                <a:spcPct val="100000"/>
-              </a:lnSpc>
-              <a:spcBef>
-                <a:spcPts val="0"/>
-              </a:spcBef>
-              <a:spcAft>
-                <a:spcPts val="0"/>
-              </a:spcAft>
-              <a:buClrTx/>
-              <a:buSzTx/>
-              <a:buFontTx/>
-              <a:buNone/>
-              <a:tabLst/>
-              <a:defRPr/>
-            </a:pPr>
-            <a:r>
-              <a:rPr kumimoji="0" lang="zh-CN" altLang="en-US" sz="4800" b="0" i="0" u="none" strike="noStrike" kern="1200" cap="none" spc="0" normalizeH="0" baseline="0" noProof="0" dirty="0">
-                <a:ln>
-                  <a:noFill/>
-                </a:ln>
-                <a:solidFill>
-                  <a:prstClr val="black"/>
-                </a:solidFill>
-                <a:effectLst/>
-                <a:uLnTx/>
-                <a:uFillTx/>
+            <a:pPr algn="ctr"/>
+            <a:r>
+              <a:rPr kumimoji="1" lang="zh-CN" altLang="en-US" sz="6000" dirty="0">
                 <a:latin typeface="Microsoft YaHei" panose="020B0503020204020204" pitchFamily="34" charset="-122"/>
                 <a:ea typeface="Microsoft YaHei" panose="020B0503020204020204" pitchFamily="34" charset="-122"/>
-                <a:cs typeface="+mn-cs"/>
-              </a:rPr>
-              <a:t>逻辑结构之树形结构</a:t>
-            </a:r>
-            <a:endParaRPr kumimoji="1" lang="zh-CN" altLang="en-US" sz="4800" b="0" i="0" u="none" strike="noStrike" kern="1200" cap="none" spc="0" normalizeH="0" baseline="0" noProof="0" dirty="0">
-              <a:ln>
-                <a:noFill/>
-              </a:ln>
-              <a:solidFill>
-                <a:prstClr val="black"/>
-              </a:solidFill>
-              <a:effectLst/>
-              <a:uLnTx/>
-              <a:uFillTx/>
-              <a:latin typeface="Microsoft YaHei" panose="020B0503020204020204" pitchFamily="34" charset="-122"/>
-              <a:ea typeface="Microsoft YaHei" panose="020B0503020204020204" pitchFamily="34" charset="-122"/>
-              <a:cs typeface="+mn-cs"/>
-            </a:endParaRPr>
-          </a:p>
-        </p:txBody>
-      </p:sp>
-      <p:sp>
-        <p:nvSpPr>
-          <p:cNvPr id="7" name="文本框 6">
-            <a:extLst>
-              <a:ext uri="{FF2B5EF4-FFF2-40B4-BE49-F238E27FC236}">
-                <a16:creationId xmlns:a16="http://schemas.microsoft.com/office/drawing/2014/main" id="{8C1DD6AB-C2EE-9149-BB47-64458F4E6E15}"/>
-              </a:ext>
-            </a:extLst>
-          </p:cNvPr>
-          <p:cNvSpPr txBox="1"/>
-          <p:nvPr/>
-        </p:nvSpPr>
-        <p:spPr>
-          <a:xfrm>
-            <a:off x="1016647" y="2593819"/>
-            <a:ext cx="4883888" cy="523220"/>
-          </a:xfrm>
-          <a:prstGeom prst="rect">
-            <a:avLst/>
-          </a:prstGeom>
-          <a:noFill/>
-        </p:spPr>
-        <p:txBody>
-          <a:bodyPr wrap="square" rtlCol="0">
-            <a:spAutoFit/>
-          </a:bodyPr>
-          <a:lstStyle/>
-          <a:p>
-            <a:pPr marL="0" marR="0" lvl="0" indent="0" algn="l" defTabSz="914400" rtl="0" eaLnBrk="1" fontAlgn="auto" latinLnBrk="0" hangingPunct="1">
-              <a:lnSpc>
-                <a:spcPct val="100000"/>
-              </a:lnSpc>
-              <a:spcBef>
-                <a:spcPts val="0"/>
-              </a:spcBef>
-              <a:spcAft>
-                <a:spcPts val="0"/>
-              </a:spcAft>
-              <a:buClrTx/>
-              <a:buSzTx/>
-              <a:buFontTx/>
-              <a:buNone/>
-              <a:tabLst/>
-              <a:defRPr/>
-            </a:pPr>
-            <a:r>
-              <a:rPr kumimoji="1" lang="zh-CN" altLang="en-US" sz="2800" b="0" i="0" u="none" strike="noStrike" kern="1200" cap="none" spc="0" normalizeH="0" baseline="0" noProof="0" dirty="0">
-                <a:ln>
-                  <a:noFill/>
-                </a:ln>
-                <a:solidFill>
-                  <a:prstClr val="black"/>
-                </a:solidFill>
-                <a:effectLst/>
-                <a:uLnTx/>
-                <a:uFillTx/>
-                <a:latin typeface="Microsoft YaHei" panose="020B0503020204020204" pitchFamily="34" charset="-122"/>
-                <a:ea typeface="Microsoft YaHei" panose="020B0503020204020204" pitchFamily="34" charset="-122"/>
-                <a:cs typeface="+mn-cs"/>
-              </a:rPr>
-              <a:t>一对多的关系</a:t>
-            </a:r>
-            <a:endParaRPr kumimoji="1" lang="en-US" altLang="zh-CN" sz="2800" b="0" i="0" u="none" strike="noStrike" kern="1200" cap="none" spc="0" normalizeH="0" baseline="0" noProof="0" dirty="0">
-              <a:ln>
-                <a:noFill/>
-              </a:ln>
-              <a:solidFill>
-                <a:prstClr val="black"/>
-              </a:solidFill>
-              <a:effectLst/>
-              <a:uLnTx/>
-              <a:uFillTx/>
-              <a:latin typeface="Microsoft YaHei" panose="020B0503020204020204" pitchFamily="34" charset="-122"/>
-              <a:ea typeface="Microsoft YaHei" panose="020B0503020204020204" pitchFamily="34" charset="-122"/>
-              <a:cs typeface="+mn-cs"/>
-            </a:endParaRPr>
-          </a:p>
-        </p:txBody>
-      </p:sp>
-      <p:sp>
-        <p:nvSpPr>
-          <p:cNvPr id="3" name="椭圆 2">
-            <a:extLst>
-              <a:ext uri="{FF2B5EF4-FFF2-40B4-BE49-F238E27FC236}">
-                <a16:creationId xmlns:a16="http://schemas.microsoft.com/office/drawing/2014/main" id="{766D452F-C85C-C749-8A03-9312B4F36A08}"/>
-              </a:ext>
-            </a:extLst>
-          </p:cNvPr>
-          <p:cNvSpPr/>
-          <p:nvPr/>
-        </p:nvSpPr>
-        <p:spPr>
-          <a:xfrm>
-            <a:off x="9544370" y="2389508"/>
-            <a:ext cx="523220" cy="523220"/>
-          </a:xfrm>
-          <a:prstGeom prst="ellipse">
-            <a:avLst/>
-          </a:prstGeom>
-        </p:spPr>
-        <p:style>
-          <a:lnRef idx="2">
-            <a:schemeClr val="accent1">
-              <a:shade val="50000"/>
-            </a:schemeClr>
-          </a:lnRef>
-          <a:fillRef idx="1">
-            <a:schemeClr val="accent1"/>
-          </a:fillRef>
-          <a:effectRef idx="0">
-            <a:schemeClr val="accent1"/>
-          </a:effectRef>
-          <a:fontRef idx="minor">
-            <a:schemeClr val="lt1"/>
-          </a:fontRef>
-        </p:style>
-        <p:txBody>
-          <a:bodyPr rtlCol="0" anchor="ctr"/>
-          <a:lstStyle/>
-          <a:p>
-            <a:pPr marL="0" marR="0" lvl="0" indent="0" algn="ctr" defTabSz="914400" rtl="0" eaLnBrk="1" fontAlgn="auto" latinLnBrk="0" hangingPunct="1">
-              <a:lnSpc>
-                <a:spcPct val="100000"/>
-              </a:lnSpc>
-              <a:spcBef>
-                <a:spcPts val="0"/>
-              </a:spcBef>
-              <a:spcAft>
-                <a:spcPts val="0"/>
-              </a:spcAft>
-              <a:buClrTx/>
-              <a:buSzTx/>
-              <a:buFontTx/>
-              <a:buNone/>
-              <a:tabLst/>
-              <a:defRPr/>
-            </a:pPr>
-            <a:r>
-              <a:rPr kumimoji="1" lang="en-US" altLang="zh-CN" sz="1800" b="0" i="0" u="none" strike="noStrike" kern="1200" cap="none" spc="0" normalizeH="0" baseline="0" noProof="0" dirty="0">
-                <a:ln>
-                  <a:noFill/>
-                </a:ln>
-                <a:solidFill>
-                  <a:prstClr val="white"/>
-                </a:solidFill>
-                <a:effectLst/>
-                <a:uLnTx/>
-                <a:uFillTx/>
-                <a:latin typeface="等线" panose="020F0502020204030204"/>
-                <a:ea typeface="等线" panose="02010600030101010101" pitchFamily="2" charset="-122"/>
-                <a:cs typeface="+mn-cs"/>
-              </a:rPr>
-              <a:t>1</a:t>
-            </a:r>
-            <a:endParaRPr kumimoji="1" lang="zh-CN" altLang="en-US" sz="1800" b="0" i="0" u="none" strike="noStrike" kern="1200" cap="none" spc="0" normalizeH="0" baseline="0" noProof="0" dirty="0">
-              <a:ln>
-                <a:noFill/>
-              </a:ln>
-              <a:solidFill>
-                <a:prstClr val="white"/>
-              </a:solidFill>
-              <a:effectLst/>
-              <a:uLnTx/>
-              <a:uFillTx/>
-              <a:latin typeface="等线" panose="020F0502020204030204"/>
-              <a:ea typeface="等线" panose="02010600030101010101" pitchFamily="2" charset="-122"/>
-              <a:cs typeface="+mn-cs"/>
-            </a:endParaRPr>
-          </a:p>
-        </p:txBody>
-      </p:sp>
-      <p:sp>
-        <p:nvSpPr>
-          <p:cNvPr id="5" name="椭圆 4">
-            <a:extLst>
-              <a:ext uri="{FF2B5EF4-FFF2-40B4-BE49-F238E27FC236}">
-                <a16:creationId xmlns:a16="http://schemas.microsoft.com/office/drawing/2014/main" id="{F877E317-3F43-854B-B689-423CD1A8B837}"/>
-              </a:ext>
-            </a:extLst>
-          </p:cNvPr>
-          <p:cNvSpPr/>
-          <p:nvPr/>
-        </p:nvSpPr>
-        <p:spPr>
-          <a:xfrm>
-            <a:off x="8776065" y="3370521"/>
-            <a:ext cx="523220" cy="523220"/>
-          </a:xfrm>
-          <a:prstGeom prst="ellipse">
-            <a:avLst/>
-          </a:prstGeom>
-        </p:spPr>
-        <p:style>
-          <a:lnRef idx="2">
-            <a:schemeClr val="accent1">
-              <a:shade val="50000"/>
-            </a:schemeClr>
-          </a:lnRef>
-          <a:fillRef idx="1">
-            <a:schemeClr val="accent1"/>
-          </a:fillRef>
-          <a:effectRef idx="0">
-            <a:schemeClr val="accent1"/>
-          </a:effectRef>
-          <a:fontRef idx="minor">
-            <a:schemeClr val="lt1"/>
-          </a:fontRef>
-        </p:style>
-        <p:txBody>
-          <a:bodyPr rtlCol="0" anchor="ctr"/>
-          <a:lstStyle/>
-          <a:p>
-            <a:pPr marL="0" marR="0" lvl="0" indent="0" algn="ctr" defTabSz="914400" rtl="0" eaLnBrk="1" fontAlgn="auto" latinLnBrk="0" hangingPunct="1">
-              <a:lnSpc>
-                <a:spcPct val="100000"/>
-              </a:lnSpc>
-              <a:spcBef>
-                <a:spcPts val="0"/>
-              </a:spcBef>
-              <a:spcAft>
-                <a:spcPts val="0"/>
-              </a:spcAft>
-              <a:buClrTx/>
-              <a:buSzTx/>
-              <a:buFontTx/>
-              <a:buNone/>
-              <a:tabLst/>
-              <a:defRPr/>
-            </a:pPr>
-            <a:r>
-              <a:rPr kumimoji="1" lang="en-US" altLang="zh-CN" sz="1800" b="0" i="0" u="none" strike="noStrike" kern="1200" cap="none" spc="0" normalizeH="0" baseline="0" noProof="0" dirty="0">
-                <a:ln>
-                  <a:noFill/>
-                </a:ln>
-                <a:solidFill>
-                  <a:prstClr val="white"/>
-                </a:solidFill>
-                <a:effectLst/>
-                <a:uLnTx/>
-                <a:uFillTx/>
-                <a:latin typeface="等线" panose="020F0502020204030204"/>
-                <a:ea typeface="等线" panose="02010600030101010101" pitchFamily="2" charset="-122"/>
-                <a:cs typeface="+mn-cs"/>
-              </a:rPr>
-              <a:t>2</a:t>
-            </a:r>
-            <a:endParaRPr kumimoji="1" lang="zh-CN" altLang="en-US" sz="1800" b="0" i="0" u="none" strike="noStrike" kern="1200" cap="none" spc="0" normalizeH="0" baseline="0" noProof="0" dirty="0">
-              <a:ln>
-                <a:noFill/>
-              </a:ln>
-              <a:solidFill>
-                <a:prstClr val="white"/>
-              </a:solidFill>
-              <a:effectLst/>
-              <a:uLnTx/>
-              <a:uFillTx/>
-              <a:latin typeface="等线" panose="020F0502020204030204"/>
-              <a:ea typeface="等线" panose="02010600030101010101" pitchFamily="2" charset="-122"/>
-              <a:cs typeface="+mn-cs"/>
-            </a:endParaRPr>
-          </a:p>
-        </p:txBody>
-      </p:sp>
-      <p:sp>
-        <p:nvSpPr>
-          <p:cNvPr id="6" name="椭圆 5">
-            <a:extLst>
-              <a:ext uri="{FF2B5EF4-FFF2-40B4-BE49-F238E27FC236}">
-                <a16:creationId xmlns:a16="http://schemas.microsoft.com/office/drawing/2014/main" id="{D248DBF4-1BD9-9C4F-81DC-FCEC192FDF62}"/>
-              </a:ext>
-            </a:extLst>
-          </p:cNvPr>
-          <p:cNvSpPr/>
-          <p:nvPr/>
-        </p:nvSpPr>
-        <p:spPr>
-          <a:xfrm>
-            <a:off x="10543539" y="3370521"/>
-            <a:ext cx="523220" cy="523220"/>
-          </a:xfrm>
-          <a:prstGeom prst="ellipse">
-            <a:avLst/>
-          </a:prstGeom>
-        </p:spPr>
-        <p:style>
-          <a:lnRef idx="2">
-            <a:schemeClr val="accent1">
-              <a:shade val="50000"/>
-            </a:schemeClr>
-          </a:lnRef>
-          <a:fillRef idx="1">
-            <a:schemeClr val="accent1"/>
-          </a:fillRef>
-          <a:effectRef idx="0">
-            <a:schemeClr val="accent1"/>
-          </a:effectRef>
-          <a:fontRef idx="minor">
-            <a:schemeClr val="lt1"/>
-          </a:fontRef>
-        </p:style>
-        <p:txBody>
-          <a:bodyPr rtlCol="0" anchor="ctr"/>
-          <a:lstStyle/>
-          <a:p>
-            <a:pPr marL="0" marR="0" lvl="0" indent="0" algn="ctr" defTabSz="914400" rtl="0" eaLnBrk="1" fontAlgn="auto" latinLnBrk="0" hangingPunct="1">
-              <a:lnSpc>
-                <a:spcPct val="100000"/>
-              </a:lnSpc>
-              <a:spcBef>
-                <a:spcPts val="0"/>
-              </a:spcBef>
-              <a:spcAft>
-                <a:spcPts val="0"/>
-              </a:spcAft>
-              <a:buClrTx/>
-              <a:buSzTx/>
-              <a:buFontTx/>
-              <a:buNone/>
-              <a:tabLst/>
-              <a:defRPr/>
-            </a:pPr>
-            <a:r>
-              <a:rPr kumimoji="1" lang="en-US" altLang="zh-CN" sz="1800" b="0" i="0" u="none" strike="noStrike" kern="1200" cap="none" spc="0" normalizeH="0" baseline="0" noProof="0" dirty="0">
-                <a:ln>
-                  <a:noFill/>
-                </a:ln>
-                <a:solidFill>
-                  <a:prstClr val="white"/>
-                </a:solidFill>
-                <a:effectLst/>
-                <a:uLnTx/>
-                <a:uFillTx/>
-                <a:latin typeface="等线" panose="020F0502020204030204"/>
-                <a:ea typeface="等线" panose="02010600030101010101" pitchFamily="2" charset="-122"/>
-                <a:cs typeface="+mn-cs"/>
-              </a:rPr>
-              <a:t>3</a:t>
-            </a:r>
-            <a:endParaRPr kumimoji="1" lang="zh-CN" altLang="en-US" sz="1800" b="0" i="0" u="none" strike="noStrike" kern="1200" cap="none" spc="0" normalizeH="0" baseline="0" noProof="0" dirty="0">
-              <a:ln>
-                <a:noFill/>
-              </a:ln>
-              <a:solidFill>
-                <a:prstClr val="white"/>
-              </a:solidFill>
-              <a:effectLst/>
-              <a:uLnTx/>
-              <a:uFillTx/>
-              <a:latin typeface="等线" panose="020F0502020204030204"/>
-              <a:ea typeface="等线" panose="02010600030101010101" pitchFamily="2" charset="-122"/>
-              <a:cs typeface="+mn-cs"/>
-            </a:endParaRPr>
-          </a:p>
-        </p:txBody>
-      </p:sp>
-      <p:sp>
-        <p:nvSpPr>
-          <p:cNvPr id="8" name="椭圆 7">
-            <a:extLst>
-              <a:ext uri="{FF2B5EF4-FFF2-40B4-BE49-F238E27FC236}">
-                <a16:creationId xmlns:a16="http://schemas.microsoft.com/office/drawing/2014/main" id="{A31FDE13-6DA0-6240-B5BD-41E92C9FD460}"/>
-              </a:ext>
-            </a:extLst>
-          </p:cNvPr>
-          <p:cNvSpPr/>
-          <p:nvPr/>
-        </p:nvSpPr>
-        <p:spPr>
-          <a:xfrm>
-            <a:off x="8161357" y="4274460"/>
-            <a:ext cx="523220" cy="523220"/>
-          </a:xfrm>
-          <a:prstGeom prst="ellipse">
-            <a:avLst/>
-          </a:prstGeom>
-        </p:spPr>
-        <p:style>
-          <a:lnRef idx="2">
-            <a:schemeClr val="accent1">
-              <a:shade val="50000"/>
-            </a:schemeClr>
-          </a:lnRef>
-          <a:fillRef idx="1">
-            <a:schemeClr val="accent1"/>
-          </a:fillRef>
-          <a:effectRef idx="0">
-            <a:schemeClr val="accent1"/>
-          </a:effectRef>
-          <a:fontRef idx="minor">
-            <a:schemeClr val="lt1"/>
-          </a:fontRef>
-        </p:style>
-        <p:txBody>
-          <a:bodyPr rtlCol="0" anchor="ctr"/>
-          <a:lstStyle/>
-          <a:p>
-            <a:pPr marL="0" marR="0" lvl="0" indent="0" algn="ctr" defTabSz="914400" rtl="0" eaLnBrk="1" fontAlgn="auto" latinLnBrk="0" hangingPunct="1">
-              <a:lnSpc>
-                <a:spcPct val="100000"/>
-              </a:lnSpc>
-              <a:spcBef>
-                <a:spcPts val="0"/>
-              </a:spcBef>
-              <a:spcAft>
-                <a:spcPts val="0"/>
-              </a:spcAft>
-              <a:buClrTx/>
-              <a:buSzTx/>
-              <a:buFontTx/>
-              <a:buNone/>
-              <a:tabLst/>
-              <a:defRPr/>
-            </a:pPr>
-            <a:r>
-              <a:rPr kumimoji="1" lang="en-US" altLang="zh-CN" sz="1800" b="0" i="0" u="none" strike="noStrike" kern="1200" cap="none" spc="0" normalizeH="0" baseline="0" noProof="0" dirty="0">
-                <a:ln>
-                  <a:noFill/>
-                </a:ln>
-                <a:solidFill>
-                  <a:prstClr val="white"/>
-                </a:solidFill>
-                <a:effectLst/>
-                <a:uLnTx/>
-                <a:uFillTx/>
-                <a:latin typeface="等线" panose="020F0502020204030204"/>
-                <a:ea typeface="等线" panose="02010600030101010101" pitchFamily="2" charset="-122"/>
-                <a:cs typeface="+mn-cs"/>
-              </a:rPr>
-              <a:t>4</a:t>
-            </a:r>
-            <a:endParaRPr kumimoji="1" lang="zh-CN" altLang="en-US" sz="1800" b="0" i="0" u="none" strike="noStrike" kern="1200" cap="none" spc="0" normalizeH="0" baseline="0" noProof="0" dirty="0">
-              <a:ln>
-                <a:noFill/>
-              </a:ln>
-              <a:solidFill>
-                <a:prstClr val="white"/>
-              </a:solidFill>
-              <a:effectLst/>
-              <a:uLnTx/>
-              <a:uFillTx/>
-              <a:latin typeface="等线" panose="020F0502020204030204"/>
-              <a:ea typeface="等线" panose="02010600030101010101" pitchFamily="2" charset="-122"/>
-              <a:cs typeface="+mn-cs"/>
-            </a:endParaRPr>
-          </a:p>
-        </p:txBody>
-      </p:sp>
-      <p:sp>
-        <p:nvSpPr>
-          <p:cNvPr id="9" name="椭圆 8">
-            <a:extLst>
-              <a:ext uri="{FF2B5EF4-FFF2-40B4-BE49-F238E27FC236}">
-                <a16:creationId xmlns:a16="http://schemas.microsoft.com/office/drawing/2014/main" id="{3ADAD4A9-E266-C84E-843B-E8DF4E6F2BD6}"/>
-              </a:ext>
-            </a:extLst>
-          </p:cNvPr>
-          <p:cNvSpPr/>
-          <p:nvPr/>
-        </p:nvSpPr>
-        <p:spPr>
-          <a:xfrm>
-            <a:off x="9299285" y="4274460"/>
-            <a:ext cx="523220" cy="523220"/>
-          </a:xfrm>
-          <a:prstGeom prst="ellipse">
-            <a:avLst/>
-          </a:prstGeom>
-        </p:spPr>
-        <p:style>
-          <a:lnRef idx="2">
-            <a:schemeClr val="accent1">
-              <a:shade val="50000"/>
-            </a:schemeClr>
-          </a:lnRef>
-          <a:fillRef idx="1">
-            <a:schemeClr val="accent1"/>
-          </a:fillRef>
-          <a:effectRef idx="0">
-            <a:schemeClr val="accent1"/>
-          </a:effectRef>
-          <a:fontRef idx="minor">
-            <a:schemeClr val="lt1"/>
-          </a:fontRef>
-        </p:style>
-        <p:txBody>
-          <a:bodyPr rtlCol="0" anchor="ctr"/>
-          <a:lstStyle/>
-          <a:p>
-            <a:pPr marL="0" marR="0" lvl="0" indent="0" algn="ctr" defTabSz="914400" rtl="0" eaLnBrk="1" fontAlgn="auto" latinLnBrk="0" hangingPunct="1">
-              <a:lnSpc>
-                <a:spcPct val="100000"/>
-              </a:lnSpc>
-              <a:spcBef>
-                <a:spcPts val="0"/>
-              </a:spcBef>
-              <a:spcAft>
-                <a:spcPts val="0"/>
-              </a:spcAft>
-              <a:buClrTx/>
-              <a:buSzTx/>
-              <a:buFontTx/>
-              <a:buNone/>
-              <a:tabLst/>
-              <a:defRPr/>
-            </a:pPr>
-            <a:r>
-              <a:rPr kumimoji="1" lang="en-US" altLang="zh-CN" sz="1800" b="0" i="0" u="none" strike="noStrike" kern="1200" cap="none" spc="0" normalizeH="0" baseline="0" noProof="0" dirty="0">
-                <a:ln>
-                  <a:noFill/>
-                </a:ln>
-                <a:solidFill>
-                  <a:prstClr val="white"/>
-                </a:solidFill>
-                <a:effectLst/>
-                <a:uLnTx/>
-                <a:uFillTx/>
-                <a:latin typeface="等线" panose="020F0502020204030204"/>
-                <a:ea typeface="等线" panose="02010600030101010101" pitchFamily="2" charset="-122"/>
-                <a:cs typeface="+mn-cs"/>
-              </a:rPr>
-              <a:t>5</a:t>
-            </a:r>
-            <a:endParaRPr kumimoji="1" lang="zh-CN" altLang="en-US" sz="1800" b="0" i="0" u="none" strike="noStrike" kern="1200" cap="none" spc="0" normalizeH="0" baseline="0" noProof="0" dirty="0">
-              <a:ln>
-                <a:noFill/>
-              </a:ln>
-              <a:solidFill>
-                <a:prstClr val="white"/>
-              </a:solidFill>
-              <a:effectLst/>
-              <a:uLnTx/>
-              <a:uFillTx/>
-              <a:latin typeface="等线" panose="020F0502020204030204"/>
-              <a:ea typeface="等线" panose="02010600030101010101" pitchFamily="2" charset="-122"/>
-              <a:cs typeface="+mn-cs"/>
-            </a:endParaRPr>
-          </a:p>
-        </p:txBody>
-      </p:sp>
-      <p:sp>
-        <p:nvSpPr>
-          <p:cNvPr id="10" name="椭圆 9">
-            <a:extLst>
-              <a:ext uri="{FF2B5EF4-FFF2-40B4-BE49-F238E27FC236}">
-                <a16:creationId xmlns:a16="http://schemas.microsoft.com/office/drawing/2014/main" id="{AD2347EF-5528-1640-9800-63486F45B558}"/>
-              </a:ext>
-            </a:extLst>
-          </p:cNvPr>
-          <p:cNvSpPr/>
-          <p:nvPr/>
-        </p:nvSpPr>
-        <p:spPr>
-          <a:xfrm>
-            <a:off x="10067590" y="4274460"/>
-            <a:ext cx="523220" cy="523220"/>
-          </a:xfrm>
-          <a:prstGeom prst="ellipse">
-            <a:avLst/>
-          </a:prstGeom>
-        </p:spPr>
-        <p:style>
-          <a:lnRef idx="2">
-            <a:schemeClr val="accent1">
-              <a:shade val="50000"/>
-            </a:schemeClr>
-          </a:lnRef>
-          <a:fillRef idx="1">
-            <a:schemeClr val="accent1"/>
-          </a:fillRef>
-          <a:effectRef idx="0">
-            <a:schemeClr val="accent1"/>
-          </a:effectRef>
-          <a:fontRef idx="minor">
-            <a:schemeClr val="lt1"/>
-          </a:fontRef>
-        </p:style>
-        <p:txBody>
-          <a:bodyPr rtlCol="0" anchor="ctr"/>
-          <a:lstStyle/>
-          <a:p>
-            <a:pPr marL="0" marR="0" lvl="0" indent="0" algn="ctr" defTabSz="914400" rtl="0" eaLnBrk="1" fontAlgn="auto" latinLnBrk="0" hangingPunct="1">
-              <a:lnSpc>
-                <a:spcPct val="100000"/>
-              </a:lnSpc>
-              <a:spcBef>
-                <a:spcPts val="0"/>
-              </a:spcBef>
-              <a:spcAft>
-                <a:spcPts val="0"/>
-              </a:spcAft>
-              <a:buClrTx/>
-              <a:buSzTx/>
-              <a:buFontTx/>
-              <a:buNone/>
-              <a:tabLst/>
-              <a:defRPr/>
-            </a:pPr>
-            <a:r>
-              <a:rPr kumimoji="1" lang="en-US" altLang="zh-CN" sz="1800" b="0" i="0" u="none" strike="noStrike" kern="1200" cap="none" spc="0" normalizeH="0" baseline="0" noProof="0" dirty="0">
-                <a:ln>
-                  <a:noFill/>
-                </a:ln>
-                <a:solidFill>
-                  <a:prstClr val="white"/>
-                </a:solidFill>
-                <a:effectLst/>
-                <a:uLnTx/>
-                <a:uFillTx/>
-                <a:latin typeface="等线" panose="020F0502020204030204"/>
-                <a:ea typeface="等线" panose="02010600030101010101" pitchFamily="2" charset="-122"/>
-                <a:cs typeface="+mn-cs"/>
-              </a:rPr>
-              <a:t>6</a:t>
-            </a:r>
-            <a:endParaRPr kumimoji="1" lang="zh-CN" altLang="en-US" sz="1800" b="0" i="0" u="none" strike="noStrike" kern="1200" cap="none" spc="0" normalizeH="0" baseline="0" noProof="0" dirty="0">
-              <a:ln>
-                <a:noFill/>
-              </a:ln>
-              <a:solidFill>
-                <a:prstClr val="white"/>
-              </a:solidFill>
-              <a:effectLst/>
-              <a:uLnTx/>
-              <a:uFillTx/>
-              <a:latin typeface="等线" panose="020F0502020204030204"/>
-              <a:ea typeface="等线" panose="02010600030101010101" pitchFamily="2" charset="-122"/>
-              <a:cs typeface="+mn-cs"/>
-            </a:endParaRPr>
-          </a:p>
-        </p:txBody>
-      </p:sp>
-      <p:sp>
-        <p:nvSpPr>
-          <p:cNvPr id="11" name="椭圆 10">
-            <a:extLst>
-              <a:ext uri="{FF2B5EF4-FFF2-40B4-BE49-F238E27FC236}">
-                <a16:creationId xmlns:a16="http://schemas.microsoft.com/office/drawing/2014/main" id="{AE84C1E0-382D-284E-BF72-4D03C4893E73}"/>
-              </a:ext>
-            </a:extLst>
-          </p:cNvPr>
-          <p:cNvSpPr/>
-          <p:nvPr/>
-        </p:nvSpPr>
-        <p:spPr>
-          <a:xfrm>
-            <a:off x="11164873" y="4293889"/>
-            <a:ext cx="523220" cy="523220"/>
-          </a:xfrm>
-          <a:prstGeom prst="ellipse">
-            <a:avLst/>
-          </a:prstGeom>
-        </p:spPr>
-        <p:style>
-          <a:lnRef idx="2">
-            <a:schemeClr val="accent1">
-              <a:shade val="50000"/>
-            </a:schemeClr>
-          </a:lnRef>
-          <a:fillRef idx="1">
-            <a:schemeClr val="accent1"/>
-          </a:fillRef>
-          <a:effectRef idx="0">
-            <a:schemeClr val="accent1"/>
-          </a:effectRef>
-          <a:fontRef idx="minor">
-            <a:schemeClr val="lt1"/>
-          </a:fontRef>
-        </p:style>
-        <p:txBody>
-          <a:bodyPr rtlCol="0" anchor="ctr"/>
-          <a:lstStyle/>
-          <a:p>
-            <a:pPr marL="0" marR="0" lvl="0" indent="0" algn="ctr" defTabSz="914400" rtl="0" eaLnBrk="1" fontAlgn="auto" latinLnBrk="0" hangingPunct="1">
-              <a:lnSpc>
-                <a:spcPct val="100000"/>
-              </a:lnSpc>
-              <a:spcBef>
-                <a:spcPts val="0"/>
-              </a:spcBef>
-              <a:spcAft>
-                <a:spcPts val="0"/>
-              </a:spcAft>
-              <a:buClrTx/>
-              <a:buSzTx/>
-              <a:buFontTx/>
-              <a:buNone/>
-              <a:tabLst/>
-              <a:defRPr/>
-            </a:pPr>
-            <a:r>
-              <a:rPr kumimoji="1" lang="en-US" altLang="zh-CN" sz="1800" b="0" i="0" u="none" strike="noStrike" kern="1200" cap="none" spc="0" normalizeH="0" baseline="0" noProof="0" dirty="0">
-                <a:ln>
-                  <a:noFill/>
-                </a:ln>
-                <a:solidFill>
-                  <a:prstClr val="white"/>
-                </a:solidFill>
-                <a:effectLst/>
-                <a:uLnTx/>
-                <a:uFillTx/>
-                <a:latin typeface="等线" panose="020F0502020204030204"/>
-                <a:ea typeface="等线" panose="02010600030101010101" pitchFamily="2" charset="-122"/>
-                <a:cs typeface="+mn-cs"/>
-              </a:rPr>
-              <a:t>7</a:t>
-            </a:r>
-            <a:endParaRPr kumimoji="1" lang="zh-CN" altLang="en-US" sz="1800" b="0" i="0" u="none" strike="noStrike" kern="1200" cap="none" spc="0" normalizeH="0" baseline="0" noProof="0" dirty="0">
-              <a:ln>
-                <a:noFill/>
-              </a:ln>
-              <a:solidFill>
-                <a:prstClr val="white"/>
-              </a:solidFill>
-              <a:effectLst/>
-              <a:uLnTx/>
-              <a:uFillTx/>
-              <a:latin typeface="等线" panose="020F0502020204030204"/>
-              <a:ea typeface="等线" panose="02010600030101010101" pitchFamily="2" charset="-122"/>
-              <a:cs typeface="+mn-cs"/>
-            </a:endParaRPr>
-          </a:p>
-        </p:txBody>
-      </p:sp>
-      <p:cxnSp>
-        <p:nvCxnSpPr>
-          <p:cNvPr id="12" name="直线连接符 11">
-            <a:extLst>
-              <a:ext uri="{FF2B5EF4-FFF2-40B4-BE49-F238E27FC236}">
-                <a16:creationId xmlns:a16="http://schemas.microsoft.com/office/drawing/2014/main" id="{CBDEB58B-9DB5-A04E-BA03-F6179777C325}"/>
-              </a:ext>
-            </a:extLst>
-          </p:cNvPr>
-          <p:cNvCxnSpPr>
-            <a:stCxn id="3" idx="3"/>
-            <a:endCxn id="5" idx="7"/>
-          </p:cNvCxnSpPr>
-          <p:nvPr/>
-        </p:nvCxnSpPr>
-        <p:spPr>
-          <a:xfrm flipH="1">
-            <a:off x="9222661" y="2836104"/>
-            <a:ext cx="398333" cy="611041"/>
-          </a:xfrm>
-          <a:prstGeom prst="line">
-            <a:avLst/>
-          </a:prstGeom>
-        </p:spPr>
-        <p:style>
-          <a:lnRef idx="1">
-            <a:schemeClr val="accent1"/>
-          </a:lnRef>
-          <a:fillRef idx="0">
-            <a:schemeClr val="accent1"/>
-          </a:fillRef>
-          <a:effectRef idx="0">
-            <a:schemeClr val="accent1"/>
-          </a:effectRef>
-          <a:fontRef idx="minor">
-            <a:schemeClr val="tx1"/>
-          </a:fontRef>
-        </p:style>
-      </p:cxnSp>
-      <p:cxnSp>
-        <p:nvCxnSpPr>
-          <p:cNvPr id="14" name="直线连接符 13">
-            <a:extLst>
-              <a:ext uri="{FF2B5EF4-FFF2-40B4-BE49-F238E27FC236}">
-                <a16:creationId xmlns:a16="http://schemas.microsoft.com/office/drawing/2014/main" id="{9276C912-19E1-CD4C-9E66-1B66B8EF585B}"/>
-              </a:ext>
-            </a:extLst>
-          </p:cNvPr>
-          <p:cNvCxnSpPr>
-            <a:cxnSpLocks/>
-            <a:endCxn id="8" idx="7"/>
-          </p:cNvCxnSpPr>
-          <p:nvPr/>
-        </p:nvCxnSpPr>
-        <p:spPr>
-          <a:xfrm flipH="1">
-            <a:off x="8607953" y="3893741"/>
-            <a:ext cx="321709" cy="457343"/>
-          </a:xfrm>
-          <a:prstGeom prst="line">
-            <a:avLst/>
-          </a:prstGeom>
-        </p:spPr>
-        <p:style>
-          <a:lnRef idx="1">
-            <a:schemeClr val="accent1"/>
-          </a:lnRef>
-          <a:fillRef idx="0">
-            <a:schemeClr val="accent1"/>
-          </a:fillRef>
-          <a:effectRef idx="0">
-            <a:schemeClr val="accent1"/>
-          </a:effectRef>
-          <a:fontRef idx="minor">
-            <a:schemeClr val="tx1"/>
-          </a:fontRef>
-        </p:style>
-      </p:cxnSp>
-      <p:cxnSp>
-        <p:nvCxnSpPr>
-          <p:cNvPr id="18" name="直线连接符 17">
-            <a:extLst>
-              <a:ext uri="{FF2B5EF4-FFF2-40B4-BE49-F238E27FC236}">
-                <a16:creationId xmlns:a16="http://schemas.microsoft.com/office/drawing/2014/main" id="{DE292E97-120B-554D-B84F-130A103E957E}"/>
-              </a:ext>
-            </a:extLst>
-          </p:cNvPr>
-          <p:cNvCxnSpPr>
-            <a:stCxn id="3" idx="5"/>
-            <a:endCxn id="6" idx="1"/>
-          </p:cNvCxnSpPr>
-          <p:nvPr/>
-        </p:nvCxnSpPr>
-        <p:spPr>
-          <a:xfrm>
-            <a:off x="9990966" y="2836104"/>
-            <a:ext cx="629197" cy="611041"/>
-          </a:xfrm>
-          <a:prstGeom prst="line">
-            <a:avLst/>
-          </a:prstGeom>
-        </p:spPr>
-        <p:style>
-          <a:lnRef idx="1">
-            <a:schemeClr val="accent1"/>
-          </a:lnRef>
-          <a:fillRef idx="0">
-            <a:schemeClr val="accent1"/>
-          </a:fillRef>
-          <a:effectRef idx="0">
-            <a:schemeClr val="accent1"/>
-          </a:effectRef>
-          <a:fontRef idx="minor">
-            <a:schemeClr val="tx1"/>
-          </a:fontRef>
-        </p:style>
-      </p:cxnSp>
-      <p:cxnSp>
-        <p:nvCxnSpPr>
-          <p:cNvPr id="20" name="直线连接符 19">
-            <a:extLst>
-              <a:ext uri="{FF2B5EF4-FFF2-40B4-BE49-F238E27FC236}">
-                <a16:creationId xmlns:a16="http://schemas.microsoft.com/office/drawing/2014/main" id="{E2143F9D-00F0-6A4D-AD4F-0DDA948D6103}"/>
-              </a:ext>
-            </a:extLst>
-          </p:cNvPr>
-          <p:cNvCxnSpPr>
-            <a:stCxn id="5" idx="5"/>
-            <a:endCxn id="9" idx="0"/>
-          </p:cNvCxnSpPr>
-          <p:nvPr/>
-        </p:nvCxnSpPr>
-        <p:spPr>
-          <a:xfrm>
-            <a:off x="9222661" y="3817117"/>
-            <a:ext cx="338234" cy="457343"/>
-          </a:xfrm>
-          <a:prstGeom prst="line">
-            <a:avLst/>
-          </a:prstGeom>
-        </p:spPr>
-        <p:style>
-          <a:lnRef idx="1">
-            <a:schemeClr val="accent1"/>
-          </a:lnRef>
-          <a:fillRef idx="0">
-            <a:schemeClr val="accent1"/>
-          </a:fillRef>
-          <a:effectRef idx="0">
-            <a:schemeClr val="accent1"/>
-          </a:effectRef>
-          <a:fontRef idx="minor">
-            <a:schemeClr val="tx1"/>
-          </a:fontRef>
-        </p:style>
-      </p:cxnSp>
-      <p:cxnSp>
-        <p:nvCxnSpPr>
-          <p:cNvPr id="22" name="直线连接符 21">
-            <a:extLst>
-              <a:ext uri="{FF2B5EF4-FFF2-40B4-BE49-F238E27FC236}">
-                <a16:creationId xmlns:a16="http://schemas.microsoft.com/office/drawing/2014/main" id="{10E4FDAB-6F35-9D41-A340-1E72E5175B0F}"/>
-              </a:ext>
-            </a:extLst>
-          </p:cNvPr>
-          <p:cNvCxnSpPr>
-            <a:stCxn id="6" idx="4"/>
-            <a:endCxn id="10" idx="7"/>
-          </p:cNvCxnSpPr>
-          <p:nvPr/>
-        </p:nvCxnSpPr>
-        <p:spPr>
-          <a:xfrm flipH="1">
-            <a:off x="10514186" y="3893741"/>
-            <a:ext cx="290963" cy="457343"/>
-          </a:xfrm>
-          <a:prstGeom prst="line">
-            <a:avLst/>
-          </a:prstGeom>
-        </p:spPr>
-        <p:style>
-          <a:lnRef idx="1">
-            <a:schemeClr val="accent1"/>
-          </a:lnRef>
-          <a:fillRef idx="0">
-            <a:schemeClr val="accent1"/>
-          </a:fillRef>
-          <a:effectRef idx="0">
-            <a:schemeClr val="accent1"/>
-          </a:effectRef>
-          <a:fontRef idx="minor">
-            <a:schemeClr val="tx1"/>
-          </a:fontRef>
-        </p:style>
-      </p:cxnSp>
-      <p:cxnSp>
-        <p:nvCxnSpPr>
-          <p:cNvPr id="26" name="直线连接符 25">
-            <a:extLst>
-              <a:ext uri="{FF2B5EF4-FFF2-40B4-BE49-F238E27FC236}">
-                <a16:creationId xmlns:a16="http://schemas.microsoft.com/office/drawing/2014/main" id="{06D9DD90-62D5-6447-B671-7DC0DF530A12}"/>
-              </a:ext>
-            </a:extLst>
-          </p:cNvPr>
-          <p:cNvCxnSpPr>
-            <a:stCxn id="6" idx="5"/>
-            <a:endCxn id="11" idx="0"/>
-          </p:cNvCxnSpPr>
-          <p:nvPr/>
-        </p:nvCxnSpPr>
-        <p:spPr>
-          <a:xfrm>
-            <a:off x="10990135" y="3817117"/>
-            <a:ext cx="436348" cy="476772"/>
-          </a:xfrm>
-          <a:prstGeom prst="line">
-            <a:avLst/>
-          </a:prstGeom>
-        </p:spPr>
-        <p:style>
-          <a:lnRef idx="1">
-            <a:schemeClr val="accent1"/>
-          </a:lnRef>
-          <a:fillRef idx="0">
-            <a:schemeClr val="accent1"/>
-          </a:fillRef>
-          <a:effectRef idx="0">
-            <a:schemeClr val="accent1"/>
-          </a:effectRef>
-          <a:fontRef idx="minor">
-            <a:schemeClr val="tx1"/>
-          </a:fontRef>
-        </p:style>
-      </p:cxnSp>
-      <p:sp>
-        <p:nvSpPr>
-          <p:cNvPr id="28" name="文本框 27">
-            <a:extLst>
-              <a:ext uri="{FF2B5EF4-FFF2-40B4-BE49-F238E27FC236}">
-                <a16:creationId xmlns:a16="http://schemas.microsoft.com/office/drawing/2014/main" id="{478081CB-D7AD-1E4B-86F3-85808FD2D75A}"/>
-              </a:ext>
-            </a:extLst>
-          </p:cNvPr>
-          <p:cNvSpPr txBox="1"/>
-          <p:nvPr/>
-        </p:nvSpPr>
-        <p:spPr>
-          <a:xfrm>
-            <a:off x="1058710" y="4274460"/>
-            <a:ext cx="3891516" cy="1384995"/>
-          </a:xfrm>
-          <a:prstGeom prst="rect">
-            <a:avLst/>
-          </a:prstGeom>
-          <a:noFill/>
-        </p:spPr>
-        <p:txBody>
-          <a:bodyPr wrap="square" rtlCol="0">
-            <a:spAutoFit/>
-          </a:bodyPr>
-          <a:lstStyle/>
-          <a:p>
-            <a:pPr marL="0" marR="0" lvl="0" indent="0" algn="l" defTabSz="914400" rtl="0" eaLnBrk="1" fontAlgn="auto" latinLnBrk="0" hangingPunct="1">
-              <a:lnSpc>
-                <a:spcPct val="100000"/>
-              </a:lnSpc>
-              <a:spcBef>
-                <a:spcPts val="0"/>
-              </a:spcBef>
-              <a:spcAft>
-                <a:spcPts val="0"/>
-              </a:spcAft>
-              <a:buClrTx/>
-              <a:buSzTx/>
-              <a:buFontTx/>
-              <a:buNone/>
-              <a:tabLst/>
-              <a:defRPr/>
-            </a:pPr>
-            <a:endParaRPr kumimoji="1" lang="en-US" altLang="zh-CN" sz="2800" b="0" i="0" u="none" strike="noStrike" kern="1200" cap="none" spc="0" normalizeH="0" baseline="0" noProof="0" dirty="0">
-              <a:ln>
-                <a:noFill/>
-              </a:ln>
-              <a:solidFill>
-                <a:prstClr val="black"/>
-              </a:solidFill>
-              <a:effectLst/>
-              <a:uLnTx/>
-              <a:uFillTx/>
-              <a:latin typeface="Microsoft YaHei" panose="020B0503020204020204" pitchFamily="34" charset="-122"/>
-              <a:ea typeface="Microsoft YaHei" panose="020B0503020204020204" pitchFamily="34" charset="-122"/>
-              <a:cs typeface="+mn-cs"/>
-            </a:endParaRPr>
-          </a:p>
-          <a:p>
-            <a:pPr marL="514350" marR="0" lvl="0" indent="-514350" algn="l" defTabSz="914400" rtl="0" eaLnBrk="1" fontAlgn="auto" latinLnBrk="0" hangingPunct="1">
-              <a:lnSpc>
-                <a:spcPct val="100000"/>
-              </a:lnSpc>
-              <a:spcBef>
-                <a:spcPts val="0"/>
-              </a:spcBef>
-              <a:spcAft>
-                <a:spcPts val="0"/>
-              </a:spcAft>
-              <a:buClrTx/>
-              <a:buSzTx/>
-              <a:buFont typeface="Wingdings" pitchFamily="2" charset="2"/>
-              <a:buChar char="Ø"/>
-              <a:tabLst/>
-              <a:defRPr/>
-            </a:pPr>
-            <a:r>
-              <a:rPr kumimoji="1" lang="zh-CN" altLang="en-US" sz="2800" b="0" i="0" u="none" strike="noStrike" kern="1200" cap="none" spc="0" normalizeH="0" baseline="0" noProof="0" dirty="0">
-                <a:ln>
-                  <a:noFill/>
-                </a:ln>
-                <a:solidFill>
-                  <a:prstClr val="black"/>
-                </a:solidFill>
-                <a:effectLst/>
-                <a:uLnTx/>
-                <a:uFillTx/>
-                <a:latin typeface="Microsoft YaHei" panose="020B0503020204020204" pitchFamily="34" charset="-122"/>
-                <a:ea typeface="Microsoft YaHei" panose="020B0503020204020204" pitchFamily="34" charset="-122"/>
-                <a:cs typeface="+mn-cs"/>
-              </a:rPr>
-              <a:t>学校领导管理层级</a:t>
-            </a:r>
-            <a:endParaRPr kumimoji="1" lang="en-US" altLang="zh-CN" sz="2800" b="0" i="0" u="none" strike="noStrike" kern="1200" cap="none" spc="0" normalizeH="0" baseline="0" noProof="0" dirty="0">
-              <a:ln>
-                <a:noFill/>
-              </a:ln>
-              <a:solidFill>
-                <a:prstClr val="black"/>
-              </a:solidFill>
-              <a:effectLst/>
-              <a:uLnTx/>
-              <a:uFillTx/>
-              <a:latin typeface="Microsoft YaHei" panose="020B0503020204020204" pitchFamily="34" charset="-122"/>
-              <a:ea typeface="Microsoft YaHei" panose="020B0503020204020204" pitchFamily="34" charset="-122"/>
-              <a:cs typeface="+mn-cs"/>
-            </a:endParaRPr>
-          </a:p>
-          <a:p>
-            <a:pPr marL="514350" marR="0" lvl="0" indent="-514350" algn="l" defTabSz="914400" rtl="0" eaLnBrk="1" fontAlgn="auto" latinLnBrk="0" hangingPunct="1">
-              <a:lnSpc>
-                <a:spcPct val="100000"/>
-              </a:lnSpc>
-              <a:spcBef>
-                <a:spcPts val="0"/>
-              </a:spcBef>
-              <a:spcAft>
-                <a:spcPts val="0"/>
-              </a:spcAft>
-              <a:buClrTx/>
-              <a:buSzTx/>
-              <a:buFont typeface="Wingdings" pitchFamily="2" charset="2"/>
-              <a:buChar char="Ø"/>
-              <a:tabLst/>
-              <a:defRPr/>
-            </a:pPr>
-            <a:r>
-              <a:rPr kumimoji="1" lang="zh-CN" altLang="en-US" sz="2800" b="0" i="0" u="none" strike="noStrike" kern="1200" cap="none" spc="0" normalizeH="0" baseline="0" noProof="0" dirty="0">
-                <a:ln>
-                  <a:noFill/>
-                </a:ln>
-                <a:solidFill>
-                  <a:prstClr val="black"/>
-                </a:solidFill>
-                <a:effectLst/>
-                <a:uLnTx/>
-                <a:uFillTx/>
-                <a:latin typeface="Microsoft YaHei" panose="020B0503020204020204" pitchFamily="34" charset="-122"/>
-                <a:ea typeface="Microsoft YaHei" panose="020B0503020204020204" pitchFamily="34" charset="-122"/>
-                <a:cs typeface="+mn-cs"/>
-              </a:rPr>
-              <a:t>家谱</a:t>
-            </a:r>
-          </a:p>
-        </p:txBody>
-      </p:sp>
-      <p:cxnSp>
-        <p:nvCxnSpPr>
-          <p:cNvPr id="13" name="直线连接符 12">
-            <a:extLst>
-              <a:ext uri="{FF2B5EF4-FFF2-40B4-BE49-F238E27FC236}">
-                <a16:creationId xmlns:a16="http://schemas.microsoft.com/office/drawing/2014/main" id="{B841BE36-5641-C84F-9C85-E85D2F0A0D36}"/>
-              </a:ext>
-            </a:extLst>
-          </p:cNvPr>
-          <p:cNvCxnSpPr/>
-          <p:nvPr/>
-        </p:nvCxnSpPr>
-        <p:spPr>
-          <a:xfrm>
-            <a:off x="6358270" y="2523461"/>
-            <a:ext cx="0" cy="2755275"/>
-          </a:xfrm>
-          <a:prstGeom prst="line">
-            <a:avLst/>
-          </a:prstGeom>
-          <a:ln w="12700">
-            <a:solidFill>
-              <a:schemeClr val="bg1">
-                <a:lumMod val="75000"/>
-              </a:schemeClr>
-            </a:solidFill>
-          </a:ln>
-        </p:spPr>
-        <p:style>
-          <a:lnRef idx="1">
-            <a:schemeClr val="accent1"/>
-          </a:lnRef>
-          <a:fillRef idx="0">
-            <a:schemeClr val="accent1"/>
-          </a:fillRef>
-          <a:effectRef idx="0">
-            <a:schemeClr val="accent1"/>
-          </a:effectRef>
-          <a:fontRef idx="minor">
-            <a:schemeClr val="tx1"/>
-          </a:fontRef>
-        </p:style>
-      </p:cxnSp>
-      <p:sp>
-        <p:nvSpPr>
-          <p:cNvPr id="19" name="文本框 18">
-            <a:extLst>
-              <a:ext uri="{FF2B5EF4-FFF2-40B4-BE49-F238E27FC236}">
-                <a16:creationId xmlns:a16="http://schemas.microsoft.com/office/drawing/2014/main" id="{7F600341-63B8-AF4D-BAD6-2BF8E74E3376}"/>
-              </a:ext>
-            </a:extLst>
-          </p:cNvPr>
-          <p:cNvSpPr txBox="1"/>
-          <p:nvPr/>
-        </p:nvSpPr>
-        <p:spPr>
-          <a:xfrm>
-            <a:off x="540000" y="1800000"/>
-            <a:ext cx="1070042" cy="542675"/>
-          </a:xfrm>
-          <a:prstGeom prst="rect">
-            <a:avLst/>
-          </a:prstGeom>
-          <a:solidFill>
-            <a:schemeClr val="accent2"/>
-          </a:solidFill>
-        </p:spPr>
-        <p:txBody>
-          <a:bodyPr wrap="square" rtlCol="0">
-            <a:spAutoFit/>
-          </a:bodyPr>
-          <a:lstStyle/>
-          <a:p>
-            <a:r>
-              <a:rPr kumimoji="1" lang="zh-CN" altLang="en-US" sz="2800" dirty="0">
-                <a:solidFill>
-                  <a:schemeClr val="bg1"/>
-                </a:solidFill>
-                <a:latin typeface="Microsoft YaHei" panose="020B0503020204020204" pitchFamily="34" charset="-122"/>
-                <a:ea typeface="Microsoft YaHei" panose="020B0503020204020204" pitchFamily="34" charset="-122"/>
-              </a:rPr>
-              <a:t>定义</a:t>
-            </a:r>
-          </a:p>
-        </p:txBody>
-      </p:sp>
-      <p:sp>
-        <p:nvSpPr>
-          <p:cNvPr id="21" name="文本框 20">
-            <a:extLst>
-              <a:ext uri="{FF2B5EF4-FFF2-40B4-BE49-F238E27FC236}">
-                <a16:creationId xmlns:a16="http://schemas.microsoft.com/office/drawing/2014/main" id="{4FBBA129-64B8-EB48-81CB-81BAD9DD0A08}"/>
-              </a:ext>
-            </a:extLst>
-          </p:cNvPr>
-          <p:cNvSpPr txBox="1"/>
-          <p:nvPr/>
-        </p:nvSpPr>
-        <p:spPr>
-          <a:xfrm>
-            <a:off x="540000" y="3960000"/>
-            <a:ext cx="1070042" cy="542675"/>
-          </a:xfrm>
-          <a:prstGeom prst="rect">
-            <a:avLst/>
-          </a:prstGeom>
-          <a:solidFill>
-            <a:schemeClr val="accent2"/>
-          </a:solidFill>
-        </p:spPr>
-        <p:txBody>
-          <a:bodyPr wrap="square" rtlCol="0">
-            <a:spAutoFit/>
-          </a:bodyPr>
-          <a:lstStyle/>
-          <a:p>
-            <a:r>
-              <a:rPr kumimoji="1" lang="zh-CN" altLang="en-US" sz="2800" dirty="0">
-                <a:solidFill>
-                  <a:schemeClr val="bg1"/>
-                </a:solidFill>
-                <a:latin typeface="Microsoft YaHei" panose="020B0503020204020204" pitchFamily="34" charset="-122"/>
-                <a:ea typeface="Microsoft YaHei" panose="020B0503020204020204" pitchFamily="34" charset="-122"/>
-              </a:rPr>
-              <a:t>例子</a:t>
+              </a:rPr>
+              <a:t>这堂课我们学了撒？</a:t>
             </a:r>
           </a:p>
         </p:txBody>
@@ -10357,7 +8656,7 @@
     </p:spTree>
     <p:extLst>
       <p:ext uri="{BB962C8B-B14F-4D97-AF65-F5344CB8AC3E}">
-        <p14:creationId xmlns:p14="http://schemas.microsoft.com/office/powerpoint/2010/main" val="2775958556"/>
+        <p14:creationId xmlns:p14="http://schemas.microsoft.com/office/powerpoint/2010/main" val="3338372476"/>
       </p:ext>
     </p:extLst>
   </p:cSld>
@@ -10372,9 +8671,14 @@
   <p:cSld>
     <p:bg>
       <p:bgPr>
-        <a:blipFill>
-          <a:blip r:embed="rId3"/>
-          <a:tile tx="0" ty="0" sx="100000" sy="100000" flip="none" algn="tl"/>
+        <a:blipFill dpi="0" rotWithShape="1">
+          <a:blip r:embed="rId3">
+            <a:lum/>
+          </a:blip>
+          <a:srcRect/>
+          <a:stretch>
+            <a:fillRect/>
+          </a:stretch>
         </a:blipFill>
         <a:effectLst/>
       </p:bgPr>
@@ -10393,1565 +8697,10 @@
           <a:chExt cx="0" cy="0"/>
         </a:xfrm>
       </p:grpSpPr>
-      <p:sp>
-        <p:nvSpPr>
-          <p:cNvPr id="2" name="文本框 1">
-            <a:extLst>
-              <a:ext uri="{FF2B5EF4-FFF2-40B4-BE49-F238E27FC236}">
-                <a16:creationId xmlns:a16="http://schemas.microsoft.com/office/drawing/2014/main" id="{12AA8BCC-7B15-4842-80C2-48C079429338}"/>
-              </a:ext>
-            </a:extLst>
-          </p:cNvPr>
-          <p:cNvSpPr txBox="1"/>
-          <p:nvPr/>
-        </p:nvSpPr>
-        <p:spPr>
-          <a:xfrm>
-            <a:off x="2520000" y="720000"/>
-            <a:ext cx="7735824" cy="830997"/>
-          </a:xfrm>
-          <a:prstGeom prst="rect">
-            <a:avLst/>
-          </a:prstGeom>
-          <a:noFill/>
-        </p:spPr>
-        <p:txBody>
-          <a:bodyPr wrap="square" rtlCol="0">
-            <a:spAutoFit/>
-          </a:bodyPr>
-          <a:lstStyle/>
-          <a:p>
-            <a:pPr algn="ctr"/>
-            <a:r>
-              <a:rPr lang="zh-CN" altLang="en-US" sz="4800" dirty="0">
-                <a:latin typeface="Microsoft YaHei" panose="020B0503020204020204" pitchFamily="34" charset="-122"/>
-                <a:ea typeface="Microsoft YaHei" panose="020B0503020204020204" pitchFamily="34" charset="-122"/>
-              </a:rPr>
-              <a:t>逻辑结构之图形结构</a:t>
-            </a:r>
-            <a:endParaRPr kumimoji="1" lang="zh-CN" altLang="en-US" sz="4800" dirty="0">
-              <a:latin typeface="Microsoft YaHei" panose="020B0503020204020204" pitchFamily="34" charset="-122"/>
-              <a:ea typeface="Microsoft YaHei" panose="020B0503020204020204" pitchFamily="34" charset="-122"/>
-            </a:endParaRPr>
-          </a:p>
-        </p:txBody>
-      </p:sp>
-      <p:sp>
-        <p:nvSpPr>
-          <p:cNvPr id="7" name="文本框 6">
-            <a:extLst>
-              <a:ext uri="{FF2B5EF4-FFF2-40B4-BE49-F238E27FC236}">
-                <a16:creationId xmlns:a16="http://schemas.microsoft.com/office/drawing/2014/main" id="{8C1DD6AB-C2EE-9149-BB47-64458F4E6E15}"/>
-              </a:ext>
-            </a:extLst>
-          </p:cNvPr>
-          <p:cNvSpPr txBox="1"/>
-          <p:nvPr/>
-        </p:nvSpPr>
-        <p:spPr>
-          <a:xfrm>
-            <a:off x="1060316" y="2639063"/>
-            <a:ext cx="4883888" cy="523220"/>
-          </a:xfrm>
-          <a:prstGeom prst="rect">
-            <a:avLst/>
-          </a:prstGeom>
-          <a:noFill/>
-        </p:spPr>
-        <p:txBody>
-          <a:bodyPr wrap="square" rtlCol="0">
-            <a:spAutoFit/>
-          </a:bodyPr>
-          <a:lstStyle/>
-          <a:p>
-            <a:r>
-              <a:rPr kumimoji="1" lang="zh-CN" altLang="en-US" sz="2800" dirty="0">
-                <a:latin typeface="Microsoft YaHei" panose="020B0503020204020204" pitchFamily="34" charset="-122"/>
-                <a:ea typeface="Microsoft YaHei" panose="020B0503020204020204" pitchFamily="34" charset="-122"/>
-              </a:rPr>
-              <a:t>多对多的关系</a:t>
-            </a:r>
-          </a:p>
-        </p:txBody>
-      </p:sp>
-      <p:sp>
-        <p:nvSpPr>
-          <p:cNvPr id="5" name="椭圆 4">
-            <a:extLst>
-              <a:ext uri="{FF2B5EF4-FFF2-40B4-BE49-F238E27FC236}">
-                <a16:creationId xmlns:a16="http://schemas.microsoft.com/office/drawing/2014/main" id="{200C279D-4053-1F4A-9B90-9D3F5E0C5FF4}"/>
-              </a:ext>
-            </a:extLst>
-          </p:cNvPr>
-          <p:cNvSpPr/>
-          <p:nvPr/>
-        </p:nvSpPr>
-        <p:spPr>
-          <a:xfrm>
-            <a:off x="9207795" y="2523461"/>
-            <a:ext cx="531628" cy="531628"/>
-          </a:xfrm>
-          <a:prstGeom prst="ellipse">
-            <a:avLst/>
-          </a:prstGeom>
-        </p:spPr>
-        <p:style>
-          <a:lnRef idx="2">
-            <a:schemeClr val="accent1">
-              <a:shade val="50000"/>
-            </a:schemeClr>
-          </a:lnRef>
-          <a:fillRef idx="1">
-            <a:schemeClr val="accent1"/>
-          </a:fillRef>
-          <a:effectRef idx="0">
-            <a:schemeClr val="accent1"/>
-          </a:effectRef>
-          <a:fontRef idx="minor">
-            <a:schemeClr val="lt1"/>
-          </a:fontRef>
-        </p:style>
-        <p:txBody>
-          <a:bodyPr rtlCol="0" anchor="ctr"/>
-          <a:lstStyle/>
-          <a:p>
-            <a:pPr algn="ctr"/>
-            <a:r>
-              <a:rPr kumimoji="1" lang="en-US" altLang="zh-CN" dirty="0"/>
-              <a:t>b</a:t>
-            </a:r>
-            <a:endParaRPr kumimoji="1" lang="zh-CN" altLang="en-US" dirty="0"/>
-          </a:p>
-        </p:txBody>
-      </p:sp>
-      <p:sp>
-        <p:nvSpPr>
-          <p:cNvPr id="13" name="椭圆 12">
-            <a:extLst>
-              <a:ext uri="{FF2B5EF4-FFF2-40B4-BE49-F238E27FC236}">
-                <a16:creationId xmlns:a16="http://schemas.microsoft.com/office/drawing/2014/main" id="{4142F24C-B1ED-544A-9772-6A0B15BA7EF3}"/>
-              </a:ext>
-            </a:extLst>
-          </p:cNvPr>
-          <p:cNvSpPr/>
-          <p:nvPr/>
-        </p:nvSpPr>
-        <p:spPr>
-          <a:xfrm>
-            <a:off x="7814928" y="2672316"/>
-            <a:ext cx="531628" cy="531628"/>
-          </a:xfrm>
-          <a:prstGeom prst="ellipse">
-            <a:avLst/>
-          </a:prstGeom>
-        </p:spPr>
-        <p:style>
-          <a:lnRef idx="2">
-            <a:schemeClr val="accent1">
-              <a:shade val="50000"/>
-            </a:schemeClr>
-          </a:lnRef>
-          <a:fillRef idx="1">
-            <a:schemeClr val="accent1"/>
-          </a:fillRef>
-          <a:effectRef idx="0">
-            <a:schemeClr val="accent1"/>
-          </a:effectRef>
-          <a:fontRef idx="minor">
-            <a:schemeClr val="lt1"/>
-          </a:fontRef>
-        </p:style>
-        <p:txBody>
-          <a:bodyPr rtlCol="0" anchor="ctr"/>
-          <a:lstStyle/>
-          <a:p>
-            <a:pPr algn="ctr"/>
-            <a:r>
-              <a:rPr kumimoji="1" lang="en-US" altLang="zh-CN" dirty="0"/>
-              <a:t>a</a:t>
-            </a:r>
-            <a:endParaRPr kumimoji="1" lang="zh-CN" altLang="en-US" dirty="0"/>
-          </a:p>
-        </p:txBody>
-      </p:sp>
-      <p:sp>
-        <p:nvSpPr>
-          <p:cNvPr id="14" name="椭圆 13">
-            <a:extLst>
-              <a:ext uri="{FF2B5EF4-FFF2-40B4-BE49-F238E27FC236}">
-                <a16:creationId xmlns:a16="http://schemas.microsoft.com/office/drawing/2014/main" id="{E9E102D9-E4A4-5A41-83FC-A825A645DE61}"/>
-              </a:ext>
-            </a:extLst>
-          </p:cNvPr>
-          <p:cNvSpPr/>
-          <p:nvPr/>
-        </p:nvSpPr>
-        <p:spPr>
-          <a:xfrm>
-            <a:off x="10911496" y="2140688"/>
-            <a:ext cx="531628" cy="531628"/>
-          </a:xfrm>
-          <a:prstGeom prst="ellipse">
-            <a:avLst/>
-          </a:prstGeom>
-        </p:spPr>
-        <p:style>
-          <a:lnRef idx="2">
-            <a:schemeClr val="accent1">
-              <a:shade val="50000"/>
-            </a:schemeClr>
-          </a:lnRef>
-          <a:fillRef idx="1">
-            <a:schemeClr val="accent1"/>
-          </a:fillRef>
-          <a:effectRef idx="0">
-            <a:schemeClr val="accent1"/>
-          </a:effectRef>
-          <a:fontRef idx="minor">
-            <a:schemeClr val="lt1"/>
-          </a:fontRef>
-        </p:style>
-        <p:txBody>
-          <a:bodyPr rtlCol="0" anchor="ctr"/>
-          <a:lstStyle/>
-          <a:p>
-            <a:pPr algn="ctr"/>
-            <a:r>
-              <a:rPr kumimoji="1" lang="en-US" altLang="zh-CN" dirty="0"/>
-              <a:t>c</a:t>
-            </a:r>
-            <a:endParaRPr kumimoji="1" lang="zh-CN" altLang="en-US" dirty="0"/>
-          </a:p>
-        </p:txBody>
-      </p:sp>
-      <p:sp>
-        <p:nvSpPr>
-          <p:cNvPr id="15" name="椭圆 14">
-            <a:extLst>
-              <a:ext uri="{FF2B5EF4-FFF2-40B4-BE49-F238E27FC236}">
-                <a16:creationId xmlns:a16="http://schemas.microsoft.com/office/drawing/2014/main" id="{784851CA-7BB1-9443-A12E-F39B66EC1707}"/>
-              </a:ext>
-            </a:extLst>
-          </p:cNvPr>
-          <p:cNvSpPr/>
-          <p:nvPr/>
-        </p:nvSpPr>
-        <p:spPr>
-          <a:xfrm>
-            <a:off x="8867551" y="3761739"/>
-            <a:ext cx="531628" cy="531628"/>
-          </a:xfrm>
-          <a:prstGeom prst="ellipse">
-            <a:avLst/>
-          </a:prstGeom>
-        </p:spPr>
-        <p:style>
-          <a:lnRef idx="2">
-            <a:schemeClr val="accent1">
-              <a:shade val="50000"/>
-            </a:schemeClr>
-          </a:lnRef>
-          <a:fillRef idx="1">
-            <a:schemeClr val="accent1"/>
-          </a:fillRef>
-          <a:effectRef idx="0">
-            <a:schemeClr val="accent1"/>
-          </a:effectRef>
-          <a:fontRef idx="minor">
-            <a:schemeClr val="lt1"/>
-          </a:fontRef>
-        </p:style>
-        <p:txBody>
-          <a:bodyPr rtlCol="0" anchor="ctr"/>
-          <a:lstStyle/>
-          <a:p>
-            <a:pPr algn="ctr"/>
-            <a:r>
-              <a:rPr kumimoji="1" lang="en-US" altLang="zh-CN" dirty="0"/>
-              <a:t>d</a:t>
-            </a:r>
-            <a:endParaRPr kumimoji="1" lang="zh-CN" altLang="en-US" dirty="0"/>
-          </a:p>
-        </p:txBody>
-      </p:sp>
-      <p:sp>
-        <p:nvSpPr>
-          <p:cNvPr id="16" name="椭圆 15">
-            <a:extLst>
-              <a:ext uri="{FF2B5EF4-FFF2-40B4-BE49-F238E27FC236}">
-                <a16:creationId xmlns:a16="http://schemas.microsoft.com/office/drawing/2014/main" id="{5E2AFB24-A235-F248-B526-FE8871877B77}"/>
-              </a:ext>
-            </a:extLst>
-          </p:cNvPr>
-          <p:cNvSpPr/>
-          <p:nvPr/>
-        </p:nvSpPr>
-        <p:spPr>
-          <a:xfrm>
-            <a:off x="8293392" y="4584443"/>
-            <a:ext cx="531628" cy="531628"/>
-          </a:xfrm>
-          <a:prstGeom prst="ellipse">
-            <a:avLst/>
-          </a:prstGeom>
-        </p:spPr>
-        <p:style>
-          <a:lnRef idx="2">
-            <a:schemeClr val="accent1">
-              <a:shade val="50000"/>
-            </a:schemeClr>
-          </a:lnRef>
-          <a:fillRef idx="1">
-            <a:schemeClr val="accent1"/>
-          </a:fillRef>
-          <a:effectRef idx="0">
-            <a:schemeClr val="accent1"/>
-          </a:effectRef>
-          <a:fontRef idx="minor">
-            <a:schemeClr val="lt1"/>
-          </a:fontRef>
-        </p:style>
-        <p:txBody>
-          <a:bodyPr rtlCol="0" anchor="ctr"/>
-          <a:lstStyle/>
-          <a:p>
-            <a:pPr algn="ctr"/>
-            <a:r>
-              <a:rPr kumimoji="1" lang="en-US" altLang="zh-CN" dirty="0"/>
-              <a:t>f</a:t>
-            </a:r>
-            <a:endParaRPr kumimoji="1" lang="zh-CN" altLang="en-US" dirty="0"/>
-          </a:p>
-        </p:txBody>
-      </p:sp>
-      <p:sp>
-        <p:nvSpPr>
-          <p:cNvPr id="17" name="椭圆 16">
-            <a:extLst>
-              <a:ext uri="{FF2B5EF4-FFF2-40B4-BE49-F238E27FC236}">
-                <a16:creationId xmlns:a16="http://schemas.microsoft.com/office/drawing/2014/main" id="{76C2F58D-0960-1B4F-B035-46F9C6E87BAB}"/>
-              </a:ext>
-            </a:extLst>
-          </p:cNvPr>
-          <p:cNvSpPr/>
-          <p:nvPr/>
-        </p:nvSpPr>
-        <p:spPr>
-          <a:xfrm>
-            <a:off x="9990010" y="4802410"/>
-            <a:ext cx="531628" cy="531628"/>
-          </a:xfrm>
-          <a:prstGeom prst="ellipse">
-            <a:avLst/>
-          </a:prstGeom>
-        </p:spPr>
-        <p:style>
-          <a:lnRef idx="2">
-            <a:schemeClr val="accent1">
-              <a:shade val="50000"/>
-            </a:schemeClr>
-          </a:lnRef>
-          <a:fillRef idx="1">
-            <a:schemeClr val="accent1"/>
-          </a:fillRef>
-          <a:effectRef idx="0">
-            <a:schemeClr val="accent1"/>
-          </a:effectRef>
-          <a:fontRef idx="minor">
-            <a:schemeClr val="lt1"/>
-          </a:fontRef>
-        </p:style>
-        <p:txBody>
-          <a:bodyPr rtlCol="0" anchor="ctr"/>
-          <a:lstStyle/>
-          <a:p>
-            <a:pPr algn="ctr"/>
-            <a:r>
-              <a:rPr kumimoji="1" lang="en-US" altLang="zh-CN" dirty="0"/>
-              <a:t>g</a:t>
-            </a:r>
-            <a:endParaRPr kumimoji="1" lang="zh-CN" altLang="en-US" dirty="0"/>
-          </a:p>
-        </p:txBody>
-      </p:sp>
-      <p:sp>
-        <p:nvSpPr>
-          <p:cNvPr id="18" name="椭圆 17">
-            <a:extLst>
-              <a:ext uri="{FF2B5EF4-FFF2-40B4-BE49-F238E27FC236}">
-                <a16:creationId xmlns:a16="http://schemas.microsoft.com/office/drawing/2014/main" id="{1B06014A-369D-A445-AF4E-FA6EE19454E7}"/>
-              </a:ext>
-            </a:extLst>
-          </p:cNvPr>
-          <p:cNvSpPr/>
-          <p:nvPr/>
-        </p:nvSpPr>
-        <p:spPr>
-          <a:xfrm>
-            <a:off x="10501816" y="3654057"/>
-            <a:ext cx="531628" cy="531628"/>
-          </a:xfrm>
-          <a:prstGeom prst="ellipse">
-            <a:avLst/>
-          </a:prstGeom>
-        </p:spPr>
-        <p:style>
-          <a:lnRef idx="2">
-            <a:schemeClr val="accent1">
-              <a:shade val="50000"/>
-            </a:schemeClr>
-          </a:lnRef>
-          <a:fillRef idx="1">
-            <a:schemeClr val="accent1"/>
-          </a:fillRef>
-          <a:effectRef idx="0">
-            <a:schemeClr val="accent1"/>
-          </a:effectRef>
-          <a:fontRef idx="minor">
-            <a:schemeClr val="lt1"/>
-          </a:fontRef>
-        </p:style>
-        <p:txBody>
-          <a:bodyPr rtlCol="0" anchor="ctr"/>
-          <a:lstStyle/>
-          <a:p>
-            <a:pPr algn="ctr"/>
-            <a:r>
-              <a:rPr kumimoji="1" lang="en-US" altLang="zh-CN" dirty="0"/>
-              <a:t>e</a:t>
-            </a:r>
-            <a:endParaRPr kumimoji="1" lang="zh-CN" altLang="en-US" dirty="0"/>
-          </a:p>
-        </p:txBody>
-      </p:sp>
-      <p:cxnSp>
-        <p:nvCxnSpPr>
-          <p:cNvPr id="20" name="直线连接符 19">
-            <a:extLst>
-              <a:ext uri="{FF2B5EF4-FFF2-40B4-BE49-F238E27FC236}">
-                <a16:creationId xmlns:a16="http://schemas.microsoft.com/office/drawing/2014/main" id="{2EF50E52-0D2E-C24E-9DB5-32C564ECC319}"/>
-              </a:ext>
-            </a:extLst>
-          </p:cNvPr>
-          <p:cNvCxnSpPr>
-            <a:stCxn id="13" idx="6"/>
-            <a:endCxn id="5" idx="2"/>
-          </p:cNvCxnSpPr>
-          <p:nvPr/>
-        </p:nvCxnSpPr>
-        <p:spPr>
-          <a:xfrm flipV="1">
-            <a:off x="8346556" y="2789275"/>
-            <a:ext cx="861239" cy="148855"/>
-          </a:xfrm>
-          <a:prstGeom prst="line">
-            <a:avLst/>
-          </a:prstGeom>
-        </p:spPr>
-        <p:style>
-          <a:lnRef idx="1">
-            <a:schemeClr val="accent1"/>
-          </a:lnRef>
-          <a:fillRef idx="0">
-            <a:schemeClr val="accent1"/>
-          </a:fillRef>
-          <a:effectRef idx="0">
-            <a:schemeClr val="accent1"/>
-          </a:effectRef>
-          <a:fontRef idx="minor">
-            <a:schemeClr val="tx1"/>
-          </a:fontRef>
-        </p:style>
-      </p:cxnSp>
-      <p:cxnSp>
-        <p:nvCxnSpPr>
-          <p:cNvPr id="22" name="直线连接符 21">
-            <a:extLst>
-              <a:ext uri="{FF2B5EF4-FFF2-40B4-BE49-F238E27FC236}">
-                <a16:creationId xmlns:a16="http://schemas.microsoft.com/office/drawing/2014/main" id="{974061DE-76B9-7343-9E9E-DCA9BB32C320}"/>
-              </a:ext>
-            </a:extLst>
-          </p:cNvPr>
-          <p:cNvCxnSpPr>
-            <a:stCxn id="5" idx="6"/>
-            <a:endCxn id="14" idx="3"/>
-          </p:cNvCxnSpPr>
-          <p:nvPr/>
-        </p:nvCxnSpPr>
-        <p:spPr>
-          <a:xfrm flipV="1">
-            <a:off x="9739423" y="2594461"/>
-            <a:ext cx="1249928" cy="194814"/>
-          </a:xfrm>
-          <a:prstGeom prst="line">
-            <a:avLst/>
-          </a:prstGeom>
-        </p:spPr>
-        <p:style>
-          <a:lnRef idx="1">
-            <a:schemeClr val="accent1"/>
-          </a:lnRef>
-          <a:fillRef idx="0">
-            <a:schemeClr val="accent1"/>
-          </a:fillRef>
-          <a:effectRef idx="0">
-            <a:schemeClr val="accent1"/>
-          </a:effectRef>
-          <a:fontRef idx="minor">
-            <a:schemeClr val="tx1"/>
-          </a:fontRef>
-        </p:style>
-      </p:cxnSp>
-      <p:cxnSp>
-        <p:nvCxnSpPr>
-          <p:cNvPr id="24" name="直线连接符 23">
-            <a:extLst>
-              <a:ext uri="{FF2B5EF4-FFF2-40B4-BE49-F238E27FC236}">
-                <a16:creationId xmlns:a16="http://schemas.microsoft.com/office/drawing/2014/main" id="{597D093B-B591-674E-818A-EED2FC05D9BE}"/>
-              </a:ext>
-            </a:extLst>
-          </p:cNvPr>
-          <p:cNvCxnSpPr>
-            <a:stCxn id="14" idx="4"/>
-            <a:endCxn id="18" idx="0"/>
-          </p:cNvCxnSpPr>
-          <p:nvPr/>
-        </p:nvCxnSpPr>
-        <p:spPr>
-          <a:xfrm flipH="1">
-            <a:off x="10767630" y="2672316"/>
-            <a:ext cx="409680" cy="981741"/>
-          </a:xfrm>
-          <a:prstGeom prst="line">
-            <a:avLst/>
-          </a:prstGeom>
-        </p:spPr>
-        <p:style>
-          <a:lnRef idx="1">
-            <a:schemeClr val="accent1"/>
-          </a:lnRef>
-          <a:fillRef idx="0">
-            <a:schemeClr val="accent1"/>
-          </a:fillRef>
-          <a:effectRef idx="0">
-            <a:schemeClr val="accent1"/>
-          </a:effectRef>
-          <a:fontRef idx="minor">
-            <a:schemeClr val="tx1"/>
-          </a:fontRef>
-        </p:style>
-      </p:cxnSp>
-      <p:cxnSp>
-        <p:nvCxnSpPr>
-          <p:cNvPr id="26" name="直线连接符 25">
-            <a:extLst>
-              <a:ext uri="{FF2B5EF4-FFF2-40B4-BE49-F238E27FC236}">
-                <a16:creationId xmlns:a16="http://schemas.microsoft.com/office/drawing/2014/main" id="{6B362712-4335-2B40-9F1F-16C0BCDC4E5D}"/>
-              </a:ext>
-            </a:extLst>
-          </p:cNvPr>
-          <p:cNvCxnSpPr>
-            <a:stCxn id="13" idx="5"/>
-          </p:cNvCxnSpPr>
-          <p:nvPr/>
-        </p:nvCxnSpPr>
-        <p:spPr>
-          <a:xfrm>
-            <a:off x="8268701" y="3126089"/>
-            <a:ext cx="864664" cy="793782"/>
-          </a:xfrm>
-          <a:prstGeom prst="line">
-            <a:avLst/>
-          </a:prstGeom>
-        </p:spPr>
-        <p:style>
-          <a:lnRef idx="1">
-            <a:schemeClr val="accent1"/>
-          </a:lnRef>
-          <a:fillRef idx="0">
-            <a:schemeClr val="accent1"/>
-          </a:fillRef>
-          <a:effectRef idx="0">
-            <a:schemeClr val="accent1"/>
-          </a:effectRef>
-          <a:fontRef idx="minor">
-            <a:schemeClr val="tx1"/>
-          </a:fontRef>
-        </p:style>
-      </p:cxnSp>
-      <p:cxnSp>
-        <p:nvCxnSpPr>
-          <p:cNvPr id="28" name="直线连接符 27">
-            <a:extLst>
-              <a:ext uri="{FF2B5EF4-FFF2-40B4-BE49-F238E27FC236}">
-                <a16:creationId xmlns:a16="http://schemas.microsoft.com/office/drawing/2014/main" id="{2E3BF2E2-339B-6E45-B37E-E1E326719110}"/>
-              </a:ext>
-            </a:extLst>
-          </p:cNvPr>
-          <p:cNvCxnSpPr>
-            <a:stCxn id="5" idx="4"/>
-            <a:endCxn id="15" idx="0"/>
-          </p:cNvCxnSpPr>
-          <p:nvPr/>
-        </p:nvCxnSpPr>
-        <p:spPr>
-          <a:xfrm flipH="1">
-            <a:off x="9133365" y="3055089"/>
-            <a:ext cx="340244" cy="706650"/>
-          </a:xfrm>
-          <a:prstGeom prst="line">
-            <a:avLst/>
-          </a:prstGeom>
-        </p:spPr>
-        <p:style>
-          <a:lnRef idx="1">
-            <a:schemeClr val="accent1"/>
-          </a:lnRef>
-          <a:fillRef idx="0">
-            <a:schemeClr val="accent1"/>
-          </a:fillRef>
-          <a:effectRef idx="0">
-            <a:schemeClr val="accent1"/>
-          </a:effectRef>
-          <a:fontRef idx="minor">
-            <a:schemeClr val="tx1"/>
-          </a:fontRef>
-        </p:style>
-      </p:cxnSp>
-      <p:cxnSp>
-        <p:nvCxnSpPr>
-          <p:cNvPr id="30" name="直线连接符 29">
-            <a:extLst>
-              <a:ext uri="{FF2B5EF4-FFF2-40B4-BE49-F238E27FC236}">
-                <a16:creationId xmlns:a16="http://schemas.microsoft.com/office/drawing/2014/main" id="{6C52B32E-9877-0F4D-B9B4-CBD101254CED}"/>
-              </a:ext>
-            </a:extLst>
-          </p:cNvPr>
-          <p:cNvCxnSpPr>
-            <a:stCxn id="5" idx="4"/>
-            <a:endCxn id="18" idx="1"/>
-          </p:cNvCxnSpPr>
-          <p:nvPr/>
-        </p:nvCxnSpPr>
-        <p:spPr>
-          <a:xfrm>
-            <a:off x="9473609" y="3055089"/>
-            <a:ext cx="1106062" cy="676823"/>
-          </a:xfrm>
-          <a:prstGeom prst="line">
-            <a:avLst/>
-          </a:prstGeom>
-        </p:spPr>
-        <p:style>
-          <a:lnRef idx="1">
-            <a:schemeClr val="accent1"/>
-          </a:lnRef>
-          <a:fillRef idx="0">
-            <a:schemeClr val="accent1"/>
-          </a:fillRef>
-          <a:effectRef idx="0">
-            <a:schemeClr val="accent1"/>
-          </a:effectRef>
-          <a:fontRef idx="minor">
-            <a:schemeClr val="tx1"/>
-          </a:fontRef>
-        </p:style>
-      </p:cxnSp>
-      <p:cxnSp>
-        <p:nvCxnSpPr>
-          <p:cNvPr id="32" name="直线连接符 31">
-            <a:extLst>
-              <a:ext uri="{FF2B5EF4-FFF2-40B4-BE49-F238E27FC236}">
-                <a16:creationId xmlns:a16="http://schemas.microsoft.com/office/drawing/2014/main" id="{808027C6-F506-334A-A3FB-9719034AEB8F}"/>
-              </a:ext>
-            </a:extLst>
-          </p:cNvPr>
-          <p:cNvCxnSpPr>
-            <a:stCxn id="15" idx="6"/>
-          </p:cNvCxnSpPr>
-          <p:nvPr/>
-        </p:nvCxnSpPr>
-        <p:spPr>
-          <a:xfrm flipV="1">
-            <a:off x="9399179" y="3802912"/>
-            <a:ext cx="1102637" cy="224641"/>
-          </a:xfrm>
-          <a:prstGeom prst="line">
-            <a:avLst/>
-          </a:prstGeom>
-        </p:spPr>
-        <p:style>
-          <a:lnRef idx="1">
-            <a:schemeClr val="accent1"/>
-          </a:lnRef>
-          <a:fillRef idx="0">
-            <a:schemeClr val="accent1"/>
-          </a:fillRef>
-          <a:effectRef idx="0">
-            <a:schemeClr val="accent1"/>
-          </a:effectRef>
-          <a:fontRef idx="minor">
-            <a:schemeClr val="tx1"/>
-          </a:fontRef>
-        </p:style>
-      </p:cxnSp>
-      <p:cxnSp>
-        <p:nvCxnSpPr>
-          <p:cNvPr id="35" name="直线连接符 34">
-            <a:extLst>
-              <a:ext uri="{FF2B5EF4-FFF2-40B4-BE49-F238E27FC236}">
-                <a16:creationId xmlns:a16="http://schemas.microsoft.com/office/drawing/2014/main" id="{6E9B9927-9127-CE43-9DAC-BF07C32194C4}"/>
-              </a:ext>
-            </a:extLst>
-          </p:cNvPr>
-          <p:cNvCxnSpPr>
-            <a:stCxn id="13" idx="4"/>
-            <a:endCxn id="16" idx="1"/>
-          </p:cNvCxnSpPr>
-          <p:nvPr/>
-        </p:nvCxnSpPr>
-        <p:spPr>
-          <a:xfrm>
-            <a:off x="8080742" y="3203944"/>
-            <a:ext cx="290505" cy="1458354"/>
-          </a:xfrm>
-          <a:prstGeom prst="line">
-            <a:avLst/>
-          </a:prstGeom>
-        </p:spPr>
-        <p:style>
-          <a:lnRef idx="1">
-            <a:schemeClr val="accent1"/>
-          </a:lnRef>
-          <a:fillRef idx="0">
-            <a:schemeClr val="accent1"/>
-          </a:fillRef>
-          <a:effectRef idx="0">
-            <a:schemeClr val="accent1"/>
-          </a:effectRef>
-          <a:fontRef idx="minor">
-            <a:schemeClr val="tx1"/>
-          </a:fontRef>
-        </p:style>
-      </p:cxnSp>
-      <p:cxnSp>
-        <p:nvCxnSpPr>
-          <p:cNvPr id="39" name="直线连接符 38">
-            <a:extLst>
-              <a:ext uri="{FF2B5EF4-FFF2-40B4-BE49-F238E27FC236}">
-                <a16:creationId xmlns:a16="http://schemas.microsoft.com/office/drawing/2014/main" id="{BA14F345-797D-5845-9346-0A0AD245E894}"/>
-              </a:ext>
-            </a:extLst>
-          </p:cNvPr>
-          <p:cNvCxnSpPr>
-            <a:stCxn id="16" idx="6"/>
-            <a:endCxn id="17" idx="2"/>
-          </p:cNvCxnSpPr>
-          <p:nvPr/>
-        </p:nvCxnSpPr>
-        <p:spPr>
-          <a:xfrm>
-            <a:off x="8825020" y="4850257"/>
-            <a:ext cx="1164990" cy="217967"/>
-          </a:xfrm>
-          <a:prstGeom prst="line">
-            <a:avLst/>
-          </a:prstGeom>
-        </p:spPr>
-        <p:style>
-          <a:lnRef idx="1">
-            <a:schemeClr val="accent1"/>
-          </a:lnRef>
-          <a:fillRef idx="0">
-            <a:schemeClr val="accent1"/>
-          </a:fillRef>
-          <a:effectRef idx="0">
-            <a:schemeClr val="accent1"/>
-          </a:effectRef>
-          <a:fontRef idx="minor">
-            <a:schemeClr val="tx1"/>
-          </a:fontRef>
-        </p:style>
-      </p:cxnSp>
-      <p:cxnSp>
-        <p:nvCxnSpPr>
-          <p:cNvPr id="41" name="直线连接符 40">
-            <a:extLst>
-              <a:ext uri="{FF2B5EF4-FFF2-40B4-BE49-F238E27FC236}">
-                <a16:creationId xmlns:a16="http://schemas.microsoft.com/office/drawing/2014/main" id="{421BC171-BFCD-8B48-8E98-35C057451BBB}"/>
-              </a:ext>
-            </a:extLst>
-          </p:cNvPr>
-          <p:cNvCxnSpPr>
-            <a:stCxn id="18" idx="4"/>
-            <a:endCxn id="17" idx="7"/>
-          </p:cNvCxnSpPr>
-          <p:nvPr/>
-        </p:nvCxnSpPr>
-        <p:spPr>
-          <a:xfrm flipH="1">
-            <a:off x="10443783" y="4185685"/>
-            <a:ext cx="323847" cy="694580"/>
-          </a:xfrm>
-          <a:prstGeom prst="line">
-            <a:avLst/>
-          </a:prstGeom>
-        </p:spPr>
-        <p:style>
-          <a:lnRef idx="1">
-            <a:schemeClr val="accent1"/>
-          </a:lnRef>
-          <a:fillRef idx="0">
-            <a:schemeClr val="accent1"/>
-          </a:fillRef>
-          <a:effectRef idx="0">
-            <a:schemeClr val="accent1"/>
-          </a:effectRef>
-          <a:fontRef idx="minor">
-            <a:schemeClr val="tx1"/>
-          </a:fontRef>
-        </p:style>
-      </p:cxnSp>
-      <p:cxnSp>
-        <p:nvCxnSpPr>
-          <p:cNvPr id="43" name="直线连接符 42">
-            <a:extLst>
-              <a:ext uri="{FF2B5EF4-FFF2-40B4-BE49-F238E27FC236}">
-                <a16:creationId xmlns:a16="http://schemas.microsoft.com/office/drawing/2014/main" id="{18BA4D9C-DC96-9941-8FF3-C336AF98E8E5}"/>
-              </a:ext>
-            </a:extLst>
-          </p:cNvPr>
-          <p:cNvCxnSpPr>
-            <a:stCxn id="15" idx="5"/>
-            <a:endCxn id="17" idx="1"/>
-          </p:cNvCxnSpPr>
-          <p:nvPr/>
-        </p:nvCxnSpPr>
-        <p:spPr>
-          <a:xfrm>
-            <a:off x="9321324" y="4215512"/>
-            <a:ext cx="746541" cy="664753"/>
-          </a:xfrm>
-          <a:prstGeom prst="line">
-            <a:avLst/>
-          </a:prstGeom>
-        </p:spPr>
-        <p:style>
-          <a:lnRef idx="1">
-            <a:schemeClr val="accent1"/>
-          </a:lnRef>
-          <a:fillRef idx="0">
-            <a:schemeClr val="accent1"/>
-          </a:fillRef>
-          <a:effectRef idx="0">
-            <a:schemeClr val="accent1"/>
-          </a:effectRef>
-          <a:fontRef idx="minor">
-            <a:schemeClr val="tx1"/>
-          </a:fontRef>
-        </p:style>
-      </p:cxnSp>
-      <p:cxnSp>
-        <p:nvCxnSpPr>
-          <p:cNvPr id="45" name="直线连接符 44">
-            <a:extLst>
-              <a:ext uri="{FF2B5EF4-FFF2-40B4-BE49-F238E27FC236}">
-                <a16:creationId xmlns:a16="http://schemas.microsoft.com/office/drawing/2014/main" id="{EC039046-EF5E-BD47-8A1E-30FA679EB76E}"/>
-              </a:ext>
-            </a:extLst>
-          </p:cNvPr>
-          <p:cNvCxnSpPr/>
-          <p:nvPr/>
-        </p:nvCxnSpPr>
-        <p:spPr>
-          <a:xfrm>
-            <a:off x="6387912" y="2691868"/>
-            <a:ext cx="0" cy="2642170"/>
-          </a:xfrm>
-          <a:prstGeom prst="line">
-            <a:avLst/>
-          </a:prstGeom>
-          <a:ln w="12700">
-            <a:solidFill>
-              <a:schemeClr val="bg1">
-                <a:lumMod val="75000"/>
-              </a:schemeClr>
-            </a:solidFill>
-          </a:ln>
-        </p:spPr>
-        <p:style>
-          <a:lnRef idx="1">
-            <a:schemeClr val="accent1"/>
-          </a:lnRef>
-          <a:fillRef idx="0">
-            <a:schemeClr val="accent1"/>
-          </a:fillRef>
-          <a:effectRef idx="0">
-            <a:schemeClr val="accent1"/>
-          </a:effectRef>
-          <a:fontRef idx="minor">
-            <a:schemeClr val="tx1"/>
-          </a:fontRef>
-        </p:style>
-      </p:cxnSp>
-      <p:sp>
-        <p:nvSpPr>
-          <p:cNvPr id="46" name="文本框 45">
-            <a:extLst>
-              <a:ext uri="{FF2B5EF4-FFF2-40B4-BE49-F238E27FC236}">
-                <a16:creationId xmlns:a16="http://schemas.microsoft.com/office/drawing/2014/main" id="{5568CB30-CAA3-584C-AC33-D8F1937E38E2}"/>
-              </a:ext>
-            </a:extLst>
-          </p:cNvPr>
-          <p:cNvSpPr txBox="1"/>
-          <p:nvPr/>
-        </p:nvSpPr>
-        <p:spPr>
-          <a:xfrm>
-            <a:off x="1060316" y="4850257"/>
-            <a:ext cx="4040372" cy="1384995"/>
-          </a:xfrm>
-          <a:prstGeom prst="rect">
-            <a:avLst/>
-          </a:prstGeom>
-          <a:noFill/>
-        </p:spPr>
-        <p:txBody>
-          <a:bodyPr wrap="square" rtlCol="0">
-            <a:spAutoFit/>
-          </a:bodyPr>
-          <a:lstStyle/>
-          <a:p>
-            <a:pPr marL="457200" indent="-457200">
-              <a:buFont typeface="Wingdings" pitchFamily="2" charset="2"/>
-              <a:buChar char="Ø"/>
-            </a:pPr>
-            <a:r>
-              <a:rPr kumimoji="1" lang="zh-CN" altLang="en-US" sz="2800" dirty="0">
-                <a:latin typeface="Microsoft YaHei" panose="020B0503020204020204" pitchFamily="34" charset="-122"/>
-                <a:ea typeface="Microsoft YaHei" panose="020B0503020204020204" pitchFamily="34" charset="-122"/>
-              </a:rPr>
-              <a:t>朋友圈关系</a:t>
-            </a:r>
-            <a:endParaRPr kumimoji="1" lang="en-US" altLang="zh-CN" sz="2800" dirty="0">
-              <a:latin typeface="Microsoft YaHei" panose="020B0503020204020204" pitchFamily="34" charset="-122"/>
-              <a:ea typeface="Microsoft YaHei" panose="020B0503020204020204" pitchFamily="34" charset="-122"/>
-            </a:endParaRPr>
-          </a:p>
-          <a:p>
-            <a:pPr marL="457200" indent="-457200">
-              <a:buFont typeface="Wingdings" pitchFamily="2" charset="2"/>
-              <a:buChar char="Ø"/>
-            </a:pPr>
-            <a:r>
-              <a:rPr kumimoji="1" lang="zh-CN" altLang="en-US" sz="2800" dirty="0">
-                <a:latin typeface="Microsoft YaHei" panose="020B0503020204020204" pitchFamily="34" charset="-122"/>
-                <a:ea typeface="Microsoft YaHei" panose="020B0503020204020204" pitchFamily="34" charset="-122"/>
-              </a:rPr>
-              <a:t>地图上各个地里坐标间的关系</a:t>
-            </a:r>
-          </a:p>
-        </p:txBody>
-      </p:sp>
-      <p:sp>
-        <p:nvSpPr>
-          <p:cNvPr id="25" name="文本框 24">
-            <a:extLst>
-              <a:ext uri="{FF2B5EF4-FFF2-40B4-BE49-F238E27FC236}">
-                <a16:creationId xmlns:a16="http://schemas.microsoft.com/office/drawing/2014/main" id="{E032162B-6EF7-5948-9041-B182B66CF6C5}"/>
-              </a:ext>
-            </a:extLst>
-          </p:cNvPr>
-          <p:cNvSpPr txBox="1"/>
-          <p:nvPr/>
-        </p:nvSpPr>
-        <p:spPr>
-          <a:xfrm>
-            <a:off x="540000" y="1800000"/>
-            <a:ext cx="1070042" cy="542675"/>
-          </a:xfrm>
-          <a:prstGeom prst="rect">
-            <a:avLst/>
-          </a:prstGeom>
-          <a:solidFill>
-            <a:schemeClr val="accent2"/>
-          </a:solidFill>
-        </p:spPr>
-        <p:txBody>
-          <a:bodyPr wrap="square" rtlCol="0">
-            <a:spAutoFit/>
-          </a:bodyPr>
-          <a:lstStyle/>
-          <a:p>
-            <a:r>
-              <a:rPr kumimoji="1" lang="zh-CN" altLang="en-US" sz="2800" dirty="0">
-                <a:solidFill>
-                  <a:schemeClr val="bg1"/>
-                </a:solidFill>
-                <a:latin typeface="Microsoft YaHei" panose="020B0503020204020204" pitchFamily="34" charset="-122"/>
-                <a:ea typeface="Microsoft YaHei" panose="020B0503020204020204" pitchFamily="34" charset="-122"/>
-              </a:rPr>
-              <a:t>定义</a:t>
-            </a:r>
-          </a:p>
-        </p:txBody>
-      </p:sp>
-      <p:sp>
-        <p:nvSpPr>
-          <p:cNvPr id="27" name="文本框 26">
-            <a:extLst>
-              <a:ext uri="{FF2B5EF4-FFF2-40B4-BE49-F238E27FC236}">
-                <a16:creationId xmlns:a16="http://schemas.microsoft.com/office/drawing/2014/main" id="{C5C3E9F9-1AB3-6347-9842-4567B3713F40}"/>
-              </a:ext>
-            </a:extLst>
-          </p:cNvPr>
-          <p:cNvSpPr txBox="1"/>
-          <p:nvPr/>
-        </p:nvSpPr>
-        <p:spPr>
-          <a:xfrm>
-            <a:off x="540000" y="3960000"/>
-            <a:ext cx="1070042" cy="542675"/>
-          </a:xfrm>
-          <a:prstGeom prst="rect">
-            <a:avLst/>
-          </a:prstGeom>
-          <a:solidFill>
-            <a:schemeClr val="accent2"/>
-          </a:solidFill>
-        </p:spPr>
-        <p:txBody>
-          <a:bodyPr wrap="square" rtlCol="0">
-            <a:spAutoFit/>
-          </a:bodyPr>
-          <a:lstStyle/>
-          <a:p>
-            <a:r>
-              <a:rPr kumimoji="1" lang="zh-CN" altLang="en-US" sz="2800" dirty="0">
-                <a:solidFill>
-                  <a:schemeClr val="bg1"/>
-                </a:solidFill>
-                <a:latin typeface="Microsoft YaHei" panose="020B0503020204020204" pitchFamily="34" charset="-122"/>
-                <a:ea typeface="Microsoft YaHei" panose="020B0503020204020204" pitchFamily="34" charset="-122"/>
-              </a:rPr>
-              <a:t>例子</a:t>
-            </a:r>
-          </a:p>
-        </p:txBody>
-      </p:sp>
     </p:spTree>
     <p:extLst>
       <p:ext uri="{BB962C8B-B14F-4D97-AF65-F5344CB8AC3E}">
-        <p14:creationId xmlns:p14="http://schemas.microsoft.com/office/powerpoint/2010/main" val="1971374996"/>
-      </p:ext>
-    </p:extLst>
-  </p:cSld>
-  <p:clrMapOvr>
-    <a:masterClrMapping/>
-  </p:clrMapOvr>
-</p:sld>
-</file>
-
-<file path=ppt/slides/slide19.xml><?xml version="1.0" encoding="utf-8"?>
-<p:sld xmlns:a="http://schemas.openxmlformats.org/drawingml/2006/main" xmlns:r="http://schemas.openxmlformats.org/officeDocument/2006/relationships" xmlns:p="http://schemas.openxmlformats.org/presentationml/2006/main">
-  <p:cSld>
-    <p:bg>
-      <p:bgPr>
-        <a:blipFill>
-          <a:blip r:embed="rId3"/>
-          <a:tile tx="0" ty="0" sx="100000" sy="100000" flip="none" algn="tl"/>
-        </a:blipFill>
-        <a:effectLst/>
-      </p:bgPr>
-    </p:bg>
-    <p:spTree>
-      <p:nvGrpSpPr>
-        <p:cNvPr id="1" name=""/>
-        <p:cNvGrpSpPr/>
-        <p:nvPr/>
-      </p:nvGrpSpPr>
-      <p:grpSpPr>
-        <a:xfrm>
-          <a:off x="0" y="0"/>
-          <a:ext cx="0" cy="0"/>
-          <a:chOff x="0" y="0"/>
-          <a:chExt cx="0" cy="0"/>
-        </a:xfrm>
-      </p:grpSpPr>
-      <p:sp>
-        <p:nvSpPr>
-          <p:cNvPr id="2" name="文本框 1">
-            <a:extLst>
-              <a:ext uri="{FF2B5EF4-FFF2-40B4-BE49-F238E27FC236}">
-                <a16:creationId xmlns:a16="http://schemas.microsoft.com/office/drawing/2014/main" id="{12AA8BCC-7B15-4842-80C2-48C079429338}"/>
-              </a:ext>
-            </a:extLst>
-          </p:cNvPr>
-          <p:cNvSpPr txBox="1"/>
-          <p:nvPr/>
-        </p:nvSpPr>
-        <p:spPr>
-          <a:xfrm>
-            <a:off x="2520000" y="720000"/>
-            <a:ext cx="7735824" cy="830997"/>
-          </a:xfrm>
-          <a:prstGeom prst="rect">
-            <a:avLst/>
-          </a:prstGeom>
-          <a:noFill/>
-        </p:spPr>
-        <p:txBody>
-          <a:bodyPr wrap="square" rtlCol="0">
-            <a:spAutoFit/>
-          </a:bodyPr>
-          <a:lstStyle/>
-          <a:p>
-            <a:pPr algn="ctr"/>
-            <a:r>
-              <a:rPr lang="zh-CN" altLang="en-US" sz="4800" dirty="0">
-                <a:latin typeface="Microsoft YaHei" panose="020B0503020204020204" pitchFamily="34" charset="-122"/>
-                <a:ea typeface="Microsoft YaHei" panose="020B0503020204020204" pitchFamily="34" charset="-122"/>
-              </a:rPr>
-              <a:t>物理结构之顺序存储</a:t>
-            </a:r>
-            <a:endParaRPr kumimoji="1" lang="zh-CN" altLang="en-US" sz="4800" dirty="0">
-              <a:latin typeface="Microsoft YaHei" panose="020B0503020204020204" pitchFamily="34" charset="-122"/>
-              <a:ea typeface="Microsoft YaHei" panose="020B0503020204020204" pitchFamily="34" charset="-122"/>
-            </a:endParaRPr>
-          </a:p>
-        </p:txBody>
-      </p:sp>
-      <p:sp>
-        <p:nvSpPr>
-          <p:cNvPr id="4" name="文本框 3">
-            <a:extLst>
-              <a:ext uri="{FF2B5EF4-FFF2-40B4-BE49-F238E27FC236}">
-                <a16:creationId xmlns:a16="http://schemas.microsoft.com/office/drawing/2014/main" id="{858B39A7-0C86-C54C-BB15-3011A3CE8BAC}"/>
-              </a:ext>
-            </a:extLst>
-          </p:cNvPr>
-          <p:cNvSpPr txBox="1"/>
-          <p:nvPr/>
-        </p:nvSpPr>
-        <p:spPr>
-          <a:xfrm>
-            <a:off x="1060316" y="2629617"/>
-            <a:ext cx="5305420" cy="523220"/>
-          </a:xfrm>
-          <a:prstGeom prst="rect">
-            <a:avLst/>
-          </a:prstGeom>
-          <a:noFill/>
-        </p:spPr>
-        <p:txBody>
-          <a:bodyPr wrap="square" rtlCol="0">
-            <a:spAutoFit/>
-          </a:bodyPr>
-          <a:lstStyle/>
-          <a:p>
-            <a:r>
-              <a:rPr kumimoji="1" lang="zh-CN" altLang="en-US" sz="2800" dirty="0">
-                <a:latin typeface="Microsoft YaHei" panose="020B0503020204020204" pitchFamily="34" charset="-122"/>
-                <a:ea typeface="Microsoft YaHei" panose="020B0503020204020204" pitchFamily="34" charset="-122"/>
-              </a:rPr>
-              <a:t>数据放在地址连续的存储单元内</a:t>
-            </a:r>
-          </a:p>
-        </p:txBody>
-      </p:sp>
-      <p:sp>
-        <p:nvSpPr>
-          <p:cNvPr id="5" name="矩形 4">
-            <a:extLst>
-              <a:ext uri="{FF2B5EF4-FFF2-40B4-BE49-F238E27FC236}">
-                <a16:creationId xmlns:a16="http://schemas.microsoft.com/office/drawing/2014/main" id="{C70408F1-AB85-AA40-9C08-0F289E060179}"/>
-              </a:ext>
-            </a:extLst>
-          </p:cNvPr>
-          <p:cNvSpPr/>
-          <p:nvPr/>
-        </p:nvSpPr>
-        <p:spPr>
-          <a:xfrm>
-            <a:off x="2874410" y="5385217"/>
-            <a:ext cx="1360968" cy="1011505"/>
-          </a:xfrm>
-          <a:prstGeom prst="rect">
-            <a:avLst/>
-          </a:prstGeom>
-        </p:spPr>
-        <p:style>
-          <a:lnRef idx="2">
-            <a:schemeClr val="accent1">
-              <a:shade val="50000"/>
-            </a:schemeClr>
-          </a:lnRef>
-          <a:fillRef idx="1">
-            <a:schemeClr val="accent1"/>
-          </a:fillRef>
-          <a:effectRef idx="0">
-            <a:schemeClr val="accent1"/>
-          </a:effectRef>
-          <a:fontRef idx="minor">
-            <a:schemeClr val="lt1"/>
-          </a:fontRef>
-        </p:style>
-        <p:txBody>
-          <a:bodyPr rtlCol="0" anchor="ctr"/>
-          <a:lstStyle/>
-          <a:p>
-            <a:pPr algn="ctr"/>
-            <a:r>
-              <a:rPr kumimoji="1" lang="en-US" altLang="zh-CN" dirty="0"/>
-              <a:t>1</a:t>
-            </a:r>
-            <a:r>
-              <a:rPr kumimoji="1" lang="zh-CN" altLang="en-US" dirty="0"/>
-              <a:t>宿舍</a:t>
-            </a:r>
-          </a:p>
-        </p:txBody>
-      </p:sp>
-      <p:sp>
-        <p:nvSpPr>
-          <p:cNvPr id="14" name="矩形 13">
-            <a:extLst>
-              <a:ext uri="{FF2B5EF4-FFF2-40B4-BE49-F238E27FC236}">
-                <a16:creationId xmlns:a16="http://schemas.microsoft.com/office/drawing/2014/main" id="{6F67DE27-35C6-C347-915F-E686D62FE512}"/>
-              </a:ext>
-            </a:extLst>
-          </p:cNvPr>
-          <p:cNvSpPr/>
-          <p:nvPr/>
-        </p:nvSpPr>
-        <p:spPr>
-          <a:xfrm>
-            <a:off x="4235378" y="5369268"/>
-            <a:ext cx="1360968" cy="1027454"/>
-          </a:xfrm>
-          <a:prstGeom prst="rect">
-            <a:avLst/>
-          </a:prstGeom>
-        </p:spPr>
-        <p:style>
-          <a:lnRef idx="2">
-            <a:schemeClr val="accent1">
-              <a:shade val="50000"/>
-            </a:schemeClr>
-          </a:lnRef>
-          <a:fillRef idx="1">
-            <a:schemeClr val="accent1"/>
-          </a:fillRef>
-          <a:effectRef idx="0">
-            <a:schemeClr val="accent1"/>
-          </a:effectRef>
-          <a:fontRef idx="minor">
-            <a:schemeClr val="lt1"/>
-          </a:fontRef>
-        </p:style>
-        <p:txBody>
-          <a:bodyPr rtlCol="0" anchor="ctr"/>
-          <a:lstStyle/>
-          <a:p>
-            <a:pPr algn="ctr"/>
-            <a:r>
-              <a:rPr kumimoji="1" lang="en-US" altLang="zh-CN" dirty="0"/>
-              <a:t>2</a:t>
-            </a:r>
-            <a:r>
-              <a:rPr kumimoji="1" lang="zh-CN" altLang="en-US" dirty="0"/>
-              <a:t>宿舍</a:t>
-            </a:r>
-          </a:p>
-        </p:txBody>
-      </p:sp>
-      <p:sp>
-        <p:nvSpPr>
-          <p:cNvPr id="15" name="矩形 14">
-            <a:extLst>
-              <a:ext uri="{FF2B5EF4-FFF2-40B4-BE49-F238E27FC236}">
-                <a16:creationId xmlns:a16="http://schemas.microsoft.com/office/drawing/2014/main" id="{5DF8F16D-F7FC-674A-A7F9-8131D3344ABD}"/>
-              </a:ext>
-            </a:extLst>
-          </p:cNvPr>
-          <p:cNvSpPr/>
-          <p:nvPr/>
-        </p:nvSpPr>
-        <p:spPr>
-          <a:xfrm>
-            <a:off x="5596346" y="5385217"/>
-            <a:ext cx="1360968" cy="1011505"/>
-          </a:xfrm>
-          <a:prstGeom prst="rect">
-            <a:avLst/>
-          </a:prstGeom>
-        </p:spPr>
-        <p:style>
-          <a:lnRef idx="2">
-            <a:schemeClr val="accent1">
-              <a:shade val="50000"/>
-            </a:schemeClr>
-          </a:lnRef>
-          <a:fillRef idx="1">
-            <a:schemeClr val="accent1"/>
-          </a:fillRef>
-          <a:effectRef idx="0">
-            <a:schemeClr val="accent1"/>
-          </a:effectRef>
-          <a:fontRef idx="minor">
-            <a:schemeClr val="lt1"/>
-          </a:fontRef>
-        </p:style>
-        <p:txBody>
-          <a:bodyPr rtlCol="0" anchor="ctr"/>
-          <a:lstStyle/>
-          <a:p>
-            <a:pPr algn="ctr"/>
-            <a:r>
-              <a:rPr kumimoji="1" lang="en-US" altLang="zh-CN" dirty="0"/>
-              <a:t>3</a:t>
-            </a:r>
-            <a:r>
-              <a:rPr kumimoji="1" lang="zh-CN" altLang="en-US" dirty="0"/>
-              <a:t>宿舍</a:t>
-            </a:r>
-          </a:p>
-        </p:txBody>
-      </p:sp>
-      <p:sp>
-        <p:nvSpPr>
-          <p:cNvPr id="16" name="矩形 15">
-            <a:extLst>
-              <a:ext uri="{FF2B5EF4-FFF2-40B4-BE49-F238E27FC236}">
-                <a16:creationId xmlns:a16="http://schemas.microsoft.com/office/drawing/2014/main" id="{337C5FC2-EF2F-D841-9339-022D72B4AD70}"/>
-              </a:ext>
-            </a:extLst>
-          </p:cNvPr>
-          <p:cNvSpPr/>
-          <p:nvPr/>
-        </p:nvSpPr>
-        <p:spPr>
-          <a:xfrm>
-            <a:off x="6957314" y="5385217"/>
-            <a:ext cx="1360968" cy="1011505"/>
-          </a:xfrm>
-          <a:prstGeom prst="rect">
-            <a:avLst/>
-          </a:prstGeom>
-        </p:spPr>
-        <p:style>
-          <a:lnRef idx="2">
-            <a:schemeClr val="accent1">
-              <a:shade val="50000"/>
-            </a:schemeClr>
-          </a:lnRef>
-          <a:fillRef idx="1">
-            <a:schemeClr val="accent1"/>
-          </a:fillRef>
-          <a:effectRef idx="0">
-            <a:schemeClr val="accent1"/>
-          </a:effectRef>
-          <a:fontRef idx="minor">
-            <a:schemeClr val="lt1"/>
-          </a:fontRef>
-        </p:style>
-        <p:txBody>
-          <a:bodyPr rtlCol="0" anchor="ctr"/>
-          <a:lstStyle/>
-          <a:p>
-            <a:pPr algn="ctr"/>
-            <a:r>
-              <a:rPr kumimoji="1" lang="en-US" altLang="zh-CN" dirty="0"/>
-              <a:t>4</a:t>
-            </a:r>
-            <a:r>
-              <a:rPr kumimoji="1" lang="zh-CN" altLang="en-US" dirty="0"/>
-              <a:t>宿舍</a:t>
-            </a:r>
-          </a:p>
-        </p:txBody>
-      </p:sp>
-      <p:sp>
-        <p:nvSpPr>
-          <p:cNvPr id="17" name="矩形 16">
-            <a:extLst>
-              <a:ext uri="{FF2B5EF4-FFF2-40B4-BE49-F238E27FC236}">
-                <a16:creationId xmlns:a16="http://schemas.microsoft.com/office/drawing/2014/main" id="{3400F6A7-CC21-094B-B73E-BABF1539766F}"/>
-              </a:ext>
-            </a:extLst>
-          </p:cNvPr>
-          <p:cNvSpPr/>
-          <p:nvPr/>
-        </p:nvSpPr>
-        <p:spPr>
-          <a:xfrm>
-            <a:off x="8318282" y="5369269"/>
-            <a:ext cx="1360968" cy="1032770"/>
-          </a:xfrm>
-          <a:prstGeom prst="rect">
-            <a:avLst/>
-          </a:prstGeom>
-        </p:spPr>
-        <p:style>
-          <a:lnRef idx="2">
-            <a:schemeClr val="accent1">
-              <a:shade val="50000"/>
-            </a:schemeClr>
-          </a:lnRef>
-          <a:fillRef idx="1">
-            <a:schemeClr val="accent1"/>
-          </a:fillRef>
-          <a:effectRef idx="0">
-            <a:schemeClr val="accent1"/>
-          </a:effectRef>
-          <a:fontRef idx="minor">
-            <a:schemeClr val="lt1"/>
-          </a:fontRef>
-        </p:style>
-        <p:txBody>
-          <a:bodyPr rtlCol="0" anchor="ctr"/>
-          <a:lstStyle/>
-          <a:p>
-            <a:pPr algn="ctr"/>
-            <a:r>
-              <a:rPr kumimoji="1" lang="en-US" altLang="zh-CN" dirty="0"/>
-              <a:t>5</a:t>
-            </a:r>
-            <a:r>
-              <a:rPr kumimoji="1" lang="zh-CN" altLang="en-US" dirty="0"/>
-              <a:t>宿舍</a:t>
-            </a:r>
-          </a:p>
-        </p:txBody>
-      </p:sp>
-      <p:sp>
-        <p:nvSpPr>
-          <p:cNvPr id="6" name="文本框 5">
-            <a:extLst>
-              <a:ext uri="{FF2B5EF4-FFF2-40B4-BE49-F238E27FC236}">
-                <a16:creationId xmlns:a16="http://schemas.microsoft.com/office/drawing/2014/main" id="{ADD2E7CA-F7F0-D74F-82D6-C6943CD00844}"/>
-              </a:ext>
-            </a:extLst>
-          </p:cNvPr>
-          <p:cNvSpPr txBox="1"/>
-          <p:nvPr/>
-        </p:nvSpPr>
-        <p:spPr>
-          <a:xfrm>
-            <a:off x="1060316" y="4592413"/>
-            <a:ext cx="4883888" cy="523220"/>
-          </a:xfrm>
-          <a:prstGeom prst="rect">
-            <a:avLst/>
-          </a:prstGeom>
-          <a:noFill/>
-        </p:spPr>
-        <p:txBody>
-          <a:bodyPr wrap="square" rtlCol="0">
-            <a:spAutoFit/>
-          </a:bodyPr>
-          <a:lstStyle/>
-          <a:p>
-            <a:r>
-              <a:rPr kumimoji="1" lang="zh-CN" altLang="en-US" sz="2800" dirty="0">
-                <a:latin typeface="Microsoft YaHei" panose="020B0503020204020204" pitchFamily="34" charset="-122"/>
-                <a:ea typeface="Microsoft YaHei" panose="020B0503020204020204" pitchFamily="34" charset="-122"/>
-              </a:rPr>
-              <a:t>宿舍楼中房间的分布</a:t>
-            </a:r>
-          </a:p>
-        </p:txBody>
-      </p:sp>
-      <p:sp>
-        <p:nvSpPr>
-          <p:cNvPr id="10" name="文本框 9">
-            <a:extLst>
-              <a:ext uri="{FF2B5EF4-FFF2-40B4-BE49-F238E27FC236}">
-                <a16:creationId xmlns:a16="http://schemas.microsoft.com/office/drawing/2014/main" id="{42109D4F-30FB-9044-B23C-BA51FAC22827}"/>
-              </a:ext>
-            </a:extLst>
-          </p:cNvPr>
-          <p:cNvSpPr txBox="1"/>
-          <p:nvPr/>
-        </p:nvSpPr>
-        <p:spPr>
-          <a:xfrm>
-            <a:off x="540000" y="1800000"/>
-            <a:ext cx="1070042" cy="542675"/>
-          </a:xfrm>
-          <a:prstGeom prst="rect">
-            <a:avLst/>
-          </a:prstGeom>
-          <a:solidFill>
-            <a:schemeClr val="accent2"/>
-          </a:solidFill>
-        </p:spPr>
-        <p:txBody>
-          <a:bodyPr wrap="square" rtlCol="0">
-            <a:spAutoFit/>
-          </a:bodyPr>
-          <a:lstStyle/>
-          <a:p>
-            <a:r>
-              <a:rPr kumimoji="1" lang="zh-CN" altLang="en-US" sz="2800" dirty="0">
-                <a:solidFill>
-                  <a:schemeClr val="bg1"/>
-                </a:solidFill>
-                <a:latin typeface="Microsoft YaHei" panose="020B0503020204020204" pitchFamily="34" charset="-122"/>
-                <a:ea typeface="Microsoft YaHei" panose="020B0503020204020204" pitchFamily="34" charset="-122"/>
-              </a:rPr>
-              <a:t>定义</a:t>
-            </a:r>
-          </a:p>
-        </p:txBody>
-      </p:sp>
-      <p:sp>
-        <p:nvSpPr>
-          <p:cNvPr id="11" name="文本框 10">
-            <a:extLst>
-              <a:ext uri="{FF2B5EF4-FFF2-40B4-BE49-F238E27FC236}">
-                <a16:creationId xmlns:a16="http://schemas.microsoft.com/office/drawing/2014/main" id="{1B13D066-0347-7D4C-A40D-F832629A508D}"/>
-              </a:ext>
-            </a:extLst>
-          </p:cNvPr>
-          <p:cNvSpPr txBox="1"/>
-          <p:nvPr/>
-        </p:nvSpPr>
-        <p:spPr>
-          <a:xfrm>
-            <a:off x="540000" y="3960000"/>
-            <a:ext cx="1070042" cy="542675"/>
-          </a:xfrm>
-          <a:prstGeom prst="rect">
-            <a:avLst/>
-          </a:prstGeom>
-          <a:solidFill>
-            <a:schemeClr val="accent2"/>
-          </a:solidFill>
-        </p:spPr>
-        <p:txBody>
-          <a:bodyPr wrap="square" rtlCol="0">
-            <a:spAutoFit/>
-          </a:bodyPr>
-          <a:lstStyle/>
-          <a:p>
-            <a:r>
-              <a:rPr kumimoji="1" lang="zh-CN" altLang="en-US" sz="2800" dirty="0">
-                <a:solidFill>
-                  <a:schemeClr val="bg1"/>
-                </a:solidFill>
-                <a:latin typeface="Microsoft YaHei" panose="020B0503020204020204" pitchFamily="34" charset="-122"/>
-                <a:ea typeface="Microsoft YaHei" panose="020B0503020204020204" pitchFamily="34" charset="-122"/>
-              </a:rPr>
-              <a:t>例子</a:t>
-            </a:r>
-          </a:p>
-        </p:txBody>
-      </p:sp>
-    </p:spTree>
-    <p:extLst>
-      <p:ext uri="{BB962C8B-B14F-4D97-AF65-F5344CB8AC3E}">
-        <p14:creationId xmlns:p14="http://schemas.microsoft.com/office/powerpoint/2010/main" val="252402874"/>
+        <p14:creationId xmlns:p14="http://schemas.microsoft.com/office/powerpoint/2010/main" val="721635264"/>
       </p:ext>
     </p:extLst>
   </p:cSld>
@@ -12255,1378 +9004,6 @@
     <p:extLst>
       <p:ext uri="{BB962C8B-B14F-4D97-AF65-F5344CB8AC3E}">
         <p14:creationId xmlns:p14="http://schemas.microsoft.com/office/powerpoint/2010/main" val="4038558307"/>
-      </p:ext>
-    </p:extLst>
-  </p:cSld>
-  <p:clrMapOvr>
-    <a:masterClrMapping/>
-  </p:clrMapOvr>
-</p:sld>
-</file>
-
-<file path=ppt/slides/slide20.xml><?xml version="1.0" encoding="utf-8"?>
-<p:sld xmlns:a="http://schemas.openxmlformats.org/drawingml/2006/main" xmlns:r="http://schemas.openxmlformats.org/officeDocument/2006/relationships" xmlns:p="http://schemas.openxmlformats.org/presentationml/2006/main">
-  <p:cSld>
-    <p:bg>
-      <p:bgPr>
-        <a:blipFill>
-          <a:blip r:embed="rId3"/>
-          <a:tile tx="0" ty="0" sx="100000" sy="100000" flip="none" algn="tl"/>
-        </a:blipFill>
-        <a:effectLst/>
-      </p:bgPr>
-    </p:bg>
-    <p:spTree>
-      <p:nvGrpSpPr>
-        <p:cNvPr id="1" name=""/>
-        <p:cNvGrpSpPr/>
-        <p:nvPr/>
-      </p:nvGrpSpPr>
-      <p:grpSpPr>
-        <a:xfrm>
-          <a:off x="0" y="0"/>
-          <a:ext cx="0" cy="0"/>
-          <a:chOff x="0" y="0"/>
-          <a:chExt cx="0" cy="0"/>
-        </a:xfrm>
-      </p:grpSpPr>
-      <p:sp>
-        <p:nvSpPr>
-          <p:cNvPr id="2" name="文本框 1">
-            <a:extLst>
-              <a:ext uri="{FF2B5EF4-FFF2-40B4-BE49-F238E27FC236}">
-                <a16:creationId xmlns:a16="http://schemas.microsoft.com/office/drawing/2014/main" id="{12AA8BCC-7B15-4842-80C2-48C079429338}"/>
-              </a:ext>
-            </a:extLst>
-          </p:cNvPr>
-          <p:cNvSpPr txBox="1"/>
-          <p:nvPr/>
-        </p:nvSpPr>
-        <p:spPr>
-          <a:xfrm>
-            <a:off x="2520000" y="720000"/>
-            <a:ext cx="7735824" cy="830997"/>
-          </a:xfrm>
-          <a:prstGeom prst="rect">
-            <a:avLst/>
-          </a:prstGeom>
-          <a:noFill/>
-        </p:spPr>
-        <p:txBody>
-          <a:bodyPr wrap="square" rtlCol="0">
-            <a:spAutoFit/>
-          </a:bodyPr>
-          <a:lstStyle/>
-          <a:p>
-            <a:pPr algn="ctr"/>
-            <a:r>
-              <a:rPr lang="zh-CN" altLang="en-US" sz="4800" dirty="0">
-                <a:latin typeface="Microsoft YaHei" panose="020B0503020204020204" pitchFamily="34" charset="-122"/>
-                <a:ea typeface="Microsoft YaHei" panose="020B0503020204020204" pitchFamily="34" charset="-122"/>
-              </a:rPr>
-              <a:t>物理结构之链式存储</a:t>
-            </a:r>
-            <a:endParaRPr kumimoji="1" lang="zh-CN" altLang="en-US" sz="4800" dirty="0">
-              <a:latin typeface="Microsoft YaHei" panose="020B0503020204020204" pitchFamily="34" charset="-122"/>
-              <a:ea typeface="Microsoft YaHei" panose="020B0503020204020204" pitchFamily="34" charset="-122"/>
-            </a:endParaRPr>
-          </a:p>
-        </p:txBody>
-      </p:sp>
-      <p:sp>
-        <p:nvSpPr>
-          <p:cNvPr id="4" name="文本框 3">
-            <a:extLst>
-              <a:ext uri="{FF2B5EF4-FFF2-40B4-BE49-F238E27FC236}">
-                <a16:creationId xmlns:a16="http://schemas.microsoft.com/office/drawing/2014/main" id="{858B39A7-0C86-C54C-BB15-3011A3CE8BAC}"/>
-              </a:ext>
-            </a:extLst>
-          </p:cNvPr>
-          <p:cNvSpPr txBox="1"/>
-          <p:nvPr/>
-        </p:nvSpPr>
-        <p:spPr>
-          <a:xfrm>
-            <a:off x="1060316" y="2517956"/>
-            <a:ext cx="4883888" cy="954107"/>
-          </a:xfrm>
-          <a:prstGeom prst="rect">
-            <a:avLst/>
-          </a:prstGeom>
-          <a:noFill/>
-        </p:spPr>
-        <p:txBody>
-          <a:bodyPr wrap="square" rtlCol="0">
-            <a:spAutoFit/>
-          </a:bodyPr>
-          <a:lstStyle/>
-          <a:p>
-            <a:r>
-              <a:rPr kumimoji="1" lang="zh-CN" altLang="en-US" sz="2800" dirty="0">
-                <a:latin typeface="Microsoft YaHei" panose="020B0503020204020204" pitchFamily="34" charset="-122"/>
-                <a:ea typeface="Microsoft YaHei" panose="020B0503020204020204" pitchFamily="34" charset="-122"/>
-              </a:rPr>
-              <a:t>数据不需要放在连续的地址，彼此之间靠指针链接</a:t>
-            </a:r>
-          </a:p>
-        </p:txBody>
-      </p:sp>
-      <p:sp>
-        <p:nvSpPr>
-          <p:cNvPr id="69" name="文本框 68">
-            <a:extLst>
-              <a:ext uri="{FF2B5EF4-FFF2-40B4-BE49-F238E27FC236}">
-                <a16:creationId xmlns:a16="http://schemas.microsoft.com/office/drawing/2014/main" id="{696FA4B1-DAA3-DC46-94A6-5756C9236029}"/>
-              </a:ext>
-            </a:extLst>
-          </p:cNvPr>
-          <p:cNvSpPr txBox="1"/>
-          <p:nvPr/>
-        </p:nvSpPr>
-        <p:spPr>
-          <a:xfrm>
-            <a:off x="1060316" y="4624785"/>
-            <a:ext cx="9424004" cy="523220"/>
-          </a:xfrm>
-          <a:prstGeom prst="rect">
-            <a:avLst/>
-          </a:prstGeom>
-          <a:noFill/>
-        </p:spPr>
-        <p:txBody>
-          <a:bodyPr wrap="square" rtlCol="0">
-            <a:spAutoFit/>
-          </a:bodyPr>
-          <a:lstStyle/>
-          <a:p>
-            <a:r>
-              <a:rPr kumimoji="1" lang="zh-CN" altLang="en-US" sz="2800" dirty="0">
-                <a:latin typeface="Microsoft YaHei" panose="020B0503020204020204" pitchFamily="34" charset="-122"/>
-                <a:ea typeface="Microsoft YaHei" panose="020B0503020204020204" pitchFamily="34" charset="-122"/>
-              </a:rPr>
-              <a:t>快递运送路径，每个地点可以是地理上不连续的</a:t>
-            </a:r>
-          </a:p>
-        </p:txBody>
-      </p:sp>
-      <p:sp>
-        <p:nvSpPr>
-          <p:cNvPr id="71" name="文本框 70">
-            <a:extLst>
-              <a:ext uri="{FF2B5EF4-FFF2-40B4-BE49-F238E27FC236}">
-                <a16:creationId xmlns:a16="http://schemas.microsoft.com/office/drawing/2014/main" id="{41987309-7879-7F47-9BEC-7B6CFE45D8C8}"/>
-              </a:ext>
-            </a:extLst>
-          </p:cNvPr>
-          <p:cNvSpPr txBox="1"/>
-          <p:nvPr/>
-        </p:nvSpPr>
-        <p:spPr>
-          <a:xfrm>
-            <a:off x="1252506" y="5519359"/>
-            <a:ext cx="2041451" cy="400110"/>
-          </a:xfrm>
-          <a:prstGeom prst="rect">
-            <a:avLst/>
-          </a:prstGeom>
-          <a:solidFill>
-            <a:schemeClr val="accent2"/>
-          </a:solidFill>
-        </p:spPr>
-        <p:txBody>
-          <a:bodyPr wrap="square" rtlCol="0">
-            <a:spAutoFit/>
-          </a:bodyPr>
-          <a:lstStyle/>
-          <a:p>
-            <a:r>
-              <a:rPr kumimoji="1" lang="zh-CN" altLang="en-US" sz="2000" dirty="0">
-                <a:solidFill>
-                  <a:schemeClr val="bg1"/>
-                </a:solidFill>
-                <a:latin typeface="Microsoft YaHei" panose="020B0503020204020204" pitchFamily="34" charset="-122"/>
-                <a:ea typeface="Microsoft YaHei" panose="020B0503020204020204" pitchFamily="34" charset="-122"/>
-              </a:rPr>
-              <a:t>杭州某电商仓库</a:t>
-            </a:r>
-          </a:p>
-        </p:txBody>
-      </p:sp>
-      <p:sp>
-        <p:nvSpPr>
-          <p:cNvPr id="72" name="文本框 71">
-            <a:extLst>
-              <a:ext uri="{FF2B5EF4-FFF2-40B4-BE49-F238E27FC236}">
-                <a16:creationId xmlns:a16="http://schemas.microsoft.com/office/drawing/2014/main" id="{7F9D59F5-AE61-884B-981F-1FD78275EE2E}"/>
-              </a:ext>
-            </a:extLst>
-          </p:cNvPr>
-          <p:cNvSpPr txBox="1"/>
-          <p:nvPr/>
-        </p:nvSpPr>
-        <p:spPr>
-          <a:xfrm>
-            <a:off x="5202865" y="5519359"/>
-            <a:ext cx="1786270" cy="400110"/>
-          </a:xfrm>
-          <a:prstGeom prst="rect">
-            <a:avLst/>
-          </a:prstGeom>
-          <a:solidFill>
-            <a:schemeClr val="accent2"/>
-          </a:solidFill>
-        </p:spPr>
-        <p:txBody>
-          <a:bodyPr wrap="square" rtlCol="0">
-            <a:spAutoFit/>
-          </a:bodyPr>
-          <a:lstStyle/>
-          <a:p>
-            <a:r>
-              <a:rPr kumimoji="1" lang="zh-CN" altLang="en-US" sz="2000" dirty="0">
-                <a:solidFill>
-                  <a:schemeClr val="bg1"/>
-                </a:solidFill>
-                <a:latin typeface="Microsoft YaHei" panose="020B0503020204020204" pitchFamily="34" charset="-122"/>
-                <a:ea typeface="Microsoft YaHei" panose="020B0503020204020204" pitchFamily="34" charset="-122"/>
-              </a:rPr>
-              <a:t>临安中转站</a:t>
-            </a:r>
-          </a:p>
-        </p:txBody>
-      </p:sp>
-      <p:sp>
-        <p:nvSpPr>
-          <p:cNvPr id="76" name="文本框 75">
-            <a:extLst>
-              <a:ext uri="{FF2B5EF4-FFF2-40B4-BE49-F238E27FC236}">
-                <a16:creationId xmlns:a16="http://schemas.microsoft.com/office/drawing/2014/main" id="{51C97AC6-53ED-D444-AB0E-669287433D6E}"/>
-              </a:ext>
-            </a:extLst>
-          </p:cNvPr>
-          <p:cNvSpPr txBox="1"/>
-          <p:nvPr/>
-        </p:nvSpPr>
-        <p:spPr>
-          <a:xfrm>
-            <a:off x="8412848" y="5519359"/>
-            <a:ext cx="2977116" cy="400110"/>
-          </a:xfrm>
-          <a:prstGeom prst="rect">
-            <a:avLst/>
-          </a:prstGeom>
-          <a:solidFill>
-            <a:schemeClr val="accent2"/>
-          </a:solidFill>
-        </p:spPr>
-        <p:txBody>
-          <a:bodyPr wrap="square" rtlCol="0">
-            <a:spAutoFit/>
-          </a:bodyPr>
-          <a:lstStyle/>
-          <a:p>
-            <a:r>
-              <a:rPr kumimoji="1" lang="zh-CN" altLang="en-US" sz="2000" dirty="0">
-                <a:solidFill>
-                  <a:schemeClr val="bg1"/>
-                </a:solidFill>
-                <a:latin typeface="Microsoft YaHei" panose="020B0503020204020204" pitchFamily="34" charset="-122"/>
-                <a:ea typeface="Microsoft YaHei" panose="020B0503020204020204" pitchFamily="34" charset="-122"/>
-              </a:rPr>
-              <a:t>杭州医学院快递暂存处</a:t>
-            </a:r>
-          </a:p>
-        </p:txBody>
-      </p:sp>
-      <p:sp>
-        <p:nvSpPr>
-          <p:cNvPr id="77" name="右箭头 76">
-            <a:extLst>
-              <a:ext uri="{FF2B5EF4-FFF2-40B4-BE49-F238E27FC236}">
-                <a16:creationId xmlns:a16="http://schemas.microsoft.com/office/drawing/2014/main" id="{884A59C4-F007-7540-B472-0EC9E062B522}"/>
-              </a:ext>
-            </a:extLst>
-          </p:cNvPr>
-          <p:cNvSpPr/>
-          <p:nvPr/>
-        </p:nvSpPr>
-        <p:spPr>
-          <a:xfrm>
-            <a:off x="3871307" y="5610448"/>
-            <a:ext cx="754207" cy="200056"/>
-          </a:xfrm>
-          <a:prstGeom prst="rightArrow">
-            <a:avLst/>
-          </a:prstGeom>
-        </p:spPr>
-        <p:style>
-          <a:lnRef idx="2">
-            <a:schemeClr val="accent1">
-              <a:shade val="50000"/>
-            </a:schemeClr>
-          </a:lnRef>
-          <a:fillRef idx="1">
-            <a:schemeClr val="accent1"/>
-          </a:fillRef>
-          <a:effectRef idx="0">
-            <a:schemeClr val="accent1"/>
-          </a:effectRef>
-          <a:fontRef idx="minor">
-            <a:schemeClr val="lt1"/>
-          </a:fontRef>
-        </p:style>
-        <p:txBody>
-          <a:bodyPr rtlCol="0" anchor="ctr"/>
-          <a:lstStyle/>
-          <a:p>
-            <a:pPr algn="ctr"/>
-            <a:endParaRPr kumimoji="1" lang="zh-CN" altLang="en-US"/>
-          </a:p>
-        </p:txBody>
-      </p:sp>
-      <p:sp>
-        <p:nvSpPr>
-          <p:cNvPr id="79" name="右箭头 78">
-            <a:extLst>
-              <a:ext uri="{FF2B5EF4-FFF2-40B4-BE49-F238E27FC236}">
-                <a16:creationId xmlns:a16="http://schemas.microsoft.com/office/drawing/2014/main" id="{03E87D7E-6AB5-8B4F-839E-98363522F39C}"/>
-              </a:ext>
-            </a:extLst>
-          </p:cNvPr>
-          <p:cNvSpPr/>
-          <p:nvPr/>
-        </p:nvSpPr>
-        <p:spPr>
-          <a:xfrm>
-            <a:off x="7322288" y="5633033"/>
-            <a:ext cx="754207" cy="200056"/>
-          </a:xfrm>
-          <a:prstGeom prst="rightArrow">
-            <a:avLst/>
-          </a:prstGeom>
-        </p:spPr>
-        <p:style>
-          <a:lnRef idx="2">
-            <a:schemeClr val="accent1">
-              <a:shade val="50000"/>
-            </a:schemeClr>
-          </a:lnRef>
-          <a:fillRef idx="1">
-            <a:schemeClr val="accent1"/>
-          </a:fillRef>
-          <a:effectRef idx="0">
-            <a:schemeClr val="accent1"/>
-          </a:effectRef>
-          <a:fontRef idx="minor">
-            <a:schemeClr val="lt1"/>
-          </a:fontRef>
-        </p:style>
-        <p:txBody>
-          <a:bodyPr rtlCol="0" anchor="ctr"/>
-          <a:lstStyle/>
-          <a:p>
-            <a:pPr algn="ctr"/>
-            <a:endParaRPr kumimoji="1" lang="zh-CN" altLang="en-US"/>
-          </a:p>
-        </p:txBody>
-      </p:sp>
-      <p:sp>
-        <p:nvSpPr>
-          <p:cNvPr id="10" name="文本框 9">
-            <a:extLst>
-              <a:ext uri="{FF2B5EF4-FFF2-40B4-BE49-F238E27FC236}">
-                <a16:creationId xmlns:a16="http://schemas.microsoft.com/office/drawing/2014/main" id="{A6126B31-4C92-574D-879A-4E7C0FA6E11E}"/>
-              </a:ext>
-            </a:extLst>
-          </p:cNvPr>
-          <p:cNvSpPr txBox="1"/>
-          <p:nvPr/>
-        </p:nvSpPr>
-        <p:spPr>
-          <a:xfrm>
-            <a:off x="540000" y="1800000"/>
-            <a:ext cx="1070042" cy="542675"/>
-          </a:xfrm>
-          <a:prstGeom prst="rect">
-            <a:avLst/>
-          </a:prstGeom>
-          <a:solidFill>
-            <a:schemeClr val="accent2"/>
-          </a:solidFill>
-        </p:spPr>
-        <p:txBody>
-          <a:bodyPr wrap="square" rtlCol="0">
-            <a:spAutoFit/>
-          </a:bodyPr>
-          <a:lstStyle/>
-          <a:p>
-            <a:r>
-              <a:rPr kumimoji="1" lang="zh-CN" altLang="en-US" sz="2800" dirty="0">
-                <a:solidFill>
-                  <a:schemeClr val="bg1"/>
-                </a:solidFill>
-                <a:latin typeface="Microsoft YaHei" panose="020B0503020204020204" pitchFamily="34" charset="-122"/>
-                <a:ea typeface="Microsoft YaHei" panose="020B0503020204020204" pitchFamily="34" charset="-122"/>
-              </a:rPr>
-              <a:t>定义</a:t>
-            </a:r>
-          </a:p>
-        </p:txBody>
-      </p:sp>
-      <p:sp>
-        <p:nvSpPr>
-          <p:cNvPr id="11" name="文本框 10">
-            <a:extLst>
-              <a:ext uri="{FF2B5EF4-FFF2-40B4-BE49-F238E27FC236}">
-                <a16:creationId xmlns:a16="http://schemas.microsoft.com/office/drawing/2014/main" id="{CDAF9193-B02D-F243-94BB-D19A49495A0A}"/>
-              </a:ext>
-            </a:extLst>
-          </p:cNvPr>
-          <p:cNvSpPr txBox="1"/>
-          <p:nvPr/>
-        </p:nvSpPr>
-        <p:spPr>
-          <a:xfrm>
-            <a:off x="540000" y="3960000"/>
-            <a:ext cx="1070042" cy="542675"/>
-          </a:xfrm>
-          <a:prstGeom prst="rect">
-            <a:avLst/>
-          </a:prstGeom>
-          <a:solidFill>
-            <a:schemeClr val="accent2"/>
-          </a:solidFill>
-        </p:spPr>
-        <p:txBody>
-          <a:bodyPr wrap="square" rtlCol="0">
-            <a:spAutoFit/>
-          </a:bodyPr>
-          <a:lstStyle/>
-          <a:p>
-            <a:r>
-              <a:rPr kumimoji="1" lang="zh-CN" altLang="en-US" sz="2800" dirty="0">
-                <a:solidFill>
-                  <a:schemeClr val="bg1"/>
-                </a:solidFill>
-                <a:latin typeface="Microsoft YaHei" panose="020B0503020204020204" pitchFamily="34" charset="-122"/>
-                <a:ea typeface="Microsoft YaHei" panose="020B0503020204020204" pitchFamily="34" charset="-122"/>
-              </a:rPr>
-              <a:t>例子</a:t>
-            </a:r>
-          </a:p>
-        </p:txBody>
-      </p:sp>
-    </p:spTree>
-    <p:extLst>
-      <p:ext uri="{BB962C8B-B14F-4D97-AF65-F5344CB8AC3E}">
-        <p14:creationId xmlns:p14="http://schemas.microsoft.com/office/powerpoint/2010/main" val="967268082"/>
-      </p:ext>
-    </p:extLst>
-  </p:cSld>
-  <p:clrMapOvr>
-    <a:masterClrMapping/>
-  </p:clrMapOvr>
-</p:sld>
-</file>
-
-<file path=ppt/slides/slide21.xml><?xml version="1.0" encoding="utf-8"?>
-<p:sld xmlns:a="http://schemas.openxmlformats.org/drawingml/2006/main" xmlns:r="http://schemas.openxmlformats.org/officeDocument/2006/relationships" xmlns:p="http://schemas.openxmlformats.org/presentationml/2006/main">
-  <p:cSld>
-    <p:bg>
-      <p:bgPr>
-        <a:blipFill>
-          <a:blip r:embed="rId3"/>
-          <a:tile tx="0" ty="0" sx="100000" sy="100000" flip="none" algn="tl"/>
-        </a:blipFill>
-        <a:effectLst/>
-      </p:bgPr>
-    </p:bg>
-    <p:spTree>
-      <p:nvGrpSpPr>
-        <p:cNvPr id="1" name=""/>
-        <p:cNvGrpSpPr/>
-        <p:nvPr/>
-      </p:nvGrpSpPr>
-      <p:grpSpPr>
-        <a:xfrm>
-          <a:off x="0" y="0"/>
-          <a:ext cx="0" cy="0"/>
-          <a:chOff x="0" y="0"/>
-          <a:chExt cx="0" cy="0"/>
-        </a:xfrm>
-      </p:grpSpPr>
-      <p:sp>
-        <p:nvSpPr>
-          <p:cNvPr id="2" name="文本框 1">
-            <a:extLst>
-              <a:ext uri="{FF2B5EF4-FFF2-40B4-BE49-F238E27FC236}">
-                <a16:creationId xmlns:a16="http://schemas.microsoft.com/office/drawing/2014/main" id="{12AA8BCC-7B15-4842-80C2-48C079429338}"/>
-              </a:ext>
-            </a:extLst>
-          </p:cNvPr>
-          <p:cNvSpPr txBox="1"/>
-          <p:nvPr/>
-        </p:nvSpPr>
-        <p:spPr>
-          <a:xfrm>
-            <a:off x="2520000" y="720000"/>
-            <a:ext cx="7735824" cy="830997"/>
-          </a:xfrm>
-          <a:prstGeom prst="rect">
-            <a:avLst/>
-          </a:prstGeom>
-          <a:noFill/>
-        </p:spPr>
-        <p:txBody>
-          <a:bodyPr wrap="square" rtlCol="0">
-            <a:spAutoFit/>
-          </a:bodyPr>
-          <a:lstStyle/>
-          <a:p>
-            <a:pPr algn="ctr"/>
-            <a:r>
-              <a:rPr lang="en-US" altLang="zh-CN" sz="4800" dirty="0">
-                <a:latin typeface="Microsoft YaHei" panose="020B0503020204020204" pitchFamily="34" charset="-122"/>
-                <a:ea typeface="Microsoft YaHei" panose="020B0503020204020204" pitchFamily="34" charset="-122"/>
-              </a:rPr>
-              <a:t>4.</a:t>
-            </a:r>
-            <a:r>
-              <a:rPr lang="zh-CN" altLang="en-US" sz="4800" dirty="0">
-                <a:latin typeface="Microsoft YaHei" panose="020B0503020204020204" pitchFamily="34" charset="-122"/>
-                <a:ea typeface="Microsoft YaHei" panose="020B0503020204020204" pitchFamily="34" charset="-122"/>
-              </a:rPr>
-              <a:t> 抽象数据类型</a:t>
-            </a:r>
-            <a:endParaRPr kumimoji="1" lang="zh-CN" altLang="en-US" sz="4800" dirty="0">
-              <a:latin typeface="Microsoft YaHei" panose="020B0503020204020204" pitchFamily="34" charset="-122"/>
-              <a:ea typeface="Microsoft YaHei" panose="020B0503020204020204" pitchFamily="34" charset="-122"/>
-            </a:endParaRPr>
-          </a:p>
-        </p:txBody>
-      </p:sp>
-      <p:sp>
-        <p:nvSpPr>
-          <p:cNvPr id="4" name="文本框 3">
-            <a:extLst>
-              <a:ext uri="{FF2B5EF4-FFF2-40B4-BE49-F238E27FC236}">
-                <a16:creationId xmlns:a16="http://schemas.microsoft.com/office/drawing/2014/main" id="{60C06E22-F109-EA44-9D19-22F4DF899685}"/>
-              </a:ext>
-            </a:extLst>
-          </p:cNvPr>
-          <p:cNvSpPr txBox="1"/>
-          <p:nvPr/>
-        </p:nvSpPr>
-        <p:spPr>
-          <a:xfrm>
-            <a:off x="1060316" y="2568157"/>
-            <a:ext cx="3822961" cy="1200329"/>
-          </a:xfrm>
-          <a:prstGeom prst="rect">
-            <a:avLst/>
-          </a:prstGeom>
-          <a:noFill/>
-        </p:spPr>
-        <p:txBody>
-          <a:bodyPr wrap="square" rtlCol="0">
-            <a:spAutoFit/>
-          </a:bodyPr>
-          <a:lstStyle/>
-          <a:p>
-            <a:r>
-              <a:rPr kumimoji="1" lang="zh-CN" altLang="en-US" sz="2400" dirty="0">
-                <a:latin typeface="Microsoft YaHei" panose="020B0503020204020204" pitchFamily="34" charset="-122"/>
-                <a:ea typeface="Microsoft YaHei" panose="020B0503020204020204" pitchFamily="34" charset="-122"/>
-              </a:rPr>
-              <a:t>数据类型定义：一种性质相同数值的集合以及在这个集合上的操作的总称</a:t>
-            </a:r>
-          </a:p>
-        </p:txBody>
-      </p:sp>
-      <p:sp>
-        <p:nvSpPr>
-          <p:cNvPr id="5" name="文本框 4">
-            <a:extLst>
-              <a:ext uri="{FF2B5EF4-FFF2-40B4-BE49-F238E27FC236}">
-                <a16:creationId xmlns:a16="http://schemas.microsoft.com/office/drawing/2014/main" id="{76A3AB08-F682-8644-9E76-F4DA45B18013}"/>
-              </a:ext>
-            </a:extLst>
-          </p:cNvPr>
-          <p:cNvSpPr txBox="1"/>
-          <p:nvPr/>
-        </p:nvSpPr>
-        <p:spPr>
-          <a:xfrm>
-            <a:off x="1060316" y="4785646"/>
-            <a:ext cx="2849525" cy="830997"/>
-          </a:xfrm>
-          <a:prstGeom prst="rect">
-            <a:avLst/>
-          </a:prstGeom>
-          <a:noFill/>
-        </p:spPr>
-        <p:txBody>
-          <a:bodyPr wrap="square" rtlCol="0">
-            <a:spAutoFit/>
-          </a:bodyPr>
-          <a:lstStyle/>
-          <a:p>
-            <a:pPr marL="457200" indent="-457200">
-              <a:buFont typeface="Wingdings" pitchFamily="2" charset="2"/>
-              <a:buChar char="Ø"/>
-            </a:pPr>
-            <a:r>
-              <a:rPr kumimoji="1" lang="en-US" altLang="zh-CN" sz="2400" dirty="0">
-                <a:latin typeface="Microsoft YaHei" panose="020B0503020204020204" pitchFamily="34" charset="-122"/>
-                <a:ea typeface="Microsoft YaHei" panose="020B0503020204020204" pitchFamily="34" charset="-122"/>
-              </a:rPr>
-              <a:t>int</a:t>
-            </a:r>
-            <a:r>
-              <a:rPr kumimoji="1" lang="zh-CN" altLang="en-US" sz="2400" dirty="0">
-                <a:latin typeface="Microsoft YaHei" panose="020B0503020204020204" pitchFamily="34" charset="-122"/>
-                <a:ea typeface="Microsoft YaHei" panose="020B0503020204020204" pitchFamily="34" charset="-122"/>
-              </a:rPr>
-              <a:t>类型</a:t>
-            </a:r>
-            <a:endParaRPr kumimoji="1" lang="en-US" altLang="zh-CN" sz="2400" dirty="0">
-              <a:latin typeface="Microsoft YaHei" panose="020B0503020204020204" pitchFamily="34" charset="-122"/>
-              <a:ea typeface="Microsoft YaHei" panose="020B0503020204020204" pitchFamily="34" charset="-122"/>
-            </a:endParaRPr>
-          </a:p>
-          <a:p>
-            <a:pPr marL="457200" indent="-457200">
-              <a:buFont typeface="Wingdings" pitchFamily="2" charset="2"/>
-              <a:buChar char="Ø"/>
-            </a:pPr>
-            <a:r>
-              <a:rPr kumimoji="1" lang="en-US" altLang="zh-CN" sz="2400" dirty="0">
-                <a:latin typeface="Microsoft YaHei" panose="020B0503020204020204" pitchFamily="34" charset="-122"/>
-                <a:ea typeface="Microsoft YaHei" panose="020B0503020204020204" pitchFamily="34" charset="-122"/>
-              </a:rPr>
-              <a:t>float</a:t>
-            </a:r>
-            <a:r>
-              <a:rPr kumimoji="1" lang="zh-CN" altLang="en-US" sz="2400" dirty="0">
-                <a:latin typeface="Microsoft YaHei" panose="020B0503020204020204" pitchFamily="34" charset="-122"/>
-                <a:ea typeface="Microsoft YaHei" panose="020B0503020204020204" pitchFamily="34" charset="-122"/>
-              </a:rPr>
-              <a:t>类型</a:t>
-            </a:r>
-            <a:endParaRPr kumimoji="1" lang="en-US" altLang="zh-CN" sz="2400" dirty="0">
-              <a:latin typeface="Microsoft YaHei" panose="020B0503020204020204" pitchFamily="34" charset="-122"/>
-              <a:ea typeface="Microsoft YaHei" panose="020B0503020204020204" pitchFamily="34" charset="-122"/>
-            </a:endParaRPr>
-          </a:p>
-        </p:txBody>
-      </p:sp>
-      <p:sp>
-        <p:nvSpPr>
-          <p:cNvPr id="10" name="文本框 9">
-            <a:extLst>
-              <a:ext uri="{FF2B5EF4-FFF2-40B4-BE49-F238E27FC236}">
-                <a16:creationId xmlns:a16="http://schemas.microsoft.com/office/drawing/2014/main" id="{01B316BA-3FB8-4C42-A63A-6A032A63760E}"/>
-              </a:ext>
-            </a:extLst>
-          </p:cNvPr>
-          <p:cNvSpPr txBox="1"/>
-          <p:nvPr/>
-        </p:nvSpPr>
-        <p:spPr>
-          <a:xfrm>
-            <a:off x="5987315" y="2539533"/>
-            <a:ext cx="4954772" cy="830997"/>
-          </a:xfrm>
-          <a:prstGeom prst="rect">
-            <a:avLst/>
-          </a:prstGeom>
-          <a:noFill/>
-        </p:spPr>
-        <p:txBody>
-          <a:bodyPr wrap="square" rtlCol="0">
-            <a:spAutoFit/>
-          </a:bodyPr>
-          <a:lstStyle/>
-          <a:p>
-            <a:r>
-              <a:rPr kumimoji="1" lang="zh-CN" altLang="en-US" sz="2400" dirty="0">
-                <a:latin typeface="Microsoft YaHei" panose="020B0503020204020204" pitchFamily="34" charset="-122"/>
-                <a:ea typeface="Microsoft YaHei" panose="020B0503020204020204" pitchFamily="34" charset="-122"/>
-              </a:rPr>
-              <a:t>抽象数据模型： 在一个数据模型及其上面定义的操作</a:t>
-            </a:r>
-          </a:p>
-        </p:txBody>
-      </p:sp>
-      <p:graphicFrame>
-        <p:nvGraphicFramePr>
-          <p:cNvPr id="13" name="表格 12">
-            <a:extLst>
-              <a:ext uri="{FF2B5EF4-FFF2-40B4-BE49-F238E27FC236}">
-                <a16:creationId xmlns:a16="http://schemas.microsoft.com/office/drawing/2014/main" id="{0A94F8EC-5382-5C44-9AF8-2DCE2B526501}"/>
-              </a:ext>
-            </a:extLst>
-          </p:cNvPr>
-          <p:cNvGraphicFramePr>
-            <a:graphicFrameLocks noGrp="1"/>
-          </p:cNvGraphicFramePr>
-          <p:nvPr>
-            <p:extLst>
-              <p:ext uri="{D42A27DB-BD31-4B8C-83A1-F6EECF244321}">
-                <p14:modId xmlns:p14="http://schemas.microsoft.com/office/powerpoint/2010/main" val="3691048772"/>
-              </p:ext>
-            </p:extLst>
-          </p:nvPr>
-        </p:nvGraphicFramePr>
-        <p:xfrm>
-          <a:off x="5987315" y="4708702"/>
-          <a:ext cx="6204685" cy="1815882"/>
-        </p:xfrm>
-        <a:graphic>
-          <a:graphicData uri="http://schemas.openxmlformats.org/drawingml/2006/table">
-            <a:tbl>
-              <a:tblPr firstRow="1" bandRow="1">
-                <a:tableStyleId>{5C22544A-7EE6-4342-B048-85BDC9FD1C3A}</a:tableStyleId>
-              </a:tblPr>
-              <a:tblGrid>
-                <a:gridCol w="1240937">
-                  <a:extLst>
-                    <a:ext uri="{9D8B030D-6E8A-4147-A177-3AD203B41FA5}">
-                      <a16:colId xmlns:a16="http://schemas.microsoft.com/office/drawing/2014/main" val="63678742"/>
-                    </a:ext>
-                  </a:extLst>
-                </a:gridCol>
-                <a:gridCol w="1240937">
-                  <a:extLst>
-                    <a:ext uri="{9D8B030D-6E8A-4147-A177-3AD203B41FA5}">
-                      <a16:colId xmlns:a16="http://schemas.microsoft.com/office/drawing/2014/main" val="2780537876"/>
-                    </a:ext>
-                  </a:extLst>
-                </a:gridCol>
-                <a:gridCol w="1240937">
-                  <a:extLst>
-                    <a:ext uri="{9D8B030D-6E8A-4147-A177-3AD203B41FA5}">
-                      <a16:colId xmlns:a16="http://schemas.microsoft.com/office/drawing/2014/main" val="3605558048"/>
-                    </a:ext>
-                  </a:extLst>
-                </a:gridCol>
-                <a:gridCol w="1240937">
-                  <a:extLst>
-                    <a:ext uri="{9D8B030D-6E8A-4147-A177-3AD203B41FA5}">
-                      <a16:colId xmlns:a16="http://schemas.microsoft.com/office/drawing/2014/main" val="2059347844"/>
-                    </a:ext>
-                  </a:extLst>
-                </a:gridCol>
-                <a:gridCol w="1240937">
-                  <a:extLst>
-                    <a:ext uri="{9D8B030D-6E8A-4147-A177-3AD203B41FA5}">
-                      <a16:colId xmlns:a16="http://schemas.microsoft.com/office/drawing/2014/main" val="3825369775"/>
-                    </a:ext>
-                  </a:extLst>
-                </a:gridCol>
-              </a:tblGrid>
-              <a:tr h="605294">
-                <a:tc>
-                  <a:txBody>
-                    <a:bodyPr/>
-                    <a:lstStyle/>
-                    <a:p>
-                      <a:pPr algn="ctr"/>
-                      <a:r>
-                        <a:rPr lang="en-US" altLang="zh-CN" dirty="0"/>
-                        <a:t>Int</a:t>
-                      </a:r>
-                      <a:endParaRPr lang="zh-CN" altLang="en-US" dirty="0"/>
-                    </a:p>
-                  </a:txBody>
-                  <a:tcPr/>
-                </a:tc>
-                <a:tc>
-                  <a:txBody>
-                    <a:bodyPr/>
-                    <a:lstStyle/>
-                    <a:p>
-                      <a:pPr algn="ctr"/>
-                      <a:r>
-                        <a:rPr lang="en-US" altLang="zh-CN" dirty="0"/>
-                        <a:t>1+1</a:t>
-                      </a:r>
-                      <a:endParaRPr lang="zh-CN" altLang="en-US" dirty="0"/>
-                    </a:p>
-                  </a:txBody>
-                  <a:tcPr/>
-                </a:tc>
-                <a:tc>
-                  <a:txBody>
-                    <a:bodyPr/>
-                    <a:lstStyle/>
-                    <a:p>
-                      <a:pPr algn="ctr"/>
-                      <a:r>
-                        <a:rPr lang="en-US" altLang="zh-CN" dirty="0"/>
-                        <a:t>1-1</a:t>
-                      </a:r>
-                      <a:endParaRPr lang="zh-CN" altLang="en-US" dirty="0"/>
-                    </a:p>
-                  </a:txBody>
-                  <a:tcPr/>
-                </a:tc>
-                <a:tc>
-                  <a:txBody>
-                    <a:bodyPr/>
-                    <a:lstStyle/>
-                    <a:p>
-                      <a:pPr algn="ctr"/>
-                      <a:r>
-                        <a:rPr lang="en-US" altLang="zh-CN" dirty="0"/>
-                        <a:t>1</a:t>
-                      </a:r>
-                      <a:r>
-                        <a:rPr lang="zh-CN" altLang="en-US" dirty="0"/>
-                        <a:t>*</a:t>
-                      </a:r>
-                      <a:r>
-                        <a:rPr lang="en-US" altLang="zh-CN" dirty="0"/>
-                        <a:t>1</a:t>
-                      </a:r>
-                      <a:endParaRPr lang="zh-CN" altLang="en-US" dirty="0"/>
-                    </a:p>
-                  </a:txBody>
-                  <a:tcPr/>
-                </a:tc>
-                <a:tc>
-                  <a:txBody>
-                    <a:bodyPr/>
-                    <a:lstStyle/>
-                    <a:p>
-                      <a:pPr algn="ctr"/>
-                      <a:r>
-                        <a:rPr lang="en-US" altLang="zh-CN" dirty="0"/>
-                        <a:t>1/1</a:t>
-                      </a:r>
-                      <a:endParaRPr lang="zh-CN" altLang="en-US" dirty="0"/>
-                    </a:p>
-                  </a:txBody>
-                  <a:tcPr/>
-                </a:tc>
-                <a:extLst>
-                  <a:ext uri="{0D108BD9-81ED-4DB2-BD59-A6C34878D82A}">
-                    <a16:rowId xmlns:a16="http://schemas.microsoft.com/office/drawing/2014/main" val="2379731177"/>
-                  </a:ext>
-                </a:extLst>
-              </a:tr>
-              <a:tr h="605294">
-                <a:tc>
-                  <a:txBody>
-                    <a:bodyPr/>
-                    <a:lstStyle/>
-                    <a:p>
-                      <a:pPr algn="ctr"/>
-                      <a:r>
-                        <a:rPr lang="en-US" altLang="zh-CN" dirty="0"/>
-                        <a:t>Float</a:t>
-                      </a:r>
-                      <a:endParaRPr lang="zh-CN" altLang="en-US" dirty="0"/>
-                    </a:p>
-                  </a:txBody>
-                  <a:tcPr/>
-                </a:tc>
-                <a:tc>
-                  <a:txBody>
-                    <a:bodyPr/>
-                    <a:lstStyle/>
-                    <a:p>
-                      <a:pPr algn="ctr"/>
-                      <a:r>
-                        <a:rPr lang="en-US" altLang="zh-CN" dirty="0"/>
-                        <a:t>1.23+4.56</a:t>
-                      </a:r>
-                      <a:endParaRPr lang="zh-CN" altLang="en-US" dirty="0"/>
-                    </a:p>
-                  </a:txBody>
-                  <a:tcPr/>
-                </a:tc>
-                <a:tc>
-                  <a:txBody>
-                    <a:bodyPr/>
-                    <a:lstStyle/>
-                    <a:p>
-                      <a:pPr algn="ctr"/>
-                      <a:r>
-                        <a:rPr lang="en-US" altLang="zh-CN" dirty="0"/>
-                        <a:t>1.23-4.56</a:t>
-                      </a:r>
-                      <a:endParaRPr lang="zh-CN" altLang="en-US" dirty="0"/>
-                    </a:p>
-                  </a:txBody>
-                  <a:tcPr/>
-                </a:tc>
-                <a:tc>
-                  <a:txBody>
-                    <a:bodyPr/>
-                    <a:lstStyle/>
-                    <a:p>
-                      <a:pPr algn="ctr"/>
-                      <a:r>
-                        <a:rPr lang="en-US" altLang="zh-CN" dirty="0"/>
-                        <a:t>1.23</a:t>
-                      </a:r>
-                      <a:r>
-                        <a:rPr lang="zh-CN" altLang="en-US" dirty="0"/>
-                        <a:t>*</a:t>
-                      </a:r>
-                      <a:r>
-                        <a:rPr lang="en-US" altLang="zh-CN" dirty="0"/>
-                        <a:t>4.56</a:t>
-                      </a:r>
-                      <a:endParaRPr lang="zh-CN" altLang="en-US" dirty="0"/>
-                    </a:p>
-                  </a:txBody>
-                  <a:tcPr/>
-                </a:tc>
-                <a:tc>
-                  <a:txBody>
-                    <a:bodyPr/>
-                    <a:lstStyle/>
-                    <a:p>
-                      <a:pPr algn="ctr"/>
-                      <a:r>
-                        <a:rPr lang="en-US" altLang="zh-CN" dirty="0"/>
-                        <a:t>1.23/4.56</a:t>
-                      </a:r>
-                      <a:endParaRPr lang="zh-CN" altLang="en-US" dirty="0"/>
-                    </a:p>
-                  </a:txBody>
-                  <a:tcPr/>
-                </a:tc>
-                <a:extLst>
-                  <a:ext uri="{0D108BD9-81ED-4DB2-BD59-A6C34878D82A}">
-                    <a16:rowId xmlns:a16="http://schemas.microsoft.com/office/drawing/2014/main" val="351518810"/>
-                  </a:ext>
-                </a:extLst>
-              </a:tr>
-              <a:tr h="605294">
-                <a:tc>
-                  <a:txBody>
-                    <a:bodyPr/>
-                    <a:lstStyle/>
-                    <a:p>
-                      <a:pPr algn="ctr"/>
-                      <a:r>
-                        <a:rPr lang="zh-CN" altLang="en-US" dirty="0"/>
-                        <a:t>抽象类型</a:t>
-                      </a:r>
-                    </a:p>
-                  </a:txBody>
-                  <a:tcPr/>
-                </a:tc>
-                <a:tc>
-                  <a:txBody>
-                    <a:bodyPr/>
-                    <a:lstStyle/>
-                    <a:p>
-                      <a:pPr algn="ctr"/>
-                      <a:r>
-                        <a:rPr lang="zh-CN" altLang="en-US" dirty="0"/>
-                        <a:t>加</a:t>
-                      </a:r>
-                    </a:p>
-                  </a:txBody>
-                  <a:tcPr/>
-                </a:tc>
-                <a:tc>
-                  <a:txBody>
-                    <a:bodyPr/>
-                    <a:lstStyle/>
-                    <a:p>
-                      <a:pPr algn="ctr"/>
-                      <a:r>
-                        <a:rPr lang="zh-CN" altLang="en-US" dirty="0"/>
-                        <a:t>减</a:t>
-                      </a:r>
-                    </a:p>
-                  </a:txBody>
-                  <a:tcPr/>
-                </a:tc>
-                <a:tc>
-                  <a:txBody>
-                    <a:bodyPr/>
-                    <a:lstStyle/>
-                    <a:p>
-                      <a:pPr algn="ctr"/>
-                      <a:r>
-                        <a:rPr lang="zh-CN" altLang="en-US" dirty="0"/>
-                        <a:t>乘</a:t>
-                      </a:r>
-                    </a:p>
-                  </a:txBody>
-                  <a:tcPr/>
-                </a:tc>
-                <a:tc>
-                  <a:txBody>
-                    <a:bodyPr/>
-                    <a:lstStyle/>
-                    <a:p>
-                      <a:pPr algn="ctr"/>
-                      <a:r>
-                        <a:rPr lang="zh-CN" altLang="en-US" dirty="0"/>
-                        <a:t>除</a:t>
-                      </a:r>
-                    </a:p>
-                  </a:txBody>
-                  <a:tcPr/>
-                </a:tc>
-                <a:extLst>
-                  <a:ext uri="{0D108BD9-81ED-4DB2-BD59-A6C34878D82A}">
-                    <a16:rowId xmlns:a16="http://schemas.microsoft.com/office/drawing/2014/main" val="3951849423"/>
-                  </a:ext>
-                </a:extLst>
-              </a:tr>
-            </a:tbl>
-          </a:graphicData>
-        </a:graphic>
-      </p:graphicFrame>
-      <p:sp>
-        <p:nvSpPr>
-          <p:cNvPr id="7" name="文本框 6">
-            <a:extLst>
-              <a:ext uri="{FF2B5EF4-FFF2-40B4-BE49-F238E27FC236}">
-                <a16:creationId xmlns:a16="http://schemas.microsoft.com/office/drawing/2014/main" id="{4332E611-6A41-B34B-AF37-D982BE2DDB58}"/>
-              </a:ext>
-            </a:extLst>
-          </p:cNvPr>
-          <p:cNvSpPr txBox="1"/>
-          <p:nvPr/>
-        </p:nvSpPr>
-        <p:spPr>
-          <a:xfrm>
-            <a:off x="540000" y="1800000"/>
-            <a:ext cx="1070042" cy="542675"/>
-          </a:xfrm>
-          <a:prstGeom prst="rect">
-            <a:avLst/>
-          </a:prstGeom>
-          <a:solidFill>
-            <a:schemeClr val="accent2"/>
-          </a:solidFill>
-        </p:spPr>
-        <p:txBody>
-          <a:bodyPr wrap="square" rtlCol="0">
-            <a:spAutoFit/>
-          </a:bodyPr>
-          <a:lstStyle/>
-          <a:p>
-            <a:r>
-              <a:rPr kumimoji="1" lang="zh-CN" altLang="en-US" sz="2800" dirty="0">
-                <a:solidFill>
-                  <a:schemeClr val="bg1"/>
-                </a:solidFill>
-                <a:latin typeface="Microsoft YaHei" panose="020B0503020204020204" pitchFamily="34" charset="-122"/>
-                <a:ea typeface="Microsoft YaHei" panose="020B0503020204020204" pitchFamily="34" charset="-122"/>
-              </a:rPr>
-              <a:t>定义</a:t>
-            </a:r>
-          </a:p>
-        </p:txBody>
-      </p:sp>
-      <p:sp>
-        <p:nvSpPr>
-          <p:cNvPr id="8" name="文本框 7">
-            <a:extLst>
-              <a:ext uri="{FF2B5EF4-FFF2-40B4-BE49-F238E27FC236}">
-                <a16:creationId xmlns:a16="http://schemas.microsoft.com/office/drawing/2014/main" id="{7A900BD6-DA4D-F44B-BFC9-865373183C85}"/>
-              </a:ext>
-            </a:extLst>
-          </p:cNvPr>
-          <p:cNvSpPr txBox="1"/>
-          <p:nvPr/>
-        </p:nvSpPr>
-        <p:spPr>
-          <a:xfrm>
-            <a:off x="5583044" y="3902968"/>
-            <a:ext cx="1070042" cy="542675"/>
-          </a:xfrm>
-          <a:prstGeom prst="rect">
-            <a:avLst/>
-          </a:prstGeom>
-          <a:solidFill>
-            <a:schemeClr val="accent2"/>
-          </a:solidFill>
-        </p:spPr>
-        <p:txBody>
-          <a:bodyPr wrap="square" rtlCol="0">
-            <a:spAutoFit/>
-          </a:bodyPr>
-          <a:lstStyle/>
-          <a:p>
-            <a:r>
-              <a:rPr kumimoji="1" lang="zh-CN" altLang="en-US" sz="2800" dirty="0">
-                <a:solidFill>
-                  <a:schemeClr val="bg1"/>
-                </a:solidFill>
-                <a:latin typeface="Microsoft YaHei" panose="020B0503020204020204" pitchFamily="34" charset="-122"/>
-                <a:ea typeface="Microsoft YaHei" panose="020B0503020204020204" pitchFamily="34" charset="-122"/>
-              </a:rPr>
-              <a:t>例子</a:t>
-            </a:r>
-          </a:p>
-        </p:txBody>
-      </p:sp>
-      <p:sp>
-        <p:nvSpPr>
-          <p:cNvPr id="9" name="文本框 8">
-            <a:extLst>
-              <a:ext uri="{FF2B5EF4-FFF2-40B4-BE49-F238E27FC236}">
-                <a16:creationId xmlns:a16="http://schemas.microsoft.com/office/drawing/2014/main" id="{8C88158F-12A7-1A4D-A222-2651AF2F4A71}"/>
-              </a:ext>
-            </a:extLst>
-          </p:cNvPr>
-          <p:cNvSpPr txBox="1"/>
-          <p:nvPr/>
-        </p:nvSpPr>
-        <p:spPr>
-          <a:xfrm>
-            <a:off x="5583044" y="1770834"/>
-            <a:ext cx="1070042" cy="542675"/>
-          </a:xfrm>
-          <a:prstGeom prst="rect">
-            <a:avLst/>
-          </a:prstGeom>
-          <a:solidFill>
-            <a:schemeClr val="accent2"/>
-          </a:solidFill>
-        </p:spPr>
-        <p:txBody>
-          <a:bodyPr wrap="square" rtlCol="0">
-            <a:spAutoFit/>
-          </a:bodyPr>
-          <a:lstStyle/>
-          <a:p>
-            <a:r>
-              <a:rPr kumimoji="1" lang="zh-CN" altLang="en-US" sz="2800" dirty="0">
-                <a:solidFill>
-                  <a:schemeClr val="bg1"/>
-                </a:solidFill>
-                <a:latin typeface="Microsoft YaHei" panose="020B0503020204020204" pitchFamily="34" charset="-122"/>
-                <a:ea typeface="Microsoft YaHei" panose="020B0503020204020204" pitchFamily="34" charset="-122"/>
-              </a:rPr>
-              <a:t>定义</a:t>
-            </a:r>
-          </a:p>
-        </p:txBody>
-      </p:sp>
-      <p:sp>
-        <p:nvSpPr>
-          <p:cNvPr id="11" name="文本框 10">
-            <a:extLst>
-              <a:ext uri="{FF2B5EF4-FFF2-40B4-BE49-F238E27FC236}">
-                <a16:creationId xmlns:a16="http://schemas.microsoft.com/office/drawing/2014/main" id="{24AA2B17-AB4A-774C-9989-8545382EAB10}"/>
-              </a:ext>
-            </a:extLst>
-          </p:cNvPr>
-          <p:cNvSpPr txBox="1"/>
-          <p:nvPr/>
-        </p:nvSpPr>
-        <p:spPr>
-          <a:xfrm>
-            <a:off x="540000" y="3960000"/>
-            <a:ext cx="1070042" cy="542675"/>
-          </a:xfrm>
-          <a:prstGeom prst="rect">
-            <a:avLst/>
-          </a:prstGeom>
-          <a:solidFill>
-            <a:schemeClr val="accent2"/>
-          </a:solidFill>
-        </p:spPr>
-        <p:txBody>
-          <a:bodyPr wrap="square" rtlCol="0">
-            <a:spAutoFit/>
-          </a:bodyPr>
-          <a:lstStyle/>
-          <a:p>
-            <a:r>
-              <a:rPr kumimoji="1" lang="zh-CN" altLang="en-US" sz="2800" dirty="0">
-                <a:solidFill>
-                  <a:schemeClr val="bg1"/>
-                </a:solidFill>
-                <a:latin typeface="Microsoft YaHei" panose="020B0503020204020204" pitchFamily="34" charset="-122"/>
-                <a:ea typeface="Microsoft YaHei" panose="020B0503020204020204" pitchFamily="34" charset="-122"/>
-              </a:rPr>
-              <a:t>例子</a:t>
-            </a:r>
-          </a:p>
-        </p:txBody>
-      </p:sp>
-      <p:cxnSp>
-        <p:nvCxnSpPr>
-          <p:cNvPr id="6" name="直线连接符 5">
-            <a:extLst>
-              <a:ext uri="{FF2B5EF4-FFF2-40B4-BE49-F238E27FC236}">
-                <a16:creationId xmlns:a16="http://schemas.microsoft.com/office/drawing/2014/main" id="{7427DAA8-AFAF-8644-A718-C64C3D9B953A}"/>
-              </a:ext>
-            </a:extLst>
-          </p:cNvPr>
-          <p:cNvCxnSpPr/>
-          <p:nvPr/>
-        </p:nvCxnSpPr>
-        <p:spPr>
-          <a:xfrm>
-            <a:off x="4883285" y="2704835"/>
-            <a:ext cx="0" cy="2703744"/>
-          </a:xfrm>
-          <a:prstGeom prst="line">
-            <a:avLst/>
-          </a:prstGeom>
-          <a:ln w="12700">
-            <a:solidFill>
-              <a:schemeClr val="bg1">
-                <a:lumMod val="75000"/>
-              </a:schemeClr>
-            </a:solidFill>
-          </a:ln>
-        </p:spPr>
-        <p:style>
-          <a:lnRef idx="1">
-            <a:schemeClr val="accent1"/>
-          </a:lnRef>
-          <a:fillRef idx="0">
-            <a:schemeClr val="accent1"/>
-          </a:fillRef>
-          <a:effectRef idx="0">
-            <a:schemeClr val="accent1"/>
-          </a:effectRef>
-          <a:fontRef idx="minor">
-            <a:schemeClr val="tx1"/>
-          </a:fontRef>
-        </p:style>
-      </p:cxnSp>
-    </p:spTree>
-    <p:extLst>
-      <p:ext uri="{BB962C8B-B14F-4D97-AF65-F5344CB8AC3E}">
-        <p14:creationId xmlns:p14="http://schemas.microsoft.com/office/powerpoint/2010/main" val="2389045370"/>
-      </p:ext>
-    </p:extLst>
-  </p:cSld>
-  <p:clrMapOvr>
-    <a:masterClrMapping/>
-  </p:clrMapOvr>
-</p:sld>
-</file>
-
-<file path=ppt/slides/slide22.xml><?xml version="1.0" encoding="utf-8"?>
-<p:sld xmlns:a="http://schemas.openxmlformats.org/drawingml/2006/main" xmlns:r="http://schemas.openxmlformats.org/officeDocument/2006/relationships" xmlns:p="http://schemas.openxmlformats.org/presentationml/2006/main">
-  <p:cSld>
-    <p:bg>
-      <p:bgPr>
-        <a:blipFill>
-          <a:blip r:embed="rId3"/>
-          <a:tile tx="0" ty="0" sx="100000" sy="100000" flip="none" algn="tl"/>
-        </a:blipFill>
-        <a:effectLst/>
-      </p:bgPr>
-    </p:bg>
-    <p:spTree>
-      <p:nvGrpSpPr>
-        <p:cNvPr id="1" name=""/>
-        <p:cNvGrpSpPr/>
-        <p:nvPr/>
-      </p:nvGrpSpPr>
-      <p:grpSpPr>
-        <a:xfrm>
-          <a:off x="0" y="0"/>
-          <a:ext cx="0" cy="0"/>
-          <a:chOff x="0" y="0"/>
-          <a:chExt cx="0" cy="0"/>
-        </a:xfrm>
-      </p:grpSpPr>
-      <p:sp>
-        <p:nvSpPr>
-          <p:cNvPr id="2" name="文本框 1">
-            <a:extLst>
-              <a:ext uri="{FF2B5EF4-FFF2-40B4-BE49-F238E27FC236}">
-                <a16:creationId xmlns:a16="http://schemas.microsoft.com/office/drawing/2014/main" id="{12AA8BCC-7B15-4842-80C2-48C079429338}"/>
-              </a:ext>
-            </a:extLst>
-          </p:cNvPr>
-          <p:cNvSpPr txBox="1"/>
-          <p:nvPr/>
-        </p:nvSpPr>
-        <p:spPr>
-          <a:xfrm>
-            <a:off x="2228088" y="2921168"/>
-            <a:ext cx="7735824" cy="1015663"/>
-          </a:xfrm>
-          <a:prstGeom prst="rect">
-            <a:avLst/>
-          </a:prstGeom>
-          <a:noFill/>
-        </p:spPr>
-        <p:txBody>
-          <a:bodyPr wrap="square" rtlCol="0">
-            <a:spAutoFit/>
-          </a:bodyPr>
-          <a:lstStyle/>
-          <a:p>
-            <a:pPr algn="ctr"/>
-            <a:r>
-              <a:rPr kumimoji="1" lang="zh-CN" altLang="en-US" sz="6000" dirty="0">
-                <a:latin typeface="Microsoft YaHei" panose="020B0503020204020204" pitchFamily="34" charset="-122"/>
-                <a:ea typeface="Microsoft YaHei" panose="020B0503020204020204" pitchFamily="34" charset="-122"/>
-              </a:rPr>
-              <a:t>这堂课我们学了撒？</a:t>
-            </a:r>
-          </a:p>
-        </p:txBody>
-      </p:sp>
-    </p:spTree>
-    <p:extLst>
-      <p:ext uri="{BB962C8B-B14F-4D97-AF65-F5344CB8AC3E}">
-        <p14:creationId xmlns:p14="http://schemas.microsoft.com/office/powerpoint/2010/main" val="3338372476"/>
-      </p:ext>
-    </p:extLst>
-  </p:cSld>
-  <p:clrMapOvr>
-    <a:masterClrMapping/>
-  </p:clrMapOvr>
-</p:sld>
-</file>
-
-<file path=ppt/slides/slide23.xml><?xml version="1.0" encoding="utf-8"?>
-<p:sld xmlns:a="http://schemas.openxmlformats.org/drawingml/2006/main" xmlns:r="http://schemas.openxmlformats.org/officeDocument/2006/relationships" xmlns:p="http://schemas.openxmlformats.org/presentationml/2006/main">
-  <p:cSld>
-    <p:bg>
-      <p:bgPr>
-        <a:blipFill dpi="0" rotWithShape="1">
-          <a:blip r:embed="rId3">
-            <a:lum/>
-          </a:blip>
-          <a:srcRect/>
-          <a:stretch>
-            <a:fillRect/>
-          </a:stretch>
-        </a:blipFill>
-        <a:effectLst/>
-      </p:bgPr>
-    </p:bg>
-    <p:spTree>
-      <p:nvGrpSpPr>
-        <p:cNvPr id="1" name=""/>
-        <p:cNvGrpSpPr/>
-        <p:nvPr/>
-      </p:nvGrpSpPr>
-      <p:grpSpPr>
-        <a:xfrm>
-          <a:off x="0" y="0"/>
-          <a:ext cx="0" cy="0"/>
-          <a:chOff x="0" y="0"/>
-          <a:chExt cx="0" cy="0"/>
-        </a:xfrm>
-      </p:grpSpPr>
-    </p:spTree>
-    <p:extLst>
-      <p:ext uri="{BB962C8B-B14F-4D97-AF65-F5344CB8AC3E}">
-        <p14:creationId xmlns:p14="http://schemas.microsoft.com/office/powerpoint/2010/main" val="721635264"/>
       </p:ext>
     </p:extLst>
   </p:cSld>

--- a/1.1绪论.pptx
+++ b/1.1绪论.pptx
@@ -9657,7 +9657,7 @@
         </p:nvSpPr>
         <p:spPr>
           <a:xfrm>
-            <a:off x="815891" y="3428997"/>
+            <a:off x="815891" y="3803070"/>
             <a:ext cx="1704109" cy="1080655"/>
           </a:xfrm>
           <a:prstGeom prst="rect">
@@ -9714,7 +9714,7 @@
         </p:nvSpPr>
         <p:spPr>
           <a:xfrm>
-            <a:off x="3346843" y="3428996"/>
+            <a:off x="3297565" y="3803070"/>
             <a:ext cx="1704109" cy="1080655"/>
           </a:xfrm>
           <a:prstGeom prst="rect">
@@ -9779,7 +9779,7 @@
         </p:nvSpPr>
         <p:spPr>
           <a:xfrm>
-            <a:off x="5601659" y="3428995"/>
+            <a:off x="5601659" y="3803070"/>
             <a:ext cx="1704109" cy="1080655"/>
           </a:xfrm>
           <a:prstGeom prst="rect">
@@ -9833,7 +9833,7 @@
         </p:nvSpPr>
         <p:spPr>
           <a:xfrm>
-            <a:off x="7905753" y="3428994"/>
+            <a:off x="7951730" y="3823849"/>
             <a:ext cx="1704109" cy="1080655"/>
           </a:xfrm>
           <a:prstGeom prst="rect">
@@ -9882,7 +9882,7 @@
         </p:nvSpPr>
         <p:spPr>
           <a:xfrm>
-            <a:off x="10255824" y="3428998"/>
+            <a:off x="10301801" y="3803069"/>
             <a:ext cx="1704109" cy="1080655"/>
           </a:xfrm>
           <a:prstGeom prst="rect">
@@ -9930,6 +9930,221 @@
           </a:p>
         </p:txBody>
       </p:sp>
+      <p:sp>
+        <p:nvSpPr>
+          <p:cNvPr id="23" name="矩形 22">
+            <a:extLst>
+              <a:ext uri="{FF2B5EF4-FFF2-40B4-BE49-F238E27FC236}">
+                <a16:creationId xmlns:a16="http://schemas.microsoft.com/office/drawing/2014/main" id="{31B0C078-09E6-FA4F-9FA2-F103ABDC29D6}"/>
+              </a:ext>
+            </a:extLst>
+          </p:cNvPr>
+          <p:cNvSpPr/>
+          <p:nvPr/>
+        </p:nvSpPr>
+        <p:spPr>
+          <a:xfrm>
+            <a:off x="5535857" y="1974275"/>
+            <a:ext cx="1704109" cy="1080655"/>
+          </a:xfrm>
+          <a:prstGeom prst="rect">
+            <a:avLst/>
+          </a:prstGeom>
+        </p:spPr>
+        <p:style>
+          <a:lnRef idx="2">
+            <a:schemeClr val="accent1">
+              <a:shade val="50000"/>
+            </a:schemeClr>
+          </a:lnRef>
+          <a:fillRef idx="1">
+            <a:schemeClr val="accent1"/>
+          </a:fillRef>
+          <a:effectRef idx="0">
+            <a:schemeClr val="accent1"/>
+          </a:effectRef>
+          <a:fontRef idx="minor">
+            <a:schemeClr val="lt1"/>
+          </a:fontRef>
+        </p:style>
+        <p:txBody>
+          <a:bodyPr rtlCol="0" anchor="ctr"/>
+          <a:lstStyle/>
+          <a:p>
+            <a:pPr algn="ctr"/>
+            <a:r>
+              <a:rPr kumimoji="1" lang="zh-CN" altLang="en-US" dirty="0"/>
+              <a:t>计算机</a:t>
+            </a:r>
+          </a:p>
+        </p:txBody>
+      </p:sp>
+      <p:cxnSp>
+        <p:nvCxnSpPr>
+          <p:cNvPr id="24" name="肘形连接符 23">
+            <a:extLst>
+              <a:ext uri="{FF2B5EF4-FFF2-40B4-BE49-F238E27FC236}">
+                <a16:creationId xmlns:a16="http://schemas.microsoft.com/office/drawing/2014/main" id="{D3ED72D7-80EE-D74C-9ADD-A127AB616D95}"/>
+              </a:ext>
+            </a:extLst>
+          </p:cNvPr>
+          <p:cNvCxnSpPr>
+            <a:stCxn id="23" idx="2"/>
+            <a:endCxn id="3" idx="0"/>
+          </p:cNvCxnSpPr>
+          <p:nvPr/>
+        </p:nvCxnSpPr>
+        <p:spPr>
+          <a:xfrm rot="5400000">
+            <a:off x="3653859" y="1069017"/>
+            <a:ext cx="748140" cy="4719966"/>
+          </a:xfrm>
+          <a:prstGeom prst="bentConnector3">
+            <a:avLst/>
+          </a:prstGeom>
+          <a:ln>
+            <a:tailEnd type="triangle"/>
+          </a:ln>
+        </p:spPr>
+        <p:style>
+          <a:lnRef idx="1">
+            <a:schemeClr val="accent1"/>
+          </a:lnRef>
+          <a:fillRef idx="0">
+            <a:schemeClr val="accent1"/>
+          </a:fillRef>
+          <a:effectRef idx="0">
+            <a:schemeClr val="accent1"/>
+          </a:effectRef>
+          <a:fontRef idx="minor">
+            <a:schemeClr val="tx1"/>
+          </a:fontRef>
+        </p:style>
+      </p:cxnSp>
+      <p:cxnSp>
+        <p:nvCxnSpPr>
+          <p:cNvPr id="26" name="肘形连接符 25">
+            <a:extLst>
+              <a:ext uri="{FF2B5EF4-FFF2-40B4-BE49-F238E27FC236}">
+                <a16:creationId xmlns:a16="http://schemas.microsoft.com/office/drawing/2014/main" id="{91F8B23A-E0B3-EE49-93F3-D1C780015B9D}"/>
+              </a:ext>
+            </a:extLst>
+          </p:cNvPr>
+          <p:cNvCxnSpPr>
+            <a:stCxn id="23" idx="2"/>
+            <a:endCxn id="19" idx="0"/>
+          </p:cNvCxnSpPr>
+          <p:nvPr/>
+        </p:nvCxnSpPr>
+        <p:spPr>
+          <a:xfrm rot="5400000">
+            <a:off x="4894696" y="2309854"/>
+            <a:ext cx="748140" cy="2238292"/>
+          </a:xfrm>
+          <a:prstGeom prst="bentConnector3">
+            <a:avLst/>
+          </a:prstGeom>
+          <a:ln>
+            <a:tailEnd type="triangle"/>
+          </a:ln>
+        </p:spPr>
+        <p:style>
+          <a:lnRef idx="1">
+            <a:schemeClr val="accent1"/>
+          </a:lnRef>
+          <a:fillRef idx="0">
+            <a:schemeClr val="accent1"/>
+          </a:fillRef>
+          <a:effectRef idx="0">
+            <a:schemeClr val="accent1"/>
+          </a:effectRef>
+          <a:fontRef idx="minor">
+            <a:schemeClr val="tx1"/>
+          </a:fontRef>
+        </p:style>
+      </p:cxnSp>
+      <p:cxnSp>
+        <p:nvCxnSpPr>
+          <p:cNvPr id="36" name="肘形连接符 35">
+            <a:extLst>
+              <a:ext uri="{FF2B5EF4-FFF2-40B4-BE49-F238E27FC236}">
+                <a16:creationId xmlns:a16="http://schemas.microsoft.com/office/drawing/2014/main" id="{9DD001B3-E385-B645-BD97-103B0ED5B747}"/>
+              </a:ext>
+            </a:extLst>
+          </p:cNvPr>
+          <p:cNvCxnSpPr>
+            <a:endCxn id="21" idx="0"/>
+          </p:cNvCxnSpPr>
+          <p:nvPr/>
+        </p:nvCxnSpPr>
+        <p:spPr>
+          <a:xfrm>
+            <a:off x="6387911" y="3429000"/>
+            <a:ext cx="2415874" cy="394849"/>
+          </a:xfrm>
+          <a:prstGeom prst="bentConnector2">
+            <a:avLst/>
+          </a:prstGeom>
+          <a:ln>
+            <a:tailEnd type="triangle"/>
+          </a:ln>
+        </p:spPr>
+        <p:style>
+          <a:lnRef idx="1">
+            <a:schemeClr val="accent1"/>
+          </a:lnRef>
+          <a:fillRef idx="0">
+            <a:schemeClr val="accent1"/>
+          </a:fillRef>
+          <a:effectRef idx="0">
+            <a:schemeClr val="accent1"/>
+          </a:effectRef>
+          <a:fontRef idx="minor">
+            <a:schemeClr val="tx1"/>
+          </a:fontRef>
+        </p:style>
+      </p:cxnSp>
+      <p:cxnSp>
+        <p:nvCxnSpPr>
+          <p:cNvPr id="38" name="肘形连接符 37">
+            <a:extLst>
+              <a:ext uri="{FF2B5EF4-FFF2-40B4-BE49-F238E27FC236}">
+                <a16:creationId xmlns:a16="http://schemas.microsoft.com/office/drawing/2014/main" id="{56C8C72E-D4DF-4F4B-8B49-9382D628D3B1}"/>
+              </a:ext>
+            </a:extLst>
+          </p:cNvPr>
+          <p:cNvCxnSpPr>
+            <a:endCxn id="22" idx="0"/>
+          </p:cNvCxnSpPr>
+          <p:nvPr/>
+        </p:nvCxnSpPr>
+        <p:spPr>
+          <a:xfrm>
+            <a:off x="8803784" y="3429000"/>
+            <a:ext cx="2350072" cy="374069"/>
+          </a:xfrm>
+          <a:prstGeom prst="bentConnector2">
+            <a:avLst/>
+          </a:prstGeom>
+          <a:ln>
+            <a:tailEnd type="triangle"/>
+          </a:ln>
+        </p:spPr>
+        <p:style>
+          <a:lnRef idx="1">
+            <a:schemeClr val="accent1"/>
+          </a:lnRef>
+          <a:fillRef idx="0">
+            <a:schemeClr val="accent1"/>
+          </a:fillRef>
+          <a:effectRef idx="0">
+            <a:schemeClr val="accent1"/>
+          </a:effectRef>
+          <a:fontRef idx="minor">
+            <a:schemeClr val="tx1"/>
+          </a:fontRef>
+        </p:style>
+      </p:cxnSp>
     </p:spTree>
     <p:extLst>
       <p:ext uri="{BB962C8B-B14F-4D97-AF65-F5344CB8AC3E}">

--- a/1.1绪论.pptx
+++ b/1.1绪论.pptx
@@ -5,7 +5,7 @@
     <p:sldMasterId id="2147483648" r:id="rId1"/>
   </p:sldMasterIdLst>
   <p:notesMasterIdLst>
-    <p:notesMasterId r:id="rId20"/>
+    <p:notesMasterId r:id="rId19"/>
   </p:notesMasterIdLst>
   <p:sldIdLst>
     <p:sldId id="258" r:id="rId2"/>
@@ -14,18 +14,17 @@
     <p:sldId id="261" r:id="rId5"/>
     <p:sldId id="260" r:id="rId6"/>
     <p:sldId id="285" r:id="rId7"/>
-    <p:sldId id="267" r:id="rId8"/>
-    <p:sldId id="270" r:id="rId9"/>
-    <p:sldId id="282" r:id="rId10"/>
-    <p:sldId id="283" r:id="rId11"/>
-    <p:sldId id="284" r:id="rId12"/>
-    <p:sldId id="268" r:id="rId13"/>
-    <p:sldId id="269" r:id="rId14"/>
-    <p:sldId id="272" r:id="rId15"/>
-    <p:sldId id="262" r:id="rId16"/>
-    <p:sldId id="276" r:id="rId17"/>
-    <p:sldId id="279" r:id="rId18"/>
-    <p:sldId id="265" r:id="rId19"/>
+    <p:sldId id="270" r:id="rId8"/>
+    <p:sldId id="282" r:id="rId9"/>
+    <p:sldId id="283" r:id="rId10"/>
+    <p:sldId id="286" r:id="rId11"/>
+    <p:sldId id="268" r:id="rId12"/>
+    <p:sldId id="272" r:id="rId13"/>
+    <p:sldId id="287" r:id="rId14"/>
+    <p:sldId id="262" r:id="rId15"/>
+    <p:sldId id="269" r:id="rId16"/>
+    <p:sldId id="279" r:id="rId17"/>
+    <p:sldId id="265" r:id="rId18"/>
   </p:sldIdLst>
   <p:sldSz cx="12192000" cy="6858000"/>
   <p:notesSz cx="6858000" cy="9144000"/>
@@ -139,16 +138,15 @@
             <p14:sldId id="261"/>
             <p14:sldId id="260"/>
             <p14:sldId id="285"/>
-            <p14:sldId id="267"/>
             <p14:sldId id="270"/>
             <p14:sldId id="282"/>
             <p14:sldId id="283"/>
-            <p14:sldId id="284"/>
+            <p14:sldId id="286"/>
             <p14:sldId id="268"/>
+            <p14:sldId id="272"/>
+            <p14:sldId id="287"/>
+            <p14:sldId id="262"/>
             <p14:sldId id="269"/>
-            <p14:sldId id="272"/>
-            <p14:sldId id="262"/>
-            <p14:sldId id="276"/>
             <p14:sldId id="279"/>
             <p14:sldId id="265"/>
           </p14:sldIdLst>
@@ -576,7 +574,7 @@
           <a:p>
             <a:fld id="{0F8E57A1-C481-6944-857F-EAC8E932B5ED}" type="slidenum">
               <a:rPr kumimoji="1" lang="zh-CN" altLang="en-US" smtClean="0"/>
-              <a:t>7</a:t>
+              <a:t>2</a:t>
             </a:fld>
             <a:endParaRPr kumimoji="1" lang="zh-CN" altLang="en-US"/>
           </a:p>
@@ -585,7 +583,7 @@
     </p:spTree>
     <p:extLst>
       <p:ext uri="{BB962C8B-B14F-4D97-AF65-F5344CB8AC3E}">
-        <p14:creationId xmlns:p14="http://schemas.microsoft.com/office/powerpoint/2010/main" val="2274547347"/>
+        <p14:creationId xmlns:p14="http://schemas.microsoft.com/office/powerpoint/2010/main" val="2011037548"/>
       </p:ext>
     </p:extLst>
   </p:cSld>
@@ -658,78 +656,18 @@
           <a:bodyPr/>
           <a:lstStyle/>
           <a:p>
-            <a:pPr marL="0" marR="0" lvl="0" indent="0" algn="r" defTabSz="914400" rtl="0" eaLnBrk="1" fontAlgn="auto" latinLnBrk="0" hangingPunct="1">
-              <a:lnSpc>
-                <a:spcPct val="100000"/>
-              </a:lnSpc>
-              <a:spcBef>
-                <a:spcPts val="0"/>
-              </a:spcBef>
-              <a:spcAft>
-                <a:spcPts val="0"/>
-              </a:spcAft>
-              <a:buClrTx/>
-              <a:buSzTx/>
-              <a:buFontTx/>
-              <a:buNone/>
-              <a:tabLst/>
-              <a:defRPr/>
-            </a:pPr>
             <a:fld id="{0F8E57A1-C481-6944-857F-EAC8E932B5ED}" type="slidenum">
-              <a:rPr kumimoji="1" lang="zh-CN" altLang="en-US" sz="1200" b="0" i="0" u="none" strike="noStrike" kern="1200" cap="none" spc="0" normalizeH="0" baseline="0" noProof="0" smtClean="0">
-                <a:ln>
-                  <a:noFill/>
-                </a:ln>
-                <a:solidFill>
-                  <a:prstClr val="black"/>
-                </a:solidFill>
-                <a:effectLst/>
-                <a:uLnTx/>
-                <a:uFillTx/>
-                <a:latin typeface="等线" panose="020F0502020204030204"/>
-                <a:ea typeface="等线" panose="02010600030101010101" pitchFamily="2" charset="-122"/>
-                <a:cs typeface="+mn-cs"/>
-              </a:rPr>
-              <a:pPr marL="0" marR="0" lvl="0" indent="0" algn="r" defTabSz="914400" rtl="0" eaLnBrk="1" fontAlgn="auto" latinLnBrk="0" hangingPunct="1">
-                <a:lnSpc>
-                  <a:spcPct val="100000"/>
-                </a:lnSpc>
-                <a:spcBef>
-                  <a:spcPts val="0"/>
-                </a:spcBef>
-                <a:spcAft>
-                  <a:spcPts val="0"/>
-                </a:spcAft>
-                <a:buClrTx/>
-                <a:buSzTx/>
-                <a:buFontTx/>
-                <a:buNone/>
-                <a:tabLst/>
-                <a:defRPr/>
-              </a:pPr>
-              <a:t>16</a:t>
+              <a:rPr kumimoji="1" lang="zh-CN" altLang="en-US" smtClean="0"/>
+              <a:t>15</a:t>
             </a:fld>
-            <a:endParaRPr kumimoji="1" lang="zh-CN" altLang="en-US" sz="1200" b="0" i="0" u="none" strike="noStrike" kern="1200" cap="none" spc="0" normalizeH="0" baseline="0" noProof="0">
-              <a:ln>
-                <a:noFill/>
-              </a:ln>
-              <a:solidFill>
-                <a:prstClr val="black"/>
-              </a:solidFill>
-              <a:effectLst/>
-              <a:uLnTx/>
-              <a:uFillTx/>
-              <a:latin typeface="等线" panose="020F0502020204030204"/>
-              <a:ea typeface="等线" panose="02010600030101010101" pitchFamily="2" charset="-122"/>
-              <a:cs typeface="+mn-cs"/>
-            </a:endParaRPr>
+            <a:endParaRPr kumimoji="1" lang="zh-CN" altLang="en-US"/>
           </a:p>
         </p:txBody>
       </p:sp>
     </p:spTree>
     <p:extLst>
       <p:ext uri="{BB962C8B-B14F-4D97-AF65-F5344CB8AC3E}">
-        <p14:creationId xmlns:p14="http://schemas.microsoft.com/office/powerpoint/2010/main" val="380639608"/>
+        <p14:creationId xmlns:p14="http://schemas.microsoft.com/office/powerpoint/2010/main" val="810885978"/>
       </p:ext>
     </p:extLst>
   </p:cSld>
@@ -828,7 +766,7 @@
           <a:p>
             <a:fld id="{0F8E57A1-C481-6944-857F-EAC8E932B5ED}" type="slidenum">
               <a:rPr kumimoji="1" lang="zh-CN" altLang="en-US" smtClean="0"/>
-              <a:t>17</a:t>
+              <a:t>16</a:t>
             </a:fld>
             <a:endParaRPr kumimoji="1" lang="zh-CN" altLang="en-US"/>
           </a:p>
@@ -912,7 +850,7 @@
           <a:p>
             <a:fld id="{0F8E57A1-C481-6944-857F-EAC8E932B5ED}" type="slidenum">
               <a:rPr kumimoji="1" lang="zh-CN" altLang="en-US" smtClean="0"/>
-              <a:t>18</a:t>
+              <a:t>17</a:t>
             </a:fld>
             <a:endParaRPr kumimoji="1" lang="zh-CN" altLang="en-US"/>
           </a:p>
@@ -996,7 +934,7 @@
           <a:p>
             <a:fld id="{0F8E57A1-C481-6944-857F-EAC8E932B5ED}" type="slidenum">
               <a:rPr kumimoji="1" lang="zh-CN" altLang="en-US" smtClean="0"/>
-              <a:t>8</a:t>
+              <a:t>7</a:t>
             </a:fld>
             <a:endParaRPr kumimoji="1" lang="zh-CN" altLang="en-US"/>
           </a:p>
@@ -1059,7 +997,69 @@
           <a:bodyPr/>
           <a:lstStyle/>
           <a:p>
-            <a:endParaRPr kumimoji="1" lang="zh-CN" altLang="en-US" dirty="0"/>
+            <a:pPr marL="0" marR="0" lvl="0" indent="0" algn="l" defTabSz="914400" rtl="0" eaLnBrk="1" fontAlgn="auto" latinLnBrk="0" hangingPunct="1">
+              <a:lnSpc>
+                <a:spcPct val="100000"/>
+              </a:lnSpc>
+              <a:spcBef>
+                <a:spcPts val="0"/>
+              </a:spcBef>
+              <a:spcAft>
+                <a:spcPts val="0"/>
+              </a:spcAft>
+              <a:buClrTx/>
+              <a:buSzTx/>
+              <a:buFontTx/>
+              <a:buNone/>
+              <a:tabLst/>
+              <a:defRPr/>
+            </a:pPr>
+            <a:r>
+              <a:rPr lang="zh-CN" altLang="en-US" dirty="0">
+                <a:hlinkClick r:id="rId3"/>
+              </a:rPr>
+              <a:t>如何从机器语言变成物理电平信号</a:t>
+            </a:r>
+          </a:p>
+          <a:p>
+            <a:pPr marL="0" marR="0" lvl="0" indent="0" algn="l" defTabSz="914400" rtl="0" eaLnBrk="1" fontAlgn="auto" latinLnBrk="0" hangingPunct="1">
+              <a:lnSpc>
+                <a:spcPct val="100000"/>
+              </a:lnSpc>
+              <a:spcBef>
+                <a:spcPts val="0"/>
+              </a:spcBef>
+              <a:spcAft>
+                <a:spcPts val="0"/>
+              </a:spcAft>
+              <a:buClrTx/>
+              <a:buSzTx/>
+              <a:buFontTx/>
+              <a:buNone/>
+              <a:tabLst/>
+              <a:defRPr/>
+            </a:pPr>
+            <a:endParaRPr lang="en-US" altLang="zh-CN" dirty="0">
+              <a:hlinkClick r:id="rId3"/>
+            </a:endParaRPr>
+          </a:p>
+          <a:p>
+            <a:r>
+              <a:rPr lang="en-US" altLang="zh-CN" dirty="0">
+                <a:hlinkClick r:id="rId3"/>
+              </a:rPr>
+              <a:t>https://www.zhihu.com/question/38339241</a:t>
+            </a:r>
+            <a:endParaRPr lang="en-US" altLang="zh-CN" dirty="0"/>
+          </a:p>
+          <a:p>
+            <a:endParaRPr kumimoji="1" lang="en-US" altLang="zh-CN" dirty="0"/>
+          </a:p>
+          <a:p>
+            <a:r>
+              <a:rPr kumimoji="1" lang="zh-CN" altLang="en-US" dirty="0"/>
+              <a:t>也就是 软件最重要硬件实现，而硬件都是电气电路，只认识，高，低电平</a:t>
+            </a:r>
           </a:p>
         </p:txBody>
       </p:sp>
@@ -1080,7 +1080,7 @@
           <a:p>
             <a:fld id="{0F8E57A1-C481-6944-857F-EAC8E932B5ED}" type="slidenum">
               <a:rPr kumimoji="1" lang="zh-CN" altLang="en-US" smtClean="0"/>
-              <a:t>9</a:t>
+              <a:t>8</a:t>
             </a:fld>
             <a:endParaRPr kumimoji="1" lang="zh-CN" altLang="en-US"/>
           </a:p>
@@ -1164,7 +1164,7 @@
           <a:p>
             <a:fld id="{0F8E57A1-C481-6944-857F-EAC8E932B5ED}" type="slidenum">
               <a:rPr kumimoji="1" lang="zh-CN" altLang="en-US" smtClean="0"/>
-              <a:t>10</a:t>
+              <a:t>9</a:t>
             </a:fld>
             <a:endParaRPr kumimoji="1" lang="zh-CN" altLang="en-US"/>
           </a:p>
@@ -1248,7 +1248,7 @@
           <a:p>
             <a:fld id="{0F8E57A1-C481-6944-857F-EAC8E932B5ED}" type="slidenum">
               <a:rPr kumimoji="1" lang="zh-CN" altLang="en-US" smtClean="0"/>
-              <a:t>11</a:t>
+              <a:t>10</a:t>
             </a:fld>
             <a:endParaRPr kumimoji="1" lang="zh-CN" altLang="en-US"/>
           </a:p>
@@ -1257,7 +1257,7 @@
     </p:spTree>
     <p:extLst>
       <p:ext uri="{BB962C8B-B14F-4D97-AF65-F5344CB8AC3E}">
-        <p14:creationId xmlns:p14="http://schemas.microsoft.com/office/powerpoint/2010/main" val="3875562748"/>
+        <p14:creationId xmlns:p14="http://schemas.microsoft.com/office/powerpoint/2010/main" val="3991650673"/>
       </p:ext>
     </p:extLst>
   </p:cSld>
@@ -1335,7 +1335,7 @@
           <a:p>
             <a:fld id="{0F8E57A1-C481-6944-857F-EAC8E932B5ED}" type="slidenum">
               <a:rPr kumimoji="1" lang="zh-CN" altLang="en-US" smtClean="0"/>
-              <a:t>12</a:t>
+              <a:t>11</a:t>
             </a:fld>
             <a:endParaRPr kumimoji="1" lang="zh-CN" altLang="en-US"/>
           </a:p>
@@ -1419,7 +1419,7 @@
           <a:p>
             <a:fld id="{0F8E57A1-C481-6944-857F-EAC8E932B5ED}" type="slidenum">
               <a:rPr kumimoji="1" lang="zh-CN" altLang="en-US" smtClean="0"/>
-              <a:t>13</a:t>
+              <a:t>12</a:t>
             </a:fld>
             <a:endParaRPr kumimoji="1" lang="zh-CN" altLang="en-US"/>
           </a:p>
@@ -1428,7 +1428,7 @@
     </p:spTree>
     <p:extLst>
       <p:ext uri="{BB962C8B-B14F-4D97-AF65-F5344CB8AC3E}">
-        <p14:creationId xmlns:p14="http://schemas.microsoft.com/office/powerpoint/2010/main" val="810885978"/>
+        <p14:creationId xmlns:p14="http://schemas.microsoft.com/office/powerpoint/2010/main" val="3497563520"/>
       </p:ext>
     </p:extLst>
   </p:cSld>
@@ -1503,7 +1503,7 @@
           <a:p>
             <a:fld id="{0F8E57A1-C481-6944-857F-EAC8E932B5ED}" type="slidenum">
               <a:rPr kumimoji="1" lang="zh-CN" altLang="en-US" smtClean="0"/>
-              <a:t>14</a:t>
+              <a:t>13</a:t>
             </a:fld>
             <a:endParaRPr kumimoji="1" lang="zh-CN" altLang="en-US"/>
           </a:p>
@@ -1512,7 +1512,7 @@
     </p:spTree>
     <p:extLst>
       <p:ext uri="{BB962C8B-B14F-4D97-AF65-F5344CB8AC3E}">
-        <p14:creationId xmlns:p14="http://schemas.microsoft.com/office/powerpoint/2010/main" val="3497563520"/>
+        <p14:creationId xmlns:p14="http://schemas.microsoft.com/office/powerpoint/2010/main" val="400095001"/>
       </p:ext>
     </p:extLst>
   </p:cSld>
@@ -1587,7 +1587,7 @@
           <a:p>
             <a:fld id="{0F8E57A1-C481-6944-857F-EAC8E932B5ED}" type="slidenum">
               <a:rPr kumimoji="1" lang="zh-CN" altLang="en-US" smtClean="0"/>
-              <a:t>15</a:t>
+              <a:t>14</a:t>
             </a:fld>
             <a:endParaRPr kumimoji="1" lang="zh-CN" altLang="en-US"/>
           </a:p>
@@ -5012,7 +5012,7 @@
                 <a:latin typeface="Microsoft YaHei" panose="020B0503020204020204" pitchFamily="34" charset="-122"/>
                 <a:ea typeface="Microsoft YaHei" panose="020B0503020204020204" pitchFamily="34" charset="-122"/>
               </a:rPr>
-              <a:t>汇编语言</a:t>
+              <a:t>高级语言</a:t>
             </a:r>
           </a:p>
         </p:txBody>
@@ -5031,8 +5031,8 @@
         </p:nvSpPr>
         <p:spPr>
           <a:xfrm>
-            <a:off x="997527" y="3170745"/>
-            <a:ext cx="11003220" cy="1955151"/>
+            <a:off x="1080655" y="2576945"/>
+            <a:ext cx="10997586" cy="1308820"/>
           </a:xfrm>
           <a:prstGeom prst="rect">
             <a:avLst/>
@@ -5050,39 +5050,13 @@
                 <a:spcPct val="150000"/>
               </a:lnSpc>
             </a:pPr>
-            <a:endParaRPr kumimoji="1" lang="en-US" altLang="zh-CN" sz="2800" dirty="0">
-              <a:latin typeface="Microsoft YaHei" panose="020B0503020204020204" pitchFamily="34" charset="-122"/>
-              <a:ea typeface="Microsoft YaHei" panose="020B0503020204020204" pitchFamily="34" charset="-122"/>
-            </a:endParaRPr>
-          </a:p>
-          <a:p>
-            <a:pPr>
-              <a:lnSpc>
-                <a:spcPct val="150000"/>
-              </a:lnSpc>
-            </a:pPr>
             <a:r>
               <a:rPr kumimoji="1" lang="zh-CN" altLang="en-US" sz="2800" dirty="0">
                 <a:latin typeface="Microsoft YaHei" panose="020B0503020204020204" pitchFamily="34" charset="-122"/>
                 <a:ea typeface="Microsoft YaHei" panose="020B0503020204020204" pitchFamily="34" charset="-122"/>
               </a:rPr>
-              <a:t>汇编语言</a:t>
-            </a:r>
-            <a:endParaRPr kumimoji="1" lang="en-US" altLang="zh-CN" sz="2800" dirty="0">
-              <a:latin typeface="Microsoft YaHei" panose="020B0503020204020204" pitchFamily="34" charset="-122"/>
-              <a:ea typeface="Microsoft YaHei" panose="020B0503020204020204" pitchFamily="34" charset="-122"/>
-            </a:endParaRPr>
-          </a:p>
-          <a:p>
-            <a:pPr>
-              <a:lnSpc>
-                <a:spcPct val="150000"/>
-              </a:lnSpc>
-            </a:pPr>
-            <a:endParaRPr kumimoji="1" lang="zh-CN" altLang="en-US" sz="2800" dirty="0">
-              <a:latin typeface="Microsoft YaHei" panose="020B0503020204020204" pitchFamily="34" charset="-122"/>
-              <a:ea typeface="Microsoft YaHei" panose="020B0503020204020204" pitchFamily="34" charset="-122"/>
-            </a:endParaRPr>
+              <a:t>语法和结构更类似汉字或者普通英文，且由于远离对硬件的直接操作，使得一般人更容易学习。</a:t>
+            </a:r>
           </a:p>
         </p:txBody>
       </p:sp>
@@ -5129,10 +5103,189 @@
           </a:p>
         </p:txBody>
       </p:sp>
+      <p:sp>
+        <p:nvSpPr>
+          <p:cNvPr id="5" name="文本框 4">
+            <a:extLst>
+              <a:ext uri="{FF2B5EF4-FFF2-40B4-BE49-F238E27FC236}">
+                <a16:creationId xmlns:a16="http://schemas.microsoft.com/office/drawing/2014/main" id="{09FFDC10-CA20-7A49-936D-AEBDCC466E2C}"/>
+              </a:ext>
+            </a:extLst>
+          </p:cNvPr>
+          <p:cNvSpPr txBox="1"/>
+          <p:nvPr/>
+        </p:nvSpPr>
+        <p:spPr>
+          <a:xfrm>
+            <a:off x="1080655" y="4341785"/>
+            <a:ext cx="5867408" cy="1384995"/>
+          </a:xfrm>
+          <a:prstGeom prst="rect">
+            <a:avLst/>
+          </a:prstGeom>
+          <a:noFill/>
+        </p:spPr>
+        <p:txBody>
+          <a:bodyPr wrap="square" rtlCol="0">
+            <a:spAutoFit/>
+          </a:bodyPr>
+          <a:lstStyle/>
+          <a:p>
+            <a:r>
+              <a:rPr kumimoji="1" lang="zh-CN" altLang="en-US" sz="2800" dirty="0">
+                <a:latin typeface="Microsoft YaHei" panose="020B0503020204020204" pitchFamily="34" charset="-122"/>
+                <a:ea typeface="Microsoft YaHei" panose="020B0503020204020204" pitchFamily="34" charset="-122"/>
+              </a:rPr>
+              <a:t>高级语言：</a:t>
+            </a:r>
+            <a:r>
+              <a:rPr kumimoji="1" lang="en-US" altLang="zh-CN" sz="2800" dirty="0">
+                <a:latin typeface="Microsoft YaHei" panose="020B0503020204020204" pitchFamily="34" charset="-122"/>
+                <a:ea typeface="Microsoft YaHei" panose="020B0503020204020204" pitchFamily="34" charset="-122"/>
+              </a:rPr>
+              <a:t>C/C++/Java/Python</a:t>
+            </a:r>
+            <a:r>
+              <a:rPr kumimoji="1" lang="zh-CN" altLang="en-US" sz="2800" dirty="0">
+                <a:latin typeface="Microsoft YaHei" panose="020B0503020204020204" pitchFamily="34" charset="-122"/>
+                <a:ea typeface="Microsoft YaHei" panose="020B0503020204020204" pitchFamily="34" charset="-122"/>
+              </a:rPr>
+              <a:t> </a:t>
+            </a:r>
+            <a:r>
+              <a:rPr kumimoji="1" lang="en-US" altLang="zh-CN" sz="2800" dirty="0">
+                <a:latin typeface="Microsoft YaHei" panose="020B0503020204020204" pitchFamily="34" charset="-122"/>
+                <a:ea typeface="Microsoft YaHei" panose="020B0503020204020204" pitchFamily="34" charset="-122"/>
+              </a:rPr>
+              <a:t>…</a:t>
+            </a:r>
+          </a:p>
+          <a:p>
+            <a:endParaRPr kumimoji="1" lang="en-US" altLang="zh-CN" sz="2800" dirty="0">
+              <a:latin typeface="Microsoft YaHei" panose="020B0503020204020204" pitchFamily="34" charset="-122"/>
+              <a:ea typeface="Microsoft YaHei" panose="020B0503020204020204" pitchFamily="34" charset="-122"/>
+            </a:endParaRPr>
+          </a:p>
+          <a:p>
+            <a:endParaRPr kumimoji="1" lang="zh-CN" altLang="en-US" sz="2800" dirty="0">
+              <a:latin typeface="Microsoft YaHei" panose="020B0503020204020204" pitchFamily="34" charset="-122"/>
+              <a:ea typeface="Microsoft YaHei" panose="020B0503020204020204" pitchFamily="34" charset="-122"/>
+            </a:endParaRPr>
+          </a:p>
+        </p:txBody>
+      </p:sp>
+      <p:sp>
+        <p:nvSpPr>
+          <p:cNvPr id="6" name="文本框 5">
+            <a:extLst>
+              <a:ext uri="{FF2B5EF4-FFF2-40B4-BE49-F238E27FC236}">
+                <a16:creationId xmlns:a16="http://schemas.microsoft.com/office/drawing/2014/main" id="{982B1563-F9E3-3045-A7CC-40345B950F2C}"/>
+              </a:ext>
+            </a:extLst>
+          </p:cNvPr>
+          <p:cNvSpPr txBox="1"/>
+          <p:nvPr/>
+        </p:nvSpPr>
+        <p:spPr>
+          <a:xfrm>
+            <a:off x="8375074" y="4341785"/>
+            <a:ext cx="3703168" cy="1815882"/>
+          </a:xfrm>
+          <a:prstGeom prst="rect">
+            <a:avLst/>
+          </a:prstGeom>
+          <a:noFill/>
+        </p:spPr>
+        <p:txBody>
+          <a:bodyPr wrap="square" rtlCol="0">
+            <a:spAutoFit/>
+          </a:bodyPr>
+          <a:lstStyle/>
+          <a:p>
+            <a:r>
+              <a:rPr kumimoji="1" lang="en-US" altLang="zh-CN" sz="2800" dirty="0">
+                <a:latin typeface="Microsoft YaHei" panose="020B0503020204020204" pitchFamily="34" charset="-122"/>
+                <a:ea typeface="Microsoft YaHei" panose="020B0503020204020204" pitchFamily="34" charset="-122"/>
+              </a:rPr>
+              <a:t>//</a:t>
+            </a:r>
+            <a:r>
+              <a:rPr kumimoji="1" lang="zh-CN" altLang="en-US" sz="2800" dirty="0">
+                <a:latin typeface="Microsoft YaHei" panose="020B0503020204020204" pitchFamily="34" charset="-122"/>
+                <a:ea typeface="Microsoft YaHei" panose="020B0503020204020204" pitchFamily="34" charset="-122"/>
+              </a:rPr>
+              <a:t>通俗易懂</a:t>
+            </a:r>
+            <a:endParaRPr kumimoji="1" lang="en-US" altLang="zh-CN" sz="2800" dirty="0">
+              <a:latin typeface="Microsoft YaHei" panose="020B0503020204020204" pitchFamily="34" charset="-122"/>
+              <a:ea typeface="Microsoft YaHei" panose="020B0503020204020204" pitchFamily="34" charset="-122"/>
+            </a:endParaRPr>
+          </a:p>
+          <a:p>
+            <a:r>
+              <a:rPr kumimoji="1" lang="en-US" altLang="zh-CN" sz="2800" dirty="0">
+                <a:latin typeface="Microsoft YaHei" panose="020B0503020204020204" pitchFamily="34" charset="-122"/>
+                <a:ea typeface="Microsoft YaHei" panose="020B0503020204020204" pitchFamily="34" charset="-122"/>
+              </a:rPr>
+              <a:t>if(</a:t>
+            </a:r>
+            <a:r>
+              <a:rPr kumimoji="1" lang="zh-CN" altLang="en-US" sz="2800" dirty="0">
+                <a:latin typeface="Microsoft YaHei" panose="020B0503020204020204" pitchFamily="34" charset="-122"/>
+                <a:ea typeface="Microsoft YaHei" panose="020B0503020204020204" pitchFamily="34" charset="-122"/>
+              </a:rPr>
+              <a:t> </a:t>
+            </a:r>
+            <a:r>
+              <a:rPr kumimoji="1" lang="en-US" altLang="zh-CN" sz="2800" dirty="0">
+                <a:latin typeface="Microsoft YaHei" panose="020B0503020204020204" pitchFamily="34" charset="-122"/>
+                <a:ea typeface="Microsoft YaHei" panose="020B0503020204020204" pitchFamily="34" charset="-122"/>
+              </a:rPr>
+              <a:t>a==b){</a:t>
+            </a:r>
+            <a:r>
+              <a:rPr kumimoji="1" lang="zh-CN" altLang="en-US" sz="2800" dirty="0">
+                <a:latin typeface="Microsoft YaHei" panose="020B0503020204020204" pitchFamily="34" charset="-122"/>
+                <a:ea typeface="Microsoft YaHei" panose="020B0503020204020204" pitchFamily="34" charset="-122"/>
+              </a:rPr>
+              <a:t>   </a:t>
+            </a:r>
+            <a:endParaRPr kumimoji="1" lang="en-US" altLang="zh-CN" sz="2800" dirty="0">
+              <a:latin typeface="Microsoft YaHei" panose="020B0503020204020204" pitchFamily="34" charset="-122"/>
+              <a:ea typeface="Microsoft YaHei" panose="020B0503020204020204" pitchFamily="34" charset="-122"/>
+            </a:endParaRPr>
+          </a:p>
+          <a:p>
+            <a:r>
+              <a:rPr kumimoji="1" lang="en-US" altLang="zh-CN" sz="2800" dirty="0" err="1">
+                <a:latin typeface="Microsoft YaHei" panose="020B0503020204020204" pitchFamily="34" charset="-122"/>
+                <a:ea typeface="Microsoft YaHei" panose="020B0503020204020204" pitchFamily="34" charset="-122"/>
+              </a:rPr>
+              <a:t>printf</a:t>
+            </a:r>
+            <a:r>
+              <a:rPr kumimoji="1" lang="en-US" altLang="zh-CN" sz="2800" dirty="0">
+                <a:latin typeface="Microsoft YaHei" panose="020B0503020204020204" pitchFamily="34" charset="-122"/>
+                <a:ea typeface="Microsoft YaHei" panose="020B0503020204020204" pitchFamily="34" charset="-122"/>
+              </a:rPr>
+              <a:t>()</a:t>
+            </a:r>
+          </a:p>
+          <a:p>
+            <a:r>
+              <a:rPr kumimoji="1" lang="en-US" altLang="zh-CN" sz="2800" dirty="0">
+                <a:latin typeface="Microsoft YaHei" panose="020B0503020204020204" pitchFamily="34" charset="-122"/>
+                <a:ea typeface="Microsoft YaHei" panose="020B0503020204020204" pitchFamily="34" charset="-122"/>
+              </a:rPr>
+              <a:t>}</a:t>
+            </a:r>
+          </a:p>
+        </p:txBody>
+      </p:sp>
     </p:spTree>
     <p:extLst>
       <p:ext uri="{BB962C8B-B14F-4D97-AF65-F5344CB8AC3E}">
-        <p14:creationId xmlns:p14="http://schemas.microsoft.com/office/powerpoint/2010/main" val="1542873552"/>
+        <p14:creationId xmlns:p14="http://schemas.microsoft.com/office/powerpoint/2010/main" val="2429563177"/>
       </p:ext>
     </p:extLst>
   </p:cSld>
@@ -5182,8 +5335,8 @@
         </p:nvSpPr>
         <p:spPr>
           <a:xfrm>
-            <a:off x="2234234" y="597430"/>
-            <a:ext cx="9132000" cy="830997"/>
+            <a:off x="2520000" y="720000"/>
+            <a:ext cx="7735824" cy="830997"/>
           </a:xfrm>
           <a:prstGeom prst="rect">
             <a:avLst/>
@@ -5202,13 +5355,27 @@
                 <a:latin typeface="Microsoft YaHei" panose="020B0503020204020204" pitchFamily="34" charset="-122"/>
                 <a:ea typeface="Microsoft YaHei" panose="020B0503020204020204" pitchFamily="34" charset="-122"/>
               </a:rPr>
-              <a:t>3.Java</a:t>
+              <a:t>4.</a:t>
             </a:r>
             <a:r>
               <a:rPr kumimoji="1" lang="zh-CN" altLang="en-US" sz="4800" dirty="0">
                 <a:latin typeface="Microsoft YaHei" panose="020B0503020204020204" pitchFamily="34" charset="-122"/>
                 <a:ea typeface="Microsoft YaHei" panose="020B0503020204020204" pitchFamily="34" charset="-122"/>
               </a:rPr>
+              <a:t> </a:t>
+            </a:r>
+            <a:r>
+              <a:rPr kumimoji="1" lang="en-US" altLang="zh-CN" sz="4800" dirty="0">
+                <a:latin typeface="Microsoft YaHei" panose="020B0503020204020204" pitchFamily="34" charset="-122"/>
+                <a:ea typeface="Microsoft YaHei" panose="020B0503020204020204" pitchFamily="34" charset="-122"/>
+              </a:rPr>
+              <a:t>Java</a:t>
+            </a:r>
+            <a:r>
+              <a:rPr kumimoji="1" lang="zh-CN" altLang="en-US" sz="4800" dirty="0">
+                <a:latin typeface="Microsoft YaHei" panose="020B0503020204020204" pitchFamily="34" charset="-122"/>
+                <a:ea typeface="Microsoft YaHei" panose="020B0503020204020204" pitchFamily="34" charset="-122"/>
+              </a:rPr>
               <a:t>基础</a:t>
             </a:r>
             <a:r>
@@ -5223,17 +5390,17 @@
                 <a:latin typeface="Microsoft YaHei" panose="020B0503020204020204" pitchFamily="34" charset="-122"/>
                 <a:ea typeface="Microsoft YaHei" panose="020B0503020204020204" pitchFamily="34" charset="-122"/>
               </a:rPr>
-              <a:t>高级语言</a:t>
-            </a:r>
-          </a:p>
-        </p:txBody>
-      </p:sp>
-      <p:sp>
-        <p:nvSpPr>
-          <p:cNvPr id="3" name="文本框 2">
-            <a:extLst>
-              <a:ext uri="{FF2B5EF4-FFF2-40B4-BE49-F238E27FC236}">
-                <a16:creationId xmlns:a16="http://schemas.microsoft.com/office/drawing/2014/main" id="{C0CFBE9F-84F2-FE48-AC8E-D41196C42DBA}"/>
+              <a:t>操作系统</a:t>
+            </a:r>
+          </a:p>
+        </p:txBody>
+      </p:sp>
+      <p:sp>
+        <p:nvSpPr>
+          <p:cNvPr id="4" name="文本框 3">
+            <a:extLst>
+              <a:ext uri="{FF2B5EF4-FFF2-40B4-BE49-F238E27FC236}">
+                <a16:creationId xmlns:a16="http://schemas.microsoft.com/office/drawing/2014/main" id="{437DA9EE-0AE3-E849-9D47-C012AF08BB7C}"/>
               </a:ext>
             </a:extLst>
           </p:cNvPr>
@@ -5242,8 +5409,8 @@
         </p:nvSpPr>
         <p:spPr>
           <a:xfrm>
-            <a:off x="1246430" y="2630417"/>
-            <a:ext cx="11107608" cy="1955151"/>
+            <a:off x="875778" y="2599627"/>
+            <a:ext cx="10601640" cy="3894143"/>
           </a:xfrm>
           <a:prstGeom prst="rect">
             <a:avLst/>
@@ -5266,7 +5433,7 @@
                 <a:latin typeface="Microsoft YaHei" panose="020B0503020204020204" pitchFamily="34" charset="-122"/>
                 <a:ea typeface="Microsoft YaHei" panose="020B0503020204020204" pitchFamily="34" charset="-122"/>
               </a:rPr>
-              <a:t>机器语言</a:t>
+              <a:t>操作系统是管理计算机硬件与软件资源的计算机程序，操作系统需要处理如管理与配置内存、决定系统资源供需的优先次序、控制输入设备与输出设备、操作网络与管理文件系统等基本事务。操作系统也提供一个让用户与系统交互的操作界面。</a:t>
             </a:r>
             <a:endParaRPr kumimoji="1" lang="en-US" altLang="zh-CN" sz="2800" dirty="0">
               <a:latin typeface="Microsoft YaHei" panose="020B0503020204020204" pitchFamily="34" charset="-122"/>
@@ -5274,35 +5441,99 @@
             </a:endParaRPr>
           </a:p>
           <a:p>
-            <a:pPr>
+            <a:pPr marL="457200" indent="-457200">
               <a:lnSpc>
                 <a:spcPct val="150000"/>
               </a:lnSpc>
+              <a:buFont typeface="Arial" panose="020B0604020202020204" pitchFamily="34" charset="0"/>
+              <a:buChar char="•"/>
             </a:pPr>
             <a:r>
               <a:rPr kumimoji="1" lang="zh-CN" altLang="en-US" sz="2800" dirty="0">
                 <a:latin typeface="Microsoft YaHei" panose="020B0503020204020204" pitchFamily="34" charset="-122"/>
                 <a:ea typeface="Microsoft YaHei" panose="020B0503020204020204" pitchFamily="34" charset="-122"/>
               </a:rPr>
-              <a:t>汇编语言</a:t>
-            </a:r>
-            <a:endParaRPr kumimoji="1" lang="en-US" altLang="zh-CN" sz="2800" dirty="0">
-              <a:latin typeface="Microsoft YaHei" panose="020B0503020204020204" pitchFamily="34" charset="-122"/>
-              <a:ea typeface="Microsoft YaHei" panose="020B0503020204020204" pitchFamily="34" charset="-122"/>
-            </a:endParaRPr>
-          </a:p>
-          <a:p>
-            <a:pPr>
+              <a:t>桌面操作系统 </a:t>
+            </a:r>
+            <a:r>
+              <a:rPr kumimoji="1" lang="en-US" altLang="zh-CN" sz="2800" dirty="0">
+                <a:latin typeface="Microsoft YaHei" panose="020B0503020204020204" pitchFamily="34" charset="-122"/>
+                <a:ea typeface="Microsoft YaHei" panose="020B0503020204020204" pitchFamily="34" charset="-122"/>
+              </a:rPr>
+              <a:t>Windows/MacOS/Linux…</a:t>
+            </a:r>
+          </a:p>
+          <a:p>
+            <a:pPr marL="457200" indent="-457200">
               <a:lnSpc>
                 <a:spcPct val="150000"/>
               </a:lnSpc>
+              <a:buFont typeface="Arial" panose="020B0604020202020204" pitchFamily="34" charset="0"/>
+              <a:buChar char="•"/>
             </a:pPr>
             <a:r>
               <a:rPr kumimoji="1" lang="zh-CN" altLang="en-US" sz="2800" dirty="0">
                 <a:latin typeface="Microsoft YaHei" panose="020B0503020204020204" pitchFamily="34" charset="-122"/>
                 <a:ea typeface="Microsoft YaHei" panose="020B0503020204020204" pitchFamily="34" charset="-122"/>
               </a:rPr>
-              <a:t>高级语言</a:t>
+              <a:t>手机操作系统 </a:t>
+            </a:r>
+            <a:r>
+              <a:rPr kumimoji="1" lang="en-US" altLang="zh-CN" sz="2800" dirty="0" err="1">
+                <a:latin typeface="Microsoft YaHei" panose="020B0503020204020204" pitchFamily="34" charset="-122"/>
+                <a:ea typeface="Microsoft YaHei" panose="020B0503020204020204" pitchFamily="34" charset="-122"/>
+              </a:rPr>
+              <a:t>ios</a:t>
+            </a:r>
+            <a:r>
+              <a:rPr kumimoji="1" lang="en-US" altLang="zh-CN" sz="2800" dirty="0">
+                <a:latin typeface="Microsoft YaHei" panose="020B0503020204020204" pitchFamily="34" charset="-122"/>
+                <a:ea typeface="Microsoft YaHei" panose="020B0503020204020204" pitchFamily="34" charset="-122"/>
+              </a:rPr>
+              <a:t>/android/…</a:t>
+            </a:r>
+          </a:p>
+        </p:txBody>
+      </p:sp>
+      <p:sp>
+        <p:nvSpPr>
+          <p:cNvPr id="7" name="文本框 6">
+            <a:extLst>
+              <a:ext uri="{FF2B5EF4-FFF2-40B4-BE49-F238E27FC236}">
+                <a16:creationId xmlns:a16="http://schemas.microsoft.com/office/drawing/2014/main" id="{EEBD4C1E-4944-7840-A855-E43020815F7D}"/>
+              </a:ext>
+            </a:extLst>
+          </p:cNvPr>
+          <p:cNvSpPr txBox="1"/>
+          <p:nvPr/>
+        </p:nvSpPr>
+        <p:spPr>
+          <a:xfrm>
+            <a:off x="540000" y="1800000"/>
+            <a:ext cx="1070042" cy="542675"/>
+          </a:xfrm>
+          <a:prstGeom prst="rect">
+            <a:avLst/>
+          </a:prstGeom>
+          <a:solidFill>
+            <a:schemeClr val="accent2"/>
+          </a:solidFill>
+        </p:spPr>
+        <p:txBody>
+          <a:bodyPr wrap="square" rtlCol="0">
+            <a:spAutoFit/>
+          </a:bodyPr>
+          <a:lstStyle/>
+          <a:p>
+            <a:r>
+              <a:rPr kumimoji="1" lang="zh-CN" altLang="en-US" sz="2800" dirty="0">
+                <a:solidFill>
+                  <a:schemeClr val="bg1"/>
+                </a:solidFill>
+                <a:latin typeface="Microsoft YaHei" panose="020B0503020204020204" pitchFamily="34" charset="-122"/>
+                <a:ea typeface="Microsoft YaHei" panose="020B0503020204020204" pitchFamily="34" charset="-122"/>
+              </a:rPr>
+              <a:t>定义</a:t>
             </a:r>
           </a:p>
         </p:txBody>
@@ -5310,7 +5541,7 @@
     </p:spTree>
     <p:extLst>
       <p:ext uri="{BB962C8B-B14F-4D97-AF65-F5344CB8AC3E}">
-        <p14:creationId xmlns:p14="http://schemas.microsoft.com/office/powerpoint/2010/main" val="2940517414"/>
+        <p14:creationId xmlns:p14="http://schemas.microsoft.com/office/powerpoint/2010/main" val="76332531"/>
       </p:ext>
     </p:extLst>
   </p:cSld>
@@ -5376,42 +5607,39 @@
           <a:p>
             <a:pPr algn="ctr"/>
             <a:r>
-              <a:rPr kumimoji="1" lang="en-US" altLang="zh-CN" sz="4800" dirty="0">
-                <a:latin typeface="Microsoft YaHei" panose="020B0503020204020204" pitchFamily="34" charset="-122"/>
-                <a:ea typeface="Microsoft YaHei" panose="020B0503020204020204" pitchFamily="34" charset="-122"/>
-              </a:rPr>
-              <a:t>4.Java</a:t>
-            </a:r>
-            <a:r>
-              <a:rPr kumimoji="1" lang="zh-CN" altLang="en-US" sz="4800" dirty="0">
-                <a:latin typeface="Microsoft YaHei" panose="020B0503020204020204" pitchFamily="34" charset="-122"/>
-                <a:ea typeface="Microsoft YaHei" panose="020B0503020204020204" pitchFamily="34" charset="-122"/>
-              </a:rPr>
-              <a:t>基础</a:t>
-            </a:r>
-            <a:r>
-              <a:rPr kumimoji="1" lang="en-US" altLang="zh-CN" sz="4800" dirty="0">
-                <a:latin typeface="Microsoft YaHei" panose="020B0503020204020204" pitchFamily="34" charset="-122"/>
-                <a:ea typeface="Microsoft YaHei" panose="020B0503020204020204" pitchFamily="34" charset="-122"/>
-              </a:rPr>
-              <a:t>---</a:t>
-            </a:r>
-            <a:r>
-              <a:rPr kumimoji="1" lang="zh-CN" altLang="en-US" sz="4800" dirty="0">
-                <a:latin typeface="Microsoft YaHei" panose="020B0503020204020204" pitchFamily="34" charset="-122"/>
-                <a:ea typeface="Microsoft YaHei" panose="020B0503020204020204" pitchFamily="34" charset="-122"/>
-              </a:rPr>
-              <a:t>操作系统</a:t>
-            </a:r>
-          </a:p>
-        </p:txBody>
-      </p:sp>
-      <p:sp>
-        <p:nvSpPr>
-          <p:cNvPr id="4" name="文本框 3">
-            <a:extLst>
-              <a:ext uri="{FF2B5EF4-FFF2-40B4-BE49-F238E27FC236}">
-                <a16:creationId xmlns:a16="http://schemas.microsoft.com/office/drawing/2014/main" id="{437DA9EE-0AE3-E849-9D47-C012AF08BB7C}"/>
+              <a:rPr lang="en-US" altLang="zh-CN" sz="4800" dirty="0">
+                <a:latin typeface="Microsoft YaHei" panose="020B0503020204020204" pitchFamily="34" charset="-122"/>
+                <a:ea typeface="Microsoft YaHei" panose="020B0503020204020204" pitchFamily="34" charset="-122"/>
+              </a:rPr>
+              <a:t>5.1</a:t>
+            </a:r>
+            <a:r>
+              <a:rPr lang="zh-CN" altLang="en-US" sz="4800" dirty="0">
+                <a:latin typeface="Microsoft YaHei" panose="020B0503020204020204" pitchFamily="34" charset="-122"/>
+                <a:ea typeface="Microsoft YaHei" panose="020B0503020204020204" pitchFamily="34" charset="-122"/>
+              </a:rPr>
+              <a:t>  </a:t>
+            </a:r>
+            <a:r>
+              <a:rPr lang="en-US" altLang="zh-CN" sz="4800" dirty="0">
+                <a:latin typeface="Microsoft YaHei" panose="020B0503020204020204" pitchFamily="34" charset="-122"/>
+                <a:ea typeface="Microsoft YaHei" panose="020B0503020204020204" pitchFamily="34" charset="-122"/>
+              </a:rPr>
+              <a:t>JDK</a:t>
+            </a:r>
+            <a:endParaRPr kumimoji="1" lang="zh-CN" altLang="en-US" sz="4800" dirty="0">
+              <a:latin typeface="Microsoft YaHei" panose="020B0503020204020204" pitchFamily="34" charset="-122"/>
+              <a:ea typeface="Microsoft YaHei" panose="020B0503020204020204" pitchFamily="34" charset="-122"/>
+            </a:endParaRPr>
+          </a:p>
+        </p:txBody>
+      </p:sp>
+      <p:sp>
+        <p:nvSpPr>
+          <p:cNvPr id="6" name="文本框 5">
+            <a:extLst>
+              <a:ext uri="{FF2B5EF4-FFF2-40B4-BE49-F238E27FC236}">
+                <a16:creationId xmlns:a16="http://schemas.microsoft.com/office/drawing/2014/main" id="{00E236B2-A911-5847-BDD3-FD255B185817}"/>
               </a:ext>
             </a:extLst>
           </p:cNvPr>
@@ -5420,8 +5648,8 @@
         </p:nvSpPr>
         <p:spPr>
           <a:xfrm>
-            <a:off x="875778" y="2599627"/>
-            <a:ext cx="10601640" cy="662489"/>
+            <a:off x="1475509" y="2098964"/>
+            <a:ext cx="9081655" cy="4832092"/>
           </a:xfrm>
           <a:prstGeom prst="rect">
             <a:avLst/>
@@ -5434,154 +5662,366 @@
           </a:bodyPr>
           <a:lstStyle/>
           <a:p>
-            <a:pPr>
-              <a:lnSpc>
-                <a:spcPct val="150000"/>
-              </a:lnSpc>
+            <a:r>
+              <a:rPr kumimoji="1" lang="en-US" altLang="zh-CN" sz="2800" dirty="0">
+                <a:latin typeface="Microsoft YaHei" panose="020B0503020204020204" pitchFamily="34" charset="-122"/>
+                <a:ea typeface="Microsoft YaHei" panose="020B0503020204020204" pitchFamily="34" charset="-122"/>
+              </a:rPr>
+              <a:t>JDK(Java Development Kit) </a:t>
+            </a:r>
+            <a:r>
+              <a:rPr kumimoji="1" lang="zh-CN" altLang="en-US" sz="2800" dirty="0">
+                <a:latin typeface="Microsoft YaHei" panose="020B0503020204020204" pitchFamily="34" charset="-122"/>
+                <a:ea typeface="Microsoft YaHei" panose="020B0503020204020204" pitchFamily="34" charset="-122"/>
+              </a:rPr>
+              <a:t>是 </a:t>
+            </a:r>
+            <a:r>
+              <a:rPr kumimoji="1" lang="en-US" altLang="zh-CN" sz="2800" dirty="0">
+                <a:latin typeface="Microsoft YaHei" panose="020B0503020204020204" pitchFamily="34" charset="-122"/>
+                <a:ea typeface="Microsoft YaHei" panose="020B0503020204020204" pitchFamily="34" charset="-122"/>
+              </a:rPr>
+              <a:t>Java </a:t>
+            </a:r>
+            <a:r>
+              <a:rPr kumimoji="1" lang="zh-CN" altLang="en-US" sz="2800" dirty="0">
+                <a:latin typeface="Microsoft YaHei" panose="020B0503020204020204" pitchFamily="34" charset="-122"/>
+                <a:ea typeface="Microsoft YaHei" panose="020B0503020204020204" pitchFamily="34" charset="-122"/>
+              </a:rPr>
+              <a:t>语言的软件开发工具包</a:t>
+            </a:r>
+            <a:r>
+              <a:rPr kumimoji="1" lang="en-US" altLang="zh-CN" sz="2800" dirty="0">
+                <a:latin typeface="Microsoft YaHei" panose="020B0503020204020204" pitchFamily="34" charset="-122"/>
+                <a:ea typeface="Microsoft YaHei" panose="020B0503020204020204" pitchFamily="34" charset="-122"/>
+              </a:rPr>
+              <a:t>(SDK)</a:t>
+            </a:r>
+            <a:r>
+              <a:rPr kumimoji="1" lang="zh-CN" altLang="en-US" sz="2800" dirty="0">
+                <a:latin typeface="Microsoft YaHei" panose="020B0503020204020204" pitchFamily="34" charset="-122"/>
+                <a:ea typeface="Microsoft YaHei" panose="020B0503020204020204" pitchFamily="34" charset="-122"/>
+              </a:rPr>
+              <a:t>。</a:t>
+            </a:r>
+          </a:p>
+          <a:p>
+            <a:pPr marL="457200" indent="-457200">
+              <a:buFont typeface="Arial" panose="020B0604020202020204" pitchFamily="34" charset="0"/>
+              <a:buChar char="•"/>
             </a:pPr>
             <a:r>
+              <a:rPr kumimoji="1" lang="en-US" altLang="zh-CN" sz="2800" dirty="0">
+                <a:latin typeface="Microsoft YaHei" panose="020B0503020204020204" pitchFamily="34" charset="-122"/>
+                <a:ea typeface="Microsoft YaHei" panose="020B0503020204020204" pitchFamily="34" charset="-122"/>
+              </a:rPr>
+              <a:t>SE(</a:t>
+            </a:r>
+            <a:r>
+              <a:rPr kumimoji="1" lang="en-US" altLang="zh-CN" sz="2800" dirty="0" err="1">
+                <a:latin typeface="Microsoft YaHei" panose="020B0503020204020204" pitchFamily="34" charset="-122"/>
+                <a:ea typeface="Microsoft YaHei" panose="020B0503020204020204" pitchFamily="34" charset="-122"/>
+              </a:rPr>
+              <a:t>JavaSE</a:t>
+            </a:r>
+            <a:r>
+              <a:rPr kumimoji="1" lang="en-US" altLang="zh-CN" sz="2800" dirty="0">
+                <a:latin typeface="Microsoft YaHei" panose="020B0503020204020204" pitchFamily="34" charset="-122"/>
+                <a:ea typeface="Microsoft YaHei" panose="020B0503020204020204" pitchFamily="34" charset="-122"/>
+              </a:rPr>
+              <a:t>)</a:t>
+            </a:r>
+            <a:r>
               <a:rPr kumimoji="1" lang="zh-CN" altLang="en-US" sz="2800" dirty="0">
                 <a:latin typeface="Microsoft YaHei" panose="020B0503020204020204" pitchFamily="34" charset="-122"/>
                 <a:ea typeface="Microsoft YaHei" panose="020B0503020204020204" pitchFamily="34" charset="-122"/>
               </a:rPr>
-              <a:t> 一个数据元素可以由若干个数据项构成，其实不可分割的最小单位</a:t>
-            </a:r>
-          </a:p>
-        </p:txBody>
-      </p:sp>
-      <p:sp>
-        <p:nvSpPr>
-          <p:cNvPr id="6" name="文本框 5">
-            <a:extLst>
-              <a:ext uri="{FF2B5EF4-FFF2-40B4-BE49-F238E27FC236}">
-                <a16:creationId xmlns:a16="http://schemas.microsoft.com/office/drawing/2014/main" id="{4F4C9F1C-8D9E-5B4D-B72C-4607DE1DDB69}"/>
-              </a:ext>
-            </a:extLst>
-          </p:cNvPr>
-          <p:cNvSpPr txBox="1"/>
-          <p:nvPr/>
-        </p:nvSpPr>
-        <p:spPr>
-          <a:xfrm>
-            <a:off x="1060316" y="4949504"/>
-            <a:ext cx="10762836" cy="954107"/>
-          </a:xfrm>
-          <a:prstGeom prst="rect">
-            <a:avLst/>
-          </a:prstGeom>
-          <a:noFill/>
-        </p:spPr>
-        <p:txBody>
-          <a:bodyPr wrap="square" rtlCol="0">
-            <a:spAutoFit/>
-          </a:bodyPr>
-          <a:lstStyle/>
-          <a:p>
+              <a:t>，</a:t>
+            </a:r>
+            <a:r>
+              <a:rPr kumimoji="1" lang="en-US" altLang="zh-CN" sz="2800" dirty="0">
+                <a:latin typeface="Microsoft YaHei" panose="020B0503020204020204" pitchFamily="34" charset="-122"/>
+                <a:ea typeface="Microsoft YaHei" panose="020B0503020204020204" pitchFamily="34" charset="-122"/>
+              </a:rPr>
+              <a:t>standard edition</a:t>
+            </a:r>
             <a:r>
               <a:rPr kumimoji="1" lang="zh-CN" altLang="en-US" sz="2800" dirty="0">
                 <a:latin typeface="Microsoft YaHei" panose="020B0503020204020204" pitchFamily="34" charset="-122"/>
                 <a:ea typeface="Microsoft YaHei" panose="020B0503020204020204" pitchFamily="34" charset="-122"/>
               </a:rPr>
-              <a:t>户口本里你的年龄，姓名，出生地点</a:t>
-            </a:r>
-            <a:endParaRPr kumimoji="1" lang="en-US" altLang="zh-CN" sz="2800" dirty="0">
-              <a:latin typeface="Microsoft YaHei" panose="020B0503020204020204" pitchFamily="34" charset="-122"/>
-              <a:ea typeface="Microsoft YaHei" panose="020B0503020204020204" pitchFamily="34" charset="-122"/>
-            </a:endParaRPr>
-          </a:p>
-          <a:p>
+              <a:t>，标准版，是我们通常用的一个版本，从</a:t>
+            </a:r>
+            <a:r>
+              <a:rPr kumimoji="1" lang="en-US" altLang="zh-CN" sz="2800" dirty="0">
+                <a:latin typeface="Microsoft YaHei" panose="020B0503020204020204" pitchFamily="34" charset="-122"/>
+                <a:ea typeface="Microsoft YaHei" panose="020B0503020204020204" pitchFamily="34" charset="-122"/>
+              </a:rPr>
+              <a:t>JDK 5.0</a:t>
+            </a:r>
             <a:r>
               <a:rPr kumimoji="1" lang="zh-CN" altLang="en-US" sz="2800" dirty="0">
                 <a:latin typeface="Microsoft YaHei" panose="020B0503020204020204" pitchFamily="34" charset="-122"/>
                 <a:ea typeface="Microsoft YaHei" panose="020B0503020204020204" pitchFamily="34" charset="-122"/>
               </a:rPr>
-              <a:t>   </a:t>
-            </a:r>
-          </a:p>
-        </p:txBody>
-      </p:sp>
-      <p:sp>
-        <p:nvSpPr>
-          <p:cNvPr id="5" name="文本框 4">
-            <a:extLst>
-              <a:ext uri="{FF2B5EF4-FFF2-40B4-BE49-F238E27FC236}">
-                <a16:creationId xmlns:a16="http://schemas.microsoft.com/office/drawing/2014/main" id="{F002A832-49B7-8043-8A96-E30A0A5F5F11}"/>
-              </a:ext>
-            </a:extLst>
-          </p:cNvPr>
-          <p:cNvSpPr txBox="1"/>
-          <p:nvPr/>
-        </p:nvSpPr>
-        <p:spPr>
-          <a:xfrm>
-            <a:off x="540000" y="3960000"/>
-            <a:ext cx="1070042" cy="542675"/>
-          </a:xfrm>
-          <a:prstGeom prst="rect">
-            <a:avLst/>
-          </a:prstGeom>
-          <a:solidFill>
-            <a:schemeClr val="accent2"/>
-          </a:solidFill>
-        </p:spPr>
-        <p:txBody>
-          <a:bodyPr wrap="square" rtlCol="0">
-            <a:spAutoFit/>
-          </a:bodyPr>
-          <a:lstStyle/>
-          <a:p>
+              <a:t>开始，改名为</a:t>
+            </a:r>
+            <a:r>
+              <a:rPr kumimoji="1" lang="en-US" altLang="zh-CN" sz="2800" dirty="0">
+                <a:latin typeface="Microsoft YaHei" panose="020B0503020204020204" pitchFamily="34" charset="-122"/>
+                <a:ea typeface="Microsoft YaHei" panose="020B0503020204020204" pitchFamily="34" charset="-122"/>
+              </a:rPr>
+              <a:t>Java SE</a:t>
+            </a:r>
             <a:r>
               <a:rPr kumimoji="1" lang="zh-CN" altLang="en-US" sz="2800" dirty="0">
-                <a:solidFill>
-                  <a:schemeClr val="bg1"/>
-                </a:solidFill>
-                <a:latin typeface="Microsoft YaHei" panose="020B0503020204020204" pitchFamily="34" charset="-122"/>
-                <a:ea typeface="Microsoft YaHei" panose="020B0503020204020204" pitchFamily="34" charset="-122"/>
-              </a:rPr>
-              <a:t>例子</a:t>
-            </a:r>
-          </a:p>
-        </p:txBody>
-      </p:sp>
-      <p:sp>
-        <p:nvSpPr>
-          <p:cNvPr id="7" name="文本框 6">
-            <a:extLst>
-              <a:ext uri="{FF2B5EF4-FFF2-40B4-BE49-F238E27FC236}">
-                <a16:creationId xmlns:a16="http://schemas.microsoft.com/office/drawing/2014/main" id="{EEBD4C1E-4944-7840-A855-E43020815F7D}"/>
-              </a:ext>
-            </a:extLst>
-          </p:cNvPr>
-          <p:cNvSpPr txBox="1"/>
-          <p:nvPr/>
-        </p:nvSpPr>
-        <p:spPr>
-          <a:xfrm>
-            <a:off x="540000" y="1800000"/>
-            <a:ext cx="1070042" cy="542675"/>
-          </a:xfrm>
-          <a:prstGeom prst="rect">
-            <a:avLst/>
-          </a:prstGeom>
-          <a:solidFill>
-            <a:schemeClr val="accent2"/>
-          </a:solidFill>
-        </p:spPr>
-        <p:txBody>
-          <a:bodyPr wrap="square" rtlCol="0">
-            <a:spAutoFit/>
-          </a:bodyPr>
-          <a:lstStyle/>
-          <a:p>
+                <a:latin typeface="Microsoft YaHei" panose="020B0503020204020204" pitchFamily="34" charset="-122"/>
+                <a:ea typeface="Microsoft YaHei" panose="020B0503020204020204" pitchFamily="34" charset="-122"/>
+              </a:rPr>
+              <a:t>。</a:t>
+            </a:r>
+          </a:p>
+          <a:p>
+            <a:pPr marL="457200" indent="-457200">
+              <a:buFont typeface="Arial" panose="020B0604020202020204" pitchFamily="34" charset="0"/>
+              <a:buChar char="•"/>
+            </a:pPr>
+            <a:r>
+              <a:rPr kumimoji="1" lang="en-US" altLang="zh-CN" sz="2800" dirty="0">
+                <a:latin typeface="Microsoft YaHei" panose="020B0503020204020204" pitchFamily="34" charset="-122"/>
+                <a:ea typeface="Microsoft YaHei" panose="020B0503020204020204" pitchFamily="34" charset="-122"/>
+              </a:rPr>
+              <a:t>EE(</a:t>
+            </a:r>
+            <a:r>
+              <a:rPr kumimoji="1" lang="en-US" altLang="zh-CN" sz="2800" dirty="0" err="1">
+                <a:latin typeface="Microsoft YaHei" panose="020B0503020204020204" pitchFamily="34" charset="-122"/>
+                <a:ea typeface="Microsoft YaHei" panose="020B0503020204020204" pitchFamily="34" charset="-122"/>
+              </a:rPr>
+              <a:t>JavaEE</a:t>
+            </a:r>
+            <a:r>
+              <a:rPr kumimoji="1" lang="en-US" altLang="zh-CN" sz="2800" dirty="0">
+                <a:latin typeface="Microsoft YaHei" panose="020B0503020204020204" pitchFamily="34" charset="-122"/>
+                <a:ea typeface="Microsoft YaHei" panose="020B0503020204020204" pitchFamily="34" charset="-122"/>
+              </a:rPr>
+              <a:t>)</a:t>
+            </a:r>
             <a:r>
               <a:rPr kumimoji="1" lang="zh-CN" altLang="en-US" sz="2800" dirty="0">
-                <a:solidFill>
-                  <a:schemeClr val="bg1"/>
-                </a:solidFill>
-                <a:latin typeface="Microsoft YaHei" panose="020B0503020204020204" pitchFamily="34" charset="-122"/>
-                <a:ea typeface="Microsoft YaHei" panose="020B0503020204020204" pitchFamily="34" charset="-122"/>
-              </a:rPr>
-              <a:t>定义</a:t>
+                <a:latin typeface="Microsoft YaHei" panose="020B0503020204020204" pitchFamily="34" charset="-122"/>
+                <a:ea typeface="Microsoft YaHei" panose="020B0503020204020204" pitchFamily="34" charset="-122"/>
+              </a:rPr>
+              <a:t>，</a:t>
+            </a:r>
+            <a:r>
+              <a:rPr kumimoji="1" lang="en-US" altLang="zh-CN" sz="2800" dirty="0">
+                <a:latin typeface="Microsoft YaHei" panose="020B0503020204020204" pitchFamily="34" charset="-122"/>
+                <a:ea typeface="Microsoft YaHei" panose="020B0503020204020204" pitchFamily="34" charset="-122"/>
+              </a:rPr>
+              <a:t>enterprise edition</a:t>
+            </a:r>
+            <a:r>
+              <a:rPr kumimoji="1" lang="zh-CN" altLang="en-US" sz="2800" dirty="0">
+                <a:latin typeface="Microsoft YaHei" panose="020B0503020204020204" pitchFamily="34" charset="-122"/>
+                <a:ea typeface="Microsoft YaHei" panose="020B0503020204020204" pitchFamily="34" charset="-122"/>
+              </a:rPr>
+              <a:t>，企业版，使用这种</a:t>
+            </a:r>
+            <a:r>
+              <a:rPr kumimoji="1" lang="en-US" altLang="zh-CN" sz="2800" dirty="0">
+                <a:latin typeface="Microsoft YaHei" panose="020B0503020204020204" pitchFamily="34" charset="-122"/>
+                <a:ea typeface="Microsoft YaHei" panose="020B0503020204020204" pitchFamily="34" charset="-122"/>
+              </a:rPr>
+              <a:t>JDK</a:t>
+            </a:r>
+            <a:r>
+              <a:rPr kumimoji="1" lang="zh-CN" altLang="en-US" sz="2800" dirty="0">
+                <a:latin typeface="Microsoft YaHei" panose="020B0503020204020204" pitchFamily="34" charset="-122"/>
+                <a:ea typeface="Microsoft YaHei" panose="020B0503020204020204" pitchFamily="34" charset="-122"/>
+              </a:rPr>
+              <a:t>开发</a:t>
+            </a:r>
+            <a:r>
+              <a:rPr kumimoji="1" lang="en-US" altLang="zh-CN" sz="2800" dirty="0">
+                <a:latin typeface="Microsoft YaHei" panose="020B0503020204020204" pitchFamily="34" charset="-122"/>
+                <a:ea typeface="Microsoft YaHei" panose="020B0503020204020204" pitchFamily="34" charset="-122"/>
+              </a:rPr>
+              <a:t>J2EE</a:t>
+            </a:r>
+            <a:r>
+              <a:rPr kumimoji="1" lang="zh-CN" altLang="en-US" sz="2800" dirty="0">
+                <a:latin typeface="Microsoft YaHei" panose="020B0503020204020204" pitchFamily="34" charset="-122"/>
+                <a:ea typeface="Microsoft YaHei" panose="020B0503020204020204" pitchFamily="34" charset="-122"/>
+              </a:rPr>
+              <a:t>应用程序，从</a:t>
+            </a:r>
+            <a:r>
+              <a:rPr kumimoji="1" lang="en-US" altLang="zh-CN" sz="2800" dirty="0">
+                <a:latin typeface="Microsoft YaHei" panose="020B0503020204020204" pitchFamily="34" charset="-122"/>
+                <a:ea typeface="Microsoft YaHei" panose="020B0503020204020204" pitchFamily="34" charset="-122"/>
+              </a:rPr>
+              <a:t>JDK 5.0</a:t>
+            </a:r>
+            <a:r>
+              <a:rPr kumimoji="1" lang="zh-CN" altLang="en-US" sz="2800" dirty="0">
+                <a:latin typeface="Microsoft YaHei" panose="020B0503020204020204" pitchFamily="34" charset="-122"/>
+                <a:ea typeface="Microsoft YaHei" panose="020B0503020204020204" pitchFamily="34" charset="-122"/>
+              </a:rPr>
+              <a:t>开始，改名为</a:t>
+            </a:r>
+            <a:r>
+              <a:rPr kumimoji="1" lang="en-US" altLang="zh-CN" sz="2800" dirty="0">
+                <a:latin typeface="Microsoft YaHei" panose="020B0503020204020204" pitchFamily="34" charset="-122"/>
+                <a:ea typeface="Microsoft YaHei" panose="020B0503020204020204" pitchFamily="34" charset="-122"/>
+              </a:rPr>
+              <a:t>Java EE</a:t>
+            </a:r>
+            <a:r>
+              <a:rPr kumimoji="1" lang="zh-CN" altLang="en-US" sz="2800" dirty="0">
+                <a:latin typeface="Microsoft YaHei" panose="020B0503020204020204" pitchFamily="34" charset="-122"/>
+                <a:ea typeface="Microsoft YaHei" panose="020B0503020204020204" pitchFamily="34" charset="-122"/>
+              </a:rPr>
+              <a:t>。从</a:t>
+            </a:r>
+            <a:r>
+              <a:rPr kumimoji="1" lang="en-US" altLang="zh-CN" sz="2800" dirty="0">
+                <a:latin typeface="Microsoft YaHei" panose="020B0503020204020204" pitchFamily="34" charset="-122"/>
+                <a:ea typeface="Microsoft YaHei" panose="020B0503020204020204" pitchFamily="34" charset="-122"/>
+              </a:rPr>
+              <a:t>2018</a:t>
+            </a:r>
+            <a:r>
+              <a:rPr kumimoji="1" lang="zh-CN" altLang="en-US" sz="2800" dirty="0">
+                <a:latin typeface="Microsoft YaHei" panose="020B0503020204020204" pitchFamily="34" charset="-122"/>
+                <a:ea typeface="Microsoft YaHei" panose="020B0503020204020204" pitchFamily="34" charset="-122"/>
+              </a:rPr>
+              <a:t>年</a:t>
+            </a:r>
+            <a:r>
+              <a:rPr kumimoji="1" lang="en-US" altLang="zh-CN" sz="2800" dirty="0">
+                <a:latin typeface="Microsoft YaHei" panose="020B0503020204020204" pitchFamily="34" charset="-122"/>
+                <a:ea typeface="Microsoft YaHei" panose="020B0503020204020204" pitchFamily="34" charset="-122"/>
+              </a:rPr>
+              <a:t>2</a:t>
+            </a:r>
+            <a:r>
+              <a:rPr kumimoji="1" lang="zh-CN" altLang="en-US" sz="2800" dirty="0">
+                <a:latin typeface="Microsoft YaHei" panose="020B0503020204020204" pitchFamily="34" charset="-122"/>
+                <a:ea typeface="Microsoft YaHei" panose="020B0503020204020204" pitchFamily="34" charset="-122"/>
+              </a:rPr>
+              <a:t>月</a:t>
+            </a:r>
+            <a:r>
+              <a:rPr kumimoji="1" lang="en-US" altLang="zh-CN" sz="2800" dirty="0">
+                <a:latin typeface="Microsoft YaHei" panose="020B0503020204020204" pitchFamily="34" charset="-122"/>
+                <a:ea typeface="Microsoft YaHei" panose="020B0503020204020204" pitchFamily="34" charset="-122"/>
+              </a:rPr>
+              <a:t>26</a:t>
+            </a:r>
+            <a:r>
+              <a:rPr kumimoji="1" lang="zh-CN" altLang="en-US" sz="2800" dirty="0">
+                <a:latin typeface="Microsoft YaHei" panose="020B0503020204020204" pitchFamily="34" charset="-122"/>
+                <a:ea typeface="Microsoft YaHei" panose="020B0503020204020204" pitchFamily="34" charset="-122"/>
+              </a:rPr>
+              <a:t>日开始，</a:t>
+            </a:r>
+            <a:r>
+              <a:rPr kumimoji="1" lang="en-US" altLang="zh-CN" sz="2800" dirty="0">
+                <a:latin typeface="Microsoft YaHei" panose="020B0503020204020204" pitchFamily="34" charset="-122"/>
+                <a:ea typeface="Microsoft YaHei" panose="020B0503020204020204" pitchFamily="34" charset="-122"/>
+              </a:rPr>
+              <a:t>J2EE</a:t>
+            </a:r>
+            <a:r>
+              <a:rPr kumimoji="1" lang="zh-CN" altLang="en-US" sz="2800" dirty="0">
+                <a:latin typeface="Microsoft YaHei" panose="020B0503020204020204" pitchFamily="34" charset="-122"/>
+                <a:ea typeface="Microsoft YaHei" panose="020B0503020204020204" pitchFamily="34" charset="-122"/>
+              </a:rPr>
+              <a:t>改名为</a:t>
+            </a:r>
+            <a:r>
+              <a:rPr kumimoji="1" lang="en-US" altLang="zh-CN" sz="2800" dirty="0">
+                <a:latin typeface="Microsoft YaHei" panose="020B0503020204020204" pitchFamily="34" charset="-122"/>
+                <a:ea typeface="Microsoft YaHei" panose="020B0503020204020204" pitchFamily="34" charset="-122"/>
+              </a:rPr>
+              <a:t>Jakarta EE [1]  </a:t>
+            </a:r>
+            <a:r>
+              <a:rPr kumimoji="1" lang="zh-CN" altLang="en-US" sz="2800" dirty="0">
+                <a:latin typeface="Microsoft YaHei" panose="020B0503020204020204" pitchFamily="34" charset="-122"/>
+                <a:ea typeface="Microsoft YaHei" panose="020B0503020204020204" pitchFamily="34" charset="-122"/>
+              </a:rPr>
+              <a:t>。</a:t>
+            </a:r>
+          </a:p>
+          <a:p>
+            <a:pPr marL="457200" indent="-457200">
+              <a:buFont typeface="Arial" panose="020B0604020202020204" pitchFamily="34" charset="0"/>
+              <a:buChar char="•"/>
+            </a:pPr>
+            <a:r>
+              <a:rPr kumimoji="1" lang="en-US" altLang="zh-CN" sz="2800" dirty="0">
+                <a:latin typeface="Microsoft YaHei" panose="020B0503020204020204" pitchFamily="34" charset="-122"/>
+                <a:ea typeface="Microsoft YaHei" panose="020B0503020204020204" pitchFamily="34" charset="-122"/>
+              </a:rPr>
+              <a:t>ME(J2ME)</a:t>
+            </a:r>
+            <a:r>
+              <a:rPr kumimoji="1" lang="zh-CN" altLang="en-US" sz="2800" dirty="0">
+                <a:latin typeface="Microsoft YaHei" panose="020B0503020204020204" pitchFamily="34" charset="-122"/>
+                <a:ea typeface="Microsoft YaHei" panose="020B0503020204020204" pitchFamily="34" charset="-122"/>
+              </a:rPr>
+              <a:t>，</a:t>
+            </a:r>
+            <a:r>
+              <a:rPr kumimoji="1" lang="en-US" altLang="zh-CN" sz="2800" dirty="0">
+                <a:latin typeface="Microsoft YaHei" panose="020B0503020204020204" pitchFamily="34" charset="-122"/>
+                <a:ea typeface="Microsoft YaHei" panose="020B0503020204020204" pitchFamily="34" charset="-122"/>
+              </a:rPr>
+              <a:t>micro edition</a:t>
+            </a:r>
+            <a:r>
+              <a:rPr kumimoji="1" lang="zh-CN" altLang="en-US" sz="2800" dirty="0">
+                <a:latin typeface="Microsoft YaHei" panose="020B0503020204020204" pitchFamily="34" charset="-122"/>
+                <a:ea typeface="Microsoft YaHei" panose="020B0503020204020204" pitchFamily="34" charset="-122"/>
+              </a:rPr>
+              <a:t>，主要用于移动设备、嵌入式设备上的</a:t>
+            </a:r>
+            <a:r>
+              <a:rPr kumimoji="1" lang="en-US" altLang="zh-CN" sz="2800" dirty="0">
+                <a:latin typeface="Microsoft YaHei" panose="020B0503020204020204" pitchFamily="34" charset="-122"/>
+                <a:ea typeface="Microsoft YaHei" panose="020B0503020204020204" pitchFamily="34" charset="-122"/>
+              </a:rPr>
+              <a:t>java</a:t>
+            </a:r>
+            <a:r>
+              <a:rPr kumimoji="1" lang="zh-CN" altLang="en-US" sz="2800" dirty="0">
+                <a:latin typeface="Microsoft YaHei" panose="020B0503020204020204" pitchFamily="34" charset="-122"/>
+                <a:ea typeface="Microsoft YaHei" panose="020B0503020204020204" pitchFamily="34" charset="-122"/>
+              </a:rPr>
+              <a:t>应用程序，从</a:t>
+            </a:r>
+            <a:r>
+              <a:rPr kumimoji="1" lang="en-US" altLang="zh-CN" sz="2800" dirty="0">
+                <a:latin typeface="Microsoft YaHei" panose="020B0503020204020204" pitchFamily="34" charset="-122"/>
+                <a:ea typeface="Microsoft YaHei" panose="020B0503020204020204" pitchFamily="34" charset="-122"/>
+              </a:rPr>
+              <a:t>JDK 5.0</a:t>
+            </a:r>
+            <a:r>
+              <a:rPr kumimoji="1" lang="zh-CN" altLang="en-US" sz="2800" dirty="0">
+                <a:latin typeface="Microsoft YaHei" panose="020B0503020204020204" pitchFamily="34" charset="-122"/>
+                <a:ea typeface="Microsoft YaHei" panose="020B0503020204020204" pitchFamily="34" charset="-122"/>
+              </a:rPr>
+              <a:t>开始，改名为</a:t>
+            </a:r>
+            <a:r>
+              <a:rPr kumimoji="1" lang="en-US" altLang="zh-CN" sz="2800" dirty="0">
+                <a:latin typeface="Microsoft YaHei" panose="020B0503020204020204" pitchFamily="34" charset="-122"/>
+                <a:ea typeface="Microsoft YaHei" panose="020B0503020204020204" pitchFamily="34" charset="-122"/>
+              </a:rPr>
+              <a:t>Java ME</a:t>
             </a:r>
           </a:p>
         </p:txBody>
@@ -5589,7 +6029,7 @@
     </p:spTree>
     <p:extLst>
       <p:ext uri="{BB962C8B-B14F-4D97-AF65-F5344CB8AC3E}">
-        <p14:creationId xmlns:p14="http://schemas.microsoft.com/office/powerpoint/2010/main" val="76332531"/>
+        <p14:creationId xmlns:p14="http://schemas.microsoft.com/office/powerpoint/2010/main" val="392936438"/>
       </p:ext>
     </p:extLst>
   </p:cSld>
@@ -5655,28 +6095,39 @@
           <a:p>
             <a:pPr algn="ctr"/>
             <a:r>
-              <a:rPr kumimoji="1" lang="en-US" altLang="zh-CN" sz="4800" dirty="0">
-                <a:latin typeface="Microsoft YaHei" panose="020B0503020204020204" pitchFamily="34" charset="-122"/>
-                <a:ea typeface="Microsoft YaHei" panose="020B0503020204020204" pitchFamily="34" charset="-122"/>
-              </a:rPr>
-              <a:t>5.</a:t>
-            </a:r>
-            <a:r>
-              <a:rPr kumimoji="1" lang="zh-CN" altLang="en-US" sz="4800" dirty="0">
-                <a:latin typeface="Microsoft YaHei" panose="020B0503020204020204" pitchFamily="34" charset="-122"/>
-                <a:ea typeface="Microsoft YaHei" panose="020B0503020204020204" pitchFamily="34" charset="-122"/>
-              </a:rPr>
-              <a:t>高级语言程序执行过程</a:t>
-            </a:r>
-          </a:p>
-        </p:txBody>
-      </p:sp>
-      <p:sp>
-        <p:nvSpPr>
-          <p:cNvPr id="3" name="文本框 2">
-            <a:extLst>
-              <a:ext uri="{FF2B5EF4-FFF2-40B4-BE49-F238E27FC236}">
-                <a16:creationId xmlns:a16="http://schemas.microsoft.com/office/drawing/2014/main" id="{45750F13-0022-0C46-8E22-C3D3831976D9}"/>
+              <a:rPr lang="en-US" altLang="zh-CN" sz="4800" dirty="0">
+                <a:latin typeface="Microsoft YaHei" panose="020B0503020204020204" pitchFamily="34" charset="-122"/>
+                <a:ea typeface="Microsoft YaHei" panose="020B0503020204020204" pitchFamily="34" charset="-122"/>
+              </a:rPr>
+              <a:t>5.2</a:t>
+            </a:r>
+            <a:r>
+              <a:rPr lang="zh-CN" altLang="en-US" sz="4800" dirty="0">
+                <a:latin typeface="Microsoft YaHei" panose="020B0503020204020204" pitchFamily="34" charset="-122"/>
+                <a:ea typeface="Microsoft YaHei" panose="020B0503020204020204" pitchFamily="34" charset="-122"/>
+              </a:rPr>
+              <a:t>  </a:t>
+            </a:r>
+            <a:r>
+              <a:rPr lang="en-US" altLang="zh-CN" sz="4800" dirty="0">
+                <a:latin typeface="Microsoft YaHei" panose="020B0503020204020204" pitchFamily="34" charset="-122"/>
+                <a:ea typeface="Microsoft YaHei" panose="020B0503020204020204" pitchFamily="34" charset="-122"/>
+              </a:rPr>
+              <a:t>IDE</a:t>
+            </a:r>
+            <a:endParaRPr kumimoji="1" lang="zh-CN" altLang="en-US" sz="4800" dirty="0">
+              <a:latin typeface="Microsoft YaHei" panose="020B0503020204020204" pitchFamily="34" charset="-122"/>
+              <a:ea typeface="Microsoft YaHei" panose="020B0503020204020204" pitchFamily="34" charset="-122"/>
+            </a:endParaRPr>
+          </a:p>
+        </p:txBody>
+      </p:sp>
+      <p:sp>
+        <p:nvSpPr>
+          <p:cNvPr id="6" name="文本框 5">
+            <a:extLst>
+              <a:ext uri="{FF2B5EF4-FFF2-40B4-BE49-F238E27FC236}">
+                <a16:creationId xmlns:a16="http://schemas.microsoft.com/office/drawing/2014/main" id="{00E236B2-A911-5847-BDD3-FD255B185817}"/>
               </a:ext>
             </a:extLst>
           </p:cNvPr>
@@ -5685,8 +6136,8 @@
         </p:nvSpPr>
         <p:spPr>
           <a:xfrm>
-            <a:off x="1060316" y="2612168"/>
-            <a:ext cx="9845749" cy="523220"/>
+            <a:off x="1475509" y="2119745"/>
+            <a:ext cx="10453255" cy="3970318"/>
           </a:xfrm>
           <a:prstGeom prst="rect">
             <a:avLst/>
@@ -5704,63 +6155,35 @@
                 <a:latin typeface="Microsoft YaHei" panose="020B0503020204020204" pitchFamily="34" charset="-122"/>
                 <a:ea typeface="Microsoft YaHei" panose="020B0503020204020204" pitchFamily="34" charset="-122"/>
               </a:rPr>
-              <a:t>相互之间存在一种或者多种关系的数据元素的集合</a:t>
-            </a:r>
-          </a:p>
-        </p:txBody>
-      </p:sp>
-      <p:sp>
-        <p:nvSpPr>
-          <p:cNvPr id="4" name="文本框 3">
-            <a:extLst>
-              <a:ext uri="{FF2B5EF4-FFF2-40B4-BE49-F238E27FC236}">
-                <a16:creationId xmlns:a16="http://schemas.microsoft.com/office/drawing/2014/main" id="{5B13A0DF-C087-3646-9689-6CBFDDE40FED}"/>
-              </a:ext>
-            </a:extLst>
-          </p:cNvPr>
-          <p:cNvSpPr txBox="1"/>
-          <p:nvPr/>
-        </p:nvSpPr>
-        <p:spPr>
-          <a:xfrm>
-            <a:off x="1060316" y="4634331"/>
-            <a:ext cx="9271592" cy="1384995"/>
-          </a:xfrm>
-          <a:prstGeom prst="rect">
-            <a:avLst/>
-          </a:prstGeom>
-          <a:noFill/>
-        </p:spPr>
-        <p:txBody>
-          <a:bodyPr wrap="square" rtlCol="0">
-            <a:spAutoFit/>
-          </a:bodyPr>
-          <a:lstStyle/>
-          <a:p>
-            <a:pPr marL="457200" indent="-457200">
-              <a:buFont typeface="Wingdings" pitchFamily="2" charset="2"/>
-              <a:buChar char="Ø"/>
-            </a:pPr>
+              <a:t>集成开发环境（</a:t>
+            </a:r>
+            <a:r>
+              <a:rPr kumimoji="1" lang="en-US" altLang="zh-CN" sz="2800" dirty="0">
+                <a:latin typeface="Microsoft YaHei" panose="020B0503020204020204" pitchFamily="34" charset="-122"/>
+                <a:ea typeface="Microsoft YaHei" panose="020B0503020204020204" pitchFamily="34" charset="-122"/>
+              </a:rPr>
+              <a:t>IDE</a:t>
+            </a:r>
             <a:r>
               <a:rPr kumimoji="1" lang="zh-CN" altLang="en-US" sz="2800" dirty="0">
                 <a:latin typeface="Microsoft YaHei" panose="020B0503020204020204" pitchFamily="34" charset="-122"/>
                 <a:ea typeface="Microsoft YaHei" panose="020B0503020204020204" pitchFamily="34" charset="-122"/>
               </a:rPr>
-              <a:t>所有同学组成的我们医信</a:t>
+              <a:t>，</a:t>
             </a:r>
             <a:r>
               <a:rPr kumimoji="1" lang="en-US" altLang="zh-CN" sz="2800" dirty="0">
                 <a:latin typeface="Microsoft YaHei" panose="020B0503020204020204" pitchFamily="34" charset="-122"/>
                 <a:ea typeface="Microsoft YaHei" panose="020B0503020204020204" pitchFamily="34" charset="-122"/>
               </a:rPr>
-              <a:t>1901</a:t>
+              <a:t>Integrated Development Environment </a:t>
             </a:r>
             <a:r>
               <a:rPr kumimoji="1" lang="zh-CN" altLang="en-US" sz="2800" dirty="0">
                 <a:latin typeface="Microsoft YaHei" panose="020B0503020204020204" pitchFamily="34" charset="-122"/>
                 <a:ea typeface="Microsoft YaHei" panose="020B0503020204020204" pitchFamily="34" charset="-122"/>
               </a:rPr>
-              <a:t>班</a:t>
+              <a:t>）是用于提供程序开发环境的应用程序，一般包括</a:t>
             </a:r>
             <a:endParaRPr kumimoji="1" lang="en-US" altLang="zh-CN" sz="2800" dirty="0">
               <a:latin typeface="Microsoft YaHei" panose="020B0503020204020204" pitchFamily="34" charset="-122"/>
@@ -5768,16 +6191,16 @@
             </a:endParaRPr>
           </a:p>
           <a:p>
-            <a:pPr marL="457200" indent="-457200">
-              <a:buFont typeface="Wingdings" pitchFamily="2" charset="2"/>
-              <a:buChar char="Ø"/>
+            <a:pPr marL="514350" indent="-514350">
+              <a:buFont typeface="+mj-lt"/>
+              <a:buAutoNum type="arabicPeriod"/>
             </a:pPr>
             <a:r>
               <a:rPr kumimoji="1" lang="zh-CN" altLang="en-US" sz="2800" dirty="0">
                 <a:latin typeface="Microsoft YaHei" panose="020B0503020204020204" pitchFamily="34" charset="-122"/>
                 <a:ea typeface="Microsoft YaHei" panose="020B0503020204020204" pitchFamily="34" charset="-122"/>
               </a:rPr>
-              <a:t>以各个元器件为元素组成的电脑</a:t>
+              <a:t>代码编辑器、</a:t>
             </a:r>
             <a:endParaRPr kumimoji="1" lang="en-US" altLang="zh-CN" sz="2800" dirty="0">
               <a:latin typeface="Microsoft YaHei" panose="020B0503020204020204" pitchFamily="34" charset="-122"/>
@@ -5785,102 +6208,156 @@
             </a:endParaRPr>
           </a:p>
           <a:p>
-            <a:pPr marL="457200" indent="-457200">
-              <a:buFont typeface="Wingdings" pitchFamily="2" charset="2"/>
-              <a:buChar char="Ø"/>
+            <a:pPr marL="514350" indent="-514350">
+              <a:buFont typeface="+mj-lt"/>
+              <a:buAutoNum type="arabicPeriod"/>
             </a:pPr>
             <a:r>
               <a:rPr kumimoji="1" lang="zh-CN" altLang="en-US" sz="2800" dirty="0">
                 <a:latin typeface="Microsoft YaHei" panose="020B0503020204020204" pitchFamily="34" charset="-122"/>
                 <a:ea typeface="Microsoft YaHei" panose="020B0503020204020204" pitchFamily="34" charset="-122"/>
               </a:rPr>
-              <a:t>你所认识的朋友的关系网络</a:t>
-            </a:r>
-          </a:p>
-        </p:txBody>
-      </p:sp>
-      <p:sp>
-        <p:nvSpPr>
-          <p:cNvPr id="5" name="文本框 4">
-            <a:extLst>
-              <a:ext uri="{FF2B5EF4-FFF2-40B4-BE49-F238E27FC236}">
-                <a16:creationId xmlns:a16="http://schemas.microsoft.com/office/drawing/2014/main" id="{3CCEBA86-89F6-AC48-BA4E-FAE56B3CD8C5}"/>
-              </a:ext>
-            </a:extLst>
-          </p:cNvPr>
-          <p:cNvSpPr txBox="1"/>
-          <p:nvPr/>
-        </p:nvSpPr>
-        <p:spPr>
-          <a:xfrm>
-            <a:off x="540000" y="3960000"/>
-            <a:ext cx="1070042" cy="542675"/>
-          </a:xfrm>
-          <a:prstGeom prst="rect">
-            <a:avLst/>
-          </a:prstGeom>
-          <a:solidFill>
-            <a:schemeClr val="accent2"/>
-          </a:solidFill>
-        </p:spPr>
-        <p:txBody>
-          <a:bodyPr wrap="square" rtlCol="0">
-            <a:spAutoFit/>
-          </a:bodyPr>
-          <a:lstStyle/>
-          <a:p>
+              <a:t>编译器、</a:t>
+            </a:r>
+            <a:endParaRPr kumimoji="1" lang="en-US" altLang="zh-CN" sz="2800" dirty="0">
+              <a:latin typeface="Microsoft YaHei" panose="020B0503020204020204" pitchFamily="34" charset="-122"/>
+              <a:ea typeface="Microsoft YaHei" panose="020B0503020204020204" pitchFamily="34" charset="-122"/>
+            </a:endParaRPr>
+          </a:p>
+          <a:p>
+            <a:pPr marL="514350" indent="-514350">
+              <a:buFont typeface="+mj-lt"/>
+              <a:buAutoNum type="arabicPeriod"/>
+            </a:pPr>
             <a:r>
               <a:rPr kumimoji="1" lang="zh-CN" altLang="en-US" sz="2800" dirty="0">
-                <a:solidFill>
-                  <a:schemeClr val="bg1"/>
-                </a:solidFill>
-                <a:latin typeface="Microsoft YaHei" panose="020B0503020204020204" pitchFamily="34" charset="-122"/>
-                <a:ea typeface="Microsoft YaHei" panose="020B0503020204020204" pitchFamily="34" charset="-122"/>
-              </a:rPr>
-              <a:t>例子</a:t>
-            </a:r>
-          </a:p>
-        </p:txBody>
-      </p:sp>
-      <p:sp>
-        <p:nvSpPr>
-          <p:cNvPr id="6" name="文本框 5">
-            <a:extLst>
-              <a:ext uri="{FF2B5EF4-FFF2-40B4-BE49-F238E27FC236}">
-                <a16:creationId xmlns:a16="http://schemas.microsoft.com/office/drawing/2014/main" id="{202584A8-4723-3F49-A359-94E250841FE4}"/>
-              </a:ext>
-            </a:extLst>
-          </p:cNvPr>
-          <p:cNvSpPr txBox="1"/>
-          <p:nvPr/>
-        </p:nvSpPr>
-        <p:spPr>
-          <a:xfrm>
-            <a:off x="540000" y="1800000"/>
-            <a:ext cx="1070042" cy="542675"/>
-          </a:xfrm>
-          <a:prstGeom prst="rect">
-            <a:avLst/>
-          </a:prstGeom>
-          <a:solidFill>
-            <a:schemeClr val="accent2"/>
-          </a:solidFill>
-        </p:spPr>
-        <p:txBody>
-          <a:bodyPr wrap="square" rtlCol="0">
-            <a:spAutoFit/>
-          </a:bodyPr>
-          <a:lstStyle/>
+                <a:latin typeface="Microsoft YaHei" panose="020B0503020204020204" pitchFamily="34" charset="-122"/>
+                <a:ea typeface="Microsoft YaHei" panose="020B0503020204020204" pitchFamily="34" charset="-122"/>
+              </a:rPr>
+              <a:t>调试器和图形用户界面等工具。</a:t>
+            </a:r>
+            <a:endParaRPr kumimoji="1" lang="en-US" altLang="zh-CN" sz="2800" dirty="0">
+              <a:latin typeface="Microsoft YaHei" panose="020B0503020204020204" pitchFamily="34" charset="-122"/>
+              <a:ea typeface="Microsoft YaHei" panose="020B0503020204020204" pitchFamily="34" charset="-122"/>
+            </a:endParaRPr>
+          </a:p>
           <a:p>
             <a:r>
               <a:rPr kumimoji="1" lang="zh-CN" altLang="en-US" sz="2800" dirty="0">
-                <a:solidFill>
-                  <a:schemeClr val="bg1"/>
-                </a:solidFill>
-                <a:latin typeface="Microsoft YaHei" panose="020B0503020204020204" pitchFamily="34" charset="-122"/>
-                <a:ea typeface="Microsoft YaHei" panose="020B0503020204020204" pitchFamily="34" charset="-122"/>
-              </a:rPr>
-              <a:t>定义</a:t>
+                <a:latin typeface="Microsoft YaHei" panose="020B0503020204020204" pitchFamily="34" charset="-122"/>
+                <a:ea typeface="Microsoft YaHei" panose="020B0503020204020204" pitchFamily="34" charset="-122"/>
+              </a:rPr>
+              <a:t>集成了代码编写功能、分析功能、编译功能、调试功能等一体化的开发软件服务套。</a:t>
+            </a:r>
+            <a:endParaRPr kumimoji="1" lang="en-US" altLang="zh-CN" sz="2800" dirty="0">
+              <a:latin typeface="Microsoft YaHei" panose="020B0503020204020204" pitchFamily="34" charset="-122"/>
+              <a:ea typeface="Microsoft YaHei" panose="020B0503020204020204" pitchFamily="34" charset="-122"/>
+            </a:endParaRPr>
+          </a:p>
+          <a:p>
+            <a:endParaRPr kumimoji="1" lang="en-US" altLang="zh-CN" sz="2800" dirty="0">
+              <a:latin typeface="Microsoft YaHei" panose="020B0503020204020204" pitchFamily="34" charset="-122"/>
+              <a:ea typeface="Microsoft YaHei" panose="020B0503020204020204" pitchFamily="34" charset="-122"/>
+            </a:endParaRPr>
+          </a:p>
+          <a:p>
+            <a:r>
+              <a:rPr kumimoji="1" lang="zh-CN" altLang="en-US" sz="2800" dirty="0">
+                <a:latin typeface="Microsoft YaHei" panose="020B0503020204020204" pitchFamily="34" charset="-122"/>
+                <a:ea typeface="Microsoft YaHei" panose="020B0503020204020204" pitchFamily="34" charset="-122"/>
+              </a:rPr>
+              <a:t>例子：</a:t>
+            </a:r>
+            <a:r>
+              <a:rPr kumimoji="1" lang="en-US" altLang="zh-CN" sz="2800" dirty="0">
+                <a:latin typeface="Microsoft YaHei" panose="020B0503020204020204" pitchFamily="34" charset="-122"/>
+                <a:ea typeface="Microsoft YaHei" panose="020B0503020204020204" pitchFamily="34" charset="-122"/>
+              </a:rPr>
+              <a:t>Visual</a:t>
+            </a:r>
+            <a:r>
+              <a:rPr kumimoji="1" lang="zh-CN" altLang="en-US" sz="2800" dirty="0">
+                <a:latin typeface="Microsoft YaHei" panose="020B0503020204020204" pitchFamily="34" charset="-122"/>
+                <a:ea typeface="Microsoft YaHei" panose="020B0503020204020204" pitchFamily="34" charset="-122"/>
+              </a:rPr>
+              <a:t> </a:t>
+            </a:r>
+            <a:r>
+              <a:rPr kumimoji="1" lang="en-US" altLang="zh-CN" sz="2800" dirty="0">
+                <a:latin typeface="Microsoft YaHei" panose="020B0503020204020204" pitchFamily="34" charset="-122"/>
+                <a:ea typeface="Microsoft YaHei" panose="020B0503020204020204" pitchFamily="34" charset="-122"/>
+              </a:rPr>
+              <a:t>studio</a:t>
+            </a:r>
+            <a:r>
+              <a:rPr kumimoji="1" lang="zh-CN" altLang="en-US" sz="2800" dirty="0">
+                <a:latin typeface="Microsoft YaHei" panose="020B0503020204020204" pitchFamily="34" charset="-122"/>
+                <a:ea typeface="Microsoft YaHei" panose="020B0503020204020204" pitchFamily="34" charset="-122"/>
+              </a:rPr>
+              <a:t> </a:t>
+            </a:r>
+            <a:r>
+              <a:rPr kumimoji="1" lang="en-US" altLang="zh-CN" sz="2800" dirty="0">
+                <a:latin typeface="Microsoft YaHei" panose="020B0503020204020204" pitchFamily="34" charset="-122"/>
+                <a:ea typeface="Microsoft YaHei" panose="020B0503020204020204" pitchFamily="34" charset="-122"/>
+              </a:rPr>
+              <a:t>Code</a:t>
+            </a:r>
+            <a:r>
+              <a:rPr kumimoji="1" lang="zh-CN" altLang="en-US" sz="2800" dirty="0">
+                <a:latin typeface="Microsoft YaHei" panose="020B0503020204020204" pitchFamily="34" charset="-122"/>
+                <a:ea typeface="Microsoft YaHei" panose="020B0503020204020204" pitchFamily="34" charset="-122"/>
+              </a:rPr>
+              <a:t> </a:t>
+            </a:r>
+            <a:r>
+              <a:rPr kumimoji="1" lang="en-US" altLang="zh-CN" sz="2800" dirty="0">
+                <a:latin typeface="Microsoft YaHei" panose="020B0503020204020204" pitchFamily="34" charset="-122"/>
+                <a:ea typeface="Microsoft YaHei" panose="020B0503020204020204" pitchFamily="34" charset="-122"/>
+              </a:rPr>
+              <a:t>/</a:t>
+            </a:r>
+            <a:r>
+              <a:rPr kumimoji="1" lang="zh-CN" altLang="en-US" sz="2800" dirty="0">
+                <a:latin typeface="Microsoft YaHei" panose="020B0503020204020204" pitchFamily="34" charset="-122"/>
+                <a:ea typeface="Microsoft YaHei" panose="020B0503020204020204" pitchFamily="34" charset="-122"/>
+              </a:rPr>
+              <a:t> </a:t>
+            </a:r>
+            <a:r>
+              <a:rPr kumimoji="1" lang="en-US" altLang="zh-CN" sz="2800" dirty="0">
+                <a:latin typeface="Microsoft YaHei" panose="020B0503020204020204" pitchFamily="34" charset="-122"/>
+                <a:ea typeface="Microsoft YaHei" panose="020B0503020204020204" pitchFamily="34" charset="-122"/>
+              </a:rPr>
+              <a:t>eclipse/</a:t>
+            </a:r>
+            <a:r>
+              <a:rPr kumimoji="1" lang="zh-CN" altLang="en-US" sz="2800" dirty="0">
+                <a:latin typeface="Microsoft YaHei" panose="020B0503020204020204" pitchFamily="34" charset="-122"/>
+                <a:ea typeface="Microsoft YaHei" panose="020B0503020204020204" pitchFamily="34" charset="-122"/>
+              </a:rPr>
+              <a:t> </a:t>
+            </a:r>
+            <a:r>
+              <a:rPr kumimoji="1" lang="en-US" altLang="zh-CN" sz="2800" dirty="0">
+                <a:latin typeface="Microsoft YaHei" panose="020B0503020204020204" pitchFamily="34" charset="-122"/>
+                <a:ea typeface="Microsoft YaHei" panose="020B0503020204020204" pitchFamily="34" charset="-122"/>
+              </a:rPr>
+              <a:t>Android</a:t>
+            </a:r>
+            <a:r>
+              <a:rPr kumimoji="1" lang="zh-CN" altLang="en-US" sz="2800" dirty="0">
+                <a:latin typeface="Microsoft YaHei" panose="020B0503020204020204" pitchFamily="34" charset="-122"/>
+                <a:ea typeface="Microsoft YaHei" panose="020B0503020204020204" pitchFamily="34" charset="-122"/>
+              </a:rPr>
+              <a:t> </a:t>
+            </a:r>
+            <a:r>
+              <a:rPr kumimoji="1" lang="en-US" altLang="zh-CN" sz="2800" dirty="0">
+                <a:latin typeface="Microsoft YaHei" panose="020B0503020204020204" pitchFamily="34" charset="-122"/>
+                <a:ea typeface="Microsoft YaHei" panose="020B0503020204020204" pitchFamily="34" charset="-122"/>
+              </a:rPr>
+              <a:t>studio</a:t>
             </a:r>
           </a:p>
         </p:txBody>
@@ -5888,7 +6365,7 @@
     </p:spTree>
     <p:extLst>
       <p:ext uri="{BB962C8B-B14F-4D97-AF65-F5344CB8AC3E}">
-        <p14:creationId xmlns:p14="http://schemas.microsoft.com/office/powerpoint/2010/main" val="1850266317"/>
+        <p14:creationId xmlns:p14="http://schemas.microsoft.com/office/powerpoint/2010/main" val="829365331"/>
       </p:ext>
     </p:extLst>
   </p:cSld>
@@ -5965,28 +6442,21 @@
                 <a:latin typeface="Microsoft YaHei" panose="020B0503020204020204" pitchFamily="34" charset="-122"/>
                 <a:ea typeface="Microsoft YaHei" panose="020B0503020204020204" pitchFamily="34" charset="-122"/>
               </a:rPr>
-              <a:t> </a:t>
+              <a:t>一个简单的</a:t>
             </a:r>
             <a:r>
               <a:rPr lang="en-US" altLang="zh-CN" sz="4800" dirty="0">
                 <a:latin typeface="Microsoft YaHei" panose="020B0503020204020204" pitchFamily="34" charset="-122"/>
                 <a:ea typeface="Microsoft YaHei" panose="020B0503020204020204" pitchFamily="34" charset="-122"/>
               </a:rPr>
-              <a:t>JDK</a:t>
+              <a:t>Java</a:t>
             </a:r>
             <a:r>
               <a:rPr lang="zh-CN" altLang="en-US" sz="4800" dirty="0">
                 <a:latin typeface="Microsoft YaHei" panose="020B0503020204020204" pitchFamily="34" charset="-122"/>
                 <a:ea typeface="Microsoft YaHei" panose="020B0503020204020204" pitchFamily="34" charset="-122"/>
               </a:rPr>
-              <a:t> 和 </a:t>
-            </a:r>
-            <a:r>
-              <a:rPr lang="en-US" altLang="zh-CN" sz="4800" dirty="0">
-                <a:latin typeface="Microsoft YaHei" panose="020B0503020204020204" pitchFamily="34" charset="-122"/>
-                <a:ea typeface="Microsoft YaHei" panose="020B0503020204020204" pitchFamily="34" charset="-122"/>
-              </a:rPr>
-              <a:t>IDE</a:t>
+              <a:t>程序</a:t>
             </a:r>
             <a:endParaRPr kumimoji="1" lang="zh-CN" altLang="en-US" sz="4800" dirty="0">
               <a:latin typeface="Microsoft YaHei" panose="020B0503020204020204" pitchFamily="34" charset="-122"/>
@@ -5995,367 +6465,40 @@
           </a:p>
         </p:txBody>
       </p:sp>
-      <p:sp>
-        <p:nvSpPr>
-          <p:cNvPr id="4" name="文本框 3">
-            <a:extLst>
-              <a:ext uri="{FF2B5EF4-FFF2-40B4-BE49-F238E27FC236}">
-                <a16:creationId xmlns:a16="http://schemas.microsoft.com/office/drawing/2014/main" id="{858B39A7-0C86-C54C-BB15-3011A3CE8BAC}"/>
-              </a:ext>
-            </a:extLst>
-          </p:cNvPr>
-          <p:cNvSpPr txBox="1"/>
+      <p:pic>
+        <p:nvPicPr>
+          <p:cNvPr id="6" name="图片 5">
+            <a:extLst>
+              <a:ext uri="{FF2B5EF4-FFF2-40B4-BE49-F238E27FC236}">
+                <a16:creationId xmlns:a16="http://schemas.microsoft.com/office/drawing/2014/main" id="{D1DA003D-A6A1-1D4D-BF10-2C89C0E3CC71}"/>
+              </a:ext>
+            </a:extLst>
+          </p:cNvPr>
+          <p:cNvPicPr>
+            <a:picLocks noChangeAspect="1"/>
+          </p:cNvPicPr>
           <p:nvPr/>
-        </p:nvSpPr>
+        </p:nvPicPr>
+        <p:blipFill>
+          <a:blip r:embed="rId4"/>
+          <a:stretch>
+            <a:fillRect/>
+          </a:stretch>
+        </p:blipFill>
         <p:spPr>
           <a:xfrm>
-            <a:off x="2155465" y="2402958"/>
-            <a:ext cx="3019650" cy="523220"/>
+            <a:off x="2229053" y="2023200"/>
+            <a:ext cx="8606307" cy="4114800"/>
           </a:xfrm>
           <a:prstGeom prst="rect">
             <a:avLst/>
           </a:prstGeom>
-          <a:noFill/>
         </p:spPr>
-        <p:txBody>
-          <a:bodyPr wrap="square" rtlCol="0">
-            <a:spAutoFit/>
-          </a:bodyPr>
-          <a:lstStyle/>
-          <a:p>
-            <a:r>
-              <a:rPr kumimoji="1" lang="zh-CN" altLang="en-US" sz="2800" dirty="0">
-                <a:latin typeface="Microsoft YaHei" panose="020B0503020204020204" pitchFamily="34" charset="-122"/>
-                <a:ea typeface="Microsoft YaHei" panose="020B0503020204020204" pitchFamily="34" charset="-122"/>
-              </a:rPr>
-              <a:t>集合</a:t>
-            </a:r>
-          </a:p>
-        </p:txBody>
-      </p:sp>
-      <p:sp>
-        <p:nvSpPr>
-          <p:cNvPr id="7" name="文本框 6">
-            <a:extLst>
-              <a:ext uri="{FF2B5EF4-FFF2-40B4-BE49-F238E27FC236}">
-                <a16:creationId xmlns:a16="http://schemas.microsoft.com/office/drawing/2014/main" id="{8C1DD6AB-C2EE-9149-BB47-64458F4E6E15}"/>
-              </a:ext>
-            </a:extLst>
-          </p:cNvPr>
-          <p:cNvSpPr txBox="1"/>
-          <p:nvPr/>
-        </p:nvSpPr>
-        <p:spPr>
-          <a:xfrm>
-            <a:off x="2155465" y="3310270"/>
-            <a:ext cx="3019650" cy="523220"/>
-          </a:xfrm>
-          <a:prstGeom prst="rect">
-            <a:avLst/>
-          </a:prstGeom>
-          <a:noFill/>
-        </p:spPr>
-        <p:txBody>
-          <a:bodyPr wrap="square" rtlCol="0">
-            <a:spAutoFit/>
-          </a:bodyPr>
-          <a:lstStyle/>
-          <a:p>
-            <a:r>
-              <a:rPr kumimoji="1" lang="zh-CN" altLang="en-US" sz="2800" dirty="0">
-                <a:latin typeface="Microsoft YaHei" panose="020B0503020204020204" pitchFamily="34" charset="-122"/>
-                <a:ea typeface="Microsoft YaHei" panose="020B0503020204020204" pitchFamily="34" charset="-122"/>
-              </a:rPr>
-              <a:t>线性结构</a:t>
-            </a:r>
-          </a:p>
-        </p:txBody>
-      </p:sp>
-      <p:sp>
-        <p:nvSpPr>
-          <p:cNvPr id="8" name="文本框 7">
-            <a:extLst>
-              <a:ext uri="{FF2B5EF4-FFF2-40B4-BE49-F238E27FC236}">
-                <a16:creationId xmlns:a16="http://schemas.microsoft.com/office/drawing/2014/main" id="{5E780627-2E17-7841-93BD-0C851F88B3D9}"/>
-              </a:ext>
-            </a:extLst>
-          </p:cNvPr>
-          <p:cNvSpPr txBox="1"/>
-          <p:nvPr/>
-        </p:nvSpPr>
-        <p:spPr>
-          <a:xfrm>
-            <a:off x="2116563" y="4217582"/>
-            <a:ext cx="3019650" cy="523220"/>
-          </a:xfrm>
-          <a:prstGeom prst="rect">
-            <a:avLst/>
-          </a:prstGeom>
-          <a:noFill/>
-        </p:spPr>
-        <p:txBody>
-          <a:bodyPr wrap="square" rtlCol="0">
-            <a:spAutoFit/>
-          </a:bodyPr>
-          <a:lstStyle/>
-          <a:p>
-            <a:r>
-              <a:rPr kumimoji="1" lang="zh-CN" altLang="en-US" sz="2800" dirty="0">
-                <a:latin typeface="Microsoft YaHei" panose="020B0503020204020204" pitchFamily="34" charset="-122"/>
-                <a:ea typeface="Microsoft YaHei" panose="020B0503020204020204" pitchFamily="34" charset="-122"/>
-              </a:rPr>
-              <a:t>树形结构</a:t>
-            </a:r>
-          </a:p>
-        </p:txBody>
-      </p:sp>
-      <p:sp>
-        <p:nvSpPr>
-          <p:cNvPr id="9" name="文本框 8">
-            <a:extLst>
-              <a:ext uri="{FF2B5EF4-FFF2-40B4-BE49-F238E27FC236}">
-                <a16:creationId xmlns:a16="http://schemas.microsoft.com/office/drawing/2014/main" id="{593A7A58-EA74-094D-8D1D-824CA39D4FBA}"/>
-              </a:ext>
-            </a:extLst>
-          </p:cNvPr>
-          <p:cNvSpPr txBox="1"/>
-          <p:nvPr/>
-        </p:nvSpPr>
-        <p:spPr>
-          <a:xfrm>
-            <a:off x="2155465" y="5124893"/>
-            <a:ext cx="3019650" cy="523220"/>
-          </a:xfrm>
-          <a:prstGeom prst="rect">
-            <a:avLst/>
-          </a:prstGeom>
-          <a:noFill/>
-        </p:spPr>
-        <p:txBody>
-          <a:bodyPr wrap="square" rtlCol="0">
-            <a:spAutoFit/>
-          </a:bodyPr>
-          <a:lstStyle/>
-          <a:p>
-            <a:r>
-              <a:rPr kumimoji="1" lang="zh-CN" altLang="en-US" sz="2800" dirty="0">
-                <a:latin typeface="Microsoft YaHei" panose="020B0503020204020204" pitchFamily="34" charset="-122"/>
-                <a:ea typeface="Microsoft YaHei" panose="020B0503020204020204" pitchFamily="34" charset="-122"/>
-              </a:rPr>
-              <a:t>图形结构</a:t>
-            </a:r>
-          </a:p>
-        </p:txBody>
-      </p:sp>
-      <p:sp>
-        <p:nvSpPr>
-          <p:cNvPr id="3" name="文本框 2">
-            <a:extLst>
-              <a:ext uri="{FF2B5EF4-FFF2-40B4-BE49-F238E27FC236}">
-                <a16:creationId xmlns:a16="http://schemas.microsoft.com/office/drawing/2014/main" id="{C3DF18BB-EFAF-C342-B8C7-2230103014C2}"/>
-              </a:ext>
-            </a:extLst>
-          </p:cNvPr>
-          <p:cNvSpPr txBox="1"/>
-          <p:nvPr/>
-        </p:nvSpPr>
-        <p:spPr>
-          <a:xfrm>
-            <a:off x="8939033" y="2850845"/>
-            <a:ext cx="2700674" cy="523220"/>
-          </a:xfrm>
-          <a:prstGeom prst="rect">
-            <a:avLst/>
-          </a:prstGeom>
-          <a:noFill/>
-        </p:spPr>
-        <p:txBody>
-          <a:bodyPr wrap="square" rtlCol="0">
-            <a:spAutoFit/>
-          </a:bodyPr>
-          <a:lstStyle/>
-          <a:p>
-            <a:r>
-              <a:rPr kumimoji="1" lang="zh-CN" altLang="en-US" sz="2800" dirty="0">
-                <a:latin typeface="Microsoft YaHei" panose="020B0503020204020204" pitchFamily="34" charset="-122"/>
-                <a:ea typeface="Microsoft YaHei" panose="020B0503020204020204" pitchFamily="34" charset="-122"/>
-              </a:rPr>
-              <a:t>顺序存储</a:t>
-            </a:r>
-          </a:p>
-        </p:txBody>
-      </p:sp>
-      <p:sp>
-        <p:nvSpPr>
-          <p:cNvPr id="5" name="文本框 4">
-            <a:extLst>
-              <a:ext uri="{FF2B5EF4-FFF2-40B4-BE49-F238E27FC236}">
-                <a16:creationId xmlns:a16="http://schemas.microsoft.com/office/drawing/2014/main" id="{8AFE7919-16FB-844A-A8F4-FB946DCB2FC2}"/>
-              </a:ext>
-            </a:extLst>
-          </p:cNvPr>
-          <p:cNvSpPr txBox="1"/>
-          <p:nvPr/>
-        </p:nvSpPr>
-        <p:spPr>
-          <a:xfrm>
-            <a:off x="8939033" y="4542987"/>
-            <a:ext cx="2700674" cy="523220"/>
-          </a:xfrm>
-          <a:prstGeom prst="rect">
-            <a:avLst/>
-          </a:prstGeom>
-          <a:noFill/>
-        </p:spPr>
-        <p:txBody>
-          <a:bodyPr wrap="square" rtlCol="0">
-            <a:spAutoFit/>
-          </a:bodyPr>
-          <a:lstStyle/>
-          <a:p>
-            <a:r>
-              <a:rPr kumimoji="1" lang="zh-CN" altLang="en-US" sz="2800" dirty="0">
-                <a:latin typeface="Microsoft YaHei" panose="020B0503020204020204" pitchFamily="34" charset="-122"/>
-                <a:ea typeface="Microsoft YaHei" panose="020B0503020204020204" pitchFamily="34" charset="-122"/>
-              </a:rPr>
-              <a:t>链式存储</a:t>
-            </a:r>
-          </a:p>
-        </p:txBody>
-      </p:sp>
-      <p:cxnSp>
-        <p:nvCxnSpPr>
-          <p:cNvPr id="13" name="直线连接符 12">
-            <a:extLst>
-              <a:ext uri="{FF2B5EF4-FFF2-40B4-BE49-F238E27FC236}">
-                <a16:creationId xmlns:a16="http://schemas.microsoft.com/office/drawing/2014/main" id="{A410C7D7-0722-2043-ABCF-3FC13F2005CC}"/>
-              </a:ext>
-            </a:extLst>
-          </p:cNvPr>
-          <p:cNvCxnSpPr/>
-          <p:nvPr/>
-        </p:nvCxnSpPr>
-        <p:spPr>
-          <a:xfrm>
-            <a:off x="6493549" y="2594344"/>
-            <a:ext cx="0" cy="2743200"/>
-          </a:xfrm>
-          <a:prstGeom prst="line">
-            <a:avLst/>
-          </a:prstGeom>
-          <a:ln w="12700">
-            <a:solidFill>
-              <a:schemeClr val="bg1">
-                <a:lumMod val="75000"/>
-              </a:schemeClr>
-            </a:solidFill>
-          </a:ln>
-        </p:spPr>
-        <p:style>
-          <a:lnRef idx="1">
-            <a:schemeClr val="accent1"/>
-          </a:lnRef>
-          <a:fillRef idx="0">
-            <a:schemeClr val="accent1"/>
-          </a:fillRef>
-          <a:effectRef idx="0">
-            <a:schemeClr val="accent1"/>
-          </a:effectRef>
-          <a:fontRef idx="minor">
-            <a:schemeClr val="tx1"/>
-          </a:fontRef>
-        </p:style>
-      </p:cxnSp>
-      <p:sp>
-        <p:nvSpPr>
-          <p:cNvPr id="15" name="文本框 14">
-            <a:extLst>
-              <a:ext uri="{FF2B5EF4-FFF2-40B4-BE49-F238E27FC236}">
-                <a16:creationId xmlns:a16="http://schemas.microsoft.com/office/drawing/2014/main" id="{87E55CB9-54D2-534E-8CCD-1F7EF4D8DADA}"/>
-              </a:ext>
-            </a:extLst>
-          </p:cNvPr>
-          <p:cNvSpPr txBox="1"/>
-          <p:nvPr/>
-        </p:nvSpPr>
-        <p:spPr>
-          <a:xfrm>
-            <a:off x="4530073" y="3749749"/>
-            <a:ext cx="1765005" cy="523220"/>
-          </a:xfrm>
-          <a:prstGeom prst="rect">
-            <a:avLst/>
-          </a:prstGeom>
-          <a:solidFill>
-            <a:schemeClr val="accent2"/>
-          </a:solidFill>
-        </p:spPr>
-        <p:txBody>
-          <a:bodyPr wrap="square" rtlCol="0">
-            <a:spAutoFit/>
-          </a:bodyPr>
-          <a:lstStyle/>
-          <a:p>
-            <a:r>
-              <a:rPr kumimoji="1" lang="zh-CN" altLang="en-US" sz="2800" dirty="0">
-                <a:solidFill>
-                  <a:schemeClr val="bg1"/>
-                </a:solidFill>
-                <a:latin typeface="Microsoft YaHei" panose="020B0503020204020204" pitchFamily="34" charset="-122"/>
-                <a:ea typeface="Microsoft YaHei" panose="020B0503020204020204" pitchFamily="34" charset="-122"/>
-              </a:rPr>
-              <a:t>逻辑结构</a:t>
-            </a:r>
-          </a:p>
-        </p:txBody>
-      </p:sp>
-      <p:sp>
-        <p:nvSpPr>
-          <p:cNvPr id="16" name="文本框 15">
-            <a:extLst>
-              <a:ext uri="{FF2B5EF4-FFF2-40B4-BE49-F238E27FC236}">
-                <a16:creationId xmlns:a16="http://schemas.microsoft.com/office/drawing/2014/main" id="{AB496FD7-446F-4B4A-B69D-4E0EDCC63D60}"/>
-              </a:ext>
-            </a:extLst>
-          </p:cNvPr>
-          <p:cNvSpPr txBox="1"/>
-          <p:nvPr/>
-        </p:nvSpPr>
-        <p:spPr>
-          <a:xfrm>
-            <a:off x="6720379" y="3749749"/>
-            <a:ext cx="1786265" cy="523220"/>
-          </a:xfrm>
-          <a:prstGeom prst="rect">
-            <a:avLst/>
-          </a:prstGeom>
-          <a:solidFill>
-            <a:schemeClr val="accent2"/>
-          </a:solidFill>
-        </p:spPr>
-        <p:txBody>
-          <a:bodyPr wrap="square" rtlCol="0">
-            <a:spAutoFit/>
-          </a:bodyPr>
-          <a:lstStyle/>
-          <a:p>
-            <a:r>
-              <a:rPr kumimoji="1" lang="zh-CN" altLang="en-US" sz="2800" dirty="0">
-                <a:solidFill>
-                  <a:schemeClr val="bg1"/>
-                </a:solidFill>
-                <a:latin typeface="Microsoft YaHei" panose="020B0503020204020204" pitchFamily="34" charset="-122"/>
-                <a:ea typeface="Microsoft YaHei" panose="020B0503020204020204" pitchFamily="34" charset="-122"/>
-              </a:rPr>
-              <a:t>物理结构</a:t>
-            </a:r>
-          </a:p>
-        </p:txBody>
-      </p:sp>
+      </p:pic>
     </p:spTree>
     <p:extLst>
       <p:ext uri="{BB962C8B-B14F-4D97-AF65-F5344CB8AC3E}">
-        <p14:creationId xmlns:p14="http://schemas.microsoft.com/office/powerpoint/2010/main" val="392936438"/>
+        <p14:creationId xmlns:p14="http://schemas.microsoft.com/office/powerpoint/2010/main" val="3494705467"/>
       </p:ext>
     </p:extLst>
   </p:cSld>
@@ -6421,46 +6564,28 @@
           <a:p>
             <a:pPr algn="ctr"/>
             <a:r>
-              <a:rPr lang="en-US" altLang="zh-CN" sz="4800" dirty="0">
+              <a:rPr kumimoji="1" lang="en-US" altLang="zh-CN" sz="4800" dirty="0">
                 <a:latin typeface="Microsoft YaHei" panose="020B0503020204020204" pitchFamily="34" charset="-122"/>
                 <a:ea typeface="Microsoft YaHei" panose="020B0503020204020204" pitchFamily="34" charset="-122"/>
               </a:rPr>
               <a:t>7.</a:t>
             </a:r>
             <a:r>
-              <a:rPr lang="zh-CN" altLang="en-US" sz="4800" dirty="0">
-                <a:latin typeface="Microsoft YaHei" panose="020B0503020204020204" pitchFamily="34" charset="-122"/>
-                <a:ea typeface="Microsoft YaHei" panose="020B0503020204020204" pitchFamily="34" charset="-122"/>
-              </a:rPr>
-              <a:t>一个简单的</a:t>
-            </a:r>
-            <a:r>
-              <a:rPr lang="en-US" altLang="zh-CN" sz="4800" dirty="0">
-                <a:latin typeface="Microsoft YaHei" panose="020B0503020204020204" pitchFamily="34" charset="-122"/>
-                <a:ea typeface="Microsoft YaHei" panose="020B0503020204020204" pitchFamily="34" charset="-122"/>
-              </a:rPr>
-              <a:t>Java</a:t>
-            </a:r>
-            <a:r>
-              <a:rPr lang="zh-CN" altLang="en-US" sz="4800" dirty="0">
-                <a:latin typeface="Microsoft YaHei" panose="020B0503020204020204" pitchFamily="34" charset="-122"/>
-                <a:ea typeface="Microsoft YaHei" panose="020B0503020204020204" pitchFamily="34" charset="-122"/>
-              </a:rPr>
-              <a:t>程序</a:t>
-            </a:r>
-            <a:endParaRPr kumimoji="1" lang="zh-CN" altLang="en-US" sz="4800" dirty="0">
-              <a:latin typeface="Microsoft YaHei" panose="020B0503020204020204" pitchFamily="34" charset="-122"/>
-              <a:ea typeface="Microsoft YaHei" panose="020B0503020204020204" pitchFamily="34" charset="-122"/>
-            </a:endParaRPr>
-          </a:p>
-        </p:txBody>
-      </p:sp>
-      <p:sp>
-        <p:nvSpPr>
-          <p:cNvPr id="4" name="文本框 3">
-            <a:extLst>
-              <a:ext uri="{FF2B5EF4-FFF2-40B4-BE49-F238E27FC236}">
-                <a16:creationId xmlns:a16="http://schemas.microsoft.com/office/drawing/2014/main" id="{858B39A7-0C86-C54C-BB15-3011A3CE8BAC}"/>
+              <a:rPr kumimoji="1" lang="zh-CN" altLang="en-US" sz="4800" dirty="0">
+                <a:latin typeface="Microsoft YaHei" panose="020B0503020204020204" pitchFamily="34" charset="-122"/>
+                <a:ea typeface="Microsoft YaHei" panose="020B0503020204020204" pitchFamily="34" charset="-122"/>
+              </a:rPr>
+              <a:t>高级语言程序执行过程</a:t>
+            </a:r>
+          </a:p>
+        </p:txBody>
+      </p:sp>
+      <p:sp>
+        <p:nvSpPr>
+          <p:cNvPr id="3" name="文本框 2">
+            <a:extLst>
+              <a:ext uri="{FF2B5EF4-FFF2-40B4-BE49-F238E27FC236}">
+                <a16:creationId xmlns:a16="http://schemas.microsoft.com/office/drawing/2014/main" id="{45750F13-0022-0C46-8E22-C3D3831976D9}"/>
               </a:ext>
             </a:extLst>
           </p:cNvPr>
@@ -6469,8 +6594,8 @@
         </p:nvSpPr>
         <p:spPr>
           <a:xfrm>
-            <a:off x="1060316" y="2513397"/>
-            <a:ext cx="4883888" cy="1384995"/>
+            <a:off x="1060316" y="2612168"/>
+            <a:ext cx="9845749" cy="523220"/>
           </a:xfrm>
           <a:prstGeom prst="rect">
             <a:avLst/>
@@ -6488,424 +6613,27 @@
                 <a:latin typeface="Microsoft YaHei" panose="020B0503020204020204" pitchFamily="34" charset="-122"/>
                 <a:ea typeface="Microsoft YaHei" panose="020B0503020204020204" pitchFamily="34" charset="-122"/>
               </a:rPr>
-              <a:t>集合中的元素除了属于同一个集合外，它们之间没有其他关系</a:t>
-            </a:r>
-          </a:p>
-        </p:txBody>
-      </p:sp>
-      <p:sp>
-        <p:nvSpPr>
-          <p:cNvPr id="12" name="椭圆 11">
-            <a:extLst>
-              <a:ext uri="{FF2B5EF4-FFF2-40B4-BE49-F238E27FC236}">
-                <a16:creationId xmlns:a16="http://schemas.microsoft.com/office/drawing/2014/main" id="{B22E4A41-0E8D-274C-86D0-EF511E074246}"/>
-              </a:ext>
-            </a:extLst>
-          </p:cNvPr>
-          <p:cNvSpPr/>
+              <a:t>相互之间存在一种或者多种关系的数据元素的集合</a:t>
+            </a:r>
+          </a:p>
+        </p:txBody>
+      </p:sp>
+      <p:sp>
+        <p:nvSpPr>
+          <p:cNvPr id="4" name="文本框 3">
+            <a:extLst>
+              <a:ext uri="{FF2B5EF4-FFF2-40B4-BE49-F238E27FC236}">
+                <a16:creationId xmlns:a16="http://schemas.microsoft.com/office/drawing/2014/main" id="{5B13A0DF-C087-3646-9689-6CBFDDE40FED}"/>
+              </a:ext>
+            </a:extLst>
+          </p:cNvPr>
+          <p:cNvSpPr txBox="1"/>
           <p:nvPr/>
         </p:nvSpPr>
         <p:spPr>
           <a:xfrm>
-            <a:off x="7102549" y="2033833"/>
-            <a:ext cx="4104167" cy="4104167"/>
-          </a:xfrm>
-          <a:prstGeom prst="ellipse">
-            <a:avLst/>
-          </a:prstGeom>
-          <a:noFill/>
-        </p:spPr>
-        <p:style>
-          <a:lnRef idx="2">
-            <a:schemeClr val="accent1">
-              <a:shade val="50000"/>
-            </a:schemeClr>
-          </a:lnRef>
-          <a:fillRef idx="1">
-            <a:schemeClr val="accent1"/>
-          </a:fillRef>
-          <a:effectRef idx="0">
-            <a:schemeClr val="accent1"/>
-          </a:effectRef>
-          <a:fontRef idx="minor">
-            <a:schemeClr val="lt1"/>
-          </a:fontRef>
-        </p:style>
-        <p:txBody>
-          <a:bodyPr rtlCol="0" anchor="ctr"/>
-          <a:lstStyle/>
-          <a:p>
-            <a:pPr algn="ctr"/>
-            <a:endParaRPr kumimoji="1" lang="zh-CN" altLang="en-US"/>
-          </a:p>
-        </p:txBody>
-      </p:sp>
-      <p:sp>
-        <p:nvSpPr>
-          <p:cNvPr id="13" name="椭圆 12">
-            <a:extLst>
-              <a:ext uri="{FF2B5EF4-FFF2-40B4-BE49-F238E27FC236}">
-                <a16:creationId xmlns:a16="http://schemas.microsoft.com/office/drawing/2014/main" id="{F7DB0991-7700-0F4E-9D9C-031425A87902}"/>
-              </a:ext>
-            </a:extLst>
-          </p:cNvPr>
-          <p:cNvSpPr/>
-          <p:nvPr/>
-        </p:nvSpPr>
-        <p:spPr>
-          <a:xfrm>
-            <a:off x="8196593" y="2619239"/>
-            <a:ext cx="692497" cy="692497"/>
-          </a:xfrm>
-          <a:prstGeom prst="ellipse">
-            <a:avLst/>
-          </a:prstGeom>
-        </p:spPr>
-        <p:style>
-          <a:lnRef idx="2">
-            <a:schemeClr val="accent1">
-              <a:shade val="50000"/>
-            </a:schemeClr>
-          </a:lnRef>
-          <a:fillRef idx="1">
-            <a:schemeClr val="accent1"/>
-          </a:fillRef>
-          <a:effectRef idx="0">
-            <a:schemeClr val="accent1"/>
-          </a:effectRef>
-          <a:fontRef idx="minor">
-            <a:schemeClr val="lt1"/>
-          </a:fontRef>
-        </p:style>
-        <p:txBody>
-          <a:bodyPr rtlCol="0" anchor="ctr"/>
-          <a:lstStyle/>
-          <a:p>
-            <a:pPr algn="ctr"/>
-            <a:r>
-              <a:rPr kumimoji="1" lang="en-US" altLang="zh-CN" dirty="0"/>
-              <a:t>1</a:t>
-            </a:r>
-            <a:endParaRPr kumimoji="1" lang="zh-CN" altLang="en-US" dirty="0"/>
-          </a:p>
-        </p:txBody>
-      </p:sp>
-      <p:sp>
-        <p:nvSpPr>
-          <p:cNvPr id="14" name="椭圆 13">
-            <a:extLst>
-              <a:ext uri="{FF2B5EF4-FFF2-40B4-BE49-F238E27FC236}">
-                <a16:creationId xmlns:a16="http://schemas.microsoft.com/office/drawing/2014/main" id="{D29DF7DB-5294-C54A-80C5-E18C7CBE5AB2}"/>
-              </a:ext>
-            </a:extLst>
-          </p:cNvPr>
-          <p:cNvSpPr/>
-          <p:nvPr/>
-        </p:nvSpPr>
-        <p:spPr>
-          <a:xfrm>
-            <a:off x="7728489" y="3739667"/>
-            <a:ext cx="692497" cy="692497"/>
-          </a:xfrm>
-          <a:prstGeom prst="ellipse">
-            <a:avLst/>
-          </a:prstGeom>
-        </p:spPr>
-        <p:style>
-          <a:lnRef idx="2">
-            <a:schemeClr val="accent1">
-              <a:shade val="50000"/>
-            </a:schemeClr>
-          </a:lnRef>
-          <a:fillRef idx="1">
-            <a:schemeClr val="accent1"/>
-          </a:fillRef>
-          <a:effectRef idx="0">
-            <a:schemeClr val="accent1"/>
-          </a:effectRef>
-          <a:fontRef idx="minor">
-            <a:schemeClr val="lt1"/>
-          </a:fontRef>
-        </p:style>
-        <p:txBody>
-          <a:bodyPr rtlCol="0" anchor="ctr"/>
-          <a:lstStyle/>
-          <a:p>
-            <a:pPr algn="ctr"/>
-            <a:r>
-              <a:rPr kumimoji="1" lang="en-US" altLang="zh-CN" dirty="0"/>
-              <a:t>7</a:t>
-            </a:r>
-            <a:endParaRPr kumimoji="1" lang="zh-CN" altLang="en-US" dirty="0"/>
-          </a:p>
-        </p:txBody>
-      </p:sp>
-      <p:sp>
-        <p:nvSpPr>
-          <p:cNvPr id="15" name="椭圆 14">
-            <a:extLst>
-              <a:ext uri="{FF2B5EF4-FFF2-40B4-BE49-F238E27FC236}">
-                <a16:creationId xmlns:a16="http://schemas.microsoft.com/office/drawing/2014/main" id="{ACD4E9B7-F3D1-0D4B-B204-C2036091C4D6}"/>
-              </a:ext>
-            </a:extLst>
-          </p:cNvPr>
-          <p:cNvSpPr/>
-          <p:nvPr/>
-        </p:nvSpPr>
-        <p:spPr>
-          <a:xfrm>
-            <a:off x="8352264" y="4736584"/>
-            <a:ext cx="692497" cy="692497"/>
-          </a:xfrm>
-          <a:prstGeom prst="ellipse">
-            <a:avLst/>
-          </a:prstGeom>
-        </p:spPr>
-        <p:style>
-          <a:lnRef idx="2">
-            <a:schemeClr val="accent1">
-              <a:shade val="50000"/>
-            </a:schemeClr>
-          </a:lnRef>
-          <a:fillRef idx="1">
-            <a:schemeClr val="accent1"/>
-          </a:fillRef>
-          <a:effectRef idx="0">
-            <a:schemeClr val="accent1"/>
-          </a:effectRef>
-          <a:fontRef idx="minor">
-            <a:schemeClr val="lt1"/>
-          </a:fontRef>
-        </p:style>
-        <p:txBody>
-          <a:bodyPr rtlCol="0" anchor="ctr"/>
-          <a:lstStyle/>
-          <a:p>
-            <a:pPr algn="ctr"/>
-            <a:r>
-              <a:rPr kumimoji="1" lang="en-US" altLang="zh-CN" dirty="0"/>
-              <a:t>3</a:t>
-            </a:r>
-            <a:endParaRPr kumimoji="1" lang="zh-CN" altLang="en-US" dirty="0"/>
-          </a:p>
-        </p:txBody>
-      </p:sp>
-      <p:sp>
-        <p:nvSpPr>
-          <p:cNvPr id="16" name="椭圆 15">
-            <a:extLst>
-              <a:ext uri="{FF2B5EF4-FFF2-40B4-BE49-F238E27FC236}">
-                <a16:creationId xmlns:a16="http://schemas.microsoft.com/office/drawing/2014/main" id="{695AEB77-6002-0B4A-AAEE-A4EC2492A1AF}"/>
-              </a:ext>
-            </a:extLst>
-          </p:cNvPr>
-          <p:cNvSpPr/>
-          <p:nvPr/>
-        </p:nvSpPr>
-        <p:spPr>
-          <a:xfrm>
-            <a:off x="9467602" y="2560519"/>
-            <a:ext cx="692497" cy="692497"/>
-          </a:xfrm>
-          <a:prstGeom prst="ellipse">
-            <a:avLst/>
-          </a:prstGeom>
-        </p:spPr>
-        <p:style>
-          <a:lnRef idx="2">
-            <a:schemeClr val="accent1">
-              <a:shade val="50000"/>
-            </a:schemeClr>
-          </a:lnRef>
-          <a:fillRef idx="1">
-            <a:schemeClr val="accent1"/>
-          </a:fillRef>
-          <a:effectRef idx="0">
-            <a:schemeClr val="accent1"/>
-          </a:effectRef>
-          <a:fontRef idx="minor">
-            <a:schemeClr val="lt1"/>
-          </a:fontRef>
-        </p:style>
-        <p:txBody>
-          <a:bodyPr rtlCol="0" anchor="ctr"/>
-          <a:lstStyle/>
-          <a:p>
-            <a:pPr algn="ctr"/>
-            <a:r>
-              <a:rPr kumimoji="1" lang="en-US" altLang="zh-CN" dirty="0"/>
-              <a:t>2</a:t>
-            </a:r>
-            <a:endParaRPr kumimoji="1" lang="zh-CN" altLang="en-US" dirty="0"/>
-          </a:p>
-        </p:txBody>
-      </p:sp>
-      <p:sp>
-        <p:nvSpPr>
-          <p:cNvPr id="17" name="椭圆 16">
-            <a:extLst>
-              <a:ext uri="{FF2B5EF4-FFF2-40B4-BE49-F238E27FC236}">
-                <a16:creationId xmlns:a16="http://schemas.microsoft.com/office/drawing/2014/main" id="{76902768-67A8-7B44-A446-C08021D93C29}"/>
-              </a:ext>
-            </a:extLst>
-          </p:cNvPr>
-          <p:cNvSpPr/>
-          <p:nvPr/>
-        </p:nvSpPr>
-        <p:spPr>
-          <a:xfrm>
-            <a:off x="9601230" y="4649449"/>
-            <a:ext cx="692497" cy="692497"/>
-          </a:xfrm>
-          <a:prstGeom prst="ellipse">
-            <a:avLst/>
-          </a:prstGeom>
-        </p:spPr>
-        <p:style>
-          <a:lnRef idx="2">
-            <a:schemeClr val="accent1">
-              <a:shade val="50000"/>
-            </a:schemeClr>
-          </a:lnRef>
-          <a:fillRef idx="1">
-            <a:schemeClr val="accent1"/>
-          </a:fillRef>
-          <a:effectRef idx="0">
-            <a:schemeClr val="accent1"/>
-          </a:effectRef>
-          <a:fontRef idx="minor">
-            <a:schemeClr val="lt1"/>
-          </a:fontRef>
-        </p:style>
-        <p:txBody>
-          <a:bodyPr rtlCol="0" anchor="ctr"/>
-          <a:lstStyle/>
-          <a:p>
-            <a:pPr algn="ctr"/>
-            <a:r>
-              <a:rPr kumimoji="1" lang="en-US" altLang="zh-CN" dirty="0"/>
-              <a:t>4</a:t>
-            </a:r>
-            <a:endParaRPr kumimoji="1" lang="zh-CN" altLang="en-US" dirty="0"/>
-          </a:p>
-        </p:txBody>
-      </p:sp>
-      <p:sp>
-        <p:nvSpPr>
-          <p:cNvPr id="18" name="椭圆 17">
-            <a:extLst>
-              <a:ext uri="{FF2B5EF4-FFF2-40B4-BE49-F238E27FC236}">
-                <a16:creationId xmlns:a16="http://schemas.microsoft.com/office/drawing/2014/main" id="{7E182D15-68AB-5145-A6BD-99289AB34A98}"/>
-              </a:ext>
-            </a:extLst>
-          </p:cNvPr>
-          <p:cNvSpPr/>
-          <p:nvPr/>
-        </p:nvSpPr>
-        <p:spPr>
-          <a:xfrm>
-            <a:off x="9966523" y="3604984"/>
-            <a:ext cx="692497" cy="692497"/>
-          </a:xfrm>
-          <a:prstGeom prst="ellipse">
-            <a:avLst/>
-          </a:prstGeom>
-        </p:spPr>
-        <p:style>
-          <a:lnRef idx="2">
-            <a:schemeClr val="accent1">
-              <a:shade val="50000"/>
-            </a:schemeClr>
-          </a:lnRef>
-          <a:fillRef idx="1">
-            <a:schemeClr val="accent1"/>
-          </a:fillRef>
-          <a:effectRef idx="0">
-            <a:schemeClr val="accent1"/>
-          </a:effectRef>
-          <a:fontRef idx="minor">
-            <a:schemeClr val="lt1"/>
-          </a:fontRef>
-        </p:style>
-        <p:txBody>
-          <a:bodyPr rtlCol="0" anchor="ctr"/>
-          <a:lstStyle/>
-          <a:p>
-            <a:pPr algn="ctr"/>
-            <a:r>
-              <a:rPr kumimoji="1" lang="en-US" altLang="zh-CN" dirty="0"/>
-              <a:t>5</a:t>
-            </a:r>
-            <a:endParaRPr kumimoji="1" lang="zh-CN" altLang="en-US" dirty="0"/>
-          </a:p>
-        </p:txBody>
-      </p:sp>
-      <p:sp>
-        <p:nvSpPr>
-          <p:cNvPr id="19" name="椭圆 18">
-            <a:extLst>
-              <a:ext uri="{FF2B5EF4-FFF2-40B4-BE49-F238E27FC236}">
-                <a16:creationId xmlns:a16="http://schemas.microsoft.com/office/drawing/2014/main" id="{7560EAD8-8672-0548-88A6-9F80473069B0}"/>
-              </a:ext>
-            </a:extLst>
-          </p:cNvPr>
-          <p:cNvSpPr/>
-          <p:nvPr/>
-        </p:nvSpPr>
-        <p:spPr>
-          <a:xfrm>
-            <a:off x="8821588" y="3616156"/>
-            <a:ext cx="692497" cy="692497"/>
-          </a:xfrm>
-          <a:prstGeom prst="ellipse">
-            <a:avLst/>
-          </a:prstGeom>
-        </p:spPr>
-        <p:style>
-          <a:lnRef idx="2">
-            <a:schemeClr val="accent1">
-              <a:shade val="50000"/>
-            </a:schemeClr>
-          </a:lnRef>
-          <a:fillRef idx="1">
-            <a:schemeClr val="accent1"/>
-          </a:fillRef>
-          <a:effectRef idx="0">
-            <a:schemeClr val="accent1"/>
-          </a:effectRef>
-          <a:fontRef idx="minor">
-            <a:schemeClr val="lt1"/>
-          </a:fontRef>
-        </p:style>
-        <p:txBody>
-          <a:bodyPr rtlCol="0" anchor="ctr"/>
-          <a:lstStyle/>
-          <a:p>
-            <a:pPr algn="ctr"/>
-            <a:r>
-              <a:rPr kumimoji="1" lang="en-US" altLang="zh-CN" dirty="0"/>
-              <a:t>6</a:t>
-            </a:r>
-            <a:endParaRPr kumimoji="1" lang="zh-CN" altLang="en-US" dirty="0"/>
-          </a:p>
-        </p:txBody>
-      </p:sp>
-      <p:sp>
-        <p:nvSpPr>
-          <p:cNvPr id="20" name="文本框 19">
-            <a:extLst>
-              <a:ext uri="{FF2B5EF4-FFF2-40B4-BE49-F238E27FC236}">
-                <a16:creationId xmlns:a16="http://schemas.microsoft.com/office/drawing/2014/main" id="{868BBC7D-691C-794A-8C5B-601C1119CBA3}"/>
-              </a:ext>
-            </a:extLst>
-          </p:cNvPr>
-          <p:cNvSpPr txBox="1"/>
-          <p:nvPr/>
-        </p:nvSpPr>
-        <p:spPr>
-          <a:xfrm>
-            <a:off x="1060316" y="4736584"/>
-            <a:ext cx="5558572" cy="954107"/>
+            <a:off x="1060316" y="4634331"/>
+            <a:ext cx="9271592" cy="1384995"/>
           </a:xfrm>
           <a:prstGeom prst="rect">
             <a:avLst/>
@@ -6918,90 +6646,117 @@
           </a:bodyPr>
           <a:lstStyle/>
           <a:p>
+            <a:pPr marL="457200" indent="-457200">
+              <a:buFont typeface="Wingdings" pitchFamily="2" charset="2"/>
+              <a:buChar char="Ø"/>
+            </a:pPr>
             <a:r>
               <a:rPr kumimoji="1" lang="zh-CN" altLang="en-US" sz="2800" dirty="0">
                 <a:latin typeface="Microsoft YaHei" panose="020B0503020204020204" pitchFamily="34" charset="-122"/>
                 <a:ea typeface="Microsoft YaHei" panose="020B0503020204020204" pitchFamily="34" charset="-122"/>
               </a:rPr>
-              <a:t>公交车上的乘客</a:t>
+              <a:t>所有同学组成的我们医信</a:t>
             </a:r>
             <a:r>
               <a:rPr kumimoji="1" lang="en-US" altLang="zh-CN" sz="2800" dirty="0">
                 <a:latin typeface="Microsoft YaHei" panose="020B0503020204020204" pitchFamily="34" charset="-122"/>
                 <a:ea typeface="Microsoft YaHei" panose="020B0503020204020204" pitchFamily="34" charset="-122"/>
               </a:rPr>
-              <a:t>(</a:t>
+              <a:t>1901</a:t>
             </a:r>
             <a:r>
               <a:rPr kumimoji="1" lang="zh-CN" altLang="en-US" sz="2800" dirty="0">
                 <a:latin typeface="Microsoft YaHei" panose="020B0503020204020204" pitchFamily="34" charset="-122"/>
                 <a:ea typeface="Microsoft YaHei" panose="020B0503020204020204" pitchFamily="34" charset="-122"/>
               </a:rPr>
-              <a:t>假设他们彼此不认识</a:t>
-            </a:r>
-            <a:r>
-              <a:rPr kumimoji="1" lang="en-US" altLang="zh-CN" sz="2800" dirty="0">
-                <a:latin typeface="Microsoft YaHei" panose="020B0503020204020204" pitchFamily="34" charset="-122"/>
-                <a:ea typeface="Microsoft YaHei" panose="020B0503020204020204" pitchFamily="34" charset="-122"/>
-              </a:rPr>
-              <a:t>)</a:t>
-            </a:r>
-            <a:endParaRPr kumimoji="1" lang="zh-CN" altLang="en-US" sz="2800" dirty="0">
+              <a:t>班</a:t>
+            </a:r>
+            <a:endParaRPr kumimoji="1" lang="en-US" altLang="zh-CN" sz="2800" dirty="0">
               <a:latin typeface="Microsoft YaHei" panose="020B0503020204020204" pitchFamily="34" charset="-122"/>
               <a:ea typeface="Microsoft YaHei" panose="020B0503020204020204" pitchFamily="34" charset="-122"/>
             </a:endParaRPr>
           </a:p>
-        </p:txBody>
-      </p:sp>
-      <p:cxnSp>
-        <p:nvCxnSpPr>
-          <p:cNvPr id="24" name="直线连接符 23">
-            <a:extLst>
-              <a:ext uri="{FF2B5EF4-FFF2-40B4-BE49-F238E27FC236}">
-                <a16:creationId xmlns:a16="http://schemas.microsoft.com/office/drawing/2014/main" id="{EDD751B5-5FE5-1648-8324-D07DD55BFDEE}"/>
-              </a:ext>
-            </a:extLst>
-          </p:cNvPr>
-          <p:cNvCxnSpPr/>
+          <a:p>
+            <a:pPr marL="457200" indent="-457200">
+              <a:buFont typeface="Wingdings" pitchFamily="2" charset="2"/>
+              <a:buChar char="Ø"/>
+            </a:pPr>
+            <a:r>
+              <a:rPr kumimoji="1" lang="zh-CN" altLang="en-US" sz="2800" dirty="0">
+                <a:latin typeface="Microsoft YaHei" panose="020B0503020204020204" pitchFamily="34" charset="-122"/>
+                <a:ea typeface="Microsoft YaHei" panose="020B0503020204020204" pitchFamily="34" charset="-122"/>
+              </a:rPr>
+              <a:t>以各个元器件为元素组成的电脑</a:t>
+            </a:r>
+            <a:endParaRPr kumimoji="1" lang="en-US" altLang="zh-CN" sz="2800" dirty="0">
+              <a:latin typeface="Microsoft YaHei" panose="020B0503020204020204" pitchFamily="34" charset="-122"/>
+              <a:ea typeface="Microsoft YaHei" panose="020B0503020204020204" pitchFamily="34" charset="-122"/>
+            </a:endParaRPr>
+          </a:p>
+          <a:p>
+            <a:pPr marL="457200" indent="-457200">
+              <a:buFont typeface="Wingdings" pitchFamily="2" charset="2"/>
+              <a:buChar char="Ø"/>
+            </a:pPr>
+            <a:r>
+              <a:rPr kumimoji="1" lang="zh-CN" altLang="en-US" sz="2800" dirty="0">
+                <a:latin typeface="Microsoft YaHei" panose="020B0503020204020204" pitchFamily="34" charset="-122"/>
+                <a:ea typeface="Microsoft YaHei" panose="020B0503020204020204" pitchFamily="34" charset="-122"/>
+              </a:rPr>
+              <a:t>你所认识的朋友的关系网络</a:t>
+            </a:r>
+          </a:p>
+        </p:txBody>
+      </p:sp>
+      <p:sp>
+        <p:nvSpPr>
+          <p:cNvPr id="5" name="文本框 4">
+            <a:extLst>
+              <a:ext uri="{FF2B5EF4-FFF2-40B4-BE49-F238E27FC236}">
+                <a16:creationId xmlns:a16="http://schemas.microsoft.com/office/drawing/2014/main" id="{3CCEBA86-89F6-AC48-BA4E-FAE56B3CD8C5}"/>
+              </a:ext>
+            </a:extLst>
+          </p:cNvPr>
+          <p:cNvSpPr txBox="1"/>
           <p:nvPr/>
-        </p:nvCxnSpPr>
+        </p:nvSpPr>
         <p:spPr>
           <a:xfrm>
-            <a:off x="6438819" y="2965487"/>
-            <a:ext cx="0" cy="2648504"/>
+            <a:off x="540000" y="3960000"/>
+            <a:ext cx="1070042" cy="542675"/>
           </a:xfrm>
-          <a:prstGeom prst="line">
+          <a:prstGeom prst="rect">
             <a:avLst/>
           </a:prstGeom>
-          <a:ln w="25400">
-            <a:solidFill>
-              <a:schemeClr val="bg1">
-                <a:lumMod val="75000"/>
-              </a:schemeClr>
-            </a:solidFill>
-          </a:ln>
+          <a:solidFill>
+            <a:schemeClr val="accent2"/>
+          </a:solidFill>
         </p:spPr>
-        <p:style>
-          <a:lnRef idx="1">
-            <a:schemeClr val="accent1"/>
-          </a:lnRef>
-          <a:fillRef idx="0">
-            <a:schemeClr val="accent1"/>
-          </a:fillRef>
-          <a:effectRef idx="0">
-            <a:schemeClr val="accent1"/>
-          </a:effectRef>
-          <a:fontRef idx="minor">
-            <a:schemeClr val="tx1"/>
-          </a:fontRef>
-        </p:style>
-      </p:cxnSp>
-      <p:sp>
-        <p:nvSpPr>
-          <p:cNvPr id="3" name="文本框 2">
-            <a:extLst>
-              <a:ext uri="{FF2B5EF4-FFF2-40B4-BE49-F238E27FC236}">
-                <a16:creationId xmlns:a16="http://schemas.microsoft.com/office/drawing/2014/main" id="{C46E39FF-6C96-3F4A-9006-82A11DB80257}"/>
+        <p:txBody>
+          <a:bodyPr wrap="square" rtlCol="0">
+            <a:spAutoFit/>
+          </a:bodyPr>
+          <a:lstStyle/>
+          <a:p>
+            <a:r>
+              <a:rPr kumimoji="1" lang="zh-CN" altLang="en-US" sz="2800" dirty="0">
+                <a:solidFill>
+                  <a:schemeClr val="bg1"/>
+                </a:solidFill>
+                <a:latin typeface="Microsoft YaHei" panose="020B0503020204020204" pitchFamily="34" charset="-122"/>
+                <a:ea typeface="Microsoft YaHei" panose="020B0503020204020204" pitchFamily="34" charset="-122"/>
+              </a:rPr>
+              <a:t>例子</a:t>
+            </a:r>
+          </a:p>
+        </p:txBody>
+      </p:sp>
+      <p:sp>
+        <p:nvSpPr>
+          <p:cNvPr id="6" name="文本框 5">
+            <a:extLst>
+              <a:ext uri="{FF2B5EF4-FFF2-40B4-BE49-F238E27FC236}">
+                <a16:creationId xmlns:a16="http://schemas.microsoft.com/office/drawing/2014/main" id="{202584A8-4723-3F49-A359-94E250841FE4}"/>
               </a:ext>
             </a:extLst>
           </p:cNvPr>
@@ -7039,53 +6794,10 @@
           </a:p>
         </p:txBody>
       </p:sp>
-      <p:sp>
-        <p:nvSpPr>
-          <p:cNvPr id="21" name="文本框 20">
-            <a:extLst>
-              <a:ext uri="{FF2B5EF4-FFF2-40B4-BE49-F238E27FC236}">
-                <a16:creationId xmlns:a16="http://schemas.microsoft.com/office/drawing/2014/main" id="{D7FA2ACC-6A32-D847-B638-40BC77891D9C}"/>
-              </a:ext>
-            </a:extLst>
-          </p:cNvPr>
-          <p:cNvSpPr txBox="1"/>
-          <p:nvPr/>
-        </p:nvSpPr>
-        <p:spPr>
-          <a:xfrm>
-            <a:off x="540000" y="3960000"/>
-            <a:ext cx="1070042" cy="542675"/>
-          </a:xfrm>
-          <a:prstGeom prst="rect">
-            <a:avLst/>
-          </a:prstGeom>
-          <a:solidFill>
-            <a:schemeClr val="accent2"/>
-          </a:solidFill>
-        </p:spPr>
-        <p:txBody>
-          <a:bodyPr wrap="square" rtlCol="0">
-            <a:spAutoFit/>
-          </a:bodyPr>
-          <a:lstStyle/>
-          <a:p>
-            <a:r>
-              <a:rPr kumimoji="1" lang="zh-CN" altLang="en-US" sz="2800" dirty="0">
-                <a:solidFill>
-                  <a:schemeClr val="bg1"/>
-                </a:solidFill>
-                <a:latin typeface="Microsoft YaHei" panose="020B0503020204020204" pitchFamily="34" charset="-122"/>
-                <a:ea typeface="Microsoft YaHei" panose="020B0503020204020204" pitchFamily="34" charset="-122"/>
-              </a:rPr>
-              <a:t>例子</a:t>
-            </a:r>
-          </a:p>
-        </p:txBody>
-      </p:sp>
     </p:spTree>
     <p:extLst>
       <p:ext uri="{BB962C8B-B14F-4D97-AF65-F5344CB8AC3E}">
-        <p14:creationId xmlns:p14="http://schemas.microsoft.com/office/powerpoint/2010/main" val="3494705467"/>
+        <p14:creationId xmlns:p14="http://schemas.microsoft.com/office/powerpoint/2010/main" val="1850266317"/>
       </p:ext>
     </p:extLst>
   </p:cSld>
@@ -7135,1499 +6847,6 @@
         </p:nvSpPr>
         <p:spPr>
           <a:xfrm>
-            <a:off x="2520000" y="720000"/>
-            <a:ext cx="7735824" cy="830997"/>
-          </a:xfrm>
-          <a:prstGeom prst="rect">
-            <a:avLst/>
-          </a:prstGeom>
-          <a:noFill/>
-        </p:spPr>
-        <p:txBody>
-          <a:bodyPr wrap="square" rtlCol="0">
-            <a:spAutoFit/>
-          </a:bodyPr>
-          <a:lstStyle/>
-          <a:p>
-            <a:pPr marL="0" marR="0" lvl="0" indent="0" algn="ctr" defTabSz="914400" rtl="0" eaLnBrk="1" fontAlgn="auto" latinLnBrk="0" hangingPunct="1">
-              <a:lnSpc>
-                <a:spcPct val="100000"/>
-              </a:lnSpc>
-              <a:spcBef>
-                <a:spcPts val="0"/>
-              </a:spcBef>
-              <a:spcAft>
-                <a:spcPts val="0"/>
-              </a:spcAft>
-              <a:buClrTx/>
-              <a:buSzTx/>
-              <a:buFontTx/>
-              <a:buNone/>
-              <a:tabLst/>
-              <a:defRPr/>
-            </a:pPr>
-            <a:r>
-              <a:rPr kumimoji="0" lang="en-US" altLang="zh-CN" sz="4800" b="0" i="0" u="none" strike="noStrike" kern="1200" cap="none" spc="0" normalizeH="0" baseline="0" noProof="0" dirty="0">
-                <a:ln>
-                  <a:noFill/>
-                </a:ln>
-                <a:solidFill>
-                  <a:prstClr val="black"/>
-                </a:solidFill>
-                <a:effectLst/>
-                <a:uLnTx/>
-                <a:uFillTx/>
-                <a:latin typeface="Microsoft YaHei" panose="020B0503020204020204" pitchFamily="34" charset="-122"/>
-                <a:ea typeface="Microsoft YaHei" panose="020B0503020204020204" pitchFamily="34" charset="-122"/>
-                <a:cs typeface="+mn-cs"/>
-              </a:rPr>
-              <a:t>8.Java</a:t>
-            </a:r>
-            <a:r>
-              <a:rPr kumimoji="0" lang="zh-CN" altLang="en-US" sz="4800" b="0" i="0" u="none" strike="noStrike" kern="1200" cap="none" spc="0" normalizeH="0" baseline="0" noProof="0" dirty="0">
-                <a:ln>
-                  <a:noFill/>
-                </a:ln>
-                <a:solidFill>
-                  <a:prstClr val="black"/>
-                </a:solidFill>
-                <a:effectLst/>
-                <a:uLnTx/>
-                <a:uFillTx/>
-                <a:latin typeface="Microsoft YaHei" panose="020B0503020204020204" pitchFamily="34" charset="-122"/>
-                <a:ea typeface="Microsoft YaHei" panose="020B0503020204020204" pitchFamily="34" charset="-122"/>
-                <a:cs typeface="+mn-cs"/>
-              </a:rPr>
-              <a:t>的一些规范</a:t>
-            </a:r>
-            <a:endParaRPr kumimoji="1" lang="zh-CN" altLang="en-US" sz="4800" b="0" i="0" u="none" strike="noStrike" kern="1200" cap="none" spc="0" normalizeH="0" baseline="0" noProof="0" dirty="0">
-              <a:ln>
-                <a:noFill/>
-              </a:ln>
-              <a:solidFill>
-                <a:prstClr val="black"/>
-              </a:solidFill>
-              <a:effectLst/>
-              <a:uLnTx/>
-              <a:uFillTx/>
-              <a:latin typeface="Microsoft YaHei" panose="020B0503020204020204" pitchFamily="34" charset="-122"/>
-              <a:ea typeface="Microsoft YaHei" panose="020B0503020204020204" pitchFamily="34" charset="-122"/>
-              <a:cs typeface="+mn-cs"/>
-            </a:endParaRPr>
-          </a:p>
-        </p:txBody>
-      </p:sp>
-      <p:sp>
-        <p:nvSpPr>
-          <p:cNvPr id="7" name="文本框 6">
-            <a:extLst>
-              <a:ext uri="{FF2B5EF4-FFF2-40B4-BE49-F238E27FC236}">
-                <a16:creationId xmlns:a16="http://schemas.microsoft.com/office/drawing/2014/main" id="{8C1DD6AB-C2EE-9149-BB47-64458F4E6E15}"/>
-              </a:ext>
-            </a:extLst>
-          </p:cNvPr>
-          <p:cNvSpPr txBox="1"/>
-          <p:nvPr/>
-        </p:nvSpPr>
-        <p:spPr>
-          <a:xfrm>
-            <a:off x="1053068" y="2735580"/>
-            <a:ext cx="4883888" cy="523220"/>
-          </a:xfrm>
-          <a:prstGeom prst="rect">
-            <a:avLst/>
-          </a:prstGeom>
-          <a:noFill/>
-        </p:spPr>
-        <p:txBody>
-          <a:bodyPr wrap="square" rtlCol="0">
-            <a:spAutoFit/>
-          </a:bodyPr>
-          <a:lstStyle/>
-          <a:p>
-            <a:pPr marL="0" marR="0" lvl="0" indent="0" algn="l" defTabSz="914400" rtl="0" eaLnBrk="1" fontAlgn="auto" latinLnBrk="0" hangingPunct="1">
-              <a:lnSpc>
-                <a:spcPct val="100000"/>
-              </a:lnSpc>
-              <a:spcBef>
-                <a:spcPts val="0"/>
-              </a:spcBef>
-              <a:spcAft>
-                <a:spcPts val="0"/>
-              </a:spcAft>
-              <a:buClrTx/>
-              <a:buSzTx/>
-              <a:buFontTx/>
-              <a:buNone/>
-              <a:tabLst/>
-              <a:defRPr/>
-            </a:pPr>
-            <a:r>
-              <a:rPr kumimoji="1" lang="zh-CN" altLang="en-US" sz="2800" b="0" i="0" u="none" strike="noStrike" kern="1200" cap="none" spc="0" normalizeH="0" baseline="0" noProof="0" dirty="0">
-                <a:ln>
-                  <a:noFill/>
-                </a:ln>
-                <a:solidFill>
-                  <a:prstClr val="black"/>
-                </a:solidFill>
-                <a:effectLst/>
-                <a:uLnTx/>
-                <a:uFillTx/>
-                <a:latin typeface="Microsoft YaHei" panose="020B0503020204020204" pitchFamily="34" charset="-122"/>
-                <a:ea typeface="Microsoft YaHei" panose="020B0503020204020204" pitchFamily="34" charset="-122"/>
-                <a:cs typeface="+mn-cs"/>
-              </a:rPr>
-              <a:t>元素一对一的关系</a:t>
-            </a:r>
-          </a:p>
-        </p:txBody>
-      </p:sp>
-      <p:sp>
-        <p:nvSpPr>
-          <p:cNvPr id="3" name="圆角矩形 2">
-            <a:extLst>
-              <a:ext uri="{FF2B5EF4-FFF2-40B4-BE49-F238E27FC236}">
-                <a16:creationId xmlns:a16="http://schemas.microsoft.com/office/drawing/2014/main" id="{19490AE7-2CA5-5742-BBC5-CC4EC40E0105}"/>
-              </a:ext>
-            </a:extLst>
-          </p:cNvPr>
-          <p:cNvSpPr/>
-          <p:nvPr/>
-        </p:nvSpPr>
-        <p:spPr>
-          <a:xfrm>
-            <a:off x="7212423" y="2550495"/>
-            <a:ext cx="552893" cy="552893"/>
-          </a:xfrm>
-          <a:prstGeom prst="roundRect">
-            <a:avLst/>
-          </a:prstGeom>
-        </p:spPr>
-        <p:style>
-          <a:lnRef idx="2">
-            <a:schemeClr val="accent1">
-              <a:shade val="50000"/>
-            </a:schemeClr>
-          </a:lnRef>
-          <a:fillRef idx="1">
-            <a:schemeClr val="accent1"/>
-          </a:fillRef>
-          <a:effectRef idx="0">
-            <a:schemeClr val="accent1"/>
-          </a:effectRef>
-          <a:fontRef idx="minor">
-            <a:schemeClr val="lt1"/>
-          </a:fontRef>
-        </p:style>
-        <p:txBody>
-          <a:bodyPr rtlCol="0" anchor="ctr"/>
-          <a:lstStyle/>
-          <a:p>
-            <a:pPr marL="0" marR="0" lvl="0" indent="0" algn="ctr" defTabSz="914400" rtl="0" eaLnBrk="1" fontAlgn="auto" latinLnBrk="0" hangingPunct="1">
-              <a:lnSpc>
-                <a:spcPct val="100000"/>
-              </a:lnSpc>
-              <a:spcBef>
-                <a:spcPts val="0"/>
-              </a:spcBef>
-              <a:spcAft>
-                <a:spcPts val="0"/>
-              </a:spcAft>
-              <a:buClrTx/>
-              <a:buSzTx/>
-              <a:buFontTx/>
-              <a:buNone/>
-              <a:tabLst/>
-              <a:defRPr/>
-            </a:pPr>
-            <a:r>
-              <a:rPr kumimoji="1" lang="en-US" altLang="zh-CN" sz="1800" b="0" i="0" u="none" strike="noStrike" kern="1200" cap="none" spc="0" normalizeH="0" baseline="0" noProof="0" dirty="0">
-                <a:ln>
-                  <a:noFill/>
-                </a:ln>
-                <a:solidFill>
-                  <a:prstClr val="white"/>
-                </a:solidFill>
-                <a:effectLst/>
-                <a:uLnTx/>
-                <a:uFillTx/>
-                <a:latin typeface="等线" panose="020F0502020204030204"/>
-                <a:ea typeface="等线" panose="02010600030101010101" pitchFamily="2" charset="-122"/>
-                <a:cs typeface="+mn-cs"/>
-              </a:rPr>
-              <a:t>1</a:t>
-            </a:r>
-            <a:endParaRPr kumimoji="1" lang="zh-CN" altLang="en-US" sz="1800" b="0" i="0" u="none" strike="noStrike" kern="1200" cap="none" spc="0" normalizeH="0" baseline="0" noProof="0" dirty="0">
-              <a:ln>
-                <a:noFill/>
-              </a:ln>
-              <a:solidFill>
-                <a:prstClr val="white"/>
-              </a:solidFill>
-              <a:effectLst/>
-              <a:uLnTx/>
-              <a:uFillTx/>
-              <a:latin typeface="等线" panose="020F0502020204030204"/>
-              <a:ea typeface="等线" panose="02010600030101010101" pitchFamily="2" charset="-122"/>
-              <a:cs typeface="+mn-cs"/>
-            </a:endParaRPr>
-          </a:p>
-        </p:txBody>
-      </p:sp>
-      <p:sp>
-        <p:nvSpPr>
-          <p:cNvPr id="10" name="圆角矩形 9">
-            <a:extLst>
-              <a:ext uri="{FF2B5EF4-FFF2-40B4-BE49-F238E27FC236}">
-                <a16:creationId xmlns:a16="http://schemas.microsoft.com/office/drawing/2014/main" id="{DD7CEE69-3AB9-0043-9AF6-7880DFC1B62B}"/>
-              </a:ext>
-            </a:extLst>
-          </p:cNvPr>
-          <p:cNvSpPr/>
-          <p:nvPr/>
-        </p:nvSpPr>
-        <p:spPr>
-          <a:xfrm>
-            <a:off x="8405039" y="2563391"/>
-            <a:ext cx="552893" cy="552893"/>
-          </a:xfrm>
-          <a:prstGeom prst="roundRect">
-            <a:avLst/>
-          </a:prstGeom>
-        </p:spPr>
-        <p:style>
-          <a:lnRef idx="2">
-            <a:schemeClr val="accent1">
-              <a:shade val="50000"/>
-            </a:schemeClr>
-          </a:lnRef>
-          <a:fillRef idx="1">
-            <a:schemeClr val="accent1"/>
-          </a:fillRef>
-          <a:effectRef idx="0">
-            <a:schemeClr val="accent1"/>
-          </a:effectRef>
-          <a:fontRef idx="minor">
-            <a:schemeClr val="lt1"/>
-          </a:fontRef>
-        </p:style>
-        <p:txBody>
-          <a:bodyPr rtlCol="0" anchor="ctr"/>
-          <a:lstStyle/>
-          <a:p>
-            <a:pPr marL="0" marR="0" lvl="0" indent="0" algn="ctr" defTabSz="914400" rtl="0" eaLnBrk="1" fontAlgn="auto" latinLnBrk="0" hangingPunct="1">
-              <a:lnSpc>
-                <a:spcPct val="100000"/>
-              </a:lnSpc>
-              <a:spcBef>
-                <a:spcPts val="0"/>
-              </a:spcBef>
-              <a:spcAft>
-                <a:spcPts val="0"/>
-              </a:spcAft>
-              <a:buClrTx/>
-              <a:buSzTx/>
-              <a:buFontTx/>
-              <a:buNone/>
-              <a:tabLst/>
-              <a:defRPr/>
-            </a:pPr>
-            <a:r>
-              <a:rPr kumimoji="1" lang="en-US" altLang="zh-CN" sz="1800" b="0" i="0" u="none" strike="noStrike" kern="1200" cap="none" spc="0" normalizeH="0" baseline="0" noProof="0" dirty="0">
-                <a:ln>
-                  <a:noFill/>
-                </a:ln>
-                <a:solidFill>
-                  <a:prstClr val="white"/>
-                </a:solidFill>
-                <a:effectLst/>
-                <a:uLnTx/>
-                <a:uFillTx/>
-                <a:latin typeface="等线" panose="020F0502020204030204"/>
-                <a:ea typeface="等线" panose="02010600030101010101" pitchFamily="2" charset="-122"/>
-                <a:cs typeface="+mn-cs"/>
-              </a:rPr>
-              <a:t>2</a:t>
-            </a:r>
-            <a:endParaRPr kumimoji="1" lang="zh-CN" altLang="en-US" sz="1800" b="0" i="0" u="none" strike="noStrike" kern="1200" cap="none" spc="0" normalizeH="0" baseline="0" noProof="0" dirty="0">
-              <a:ln>
-                <a:noFill/>
-              </a:ln>
-              <a:solidFill>
-                <a:prstClr val="white"/>
-              </a:solidFill>
-              <a:effectLst/>
-              <a:uLnTx/>
-              <a:uFillTx/>
-              <a:latin typeface="等线" panose="020F0502020204030204"/>
-              <a:ea typeface="等线" panose="02010600030101010101" pitchFamily="2" charset="-122"/>
-              <a:cs typeface="+mn-cs"/>
-            </a:endParaRPr>
-          </a:p>
-        </p:txBody>
-      </p:sp>
-      <p:sp>
-        <p:nvSpPr>
-          <p:cNvPr id="12" name="圆角矩形 11">
-            <a:extLst>
-              <a:ext uri="{FF2B5EF4-FFF2-40B4-BE49-F238E27FC236}">
-                <a16:creationId xmlns:a16="http://schemas.microsoft.com/office/drawing/2014/main" id="{FA3802B9-724B-0F41-8B8B-671C2A50B0EA}"/>
-              </a:ext>
-            </a:extLst>
-          </p:cNvPr>
-          <p:cNvSpPr/>
-          <p:nvPr/>
-        </p:nvSpPr>
-        <p:spPr>
-          <a:xfrm>
-            <a:off x="10703441" y="2563391"/>
-            <a:ext cx="552893" cy="552893"/>
-          </a:xfrm>
-          <a:prstGeom prst="roundRect">
-            <a:avLst/>
-          </a:prstGeom>
-        </p:spPr>
-        <p:style>
-          <a:lnRef idx="2">
-            <a:schemeClr val="accent1">
-              <a:shade val="50000"/>
-            </a:schemeClr>
-          </a:lnRef>
-          <a:fillRef idx="1">
-            <a:schemeClr val="accent1"/>
-          </a:fillRef>
-          <a:effectRef idx="0">
-            <a:schemeClr val="accent1"/>
-          </a:effectRef>
-          <a:fontRef idx="minor">
-            <a:schemeClr val="lt1"/>
-          </a:fontRef>
-        </p:style>
-        <p:txBody>
-          <a:bodyPr rtlCol="0" anchor="ctr"/>
-          <a:lstStyle/>
-          <a:p>
-            <a:pPr marL="0" marR="0" lvl="0" indent="0" algn="ctr" defTabSz="914400" rtl="0" eaLnBrk="1" fontAlgn="auto" latinLnBrk="0" hangingPunct="1">
-              <a:lnSpc>
-                <a:spcPct val="100000"/>
-              </a:lnSpc>
-              <a:spcBef>
-                <a:spcPts val="0"/>
-              </a:spcBef>
-              <a:spcAft>
-                <a:spcPts val="0"/>
-              </a:spcAft>
-              <a:buClrTx/>
-              <a:buSzTx/>
-              <a:buFontTx/>
-              <a:buNone/>
-              <a:tabLst/>
-              <a:defRPr/>
-            </a:pPr>
-            <a:r>
-              <a:rPr kumimoji="1" lang="en-US" altLang="zh-CN" sz="1800" b="0" i="0" u="none" strike="noStrike" kern="1200" cap="none" spc="0" normalizeH="0" baseline="0" noProof="0" dirty="0">
-                <a:ln>
-                  <a:noFill/>
-                </a:ln>
-                <a:solidFill>
-                  <a:prstClr val="white"/>
-                </a:solidFill>
-                <a:effectLst/>
-                <a:uLnTx/>
-                <a:uFillTx/>
-                <a:latin typeface="等线" panose="020F0502020204030204"/>
-                <a:ea typeface="等线" panose="02010600030101010101" pitchFamily="2" charset="-122"/>
-                <a:cs typeface="+mn-cs"/>
-              </a:rPr>
-              <a:t>4</a:t>
-            </a:r>
-            <a:endParaRPr kumimoji="1" lang="zh-CN" altLang="en-US" sz="1800" b="0" i="0" u="none" strike="noStrike" kern="1200" cap="none" spc="0" normalizeH="0" baseline="0" noProof="0" dirty="0">
-              <a:ln>
-                <a:noFill/>
-              </a:ln>
-              <a:solidFill>
-                <a:prstClr val="white"/>
-              </a:solidFill>
-              <a:effectLst/>
-              <a:uLnTx/>
-              <a:uFillTx/>
-              <a:latin typeface="等线" panose="020F0502020204030204"/>
-              <a:ea typeface="等线" panose="02010600030101010101" pitchFamily="2" charset="-122"/>
-              <a:cs typeface="+mn-cs"/>
-            </a:endParaRPr>
-          </a:p>
-        </p:txBody>
-      </p:sp>
-      <p:sp>
-        <p:nvSpPr>
-          <p:cNvPr id="14" name="圆角矩形 13">
-            <a:extLst>
-              <a:ext uri="{FF2B5EF4-FFF2-40B4-BE49-F238E27FC236}">
-                <a16:creationId xmlns:a16="http://schemas.microsoft.com/office/drawing/2014/main" id="{72DE78F4-9398-7444-B4C7-82B6FB558A91}"/>
-              </a:ext>
-            </a:extLst>
-          </p:cNvPr>
-          <p:cNvSpPr/>
-          <p:nvPr/>
-        </p:nvSpPr>
-        <p:spPr>
-          <a:xfrm>
-            <a:off x="9608286" y="2563391"/>
-            <a:ext cx="552893" cy="552893"/>
-          </a:xfrm>
-          <a:prstGeom prst="roundRect">
-            <a:avLst/>
-          </a:prstGeom>
-        </p:spPr>
-        <p:style>
-          <a:lnRef idx="2">
-            <a:schemeClr val="accent1">
-              <a:shade val="50000"/>
-            </a:schemeClr>
-          </a:lnRef>
-          <a:fillRef idx="1">
-            <a:schemeClr val="accent1"/>
-          </a:fillRef>
-          <a:effectRef idx="0">
-            <a:schemeClr val="accent1"/>
-          </a:effectRef>
-          <a:fontRef idx="minor">
-            <a:schemeClr val="lt1"/>
-          </a:fontRef>
-        </p:style>
-        <p:txBody>
-          <a:bodyPr rtlCol="0" anchor="ctr"/>
-          <a:lstStyle/>
-          <a:p>
-            <a:pPr marL="0" marR="0" lvl="0" indent="0" algn="ctr" defTabSz="914400" rtl="0" eaLnBrk="1" fontAlgn="auto" latinLnBrk="0" hangingPunct="1">
-              <a:lnSpc>
-                <a:spcPct val="100000"/>
-              </a:lnSpc>
-              <a:spcBef>
-                <a:spcPts val="0"/>
-              </a:spcBef>
-              <a:spcAft>
-                <a:spcPts val="0"/>
-              </a:spcAft>
-              <a:buClrTx/>
-              <a:buSzTx/>
-              <a:buFontTx/>
-              <a:buNone/>
-              <a:tabLst/>
-              <a:defRPr/>
-            </a:pPr>
-            <a:r>
-              <a:rPr kumimoji="1" lang="en-US" altLang="zh-CN" sz="1800" b="0" i="0" u="none" strike="noStrike" kern="1200" cap="none" spc="0" normalizeH="0" baseline="0" noProof="0" dirty="0">
-                <a:ln>
-                  <a:noFill/>
-                </a:ln>
-                <a:solidFill>
-                  <a:prstClr val="white"/>
-                </a:solidFill>
-                <a:effectLst/>
-                <a:uLnTx/>
-                <a:uFillTx/>
-                <a:latin typeface="等线" panose="020F0502020204030204"/>
-                <a:ea typeface="等线" panose="02010600030101010101" pitchFamily="2" charset="-122"/>
-                <a:cs typeface="+mn-cs"/>
-              </a:rPr>
-              <a:t>3</a:t>
-            </a:r>
-            <a:endParaRPr kumimoji="1" lang="zh-CN" altLang="en-US" sz="1800" b="0" i="0" u="none" strike="noStrike" kern="1200" cap="none" spc="0" normalizeH="0" baseline="0" noProof="0" dirty="0">
-              <a:ln>
-                <a:noFill/>
-              </a:ln>
-              <a:solidFill>
-                <a:prstClr val="white"/>
-              </a:solidFill>
-              <a:effectLst/>
-              <a:uLnTx/>
-              <a:uFillTx/>
-              <a:latin typeface="等线" panose="020F0502020204030204"/>
-              <a:ea typeface="等线" panose="02010600030101010101" pitchFamily="2" charset="-122"/>
-              <a:cs typeface="+mn-cs"/>
-            </a:endParaRPr>
-          </a:p>
-        </p:txBody>
-      </p:sp>
-      <p:cxnSp>
-        <p:nvCxnSpPr>
-          <p:cNvPr id="20" name="直线连接符 19">
-            <a:extLst>
-              <a:ext uri="{FF2B5EF4-FFF2-40B4-BE49-F238E27FC236}">
-                <a16:creationId xmlns:a16="http://schemas.microsoft.com/office/drawing/2014/main" id="{24784B94-8FC2-DB46-BA7E-BF3630C840DA}"/>
-              </a:ext>
-            </a:extLst>
-          </p:cNvPr>
-          <p:cNvCxnSpPr>
-            <a:stCxn id="3" idx="3"/>
-          </p:cNvCxnSpPr>
-          <p:nvPr/>
-        </p:nvCxnSpPr>
-        <p:spPr>
-          <a:xfrm>
-            <a:off x="7765316" y="2826942"/>
-            <a:ext cx="639723" cy="12895"/>
-          </a:xfrm>
-          <a:prstGeom prst="line">
-            <a:avLst/>
-          </a:prstGeom>
-        </p:spPr>
-        <p:style>
-          <a:lnRef idx="1">
-            <a:schemeClr val="accent1"/>
-          </a:lnRef>
-          <a:fillRef idx="0">
-            <a:schemeClr val="accent1"/>
-          </a:fillRef>
-          <a:effectRef idx="0">
-            <a:schemeClr val="accent1"/>
-          </a:effectRef>
-          <a:fontRef idx="minor">
-            <a:schemeClr val="tx1"/>
-          </a:fontRef>
-        </p:style>
-      </p:cxnSp>
-      <p:cxnSp>
-        <p:nvCxnSpPr>
-          <p:cNvPr id="22" name="直线连接符 21">
-            <a:extLst>
-              <a:ext uri="{FF2B5EF4-FFF2-40B4-BE49-F238E27FC236}">
-                <a16:creationId xmlns:a16="http://schemas.microsoft.com/office/drawing/2014/main" id="{BD4014F8-E349-854B-9582-684CEFA7CD6F}"/>
-              </a:ext>
-            </a:extLst>
-          </p:cNvPr>
-          <p:cNvCxnSpPr>
-            <a:stCxn id="10" idx="3"/>
-          </p:cNvCxnSpPr>
-          <p:nvPr/>
-        </p:nvCxnSpPr>
-        <p:spPr>
-          <a:xfrm flipV="1">
-            <a:off x="8957932" y="2826941"/>
-            <a:ext cx="650354" cy="12897"/>
-          </a:xfrm>
-          <a:prstGeom prst="line">
-            <a:avLst/>
-          </a:prstGeom>
-        </p:spPr>
-        <p:style>
-          <a:lnRef idx="1">
-            <a:schemeClr val="accent1"/>
-          </a:lnRef>
-          <a:fillRef idx="0">
-            <a:schemeClr val="accent1"/>
-          </a:fillRef>
-          <a:effectRef idx="0">
-            <a:schemeClr val="accent1"/>
-          </a:effectRef>
-          <a:fontRef idx="minor">
-            <a:schemeClr val="tx1"/>
-          </a:fontRef>
-        </p:style>
-      </p:cxnSp>
-      <p:cxnSp>
-        <p:nvCxnSpPr>
-          <p:cNvPr id="24" name="直线连接符 23">
-            <a:extLst>
-              <a:ext uri="{FF2B5EF4-FFF2-40B4-BE49-F238E27FC236}">
-                <a16:creationId xmlns:a16="http://schemas.microsoft.com/office/drawing/2014/main" id="{083E119F-B4AC-FF4C-9612-8BF0F5A6722D}"/>
-              </a:ext>
-            </a:extLst>
-          </p:cNvPr>
-          <p:cNvCxnSpPr>
-            <a:stCxn id="14" idx="3"/>
-            <a:endCxn id="12" idx="1"/>
-          </p:cNvCxnSpPr>
-          <p:nvPr/>
-        </p:nvCxnSpPr>
-        <p:spPr>
-          <a:xfrm>
-            <a:off x="10161179" y="2839838"/>
-            <a:ext cx="542262" cy="0"/>
-          </a:xfrm>
-          <a:prstGeom prst="line">
-            <a:avLst/>
-          </a:prstGeom>
-        </p:spPr>
-        <p:style>
-          <a:lnRef idx="1">
-            <a:schemeClr val="accent1"/>
-          </a:lnRef>
-          <a:fillRef idx="0">
-            <a:schemeClr val="accent1"/>
-          </a:fillRef>
-          <a:effectRef idx="0">
-            <a:schemeClr val="accent1"/>
-          </a:effectRef>
-          <a:fontRef idx="minor">
-            <a:schemeClr val="tx1"/>
-          </a:fontRef>
-        </p:style>
-      </p:cxnSp>
-      <p:sp>
-        <p:nvSpPr>
-          <p:cNvPr id="25" name="圆角矩形 24">
-            <a:extLst>
-              <a:ext uri="{FF2B5EF4-FFF2-40B4-BE49-F238E27FC236}">
-                <a16:creationId xmlns:a16="http://schemas.microsoft.com/office/drawing/2014/main" id="{5E0DDB7B-06EF-304D-88C0-8EC9360E3260}"/>
-              </a:ext>
-            </a:extLst>
-          </p:cNvPr>
-          <p:cNvSpPr/>
-          <p:nvPr/>
-        </p:nvSpPr>
-        <p:spPr>
-          <a:xfrm>
-            <a:off x="10703441" y="3800014"/>
-            <a:ext cx="552893" cy="552893"/>
-          </a:xfrm>
-          <a:prstGeom prst="roundRect">
-            <a:avLst/>
-          </a:prstGeom>
-        </p:spPr>
-        <p:style>
-          <a:lnRef idx="2">
-            <a:schemeClr val="accent1">
-              <a:shade val="50000"/>
-            </a:schemeClr>
-          </a:lnRef>
-          <a:fillRef idx="1">
-            <a:schemeClr val="accent1"/>
-          </a:fillRef>
-          <a:effectRef idx="0">
-            <a:schemeClr val="accent1"/>
-          </a:effectRef>
-          <a:fontRef idx="minor">
-            <a:schemeClr val="lt1"/>
-          </a:fontRef>
-        </p:style>
-        <p:txBody>
-          <a:bodyPr rtlCol="0" anchor="ctr"/>
-          <a:lstStyle/>
-          <a:p>
-            <a:pPr marL="0" marR="0" lvl="0" indent="0" algn="ctr" defTabSz="914400" rtl="0" eaLnBrk="1" fontAlgn="auto" latinLnBrk="0" hangingPunct="1">
-              <a:lnSpc>
-                <a:spcPct val="100000"/>
-              </a:lnSpc>
-              <a:spcBef>
-                <a:spcPts val="0"/>
-              </a:spcBef>
-              <a:spcAft>
-                <a:spcPts val="0"/>
-              </a:spcAft>
-              <a:buClrTx/>
-              <a:buSzTx/>
-              <a:buFontTx/>
-              <a:buNone/>
-              <a:tabLst/>
-              <a:defRPr/>
-            </a:pPr>
-            <a:r>
-              <a:rPr kumimoji="1" lang="en-US" altLang="zh-CN" sz="1800" b="0" i="0" u="none" strike="noStrike" kern="1200" cap="none" spc="0" normalizeH="0" baseline="0" noProof="0" dirty="0">
-                <a:ln>
-                  <a:noFill/>
-                </a:ln>
-                <a:solidFill>
-                  <a:prstClr val="white"/>
-                </a:solidFill>
-                <a:effectLst/>
-                <a:uLnTx/>
-                <a:uFillTx/>
-                <a:latin typeface="等线" panose="020F0502020204030204"/>
-                <a:ea typeface="等线" panose="02010600030101010101" pitchFamily="2" charset="-122"/>
-                <a:cs typeface="+mn-cs"/>
-              </a:rPr>
-              <a:t>5</a:t>
-            </a:r>
-            <a:endParaRPr kumimoji="1" lang="zh-CN" altLang="en-US" sz="1800" b="0" i="0" u="none" strike="noStrike" kern="1200" cap="none" spc="0" normalizeH="0" baseline="0" noProof="0" dirty="0">
-              <a:ln>
-                <a:noFill/>
-              </a:ln>
-              <a:solidFill>
-                <a:prstClr val="white"/>
-              </a:solidFill>
-              <a:effectLst/>
-              <a:uLnTx/>
-              <a:uFillTx/>
-              <a:latin typeface="等线" panose="020F0502020204030204"/>
-              <a:ea typeface="等线" panose="02010600030101010101" pitchFamily="2" charset="-122"/>
-              <a:cs typeface="+mn-cs"/>
-            </a:endParaRPr>
-          </a:p>
-        </p:txBody>
-      </p:sp>
-      <p:sp>
-        <p:nvSpPr>
-          <p:cNvPr id="26" name="圆角矩形 25">
-            <a:extLst>
-              <a:ext uri="{FF2B5EF4-FFF2-40B4-BE49-F238E27FC236}">
-                <a16:creationId xmlns:a16="http://schemas.microsoft.com/office/drawing/2014/main" id="{777960D3-50F7-3946-AEA8-FB21D2B9B5AE}"/>
-              </a:ext>
-            </a:extLst>
-          </p:cNvPr>
-          <p:cNvSpPr/>
-          <p:nvPr/>
-        </p:nvSpPr>
-        <p:spPr>
-          <a:xfrm>
-            <a:off x="9608286" y="3800014"/>
-            <a:ext cx="552893" cy="552893"/>
-          </a:xfrm>
-          <a:prstGeom prst="roundRect">
-            <a:avLst/>
-          </a:prstGeom>
-        </p:spPr>
-        <p:style>
-          <a:lnRef idx="2">
-            <a:schemeClr val="accent1">
-              <a:shade val="50000"/>
-            </a:schemeClr>
-          </a:lnRef>
-          <a:fillRef idx="1">
-            <a:schemeClr val="accent1"/>
-          </a:fillRef>
-          <a:effectRef idx="0">
-            <a:schemeClr val="accent1"/>
-          </a:effectRef>
-          <a:fontRef idx="minor">
-            <a:schemeClr val="lt1"/>
-          </a:fontRef>
-        </p:style>
-        <p:txBody>
-          <a:bodyPr rtlCol="0" anchor="ctr"/>
-          <a:lstStyle/>
-          <a:p>
-            <a:pPr marL="0" marR="0" lvl="0" indent="0" algn="ctr" defTabSz="914400" rtl="0" eaLnBrk="1" fontAlgn="auto" latinLnBrk="0" hangingPunct="1">
-              <a:lnSpc>
-                <a:spcPct val="100000"/>
-              </a:lnSpc>
-              <a:spcBef>
-                <a:spcPts val="0"/>
-              </a:spcBef>
-              <a:spcAft>
-                <a:spcPts val="0"/>
-              </a:spcAft>
-              <a:buClrTx/>
-              <a:buSzTx/>
-              <a:buFontTx/>
-              <a:buNone/>
-              <a:tabLst/>
-              <a:defRPr/>
-            </a:pPr>
-            <a:r>
-              <a:rPr kumimoji="1" lang="en-US" altLang="zh-CN" sz="1800" b="0" i="0" u="none" strike="noStrike" kern="1200" cap="none" spc="0" normalizeH="0" baseline="0" noProof="0" dirty="0">
-                <a:ln>
-                  <a:noFill/>
-                </a:ln>
-                <a:solidFill>
-                  <a:prstClr val="white"/>
-                </a:solidFill>
-                <a:effectLst/>
-                <a:uLnTx/>
-                <a:uFillTx/>
-                <a:latin typeface="等线" panose="020F0502020204030204"/>
-                <a:ea typeface="等线" panose="02010600030101010101" pitchFamily="2" charset="-122"/>
-                <a:cs typeface="+mn-cs"/>
-              </a:rPr>
-              <a:t>6</a:t>
-            </a:r>
-            <a:endParaRPr kumimoji="1" lang="zh-CN" altLang="en-US" sz="1800" b="0" i="0" u="none" strike="noStrike" kern="1200" cap="none" spc="0" normalizeH="0" baseline="0" noProof="0" dirty="0">
-              <a:ln>
-                <a:noFill/>
-              </a:ln>
-              <a:solidFill>
-                <a:prstClr val="white"/>
-              </a:solidFill>
-              <a:effectLst/>
-              <a:uLnTx/>
-              <a:uFillTx/>
-              <a:latin typeface="等线" panose="020F0502020204030204"/>
-              <a:ea typeface="等线" panose="02010600030101010101" pitchFamily="2" charset="-122"/>
-              <a:cs typeface="+mn-cs"/>
-            </a:endParaRPr>
-          </a:p>
-        </p:txBody>
-      </p:sp>
-      <p:sp>
-        <p:nvSpPr>
-          <p:cNvPr id="27" name="圆角矩形 26">
-            <a:extLst>
-              <a:ext uri="{FF2B5EF4-FFF2-40B4-BE49-F238E27FC236}">
-                <a16:creationId xmlns:a16="http://schemas.microsoft.com/office/drawing/2014/main" id="{C01A6B24-7E6E-424E-B9D0-6FF057FBB454}"/>
-              </a:ext>
-            </a:extLst>
-          </p:cNvPr>
-          <p:cNvSpPr/>
-          <p:nvPr/>
-        </p:nvSpPr>
-        <p:spPr>
-          <a:xfrm>
-            <a:off x="8397065" y="3800012"/>
-            <a:ext cx="552893" cy="552893"/>
-          </a:xfrm>
-          <a:prstGeom prst="roundRect">
-            <a:avLst/>
-          </a:prstGeom>
-        </p:spPr>
-        <p:style>
-          <a:lnRef idx="2">
-            <a:schemeClr val="accent1">
-              <a:shade val="50000"/>
-            </a:schemeClr>
-          </a:lnRef>
-          <a:fillRef idx="1">
-            <a:schemeClr val="accent1"/>
-          </a:fillRef>
-          <a:effectRef idx="0">
-            <a:schemeClr val="accent1"/>
-          </a:effectRef>
-          <a:fontRef idx="minor">
-            <a:schemeClr val="lt1"/>
-          </a:fontRef>
-        </p:style>
-        <p:txBody>
-          <a:bodyPr rtlCol="0" anchor="ctr"/>
-          <a:lstStyle/>
-          <a:p>
-            <a:pPr marL="0" marR="0" lvl="0" indent="0" algn="ctr" defTabSz="914400" rtl="0" eaLnBrk="1" fontAlgn="auto" latinLnBrk="0" hangingPunct="1">
-              <a:lnSpc>
-                <a:spcPct val="100000"/>
-              </a:lnSpc>
-              <a:spcBef>
-                <a:spcPts val="0"/>
-              </a:spcBef>
-              <a:spcAft>
-                <a:spcPts val="0"/>
-              </a:spcAft>
-              <a:buClrTx/>
-              <a:buSzTx/>
-              <a:buFontTx/>
-              <a:buNone/>
-              <a:tabLst/>
-              <a:defRPr/>
-            </a:pPr>
-            <a:r>
-              <a:rPr kumimoji="1" lang="en-US" altLang="zh-CN" sz="1800" b="0" i="0" u="none" strike="noStrike" kern="1200" cap="none" spc="0" normalizeH="0" baseline="0" noProof="0" dirty="0">
-                <a:ln>
-                  <a:noFill/>
-                </a:ln>
-                <a:solidFill>
-                  <a:prstClr val="white"/>
-                </a:solidFill>
-                <a:effectLst/>
-                <a:uLnTx/>
-                <a:uFillTx/>
-                <a:latin typeface="等线" panose="020F0502020204030204"/>
-                <a:ea typeface="等线" panose="02010600030101010101" pitchFamily="2" charset="-122"/>
-                <a:cs typeface="+mn-cs"/>
-              </a:rPr>
-              <a:t>7</a:t>
-            </a:r>
-            <a:endParaRPr kumimoji="1" lang="zh-CN" altLang="en-US" sz="1800" b="0" i="0" u="none" strike="noStrike" kern="1200" cap="none" spc="0" normalizeH="0" baseline="0" noProof="0" dirty="0">
-              <a:ln>
-                <a:noFill/>
-              </a:ln>
-              <a:solidFill>
-                <a:prstClr val="white"/>
-              </a:solidFill>
-              <a:effectLst/>
-              <a:uLnTx/>
-              <a:uFillTx/>
-              <a:latin typeface="等线" panose="020F0502020204030204"/>
-              <a:ea typeface="等线" panose="02010600030101010101" pitchFamily="2" charset="-122"/>
-              <a:cs typeface="+mn-cs"/>
-            </a:endParaRPr>
-          </a:p>
-        </p:txBody>
-      </p:sp>
-      <p:sp>
-        <p:nvSpPr>
-          <p:cNvPr id="28" name="圆角矩形 27">
-            <a:extLst>
-              <a:ext uri="{FF2B5EF4-FFF2-40B4-BE49-F238E27FC236}">
-                <a16:creationId xmlns:a16="http://schemas.microsoft.com/office/drawing/2014/main" id="{22825CE1-77B4-E946-8D91-BFCBF5D723D6}"/>
-              </a:ext>
-            </a:extLst>
-          </p:cNvPr>
-          <p:cNvSpPr/>
-          <p:nvPr/>
-        </p:nvSpPr>
-        <p:spPr>
-          <a:xfrm>
-            <a:off x="7301910" y="3800013"/>
-            <a:ext cx="552893" cy="552893"/>
-          </a:xfrm>
-          <a:prstGeom prst="roundRect">
-            <a:avLst/>
-          </a:prstGeom>
-        </p:spPr>
-        <p:style>
-          <a:lnRef idx="2">
-            <a:schemeClr val="accent1">
-              <a:shade val="50000"/>
-            </a:schemeClr>
-          </a:lnRef>
-          <a:fillRef idx="1">
-            <a:schemeClr val="accent1"/>
-          </a:fillRef>
-          <a:effectRef idx="0">
-            <a:schemeClr val="accent1"/>
-          </a:effectRef>
-          <a:fontRef idx="minor">
-            <a:schemeClr val="lt1"/>
-          </a:fontRef>
-        </p:style>
-        <p:txBody>
-          <a:bodyPr rtlCol="0" anchor="ctr"/>
-          <a:lstStyle/>
-          <a:p>
-            <a:pPr marL="0" marR="0" lvl="0" indent="0" algn="ctr" defTabSz="914400" rtl="0" eaLnBrk="1" fontAlgn="auto" latinLnBrk="0" hangingPunct="1">
-              <a:lnSpc>
-                <a:spcPct val="100000"/>
-              </a:lnSpc>
-              <a:spcBef>
-                <a:spcPts val="0"/>
-              </a:spcBef>
-              <a:spcAft>
-                <a:spcPts val="0"/>
-              </a:spcAft>
-              <a:buClrTx/>
-              <a:buSzTx/>
-              <a:buFontTx/>
-              <a:buNone/>
-              <a:tabLst/>
-              <a:defRPr/>
-            </a:pPr>
-            <a:r>
-              <a:rPr kumimoji="1" lang="en-US" altLang="zh-CN" sz="1800" b="0" i="0" u="none" strike="noStrike" kern="1200" cap="none" spc="0" normalizeH="0" baseline="0" noProof="0" dirty="0">
-                <a:ln>
-                  <a:noFill/>
-                </a:ln>
-                <a:solidFill>
-                  <a:prstClr val="white"/>
-                </a:solidFill>
-                <a:effectLst/>
-                <a:uLnTx/>
-                <a:uFillTx/>
-                <a:latin typeface="等线" panose="020F0502020204030204"/>
-                <a:ea typeface="等线" panose="02010600030101010101" pitchFamily="2" charset="-122"/>
-                <a:cs typeface="+mn-cs"/>
-              </a:rPr>
-              <a:t>8</a:t>
-            </a:r>
-            <a:endParaRPr kumimoji="1" lang="zh-CN" altLang="en-US" sz="1800" b="0" i="0" u="none" strike="noStrike" kern="1200" cap="none" spc="0" normalizeH="0" baseline="0" noProof="0" dirty="0">
-              <a:ln>
-                <a:noFill/>
-              </a:ln>
-              <a:solidFill>
-                <a:prstClr val="white"/>
-              </a:solidFill>
-              <a:effectLst/>
-              <a:uLnTx/>
-              <a:uFillTx/>
-              <a:latin typeface="等线" panose="020F0502020204030204"/>
-              <a:ea typeface="等线" panose="02010600030101010101" pitchFamily="2" charset="-122"/>
-              <a:cs typeface="+mn-cs"/>
-            </a:endParaRPr>
-          </a:p>
-        </p:txBody>
-      </p:sp>
-      <p:cxnSp>
-        <p:nvCxnSpPr>
-          <p:cNvPr id="30" name="直线连接符 29">
-            <a:extLst>
-              <a:ext uri="{FF2B5EF4-FFF2-40B4-BE49-F238E27FC236}">
-                <a16:creationId xmlns:a16="http://schemas.microsoft.com/office/drawing/2014/main" id="{437D65B2-1122-B747-900F-993EB858939E}"/>
-              </a:ext>
-            </a:extLst>
-          </p:cNvPr>
-          <p:cNvCxnSpPr>
-            <a:stCxn id="12" idx="2"/>
-            <a:endCxn id="25" idx="0"/>
-          </p:cNvCxnSpPr>
-          <p:nvPr/>
-        </p:nvCxnSpPr>
-        <p:spPr>
-          <a:xfrm>
-            <a:off x="10979888" y="3116284"/>
-            <a:ext cx="0" cy="683730"/>
-          </a:xfrm>
-          <a:prstGeom prst="line">
-            <a:avLst/>
-          </a:prstGeom>
-        </p:spPr>
-        <p:style>
-          <a:lnRef idx="1">
-            <a:schemeClr val="accent1"/>
-          </a:lnRef>
-          <a:fillRef idx="0">
-            <a:schemeClr val="accent1"/>
-          </a:fillRef>
-          <a:effectRef idx="0">
-            <a:schemeClr val="accent1"/>
-          </a:effectRef>
-          <a:fontRef idx="minor">
-            <a:schemeClr val="tx1"/>
-          </a:fontRef>
-        </p:style>
-      </p:cxnSp>
-      <p:cxnSp>
-        <p:nvCxnSpPr>
-          <p:cNvPr id="32" name="直线连接符 31">
-            <a:extLst>
-              <a:ext uri="{FF2B5EF4-FFF2-40B4-BE49-F238E27FC236}">
-                <a16:creationId xmlns:a16="http://schemas.microsoft.com/office/drawing/2014/main" id="{65FB0D54-72B8-F34B-89A4-7FD3F888F466}"/>
-              </a:ext>
-            </a:extLst>
-          </p:cNvPr>
-          <p:cNvCxnSpPr>
-            <a:stCxn id="25" idx="1"/>
-            <a:endCxn id="26" idx="3"/>
-          </p:cNvCxnSpPr>
-          <p:nvPr/>
-        </p:nvCxnSpPr>
-        <p:spPr>
-          <a:xfrm flipH="1">
-            <a:off x="10161179" y="4076461"/>
-            <a:ext cx="542262" cy="0"/>
-          </a:xfrm>
-          <a:prstGeom prst="line">
-            <a:avLst/>
-          </a:prstGeom>
-        </p:spPr>
-        <p:style>
-          <a:lnRef idx="1">
-            <a:schemeClr val="accent1"/>
-          </a:lnRef>
-          <a:fillRef idx="0">
-            <a:schemeClr val="accent1"/>
-          </a:fillRef>
-          <a:effectRef idx="0">
-            <a:schemeClr val="accent1"/>
-          </a:effectRef>
-          <a:fontRef idx="minor">
-            <a:schemeClr val="tx1"/>
-          </a:fontRef>
-        </p:style>
-      </p:cxnSp>
-      <p:cxnSp>
-        <p:nvCxnSpPr>
-          <p:cNvPr id="34" name="直线连接符 33">
-            <a:extLst>
-              <a:ext uri="{FF2B5EF4-FFF2-40B4-BE49-F238E27FC236}">
-                <a16:creationId xmlns:a16="http://schemas.microsoft.com/office/drawing/2014/main" id="{527B7B72-6484-1547-8A13-ED5E84BF7923}"/>
-              </a:ext>
-            </a:extLst>
-          </p:cNvPr>
-          <p:cNvCxnSpPr>
-            <a:stCxn id="26" idx="1"/>
-            <a:endCxn id="27" idx="3"/>
-          </p:cNvCxnSpPr>
-          <p:nvPr/>
-        </p:nvCxnSpPr>
-        <p:spPr>
-          <a:xfrm flipH="1" flipV="1">
-            <a:off x="8949958" y="4076459"/>
-            <a:ext cx="658328" cy="2"/>
-          </a:xfrm>
-          <a:prstGeom prst="line">
-            <a:avLst/>
-          </a:prstGeom>
-        </p:spPr>
-        <p:style>
-          <a:lnRef idx="1">
-            <a:schemeClr val="accent1"/>
-          </a:lnRef>
-          <a:fillRef idx="0">
-            <a:schemeClr val="accent1"/>
-          </a:fillRef>
-          <a:effectRef idx="0">
-            <a:schemeClr val="accent1"/>
-          </a:effectRef>
-          <a:fontRef idx="minor">
-            <a:schemeClr val="tx1"/>
-          </a:fontRef>
-        </p:style>
-      </p:cxnSp>
-      <p:cxnSp>
-        <p:nvCxnSpPr>
-          <p:cNvPr id="36" name="直线连接符 35">
-            <a:extLst>
-              <a:ext uri="{FF2B5EF4-FFF2-40B4-BE49-F238E27FC236}">
-                <a16:creationId xmlns:a16="http://schemas.microsoft.com/office/drawing/2014/main" id="{F1C3762E-D05B-8A4A-9014-66D6C3EB293F}"/>
-              </a:ext>
-            </a:extLst>
-          </p:cNvPr>
-          <p:cNvCxnSpPr>
-            <a:stCxn id="27" idx="1"/>
-            <a:endCxn id="28" idx="3"/>
-          </p:cNvCxnSpPr>
-          <p:nvPr/>
-        </p:nvCxnSpPr>
-        <p:spPr>
-          <a:xfrm flipH="1">
-            <a:off x="7854803" y="4076459"/>
-            <a:ext cx="542262" cy="1"/>
-          </a:xfrm>
-          <a:prstGeom prst="line">
-            <a:avLst/>
-          </a:prstGeom>
-        </p:spPr>
-        <p:style>
-          <a:lnRef idx="1">
-            <a:schemeClr val="accent1"/>
-          </a:lnRef>
-          <a:fillRef idx="0">
-            <a:schemeClr val="accent1"/>
-          </a:fillRef>
-          <a:effectRef idx="0">
-            <a:schemeClr val="accent1"/>
-          </a:effectRef>
-          <a:fontRef idx="minor">
-            <a:schemeClr val="tx1"/>
-          </a:fontRef>
-        </p:style>
-      </p:cxnSp>
-      <p:sp>
-        <p:nvSpPr>
-          <p:cNvPr id="37" name="文本框 36">
-            <a:extLst>
-              <a:ext uri="{FF2B5EF4-FFF2-40B4-BE49-F238E27FC236}">
-                <a16:creationId xmlns:a16="http://schemas.microsoft.com/office/drawing/2014/main" id="{C22A4F09-EAEC-444A-99DB-AFB8D9FACC44}"/>
-              </a:ext>
-            </a:extLst>
-          </p:cNvPr>
-          <p:cNvSpPr txBox="1"/>
-          <p:nvPr/>
-        </p:nvSpPr>
-        <p:spPr>
-          <a:xfrm>
-            <a:off x="1053068" y="4614514"/>
-            <a:ext cx="3763925" cy="1384995"/>
-          </a:xfrm>
-          <a:prstGeom prst="rect">
-            <a:avLst/>
-          </a:prstGeom>
-          <a:noFill/>
-        </p:spPr>
-        <p:txBody>
-          <a:bodyPr wrap="square" rtlCol="0">
-            <a:spAutoFit/>
-          </a:bodyPr>
-          <a:lstStyle/>
-          <a:p>
-            <a:pPr marL="0" marR="0" lvl="0" indent="0" algn="l" defTabSz="914400" rtl="0" eaLnBrk="1" fontAlgn="auto" latinLnBrk="0" hangingPunct="1">
-              <a:lnSpc>
-                <a:spcPct val="100000"/>
-              </a:lnSpc>
-              <a:spcBef>
-                <a:spcPts val="0"/>
-              </a:spcBef>
-              <a:spcAft>
-                <a:spcPts val="0"/>
-              </a:spcAft>
-              <a:buClrTx/>
-              <a:buSzTx/>
-              <a:buFontTx/>
-              <a:buNone/>
-              <a:tabLst/>
-              <a:defRPr/>
-            </a:pPr>
-            <a:endParaRPr kumimoji="1" lang="en-US" altLang="zh-CN" sz="2800" b="0" i="0" u="none" strike="noStrike" kern="1200" cap="none" spc="0" normalizeH="0" baseline="0" noProof="0" dirty="0">
-              <a:ln>
-                <a:noFill/>
-              </a:ln>
-              <a:solidFill>
-                <a:prstClr val="black"/>
-              </a:solidFill>
-              <a:effectLst/>
-              <a:uLnTx/>
-              <a:uFillTx/>
-              <a:latin typeface="Microsoft YaHei" panose="020B0503020204020204" pitchFamily="34" charset="-122"/>
-              <a:ea typeface="Microsoft YaHei" panose="020B0503020204020204" pitchFamily="34" charset="-122"/>
-              <a:cs typeface="+mn-cs"/>
-            </a:endParaRPr>
-          </a:p>
-          <a:p>
-            <a:pPr marL="457200" marR="0" lvl="0" indent="-457200" algn="l" defTabSz="914400" rtl="0" eaLnBrk="1" fontAlgn="auto" latinLnBrk="0" hangingPunct="1">
-              <a:lnSpc>
-                <a:spcPct val="100000"/>
-              </a:lnSpc>
-              <a:spcBef>
-                <a:spcPts val="0"/>
-              </a:spcBef>
-              <a:spcAft>
-                <a:spcPts val="0"/>
-              </a:spcAft>
-              <a:buClrTx/>
-              <a:buSzTx/>
-              <a:buFont typeface="Wingdings" pitchFamily="2" charset="2"/>
-              <a:buChar char="Ø"/>
-              <a:tabLst/>
-              <a:defRPr/>
-            </a:pPr>
-            <a:r>
-              <a:rPr kumimoji="1" lang="zh-CN" altLang="en-US" sz="2800" b="0" i="0" u="none" strike="noStrike" kern="1200" cap="none" spc="0" normalizeH="0" baseline="0" noProof="0" dirty="0">
-                <a:ln>
-                  <a:noFill/>
-                </a:ln>
-                <a:solidFill>
-                  <a:prstClr val="black"/>
-                </a:solidFill>
-                <a:effectLst/>
-                <a:uLnTx/>
-                <a:uFillTx/>
-                <a:latin typeface="Microsoft YaHei" panose="020B0503020204020204" pitchFamily="34" charset="-122"/>
-                <a:ea typeface="Microsoft YaHei" panose="020B0503020204020204" pitchFamily="34" charset="-122"/>
-                <a:cs typeface="+mn-cs"/>
-              </a:rPr>
-              <a:t>食堂排队</a:t>
-            </a:r>
-            <a:endParaRPr kumimoji="1" lang="en-US" altLang="zh-CN" sz="2800" b="0" i="0" u="none" strike="noStrike" kern="1200" cap="none" spc="0" normalizeH="0" baseline="0" noProof="0" dirty="0">
-              <a:ln>
-                <a:noFill/>
-              </a:ln>
-              <a:solidFill>
-                <a:prstClr val="black"/>
-              </a:solidFill>
-              <a:effectLst/>
-              <a:uLnTx/>
-              <a:uFillTx/>
-              <a:latin typeface="Microsoft YaHei" panose="020B0503020204020204" pitchFamily="34" charset="-122"/>
-              <a:ea typeface="Microsoft YaHei" panose="020B0503020204020204" pitchFamily="34" charset="-122"/>
-              <a:cs typeface="+mn-cs"/>
-            </a:endParaRPr>
-          </a:p>
-          <a:p>
-            <a:pPr marL="457200" marR="0" lvl="0" indent="-457200" algn="l" defTabSz="914400" rtl="0" eaLnBrk="1" fontAlgn="auto" latinLnBrk="0" hangingPunct="1">
-              <a:lnSpc>
-                <a:spcPct val="100000"/>
-              </a:lnSpc>
-              <a:spcBef>
-                <a:spcPts val="0"/>
-              </a:spcBef>
-              <a:spcAft>
-                <a:spcPts val="0"/>
-              </a:spcAft>
-              <a:buClrTx/>
-              <a:buSzTx/>
-              <a:buFont typeface="Wingdings" pitchFamily="2" charset="2"/>
-              <a:buChar char="Ø"/>
-              <a:tabLst/>
-              <a:defRPr/>
-            </a:pPr>
-            <a:r>
-              <a:rPr kumimoji="1" lang="zh-CN" altLang="en-US" sz="2800" dirty="0">
-                <a:solidFill>
-                  <a:prstClr val="black"/>
-                </a:solidFill>
-                <a:latin typeface="Microsoft YaHei" panose="020B0503020204020204" pitchFamily="34" charset="-122"/>
-                <a:ea typeface="Microsoft YaHei" panose="020B0503020204020204" pitchFamily="34" charset="-122"/>
-              </a:rPr>
-              <a:t>贪吃蛇</a:t>
-            </a:r>
-            <a:endParaRPr kumimoji="1" lang="zh-CN" altLang="en-US" sz="2800" b="0" i="0" u="none" strike="noStrike" kern="1200" cap="none" spc="0" normalizeH="0" baseline="0" noProof="0" dirty="0">
-              <a:ln>
-                <a:noFill/>
-              </a:ln>
-              <a:solidFill>
-                <a:prstClr val="black"/>
-              </a:solidFill>
-              <a:effectLst/>
-              <a:uLnTx/>
-              <a:uFillTx/>
-              <a:latin typeface="Microsoft YaHei" panose="020B0503020204020204" pitchFamily="34" charset="-122"/>
-              <a:ea typeface="Microsoft YaHei" panose="020B0503020204020204" pitchFamily="34" charset="-122"/>
-              <a:cs typeface="+mn-cs"/>
-            </a:endParaRPr>
-          </a:p>
-        </p:txBody>
-      </p:sp>
-      <p:cxnSp>
-        <p:nvCxnSpPr>
-          <p:cNvPr id="39" name="直线连接符 38">
-            <a:extLst>
-              <a:ext uri="{FF2B5EF4-FFF2-40B4-BE49-F238E27FC236}">
-                <a16:creationId xmlns:a16="http://schemas.microsoft.com/office/drawing/2014/main" id="{EF6ACACA-C4ED-1045-B962-38FBFA36EDDC}"/>
-              </a:ext>
-            </a:extLst>
-          </p:cNvPr>
-          <p:cNvCxnSpPr>
-            <a:cxnSpLocks/>
-          </p:cNvCxnSpPr>
-          <p:nvPr/>
-        </p:nvCxnSpPr>
-        <p:spPr>
-          <a:xfrm>
-            <a:off x="6096000" y="2563391"/>
-            <a:ext cx="0" cy="2743621"/>
-          </a:xfrm>
-          <a:prstGeom prst="line">
-            <a:avLst/>
-          </a:prstGeom>
-          <a:ln w="12700">
-            <a:solidFill>
-              <a:schemeClr val="bg1">
-                <a:lumMod val="75000"/>
-              </a:schemeClr>
-            </a:solidFill>
-          </a:ln>
-        </p:spPr>
-        <p:style>
-          <a:lnRef idx="1">
-            <a:schemeClr val="accent1"/>
-          </a:lnRef>
-          <a:fillRef idx="0">
-            <a:schemeClr val="accent1"/>
-          </a:fillRef>
-          <a:effectRef idx="0">
-            <a:schemeClr val="accent1"/>
-          </a:effectRef>
-          <a:fontRef idx="minor">
-            <a:schemeClr val="tx1"/>
-          </a:fontRef>
-        </p:style>
-      </p:cxnSp>
-      <p:sp>
-        <p:nvSpPr>
-          <p:cNvPr id="21" name="文本框 20">
-            <a:extLst>
-              <a:ext uri="{FF2B5EF4-FFF2-40B4-BE49-F238E27FC236}">
-                <a16:creationId xmlns:a16="http://schemas.microsoft.com/office/drawing/2014/main" id="{887A520C-8818-E348-AC3C-290C565CB1C6}"/>
-              </a:ext>
-            </a:extLst>
-          </p:cNvPr>
-          <p:cNvSpPr txBox="1"/>
-          <p:nvPr/>
-        </p:nvSpPr>
-        <p:spPr>
-          <a:xfrm>
-            <a:off x="540000" y="1800000"/>
-            <a:ext cx="1070042" cy="542675"/>
-          </a:xfrm>
-          <a:prstGeom prst="rect">
-            <a:avLst/>
-          </a:prstGeom>
-          <a:solidFill>
-            <a:schemeClr val="accent2"/>
-          </a:solidFill>
-        </p:spPr>
-        <p:txBody>
-          <a:bodyPr wrap="square" rtlCol="0">
-            <a:spAutoFit/>
-          </a:bodyPr>
-          <a:lstStyle/>
-          <a:p>
-            <a:r>
-              <a:rPr kumimoji="1" lang="zh-CN" altLang="en-US" sz="2800" dirty="0">
-                <a:solidFill>
-                  <a:schemeClr val="bg1"/>
-                </a:solidFill>
-                <a:latin typeface="Microsoft YaHei" panose="020B0503020204020204" pitchFamily="34" charset="-122"/>
-                <a:ea typeface="Microsoft YaHei" panose="020B0503020204020204" pitchFamily="34" charset="-122"/>
-              </a:rPr>
-              <a:t>定义</a:t>
-            </a:r>
-          </a:p>
-        </p:txBody>
-      </p:sp>
-      <p:sp>
-        <p:nvSpPr>
-          <p:cNvPr id="23" name="文本框 22">
-            <a:extLst>
-              <a:ext uri="{FF2B5EF4-FFF2-40B4-BE49-F238E27FC236}">
-                <a16:creationId xmlns:a16="http://schemas.microsoft.com/office/drawing/2014/main" id="{B822E9D5-7BDF-BA4A-BB96-4277D18769E1}"/>
-              </a:ext>
-            </a:extLst>
-          </p:cNvPr>
-          <p:cNvSpPr txBox="1"/>
-          <p:nvPr/>
-        </p:nvSpPr>
-        <p:spPr>
-          <a:xfrm>
-            <a:off x="538718" y="3960000"/>
-            <a:ext cx="1070042" cy="542675"/>
-          </a:xfrm>
-          <a:prstGeom prst="rect">
-            <a:avLst/>
-          </a:prstGeom>
-          <a:solidFill>
-            <a:schemeClr val="accent2"/>
-          </a:solidFill>
-        </p:spPr>
-        <p:txBody>
-          <a:bodyPr wrap="square" rtlCol="0">
-            <a:spAutoFit/>
-          </a:bodyPr>
-          <a:lstStyle/>
-          <a:p>
-            <a:r>
-              <a:rPr kumimoji="1" lang="zh-CN" altLang="en-US" sz="2800" dirty="0">
-                <a:solidFill>
-                  <a:schemeClr val="bg1"/>
-                </a:solidFill>
-                <a:latin typeface="Microsoft YaHei" panose="020B0503020204020204" pitchFamily="34" charset="-122"/>
-                <a:ea typeface="Microsoft YaHei" panose="020B0503020204020204" pitchFamily="34" charset="-122"/>
-              </a:rPr>
-              <a:t>例子</a:t>
-            </a:r>
-          </a:p>
-        </p:txBody>
-      </p:sp>
-    </p:spTree>
-    <p:extLst>
-      <p:ext uri="{BB962C8B-B14F-4D97-AF65-F5344CB8AC3E}">
-        <p14:creationId xmlns:p14="http://schemas.microsoft.com/office/powerpoint/2010/main" val="1243619480"/>
-      </p:ext>
-    </p:extLst>
-  </p:cSld>
-  <p:clrMapOvr>
-    <a:masterClrMapping/>
-  </p:clrMapOvr>
-</p:sld>
-</file>
-
-<file path=ppt/slides/slide17.xml><?xml version="1.0" encoding="utf-8"?>
-<p:sld xmlns:a="http://schemas.openxmlformats.org/drawingml/2006/main" xmlns:r="http://schemas.openxmlformats.org/officeDocument/2006/relationships" xmlns:p="http://schemas.openxmlformats.org/presentationml/2006/main">
-  <p:cSld>
-    <p:bg>
-      <p:bgPr>
-        <a:blipFill>
-          <a:blip r:embed="rId3"/>
-          <a:tile tx="0" ty="0" sx="100000" sy="100000" flip="none" algn="tl"/>
-        </a:blipFill>
-        <a:effectLst/>
-      </p:bgPr>
-    </p:bg>
-    <p:spTree>
-      <p:nvGrpSpPr>
-        <p:cNvPr id="1" name=""/>
-        <p:cNvGrpSpPr/>
-        <p:nvPr/>
-      </p:nvGrpSpPr>
-      <p:grpSpPr>
-        <a:xfrm>
-          <a:off x="0" y="0"/>
-          <a:ext cx="0" cy="0"/>
-          <a:chOff x="0" y="0"/>
-          <a:chExt cx="0" cy="0"/>
-        </a:xfrm>
-      </p:grpSpPr>
-      <p:sp>
-        <p:nvSpPr>
-          <p:cNvPr id="2" name="文本框 1">
-            <a:extLst>
-              <a:ext uri="{FF2B5EF4-FFF2-40B4-BE49-F238E27FC236}">
-                <a16:creationId xmlns:a16="http://schemas.microsoft.com/office/drawing/2014/main" id="{12AA8BCC-7B15-4842-80C2-48C079429338}"/>
-              </a:ext>
-            </a:extLst>
-          </p:cNvPr>
-          <p:cNvSpPr txBox="1"/>
-          <p:nvPr/>
-        </p:nvSpPr>
-        <p:spPr>
-          <a:xfrm>
             <a:off x="2228088" y="2921168"/>
             <a:ext cx="7735824" cy="1015663"/>
           </a:xfrm>
@@ -8666,7 +6885,7 @@
 </p:sld>
 </file>
 
-<file path=ppt/slides/slide18.xml><?xml version="1.0" encoding="utf-8"?>
+<file path=ppt/slides/slide17.xml><?xml version="1.0" encoding="utf-8"?>
 <p:sld xmlns:a="http://schemas.openxmlformats.org/drawingml/2006/main" xmlns:r="http://schemas.openxmlformats.org/officeDocument/2006/relationships" xmlns:p="http://schemas.openxmlformats.org/presentationml/2006/main">
   <p:cSld>
     <p:bg>
@@ -8716,7 +6935,7 @@
     <p:bg>
       <p:bgPr>
         <a:blipFill>
-          <a:blip r:embed="rId2"/>
+          <a:blip r:embed="rId3"/>
           <a:tile tx="0" ty="0" sx="100000" sy="100000" flip="none" algn="tl"/>
         </a:blipFill>
         <a:effectLst/>
@@ -9603,7 +7822,7 @@
                 <a:latin typeface="Microsoft YaHei" panose="020B0503020204020204" pitchFamily="34" charset="-122"/>
                 <a:ea typeface="Microsoft YaHei" panose="020B0503020204020204" pitchFamily="34" charset="-122"/>
               </a:rPr>
-              <a:t>2.</a:t>
+              <a:t>2.1</a:t>
             </a:r>
             <a:r>
               <a:rPr kumimoji="1" lang="zh-CN" altLang="en-US" sz="4800" dirty="0">
@@ -9638,7 +7857,7 @@
                 <a:latin typeface="Microsoft YaHei" panose="020B0503020204020204" pitchFamily="34" charset="-122"/>
                 <a:ea typeface="Microsoft YaHei" panose="020B0503020204020204" pitchFamily="34" charset="-122"/>
               </a:rPr>
-              <a:t>什么是计算机</a:t>
+              <a:t>计算机组成</a:t>
             </a:r>
           </a:p>
         </p:txBody>
@@ -10198,8 +8417,8 @@
         </p:nvSpPr>
         <p:spPr>
           <a:xfrm>
-            <a:off x="2520000" y="720000"/>
-            <a:ext cx="7735824" cy="830997"/>
+            <a:off x="1670050" y="514487"/>
+            <a:ext cx="9029697" cy="830997"/>
           </a:xfrm>
           <a:prstGeom prst="rect">
             <a:avLst/>
@@ -10218,7 +8437,7 @@
                 <a:latin typeface="Microsoft YaHei" panose="020B0503020204020204" pitchFamily="34" charset="-122"/>
                 <a:ea typeface="Microsoft YaHei" panose="020B0503020204020204" pitchFamily="34" charset="-122"/>
               </a:rPr>
-              <a:t>2.</a:t>
+              <a:t>2.2</a:t>
             </a:r>
             <a:r>
               <a:rPr kumimoji="1" lang="zh-CN" altLang="en-US" sz="4800" dirty="0">
@@ -10253,7 +8472,7 @@
                 <a:latin typeface="Microsoft YaHei" panose="020B0503020204020204" pitchFamily="34" charset="-122"/>
                 <a:ea typeface="Microsoft YaHei" panose="020B0503020204020204" pitchFamily="34" charset="-122"/>
               </a:rPr>
-              <a:t>什么是计算机</a:t>
+              <a:t>计算机工作流</a:t>
             </a:r>
           </a:p>
         </p:txBody>
@@ -10341,8 +8560,8 @@
         </p:nvSpPr>
         <p:spPr>
           <a:xfrm>
-            <a:off x="2520000" y="720000"/>
-            <a:ext cx="7735824" cy="830997"/>
+            <a:off x="2234234" y="597430"/>
+            <a:ext cx="9132000" cy="830997"/>
           </a:xfrm>
           <a:prstGeom prst="rect">
             <a:avLst/>
@@ -10357,11 +8576,32 @@
           <a:p>
             <a:pPr algn="ctr"/>
             <a:r>
+              <a:rPr kumimoji="1" lang="en-US" altLang="zh-CN" sz="4800" dirty="0">
+                <a:latin typeface="Microsoft YaHei" panose="020B0503020204020204" pitchFamily="34" charset="-122"/>
+                <a:ea typeface="Microsoft YaHei" panose="020B0503020204020204" pitchFamily="34" charset="-122"/>
+              </a:rPr>
+              <a:t>3.Java</a:t>
+            </a:r>
+            <a:r>
               <a:rPr kumimoji="1" lang="zh-CN" altLang="en-US" sz="4800" dirty="0">
                 <a:latin typeface="Microsoft YaHei" panose="020B0503020204020204" pitchFamily="34" charset="-122"/>
                 <a:ea typeface="Microsoft YaHei" panose="020B0503020204020204" pitchFamily="34" charset="-122"/>
               </a:rPr>
-              <a:t>数据</a:t>
+              <a:t>基础</a:t>
+            </a:r>
+            <a:r>
+              <a:rPr kumimoji="1" lang="en-US" altLang="zh-CN" sz="4800" dirty="0">
+                <a:latin typeface="Microsoft YaHei" panose="020B0503020204020204" pitchFamily="34" charset="-122"/>
+                <a:ea typeface="Microsoft YaHei" panose="020B0503020204020204" pitchFamily="34" charset="-122"/>
+              </a:rPr>
+              <a:t>---</a:t>
+            </a:r>
+            <a:r>
+              <a:rPr kumimoji="1" lang="zh-CN" altLang="en-US" sz="4800" dirty="0">
+                <a:latin typeface="Microsoft YaHei" panose="020B0503020204020204" pitchFamily="34" charset="-122"/>
+                <a:ea typeface="Microsoft YaHei" panose="020B0503020204020204" pitchFamily="34" charset="-122"/>
+              </a:rPr>
+              <a:t>编程语言分类</a:t>
             </a:r>
           </a:p>
         </p:txBody>
@@ -10380,8 +8620,8 @@
         </p:nvSpPr>
         <p:spPr>
           <a:xfrm>
-            <a:off x="1060316" y="2708415"/>
-            <a:ext cx="10839384" cy="662489"/>
+            <a:off x="0" y="2185294"/>
+            <a:ext cx="8728364" cy="2487412"/>
           </a:xfrm>
           <a:prstGeom prst="rect">
             <a:avLst/>
@@ -10394,319 +8634,59 @@
           </a:bodyPr>
           <a:lstStyle/>
           <a:p>
-            <a:pPr>
+            <a:pPr marL="571500" indent="-571500" algn="ctr">
               <a:lnSpc>
                 <a:spcPct val="150000"/>
               </a:lnSpc>
+              <a:buFont typeface="Wingdings" pitchFamily="2" charset="2"/>
+              <a:buChar char="Ø"/>
             </a:pPr>
             <a:r>
-              <a:rPr kumimoji="1" lang="zh-CN" altLang="en-US" sz="2800" dirty="0">
-                <a:latin typeface="Microsoft YaHei" panose="020B0503020204020204" pitchFamily="34" charset="-122"/>
-                <a:ea typeface="Microsoft YaHei" panose="020B0503020204020204" pitchFamily="34" charset="-122"/>
-              </a:rPr>
-              <a:t> 描述客观事物的符号 且可以输入到计算机里面被计算机程序处理</a:t>
-            </a:r>
-          </a:p>
-        </p:txBody>
-      </p:sp>
-      <p:pic>
-        <p:nvPicPr>
-          <p:cNvPr id="7" name="图形 6" descr="音乐">
-            <a:extLst>
-              <a:ext uri="{FF2B5EF4-FFF2-40B4-BE49-F238E27FC236}">
-                <a16:creationId xmlns:a16="http://schemas.microsoft.com/office/drawing/2014/main" id="{BD48103E-648E-FD4D-BA23-A6B5F3D23E97}"/>
-              </a:ext>
-            </a:extLst>
-          </p:cNvPr>
-          <p:cNvPicPr>
-            <a:picLocks noChangeAspect="1"/>
-          </p:cNvPicPr>
-          <p:nvPr/>
-        </p:nvPicPr>
-        <p:blipFill>
-          <a:blip r:embed="rId4">
-            <a:extLst>
-              <a:ext uri="{96DAC541-7B7A-43D3-8B79-37D633B846F1}">
-                <asvg:svgBlip xmlns:asvg="http://schemas.microsoft.com/office/drawing/2016/SVG/main" r:embed="rId5"/>
-              </a:ext>
-            </a:extLst>
-          </a:blip>
-          <a:stretch>
-            <a:fillRect/>
-          </a:stretch>
-        </p:blipFill>
-        <p:spPr>
-          <a:xfrm>
-            <a:off x="2914584" y="4808580"/>
-            <a:ext cx="914400" cy="914400"/>
-          </a:xfrm>
-          <a:prstGeom prst="rect">
-            <a:avLst/>
-          </a:prstGeom>
-        </p:spPr>
-      </p:pic>
-      <p:pic>
-        <p:nvPicPr>
-          <p:cNvPr id="11" name="图形 10" descr="图像">
-            <a:extLst>
-              <a:ext uri="{FF2B5EF4-FFF2-40B4-BE49-F238E27FC236}">
-                <a16:creationId xmlns:a16="http://schemas.microsoft.com/office/drawing/2014/main" id="{DA175986-B919-994E-88A0-4980FD24A053}"/>
-              </a:ext>
-            </a:extLst>
-          </p:cNvPr>
-          <p:cNvPicPr>
-            <a:picLocks noChangeAspect="1"/>
-          </p:cNvPicPr>
-          <p:nvPr/>
-        </p:nvPicPr>
-        <p:blipFill>
-          <a:blip r:embed="rId6">
-            <a:extLst>
-              <a:ext uri="{96DAC541-7B7A-43D3-8B79-37D633B846F1}">
-                <asvg:svgBlip xmlns:asvg="http://schemas.microsoft.com/office/drawing/2016/SVG/main" r:embed="rId7"/>
-              </a:ext>
-            </a:extLst>
-          </a:blip>
-          <a:stretch>
-            <a:fillRect/>
-          </a:stretch>
-        </p:blipFill>
-        <p:spPr>
-          <a:xfrm>
-            <a:off x="5337396" y="4808580"/>
-            <a:ext cx="914400" cy="914400"/>
-          </a:xfrm>
-          <a:prstGeom prst="rect">
-            <a:avLst/>
-          </a:prstGeom>
-        </p:spPr>
-      </p:pic>
-      <p:pic>
-        <p:nvPicPr>
-          <p:cNvPr id="20" name="图形 19" descr="媒体演示文稿">
-            <a:extLst>
-              <a:ext uri="{FF2B5EF4-FFF2-40B4-BE49-F238E27FC236}">
-                <a16:creationId xmlns:a16="http://schemas.microsoft.com/office/drawing/2014/main" id="{20099E10-BB47-2143-997A-27EF3B637152}"/>
-              </a:ext>
-            </a:extLst>
-          </p:cNvPr>
-          <p:cNvPicPr>
-            <a:picLocks noChangeAspect="1"/>
-          </p:cNvPicPr>
-          <p:nvPr/>
-        </p:nvPicPr>
-        <p:blipFill>
-          <a:blip r:embed="rId8">
-            <a:extLst>
-              <a:ext uri="{96DAC541-7B7A-43D3-8B79-37D633B846F1}">
-                <asvg:svgBlip xmlns:asvg="http://schemas.microsoft.com/office/drawing/2016/SVG/main" r:embed="rId9"/>
-              </a:ext>
-            </a:extLst>
-          </a:blip>
-          <a:stretch>
-            <a:fillRect/>
-          </a:stretch>
-        </p:blipFill>
-        <p:spPr>
-          <a:xfrm>
-            <a:off x="7760208" y="4808580"/>
-            <a:ext cx="914400" cy="914400"/>
-          </a:xfrm>
-          <a:prstGeom prst="rect">
-            <a:avLst/>
-          </a:prstGeom>
-        </p:spPr>
-      </p:pic>
-      <p:sp>
-        <p:nvSpPr>
-          <p:cNvPr id="22" name="文本框 21">
-            <a:extLst>
-              <a:ext uri="{FF2B5EF4-FFF2-40B4-BE49-F238E27FC236}">
-                <a16:creationId xmlns:a16="http://schemas.microsoft.com/office/drawing/2014/main" id="{421C8F8E-3B10-EE48-8A33-65687856F696}"/>
-              </a:ext>
-            </a:extLst>
-          </p:cNvPr>
-          <p:cNvSpPr txBox="1"/>
-          <p:nvPr/>
-        </p:nvSpPr>
-        <p:spPr>
-          <a:xfrm>
-            <a:off x="2736972" y="5927098"/>
-            <a:ext cx="1269624" cy="369332"/>
-          </a:xfrm>
-          <a:prstGeom prst="rect">
-            <a:avLst/>
-          </a:prstGeom>
-          <a:noFill/>
-        </p:spPr>
-        <p:txBody>
-          <a:bodyPr wrap="square" rtlCol="0">
-            <a:spAutoFit/>
-          </a:bodyPr>
-          <a:lstStyle/>
-          <a:p>
-            <a:pPr algn="ctr"/>
-            <a:r>
-              <a:rPr kumimoji="1" lang="zh-CN" altLang="en-US" dirty="0"/>
-              <a:t>声音</a:t>
-            </a:r>
-          </a:p>
-        </p:txBody>
-      </p:sp>
-      <p:sp>
-        <p:nvSpPr>
-          <p:cNvPr id="23" name="文本框 22">
-            <a:extLst>
-              <a:ext uri="{FF2B5EF4-FFF2-40B4-BE49-F238E27FC236}">
-                <a16:creationId xmlns:a16="http://schemas.microsoft.com/office/drawing/2014/main" id="{9E21ED8F-2A72-804F-9BD8-F850A6CA22BA}"/>
-              </a:ext>
-            </a:extLst>
-          </p:cNvPr>
-          <p:cNvSpPr txBox="1"/>
-          <p:nvPr/>
-        </p:nvSpPr>
-        <p:spPr>
-          <a:xfrm>
-            <a:off x="5118288" y="5932456"/>
-            <a:ext cx="1269624" cy="369332"/>
-          </a:xfrm>
-          <a:prstGeom prst="rect">
-            <a:avLst/>
-          </a:prstGeom>
-          <a:noFill/>
-        </p:spPr>
-        <p:txBody>
-          <a:bodyPr wrap="square" rtlCol="0">
-            <a:spAutoFit/>
-          </a:bodyPr>
-          <a:lstStyle/>
-          <a:p>
-            <a:pPr algn="ctr"/>
-            <a:r>
-              <a:rPr kumimoji="1" lang="zh-CN" altLang="en-US" dirty="0"/>
-              <a:t>图片</a:t>
-            </a:r>
-          </a:p>
-        </p:txBody>
-      </p:sp>
-      <p:sp>
-        <p:nvSpPr>
-          <p:cNvPr id="24" name="文本框 23">
-            <a:extLst>
-              <a:ext uri="{FF2B5EF4-FFF2-40B4-BE49-F238E27FC236}">
-                <a16:creationId xmlns:a16="http://schemas.microsoft.com/office/drawing/2014/main" id="{DC526962-F1E2-C64D-8752-B5D50E221AE9}"/>
-              </a:ext>
-            </a:extLst>
-          </p:cNvPr>
-          <p:cNvSpPr txBox="1"/>
-          <p:nvPr/>
-        </p:nvSpPr>
-        <p:spPr>
-          <a:xfrm>
-            <a:off x="7582596" y="5927098"/>
-            <a:ext cx="1269624" cy="369332"/>
-          </a:xfrm>
-          <a:prstGeom prst="rect">
-            <a:avLst/>
-          </a:prstGeom>
-          <a:noFill/>
-        </p:spPr>
-        <p:txBody>
-          <a:bodyPr wrap="square" rtlCol="0">
-            <a:spAutoFit/>
-          </a:bodyPr>
-          <a:lstStyle/>
-          <a:p>
-            <a:pPr algn="ctr"/>
-            <a:r>
-              <a:rPr kumimoji="1" lang="zh-CN" altLang="en-US" dirty="0"/>
-              <a:t>视频</a:t>
-            </a:r>
-          </a:p>
-        </p:txBody>
-      </p:sp>
-      <p:sp>
-        <p:nvSpPr>
-          <p:cNvPr id="12" name="文本框 11">
-            <a:extLst>
-              <a:ext uri="{FF2B5EF4-FFF2-40B4-BE49-F238E27FC236}">
-                <a16:creationId xmlns:a16="http://schemas.microsoft.com/office/drawing/2014/main" id="{F14B615A-42FE-3D43-A5FE-3CE42167EDA2}"/>
-              </a:ext>
-            </a:extLst>
-          </p:cNvPr>
-          <p:cNvSpPr txBox="1"/>
-          <p:nvPr/>
-        </p:nvSpPr>
-        <p:spPr>
-          <a:xfrm>
-            <a:off x="540000" y="1800000"/>
-            <a:ext cx="1070042" cy="542675"/>
-          </a:xfrm>
-          <a:prstGeom prst="rect">
-            <a:avLst/>
-          </a:prstGeom>
-          <a:solidFill>
-            <a:schemeClr val="accent2"/>
-          </a:solidFill>
-        </p:spPr>
-        <p:txBody>
-          <a:bodyPr wrap="square" rtlCol="0">
-            <a:spAutoFit/>
-          </a:bodyPr>
-          <a:lstStyle/>
-          <a:p>
-            <a:r>
-              <a:rPr kumimoji="1" lang="zh-CN" altLang="en-US" sz="2800" dirty="0">
-                <a:solidFill>
-                  <a:schemeClr val="bg1"/>
-                </a:solidFill>
-                <a:latin typeface="Microsoft YaHei" panose="020B0503020204020204" pitchFamily="34" charset="-122"/>
-                <a:ea typeface="Microsoft YaHei" panose="020B0503020204020204" pitchFamily="34" charset="-122"/>
-              </a:rPr>
-              <a:t>定义</a:t>
-            </a:r>
-          </a:p>
-        </p:txBody>
-      </p:sp>
-      <p:sp>
-        <p:nvSpPr>
-          <p:cNvPr id="13" name="文本框 12">
-            <a:extLst>
-              <a:ext uri="{FF2B5EF4-FFF2-40B4-BE49-F238E27FC236}">
-                <a16:creationId xmlns:a16="http://schemas.microsoft.com/office/drawing/2014/main" id="{85875164-0528-F14B-A965-675C7C0B97D0}"/>
-              </a:ext>
-            </a:extLst>
-          </p:cNvPr>
-          <p:cNvSpPr txBox="1"/>
-          <p:nvPr/>
-        </p:nvSpPr>
-        <p:spPr>
-          <a:xfrm>
-            <a:off x="540000" y="3960000"/>
-            <a:ext cx="1070042" cy="542675"/>
-          </a:xfrm>
-          <a:prstGeom prst="rect">
-            <a:avLst/>
-          </a:prstGeom>
-          <a:solidFill>
-            <a:schemeClr val="accent2"/>
-          </a:solidFill>
-        </p:spPr>
-        <p:txBody>
-          <a:bodyPr wrap="square" rtlCol="0">
-            <a:spAutoFit/>
-          </a:bodyPr>
-          <a:lstStyle/>
-          <a:p>
-            <a:r>
-              <a:rPr kumimoji="1" lang="zh-CN" altLang="en-US" sz="2800" dirty="0">
-                <a:solidFill>
-                  <a:schemeClr val="bg1"/>
-                </a:solidFill>
-                <a:latin typeface="Microsoft YaHei" panose="020B0503020204020204" pitchFamily="34" charset="-122"/>
-                <a:ea typeface="Microsoft YaHei" panose="020B0503020204020204" pitchFamily="34" charset="-122"/>
-              </a:rPr>
-              <a:t>例子</a:t>
+              <a:rPr kumimoji="1" lang="zh-CN" altLang="en-US" sz="3600" dirty="0">
+                <a:latin typeface="Microsoft YaHei" panose="020B0503020204020204" pitchFamily="34" charset="-122"/>
+                <a:ea typeface="Microsoft YaHei" panose="020B0503020204020204" pitchFamily="34" charset="-122"/>
+              </a:rPr>
+              <a:t>机器语言</a:t>
+            </a:r>
+            <a:endParaRPr kumimoji="1" lang="en-US" altLang="zh-CN" sz="3600" dirty="0">
+              <a:latin typeface="Microsoft YaHei" panose="020B0503020204020204" pitchFamily="34" charset="-122"/>
+              <a:ea typeface="Microsoft YaHei" panose="020B0503020204020204" pitchFamily="34" charset="-122"/>
+            </a:endParaRPr>
+          </a:p>
+          <a:p>
+            <a:pPr marL="571500" indent="-571500" algn="ctr">
+              <a:lnSpc>
+                <a:spcPct val="150000"/>
+              </a:lnSpc>
+              <a:buFont typeface="Wingdings" pitchFamily="2" charset="2"/>
+              <a:buChar char="Ø"/>
+            </a:pPr>
+            <a:r>
+              <a:rPr kumimoji="1" lang="zh-CN" altLang="en-US" sz="3600" dirty="0">
+                <a:latin typeface="Microsoft YaHei" panose="020B0503020204020204" pitchFamily="34" charset="-122"/>
+                <a:ea typeface="Microsoft YaHei" panose="020B0503020204020204" pitchFamily="34" charset="-122"/>
+              </a:rPr>
+              <a:t>汇编语言</a:t>
+            </a:r>
+            <a:endParaRPr kumimoji="1" lang="en-US" altLang="zh-CN" sz="3600" dirty="0">
+              <a:latin typeface="Microsoft YaHei" panose="020B0503020204020204" pitchFamily="34" charset="-122"/>
+              <a:ea typeface="Microsoft YaHei" panose="020B0503020204020204" pitchFamily="34" charset="-122"/>
+            </a:endParaRPr>
+          </a:p>
+          <a:p>
+            <a:pPr marL="571500" indent="-571500" algn="ctr">
+              <a:lnSpc>
+                <a:spcPct val="150000"/>
+              </a:lnSpc>
+              <a:buFont typeface="Wingdings" pitchFamily="2" charset="2"/>
+              <a:buChar char="Ø"/>
+            </a:pPr>
+            <a:r>
+              <a:rPr kumimoji="1" lang="zh-CN" altLang="en-US" sz="3600" dirty="0">
+                <a:latin typeface="Microsoft YaHei" panose="020B0503020204020204" pitchFamily="34" charset="-122"/>
+                <a:ea typeface="Microsoft YaHei" panose="020B0503020204020204" pitchFamily="34" charset="-122"/>
+              </a:rPr>
+              <a:t>高级语言</a:t>
             </a:r>
           </a:p>
         </p:txBody>
@@ -10714,7 +8694,7 @@
     </p:spTree>
     <p:extLst>
       <p:ext uri="{BB962C8B-B14F-4D97-AF65-F5344CB8AC3E}">
-        <p14:creationId xmlns:p14="http://schemas.microsoft.com/office/powerpoint/2010/main" val="2943226683"/>
+        <p14:creationId xmlns:p14="http://schemas.microsoft.com/office/powerpoint/2010/main" val="24070890"/>
       </p:ext>
     </p:extLst>
   </p:cSld>
@@ -10805,7 +8785,7 @@
                 <a:latin typeface="Microsoft YaHei" panose="020B0503020204020204" pitchFamily="34" charset="-122"/>
                 <a:ea typeface="Microsoft YaHei" panose="020B0503020204020204" pitchFamily="34" charset="-122"/>
               </a:rPr>
-              <a:t>编程语言分类</a:t>
+              <a:t>机器语言</a:t>
             </a:r>
           </a:p>
         </p:txBody>
@@ -10825,7 +8805,7 @@
         <p:spPr>
           <a:xfrm>
             <a:off x="1246430" y="2630417"/>
-            <a:ext cx="11107608" cy="1955151"/>
+            <a:ext cx="11107608" cy="1308820"/>
           </a:xfrm>
           <a:prstGeom prst="rect">
             <a:avLst/>
@@ -10848,13 +8828,85 @@
                 <a:latin typeface="Microsoft YaHei" panose="020B0503020204020204" pitchFamily="34" charset="-122"/>
                 <a:ea typeface="Microsoft YaHei" panose="020B0503020204020204" pitchFamily="34" charset="-122"/>
               </a:rPr>
-              <a:t>机器语言</a:t>
+              <a:t>机器能直接识别的程序语言或指令代码，每一操作码在计算机内部都有相应的电路来完成它</a:t>
             </a:r>
             <a:endParaRPr kumimoji="1" lang="en-US" altLang="zh-CN" sz="2800" dirty="0">
               <a:latin typeface="Microsoft YaHei" panose="020B0503020204020204" pitchFamily="34" charset="-122"/>
               <a:ea typeface="Microsoft YaHei" panose="020B0503020204020204" pitchFamily="34" charset="-122"/>
             </a:endParaRPr>
           </a:p>
+        </p:txBody>
+      </p:sp>
+      <p:sp>
+        <p:nvSpPr>
+          <p:cNvPr id="4" name="文本框 3">
+            <a:extLst>
+              <a:ext uri="{FF2B5EF4-FFF2-40B4-BE49-F238E27FC236}">
+                <a16:creationId xmlns:a16="http://schemas.microsoft.com/office/drawing/2014/main" id="{357F0E15-D285-254C-9C4A-E329D81A8DE7}"/>
+              </a:ext>
+            </a:extLst>
+          </p:cNvPr>
+          <p:cNvSpPr txBox="1"/>
+          <p:nvPr/>
+        </p:nvSpPr>
+        <p:spPr>
+          <a:xfrm>
+            <a:off x="540000" y="1800000"/>
+            <a:ext cx="1070042" cy="542675"/>
+          </a:xfrm>
+          <a:prstGeom prst="rect">
+            <a:avLst/>
+          </a:prstGeom>
+          <a:solidFill>
+            <a:schemeClr val="accent2"/>
+          </a:solidFill>
+        </p:spPr>
+        <p:txBody>
+          <a:bodyPr wrap="square" rtlCol="0">
+            <a:spAutoFit/>
+          </a:bodyPr>
+          <a:lstStyle/>
+          <a:p>
+            <a:r>
+              <a:rPr kumimoji="1" lang="zh-CN" altLang="en-US" sz="2800" dirty="0">
+                <a:solidFill>
+                  <a:schemeClr val="bg1"/>
+                </a:solidFill>
+                <a:latin typeface="Microsoft YaHei" panose="020B0503020204020204" pitchFamily="34" charset="-122"/>
+                <a:ea typeface="Microsoft YaHei" panose="020B0503020204020204" pitchFamily="34" charset="-122"/>
+              </a:rPr>
+              <a:t>定义</a:t>
+            </a:r>
+          </a:p>
+        </p:txBody>
+      </p:sp>
+      <p:sp>
+        <p:nvSpPr>
+          <p:cNvPr id="5" name="文本框 4">
+            <a:extLst>
+              <a:ext uri="{FF2B5EF4-FFF2-40B4-BE49-F238E27FC236}">
+                <a16:creationId xmlns:a16="http://schemas.microsoft.com/office/drawing/2014/main" id="{D5BC3BC4-1A71-C146-AB99-FF6D4C51D844}"/>
+              </a:ext>
+            </a:extLst>
+          </p:cNvPr>
+          <p:cNvSpPr txBox="1"/>
+          <p:nvPr/>
+        </p:nvSpPr>
+        <p:spPr>
+          <a:xfrm>
+            <a:off x="1246430" y="4515326"/>
+            <a:ext cx="11107608" cy="662489"/>
+          </a:xfrm>
+          <a:prstGeom prst="rect">
+            <a:avLst/>
+          </a:prstGeom>
+          <a:noFill/>
+        </p:spPr>
+        <p:txBody>
+          <a:bodyPr wrap="square" rtlCol="0">
+            <a:spAutoFit/>
+          </a:bodyPr>
+          <a:lstStyle/>
           <a:p>
             <a:pPr>
               <a:lnSpc>
@@ -10862,29 +8914,39 @@
               </a:lnSpc>
             </a:pPr>
             <a:r>
+              <a:rPr kumimoji="1" lang="en-US" altLang="zh-CN" sz="2800" dirty="0">
+                <a:latin typeface="Microsoft YaHei" panose="020B0503020204020204" pitchFamily="34" charset="-122"/>
+                <a:ea typeface="Microsoft YaHei" panose="020B0503020204020204" pitchFamily="34" charset="-122"/>
+              </a:rPr>
+              <a:t>0100</a:t>
+            </a:r>
+            <a:r>
               <a:rPr kumimoji="1" lang="zh-CN" altLang="en-US" sz="2800" dirty="0">
                 <a:latin typeface="Microsoft YaHei" panose="020B0503020204020204" pitchFamily="34" charset="-122"/>
                 <a:ea typeface="Microsoft YaHei" panose="020B0503020204020204" pitchFamily="34" charset="-122"/>
               </a:rPr>
-              <a:t>汇编语言</a:t>
-            </a:r>
-            <a:endParaRPr kumimoji="1" lang="en-US" altLang="zh-CN" sz="2800" dirty="0">
-              <a:latin typeface="Microsoft YaHei" panose="020B0503020204020204" pitchFamily="34" charset="-122"/>
-              <a:ea typeface="Microsoft YaHei" panose="020B0503020204020204" pitchFamily="34" charset="-122"/>
-            </a:endParaRPr>
-          </a:p>
-          <a:p>
-            <a:pPr>
-              <a:lnSpc>
-                <a:spcPct val="150000"/>
-              </a:lnSpc>
-            </a:pPr>
+              <a:t> </a:t>
+            </a:r>
+            <a:r>
+              <a:rPr kumimoji="1" lang="en-US" altLang="zh-CN" sz="2800" dirty="0">
+                <a:latin typeface="Microsoft YaHei" panose="020B0503020204020204" pitchFamily="34" charset="-122"/>
+                <a:ea typeface="Microsoft YaHei" panose="020B0503020204020204" pitchFamily="34" charset="-122"/>
+              </a:rPr>
+              <a:t>0111</a:t>
+            </a:r>
             <a:r>
               <a:rPr kumimoji="1" lang="zh-CN" altLang="en-US" sz="2800" dirty="0">
                 <a:latin typeface="Microsoft YaHei" panose="020B0503020204020204" pitchFamily="34" charset="-122"/>
                 <a:ea typeface="Microsoft YaHei" panose="020B0503020204020204" pitchFamily="34" charset="-122"/>
               </a:rPr>
-              <a:t>高级语言</a:t>
+              <a:t> </a:t>
+            </a:r>
+            <a:r>
+              <a:rPr kumimoji="1" lang="en-US" altLang="zh-CN" sz="2800" dirty="0">
+                <a:latin typeface="Microsoft YaHei" panose="020B0503020204020204" pitchFamily="34" charset="-122"/>
+                <a:ea typeface="Microsoft YaHei" panose="020B0503020204020204" pitchFamily="34" charset="-122"/>
+              </a:rPr>
+              <a:t>1101…</a:t>
             </a:r>
           </a:p>
         </p:txBody>
@@ -10892,7 +8954,7 @@
     </p:spTree>
     <p:extLst>
       <p:ext uri="{BB962C8B-B14F-4D97-AF65-F5344CB8AC3E}">
-        <p14:creationId xmlns:p14="http://schemas.microsoft.com/office/powerpoint/2010/main" val="24070890"/>
+        <p14:creationId xmlns:p14="http://schemas.microsoft.com/office/powerpoint/2010/main" val="976537066"/>
       </p:ext>
     </p:extLst>
   </p:cSld>
@@ -10983,7 +9045,7 @@
                 <a:latin typeface="Microsoft YaHei" panose="020B0503020204020204" pitchFamily="34" charset="-122"/>
                 <a:ea typeface="Microsoft YaHei" panose="020B0503020204020204" pitchFamily="34" charset="-122"/>
               </a:rPr>
-              <a:t>机器语言</a:t>
+              <a:t>汇编语言</a:t>
             </a:r>
           </a:p>
         </p:txBody>
@@ -11002,8 +9064,8 @@
         </p:nvSpPr>
         <p:spPr>
           <a:xfrm>
-            <a:off x="1246430" y="2630417"/>
-            <a:ext cx="11107608" cy="1308820"/>
+            <a:off x="893618" y="2342675"/>
+            <a:ext cx="11003220" cy="3894143"/>
           </a:xfrm>
           <a:prstGeom prst="rect">
             <a:avLst/>
@@ -11026,13 +9088,252 @@
                 <a:latin typeface="Microsoft YaHei" panose="020B0503020204020204" pitchFamily="34" charset="-122"/>
                 <a:ea typeface="Microsoft YaHei" panose="020B0503020204020204" pitchFamily="34" charset="-122"/>
               </a:rPr>
-              <a:t>机器能直接识别的程序语言或指令代码，每一操作码在计算机内部都有相应的电路来完成它</a:t>
+              <a:t>用助记符代替机器指令的操作码，用地址符号或标号代替指令或操作数的地址。在不同的设备中，汇编语言对应着不同的机器语言指令集</a:t>
             </a:r>
             <a:endParaRPr kumimoji="1" lang="en-US" altLang="zh-CN" sz="2800" dirty="0">
               <a:latin typeface="Microsoft YaHei" panose="020B0503020204020204" pitchFamily="34" charset="-122"/>
               <a:ea typeface="Microsoft YaHei" panose="020B0503020204020204" pitchFamily="34" charset="-122"/>
             </a:endParaRPr>
           </a:p>
+          <a:p>
+            <a:pPr>
+              <a:lnSpc>
+                <a:spcPct val="150000"/>
+              </a:lnSpc>
+            </a:pPr>
+            <a:endParaRPr kumimoji="1" lang="en-US" altLang="zh-CN" sz="2800" dirty="0">
+              <a:latin typeface="Microsoft YaHei" panose="020B0503020204020204" pitchFamily="34" charset="-122"/>
+              <a:ea typeface="Microsoft YaHei" panose="020B0503020204020204" pitchFamily="34" charset="-122"/>
+            </a:endParaRPr>
+          </a:p>
+          <a:p>
+            <a:pPr>
+              <a:lnSpc>
+                <a:spcPct val="150000"/>
+              </a:lnSpc>
+            </a:pPr>
+            <a:r>
+              <a:rPr kumimoji="1" lang="en-US" altLang="zh-CN" sz="2800" dirty="0">
+                <a:latin typeface="Microsoft YaHei" panose="020B0503020204020204" pitchFamily="34" charset="-122"/>
+                <a:ea typeface="Microsoft YaHei" panose="020B0503020204020204" pitchFamily="34" charset="-122"/>
+              </a:rPr>
+              <a:t>ADD</a:t>
+            </a:r>
+            <a:r>
+              <a:rPr kumimoji="1" lang="zh-CN" altLang="en-US" sz="2800" dirty="0">
+                <a:latin typeface="Microsoft YaHei" panose="020B0503020204020204" pitchFamily="34" charset="-122"/>
+                <a:ea typeface="Microsoft YaHei" panose="020B0503020204020204" pitchFamily="34" charset="-122"/>
+              </a:rPr>
+              <a:t> </a:t>
+            </a:r>
+            <a:r>
+              <a:rPr kumimoji="1" lang="en-US" altLang="zh-CN" sz="2800" dirty="0">
+                <a:latin typeface="Microsoft YaHei" panose="020B0503020204020204" pitchFamily="34" charset="-122"/>
+                <a:ea typeface="Microsoft YaHei" panose="020B0503020204020204" pitchFamily="34" charset="-122"/>
+              </a:rPr>
+              <a:t>R</a:t>
+            </a:r>
+            <a:r>
+              <a:rPr kumimoji="1" lang="en-US" altLang="zh-CN" sz="2800" baseline="-25000" dirty="0">
+                <a:latin typeface="Microsoft YaHei" panose="020B0503020204020204" pitchFamily="34" charset="-122"/>
+                <a:ea typeface="Microsoft YaHei" panose="020B0503020204020204" pitchFamily="34" charset="-122"/>
+              </a:rPr>
+              <a:t>1</a:t>
+            </a:r>
+            <a:r>
+              <a:rPr kumimoji="1" lang="zh-CN" altLang="en-US" sz="2800" dirty="0">
+                <a:latin typeface="Microsoft YaHei" panose="020B0503020204020204" pitchFamily="34" charset="-122"/>
+                <a:ea typeface="Microsoft YaHei" panose="020B0503020204020204" pitchFamily="34" charset="-122"/>
+              </a:rPr>
+              <a:t> </a:t>
+            </a:r>
+            <a:r>
+              <a:rPr kumimoji="1" lang="en-US" altLang="zh-CN" sz="2800" dirty="0">
+                <a:latin typeface="Microsoft YaHei" panose="020B0503020204020204" pitchFamily="34" charset="-122"/>
+                <a:ea typeface="Microsoft YaHei" panose="020B0503020204020204" pitchFamily="34" charset="-122"/>
+              </a:rPr>
+              <a:t>R</a:t>
+            </a:r>
+            <a:r>
+              <a:rPr kumimoji="1" lang="en-US" altLang="zh-CN" sz="2800" baseline="-25000" dirty="0">
+                <a:latin typeface="Microsoft YaHei" panose="020B0503020204020204" pitchFamily="34" charset="-122"/>
+                <a:ea typeface="Microsoft YaHei" panose="020B0503020204020204" pitchFamily="34" charset="-122"/>
+              </a:rPr>
+              <a:t>2</a:t>
+            </a:r>
+            <a:r>
+              <a:rPr kumimoji="1" lang="zh-CN" altLang="en-US" sz="2800" dirty="0">
+                <a:latin typeface="Microsoft YaHei" panose="020B0503020204020204" pitchFamily="34" charset="-122"/>
+                <a:ea typeface="Microsoft YaHei" panose="020B0503020204020204" pitchFamily="34" charset="-122"/>
+              </a:rPr>
+              <a:t>   </a:t>
+            </a:r>
+            <a:r>
+              <a:rPr kumimoji="1" lang="en-US" altLang="zh-CN" sz="2800" dirty="0">
+                <a:latin typeface="Microsoft YaHei" panose="020B0503020204020204" pitchFamily="34" charset="-122"/>
+                <a:ea typeface="Microsoft YaHei" panose="020B0503020204020204" pitchFamily="34" charset="-122"/>
+              </a:rPr>
+              <a:t>//</a:t>
+            </a:r>
+            <a:r>
+              <a:rPr kumimoji="1" lang="zh-CN" altLang="en-US" sz="2800" dirty="0">
+                <a:latin typeface="Microsoft YaHei" panose="020B0503020204020204" pitchFamily="34" charset="-122"/>
+                <a:ea typeface="Microsoft YaHei" panose="020B0503020204020204" pitchFamily="34" charset="-122"/>
+              </a:rPr>
+              <a:t> </a:t>
+            </a:r>
+            <a:r>
+              <a:rPr kumimoji="1" lang="en-US" altLang="zh-CN" sz="2800" dirty="0">
+                <a:latin typeface="Microsoft YaHei" panose="020B0503020204020204" pitchFamily="34" charset="-122"/>
+                <a:ea typeface="Microsoft YaHei" panose="020B0503020204020204" pitchFamily="34" charset="-122"/>
+              </a:rPr>
+              <a:t>R</a:t>
+            </a:r>
+            <a:r>
+              <a:rPr kumimoji="1" lang="zh-CN" altLang="en-US" sz="2800" dirty="0">
+                <a:latin typeface="Microsoft YaHei" panose="020B0503020204020204" pitchFamily="34" charset="-122"/>
+                <a:ea typeface="Microsoft YaHei" panose="020B0503020204020204" pitchFamily="34" charset="-122"/>
+              </a:rPr>
+              <a:t>为寄存器</a:t>
+            </a:r>
+            <a:r>
+              <a:rPr kumimoji="1" lang="en-US" altLang="zh-CN" sz="2800" dirty="0">
+                <a:latin typeface="Microsoft YaHei" panose="020B0503020204020204" pitchFamily="34" charset="-122"/>
+                <a:ea typeface="Microsoft YaHei" panose="020B0503020204020204" pitchFamily="34" charset="-122"/>
+              </a:rPr>
+              <a:t>register</a:t>
+            </a:r>
+          </a:p>
+          <a:p>
+            <a:pPr>
+              <a:lnSpc>
+                <a:spcPct val="150000"/>
+              </a:lnSpc>
+            </a:pPr>
+            <a:r>
+              <a:rPr kumimoji="1" lang="en-US" altLang="zh-CN" sz="2800" dirty="0">
+                <a:latin typeface="Microsoft YaHei" panose="020B0503020204020204" pitchFamily="34" charset="-122"/>
+                <a:ea typeface="Microsoft YaHei" panose="020B0503020204020204" pitchFamily="34" charset="-122"/>
+              </a:rPr>
+              <a:t>MOV</a:t>
+            </a:r>
+            <a:r>
+              <a:rPr kumimoji="1" lang="zh-CN" altLang="en-US" sz="2800" dirty="0">
+                <a:latin typeface="Microsoft YaHei" panose="020B0503020204020204" pitchFamily="34" charset="-122"/>
+                <a:ea typeface="Microsoft YaHei" panose="020B0503020204020204" pitchFamily="34" charset="-122"/>
+              </a:rPr>
+              <a:t> </a:t>
+            </a:r>
+            <a:r>
+              <a:rPr kumimoji="1" lang="en-US" altLang="zh-CN" sz="2800" dirty="0">
+                <a:latin typeface="Microsoft YaHei" panose="020B0503020204020204" pitchFamily="34" charset="-122"/>
+                <a:ea typeface="Microsoft YaHei" panose="020B0503020204020204" pitchFamily="34" charset="-122"/>
+              </a:rPr>
+              <a:t>A,</a:t>
+            </a:r>
+            <a:r>
+              <a:rPr kumimoji="1" lang="zh-CN" altLang="en-US" sz="2800" dirty="0">
+                <a:latin typeface="Microsoft YaHei" panose="020B0503020204020204" pitchFamily="34" charset="-122"/>
+                <a:ea typeface="Microsoft YaHei" panose="020B0503020204020204" pitchFamily="34" charset="-122"/>
+              </a:rPr>
+              <a:t> </a:t>
+            </a:r>
+            <a:r>
+              <a:rPr kumimoji="1" lang="en-US" altLang="zh-CN" sz="2800" dirty="0">
+                <a:latin typeface="Microsoft YaHei" panose="020B0503020204020204" pitchFamily="34" charset="-122"/>
+                <a:ea typeface="Microsoft YaHei" panose="020B0503020204020204" pitchFamily="34" charset="-122"/>
+              </a:rPr>
+              <a:t>R</a:t>
+            </a:r>
+            <a:r>
+              <a:rPr kumimoji="1" lang="en-US" altLang="zh-CN" sz="2800" baseline="-25000" dirty="0">
+                <a:latin typeface="Microsoft YaHei" panose="020B0503020204020204" pitchFamily="34" charset="-122"/>
+                <a:ea typeface="Microsoft YaHei" panose="020B0503020204020204" pitchFamily="34" charset="-122"/>
+              </a:rPr>
+              <a:t>n</a:t>
+            </a:r>
+            <a:r>
+              <a:rPr kumimoji="1" lang="zh-CN" altLang="en-US" sz="2800" dirty="0">
+                <a:latin typeface="Microsoft YaHei" panose="020B0503020204020204" pitchFamily="34" charset="-122"/>
+                <a:ea typeface="Microsoft YaHei" panose="020B0503020204020204" pitchFamily="34" charset="-122"/>
+              </a:rPr>
+              <a:t> </a:t>
+            </a:r>
+            <a:r>
+              <a:rPr kumimoji="1" lang="en-US" altLang="zh-CN" sz="2800" dirty="0">
+                <a:latin typeface="Microsoft YaHei" panose="020B0503020204020204" pitchFamily="34" charset="-122"/>
+                <a:ea typeface="Microsoft YaHei" panose="020B0503020204020204" pitchFamily="34" charset="-122"/>
+              </a:rPr>
+              <a:t>(</a:t>
+            </a:r>
+            <a:r>
+              <a:rPr kumimoji="1" lang="zh-CN" altLang="en-US" sz="2800" dirty="0">
+                <a:latin typeface="Microsoft YaHei" panose="020B0503020204020204" pitchFamily="34" charset="-122"/>
+                <a:ea typeface="Microsoft YaHei" panose="020B0503020204020204" pitchFamily="34" charset="-122"/>
+              </a:rPr>
+              <a:t> </a:t>
+            </a:r>
+            <a:r>
+              <a:rPr kumimoji="1" lang="en-US" altLang="zh-CN" sz="2800" dirty="0">
+                <a:latin typeface="Microsoft YaHei" panose="020B0503020204020204" pitchFamily="34" charset="-122"/>
+                <a:ea typeface="Microsoft YaHei" panose="020B0503020204020204" pitchFamily="34" charset="-122"/>
+              </a:rPr>
+              <a:t>A</a:t>
+            </a:r>
+            <a:r>
+              <a:rPr kumimoji="1" lang="zh-CN" altLang="en-US" sz="2800" dirty="0">
+                <a:latin typeface="Microsoft YaHei" panose="020B0503020204020204" pitchFamily="34" charset="-122"/>
+                <a:ea typeface="Microsoft YaHei" panose="020B0503020204020204" pitchFamily="34" charset="-122"/>
+              </a:rPr>
+              <a:t> </a:t>
+            </a:r>
+            <a:r>
+              <a:rPr kumimoji="1" lang="en-US" altLang="zh-CN" sz="2800" dirty="0">
+                <a:latin typeface="Microsoft YaHei" panose="020B0503020204020204" pitchFamily="34" charset="-122"/>
+                <a:ea typeface="Microsoft YaHei" panose="020B0503020204020204" pitchFamily="34" charset="-122"/>
+              </a:rPr>
+              <a:t>&lt;-</a:t>
+            </a:r>
+            <a:r>
+              <a:rPr kumimoji="1" lang="zh-CN" altLang="en-US" sz="2800" dirty="0">
+                <a:latin typeface="Microsoft YaHei" panose="020B0503020204020204" pitchFamily="34" charset="-122"/>
+                <a:ea typeface="Microsoft YaHei" panose="020B0503020204020204" pitchFamily="34" charset="-122"/>
+              </a:rPr>
+              <a:t> </a:t>
+            </a:r>
+            <a:r>
+              <a:rPr kumimoji="1" lang="en-US" altLang="zh-CN" sz="2800" dirty="0">
+                <a:latin typeface="Microsoft YaHei" panose="020B0503020204020204" pitchFamily="34" charset="-122"/>
+                <a:ea typeface="Microsoft YaHei" panose="020B0503020204020204" pitchFamily="34" charset="-122"/>
+              </a:rPr>
+              <a:t>R</a:t>
+            </a:r>
+            <a:r>
+              <a:rPr kumimoji="1" lang="en-US" altLang="zh-CN" sz="2800" baseline="-25000" dirty="0">
+                <a:latin typeface="Microsoft YaHei" panose="020B0503020204020204" pitchFamily="34" charset="-122"/>
+                <a:ea typeface="Microsoft YaHei" panose="020B0503020204020204" pitchFamily="34" charset="-122"/>
+              </a:rPr>
+              <a:t>n</a:t>
+            </a:r>
+            <a:r>
+              <a:rPr kumimoji="1" lang="en-US" altLang="zh-CN" sz="2800" dirty="0">
+                <a:latin typeface="Microsoft YaHei" panose="020B0503020204020204" pitchFamily="34" charset="-122"/>
+                <a:ea typeface="Microsoft YaHei" panose="020B0503020204020204" pitchFamily="34" charset="-122"/>
+              </a:rPr>
+              <a:t>)</a:t>
+            </a:r>
+          </a:p>
+          <a:p>
+            <a:pPr>
+              <a:lnSpc>
+                <a:spcPct val="150000"/>
+              </a:lnSpc>
+            </a:pPr>
+            <a:endParaRPr kumimoji="1" lang="zh-CN" altLang="en-US" sz="2800" dirty="0">
+              <a:latin typeface="Microsoft YaHei" panose="020B0503020204020204" pitchFamily="34" charset="-122"/>
+              <a:ea typeface="Microsoft YaHei" panose="020B0503020204020204" pitchFamily="34" charset="-122"/>
+            </a:endParaRPr>
+          </a:p>
         </p:txBody>
       </p:sp>
       <p:sp>
@@ -11040,7 +9341,7 @@
           <p:cNvPr id="4" name="文本框 3">
             <a:extLst>
               <a:ext uri="{FF2B5EF4-FFF2-40B4-BE49-F238E27FC236}">
-                <a16:creationId xmlns:a16="http://schemas.microsoft.com/office/drawing/2014/main" id="{357F0E15-D285-254C-9C4A-E329D81A8DE7}"/>
+                <a16:creationId xmlns:a16="http://schemas.microsoft.com/office/drawing/2014/main" id="{DDC745ED-DF34-D342-B366-1489B28F4142}"/>
               </a:ext>
             </a:extLst>
           </p:cNvPr>
@@ -11081,7 +9382,7 @@
     </p:spTree>
     <p:extLst>
       <p:ext uri="{BB962C8B-B14F-4D97-AF65-F5344CB8AC3E}">
-        <p14:creationId xmlns:p14="http://schemas.microsoft.com/office/powerpoint/2010/main" val="976537066"/>
+        <p14:creationId xmlns:p14="http://schemas.microsoft.com/office/powerpoint/2010/main" val="1542873552"/>
       </p:ext>
     </p:extLst>
   </p:cSld>
